--- a/Workplan for project/schets situatie.pptx
+++ b/Workplan for project/schets situatie.pptx
@@ -110,6 +110,11 @@
       </a:defRPr>
     </a:lvl9pPr>
   </p:defaultTextStyle>
+  <p:extLst>
+    <p:ext uri="{EFAFB233-063F-42B5-8137-9DF3F51BA10A}">
+      <p15:sldGuideLst xmlns:p15="http://schemas.microsoft.com/office/powerpoint/2012/main"/>
+    </p:ext>
+  </p:extLst>
 </p:presentation>
 </file>
 
@@ -262,7 +267,7 @@
           <a:p>
             <a:fld id="{74C2A7DE-DD20-4600-BA6D-0213E0EB52CA}" type="datetimeFigureOut">
               <a:rPr lang="en-NL" smtClean="0"/>
-              <a:t>13/12/2023</a:t>
+              <a:t>21/12/2023</a:t>
             </a:fld>
             <a:endParaRPr lang="en-NL"/>
           </a:p>
@@ -462,7 +467,7 @@
           <a:p>
             <a:fld id="{74C2A7DE-DD20-4600-BA6D-0213E0EB52CA}" type="datetimeFigureOut">
               <a:rPr lang="en-NL" smtClean="0"/>
-              <a:t>13/12/2023</a:t>
+              <a:t>21/12/2023</a:t>
             </a:fld>
             <a:endParaRPr lang="en-NL"/>
           </a:p>
@@ -672,7 +677,7 @@
           <a:p>
             <a:fld id="{74C2A7DE-DD20-4600-BA6D-0213E0EB52CA}" type="datetimeFigureOut">
               <a:rPr lang="en-NL" smtClean="0"/>
-              <a:t>13/12/2023</a:t>
+              <a:t>21/12/2023</a:t>
             </a:fld>
             <a:endParaRPr lang="en-NL"/>
           </a:p>
@@ -872,7 +877,7 @@
           <a:p>
             <a:fld id="{74C2A7DE-DD20-4600-BA6D-0213E0EB52CA}" type="datetimeFigureOut">
               <a:rPr lang="en-NL" smtClean="0"/>
-              <a:t>13/12/2023</a:t>
+              <a:t>21/12/2023</a:t>
             </a:fld>
             <a:endParaRPr lang="en-NL"/>
           </a:p>
@@ -1148,7 +1153,7 @@
           <a:p>
             <a:fld id="{74C2A7DE-DD20-4600-BA6D-0213E0EB52CA}" type="datetimeFigureOut">
               <a:rPr lang="en-NL" smtClean="0"/>
-              <a:t>13/12/2023</a:t>
+              <a:t>21/12/2023</a:t>
             </a:fld>
             <a:endParaRPr lang="en-NL"/>
           </a:p>
@@ -1416,7 +1421,7 @@
           <a:p>
             <a:fld id="{74C2A7DE-DD20-4600-BA6D-0213E0EB52CA}" type="datetimeFigureOut">
               <a:rPr lang="en-NL" smtClean="0"/>
-              <a:t>13/12/2023</a:t>
+              <a:t>21/12/2023</a:t>
             </a:fld>
             <a:endParaRPr lang="en-NL"/>
           </a:p>
@@ -1831,7 +1836,7 @@
           <a:p>
             <a:fld id="{74C2A7DE-DD20-4600-BA6D-0213E0EB52CA}" type="datetimeFigureOut">
               <a:rPr lang="en-NL" smtClean="0"/>
-              <a:t>13/12/2023</a:t>
+              <a:t>21/12/2023</a:t>
             </a:fld>
             <a:endParaRPr lang="en-NL"/>
           </a:p>
@@ -1973,7 +1978,7 @@
           <a:p>
             <a:fld id="{74C2A7DE-DD20-4600-BA6D-0213E0EB52CA}" type="datetimeFigureOut">
               <a:rPr lang="en-NL" smtClean="0"/>
-              <a:t>13/12/2023</a:t>
+              <a:t>21/12/2023</a:t>
             </a:fld>
             <a:endParaRPr lang="en-NL"/>
           </a:p>
@@ -2086,7 +2091,7 @@
           <a:p>
             <a:fld id="{74C2A7DE-DD20-4600-BA6D-0213E0EB52CA}" type="datetimeFigureOut">
               <a:rPr lang="en-NL" smtClean="0"/>
-              <a:t>13/12/2023</a:t>
+              <a:t>21/12/2023</a:t>
             </a:fld>
             <a:endParaRPr lang="en-NL"/>
           </a:p>
@@ -2399,7 +2404,7 @@
           <a:p>
             <a:fld id="{74C2A7DE-DD20-4600-BA6D-0213E0EB52CA}" type="datetimeFigureOut">
               <a:rPr lang="en-NL" smtClean="0"/>
-              <a:t>13/12/2023</a:t>
+              <a:t>21/12/2023</a:t>
             </a:fld>
             <a:endParaRPr lang="en-NL"/>
           </a:p>
@@ -2688,7 +2693,7 @@
           <a:p>
             <a:fld id="{74C2A7DE-DD20-4600-BA6D-0213E0EB52CA}" type="datetimeFigureOut">
               <a:rPr lang="en-NL" smtClean="0"/>
-              <a:t>13/12/2023</a:t>
+              <a:t>21/12/2023</a:t>
             </a:fld>
             <a:endParaRPr lang="en-NL"/>
           </a:p>
@@ -2931,7 +2936,7 @@
           <a:p>
             <a:fld id="{74C2A7DE-DD20-4600-BA6D-0213E0EB52CA}" type="datetimeFigureOut">
               <a:rPr lang="en-NL" smtClean="0"/>
-              <a:t>13/12/2023</a:t>
+              <a:t>21/12/2023</a:t>
             </a:fld>
             <a:endParaRPr lang="en-NL"/>
           </a:p>
@@ -5158,7 +5163,7 @@
           <a:p>
             <a:pPr lvl="1"/>
             <a:r>
-              <a:rPr lang="en-GB" dirty="0"/>
+              <a:rPr lang="en-GB" strike="sngStrike" dirty="0"/>
               <a:t>Analysis of when water excess</a:t>
             </a:r>
           </a:p>
@@ -5184,7 +5189,7 @@
           </a:p>
           <a:p>
             <a:r>
-              <a:rPr lang="en-GB" dirty="0"/>
+              <a:rPr lang="en-GB" strike="sngStrike" dirty="0"/>
               <a:t>Storage possibly above ground if pumping rate too low</a:t>
             </a:r>
           </a:p>

--- a/Workplan for project/schets situatie.pptx
+++ b/Workplan for project/schets situatie.pptx
@@ -4,14 +4,20 @@
   <p:sldMasterIdLst>
     <p:sldMasterId id="2147483648" r:id="rId1"/>
   </p:sldMasterIdLst>
+  <p:notesMasterIdLst>
+    <p:notesMasterId r:id="rId12"/>
+  </p:notesMasterIdLst>
   <p:sldIdLst>
     <p:sldId id="256" r:id="rId2"/>
     <p:sldId id="257" r:id="rId3"/>
     <p:sldId id="258" r:id="rId4"/>
     <p:sldId id="259" r:id="rId5"/>
-    <p:sldId id="260" r:id="rId6"/>
-    <p:sldId id="261" r:id="rId7"/>
-    <p:sldId id="262" r:id="rId8"/>
+    <p:sldId id="286" r:id="rId6"/>
+    <p:sldId id="295" r:id="rId7"/>
+    <p:sldId id="298" r:id="rId8"/>
+    <p:sldId id="260" r:id="rId9"/>
+    <p:sldId id="261" r:id="rId10"/>
+    <p:sldId id="262" r:id="rId11"/>
   </p:sldIdLst>
   <p:sldSz cx="12192000" cy="6858000"/>
   <p:notesSz cx="6858000" cy="9144000"/>
@@ -118,6 +124,445 @@
 </p:presentation>
 </file>
 
+<file path=ppt/notesMasters/notesMaster1.xml><?xml version="1.0" encoding="utf-8"?>
+<p:notesMaster xmlns:a="http://schemas.openxmlformats.org/drawingml/2006/main" xmlns:r="http://schemas.openxmlformats.org/officeDocument/2006/relationships" xmlns:p="http://schemas.openxmlformats.org/presentationml/2006/main">
+  <p:cSld>
+    <p:bg>
+      <p:bgRef idx="1001">
+        <a:schemeClr val="bg1"/>
+      </p:bgRef>
+    </p:bg>
+    <p:spTree>
+      <p:nvGrpSpPr>
+        <p:cNvPr id="1" name=""/>
+        <p:cNvGrpSpPr/>
+        <p:nvPr/>
+      </p:nvGrpSpPr>
+      <p:grpSpPr>
+        <a:xfrm>
+          <a:off x="0" y="0"/>
+          <a:ext cx="0" cy="0"/>
+          <a:chOff x="0" y="0"/>
+          <a:chExt cx="0" cy="0"/>
+        </a:xfrm>
+      </p:grpSpPr>
+      <p:sp>
+        <p:nvSpPr>
+          <p:cNvPr id="2" name="Header Placeholder 1"/>
+          <p:cNvSpPr>
+            <a:spLocks noGrp="1"/>
+          </p:cNvSpPr>
+          <p:nvPr>
+            <p:ph type="hdr" sz="quarter"/>
+          </p:nvPr>
+        </p:nvSpPr>
+        <p:spPr>
+          <a:xfrm>
+            <a:off x="0" y="0"/>
+            <a:ext cx="2971800" cy="458788"/>
+          </a:xfrm>
+          <a:prstGeom prst="rect">
+            <a:avLst/>
+          </a:prstGeom>
+        </p:spPr>
+        <p:txBody>
+          <a:bodyPr vert="horz" lIns="91440" tIns="45720" rIns="91440" bIns="45720" rtlCol="0"/>
+          <a:lstStyle>
+            <a:lvl1pPr algn="l">
+              <a:defRPr sz="1200"/>
+            </a:lvl1pPr>
+          </a:lstStyle>
+          <a:p>
+            <a:endParaRPr lang="nl-NL"/>
+          </a:p>
+        </p:txBody>
+      </p:sp>
+      <p:sp>
+        <p:nvSpPr>
+          <p:cNvPr id="3" name="Date Placeholder 2"/>
+          <p:cNvSpPr>
+            <a:spLocks noGrp="1"/>
+          </p:cNvSpPr>
+          <p:nvPr>
+            <p:ph type="dt" idx="1"/>
+          </p:nvPr>
+        </p:nvSpPr>
+        <p:spPr>
+          <a:xfrm>
+            <a:off x="3884613" y="0"/>
+            <a:ext cx="2971800" cy="458788"/>
+          </a:xfrm>
+          <a:prstGeom prst="rect">
+            <a:avLst/>
+          </a:prstGeom>
+        </p:spPr>
+        <p:txBody>
+          <a:bodyPr vert="horz" lIns="91440" tIns="45720" rIns="91440" bIns="45720" rtlCol="0"/>
+          <a:lstStyle>
+            <a:lvl1pPr algn="r">
+              <a:defRPr sz="1200"/>
+            </a:lvl1pPr>
+          </a:lstStyle>
+          <a:p>
+            <a:fld id="{D3C13D3F-77C7-4BBB-A0B9-6F070966712D}" type="datetimeFigureOut">
+              <a:rPr lang="nl-NL" smtClean="0"/>
+              <a:t>3-1-2024</a:t>
+            </a:fld>
+            <a:endParaRPr lang="nl-NL"/>
+          </a:p>
+        </p:txBody>
+      </p:sp>
+      <p:sp>
+        <p:nvSpPr>
+          <p:cNvPr id="4" name="Slide Image Placeholder 3"/>
+          <p:cNvSpPr>
+            <a:spLocks noGrp="1" noRot="1" noChangeAspect="1"/>
+          </p:cNvSpPr>
+          <p:nvPr>
+            <p:ph type="sldImg" idx="2"/>
+          </p:nvPr>
+        </p:nvSpPr>
+        <p:spPr>
+          <a:xfrm>
+            <a:off x="685800" y="1143000"/>
+            <a:ext cx="5486400" cy="3086100"/>
+          </a:xfrm>
+          <a:prstGeom prst="rect">
+            <a:avLst/>
+          </a:prstGeom>
+          <a:noFill/>
+          <a:ln w="12700">
+            <a:solidFill>
+              <a:prstClr val="black"/>
+            </a:solidFill>
+          </a:ln>
+        </p:spPr>
+        <p:txBody>
+          <a:bodyPr vert="horz" lIns="91440" tIns="45720" rIns="91440" bIns="45720" rtlCol="0" anchor="ctr"/>
+          <a:lstStyle/>
+          <a:p>
+            <a:endParaRPr lang="nl-NL"/>
+          </a:p>
+        </p:txBody>
+      </p:sp>
+      <p:sp>
+        <p:nvSpPr>
+          <p:cNvPr id="5" name="Notes Placeholder 4"/>
+          <p:cNvSpPr>
+            <a:spLocks noGrp="1"/>
+          </p:cNvSpPr>
+          <p:nvPr>
+            <p:ph type="body" sz="quarter" idx="3"/>
+          </p:nvPr>
+        </p:nvSpPr>
+        <p:spPr>
+          <a:xfrm>
+            <a:off x="685800" y="4400550"/>
+            <a:ext cx="5486400" cy="3600450"/>
+          </a:xfrm>
+          <a:prstGeom prst="rect">
+            <a:avLst/>
+          </a:prstGeom>
+        </p:spPr>
+        <p:txBody>
+          <a:bodyPr vert="horz" lIns="91440" tIns="45720" rIns="91440" bIns="45720" rtlCol="0"/>
+          <a:lstStyle/>
+          <a:p>
+            <a:pPr lvl="0"/>
+            <a:r>
+              <a:rPr lang="en-US"/>
+              <a:t>Click to edit Master text styles</a:t>
+            </a:r>
+          </a:p>
+          <a:p>
+            <a:pPr lvl="1"/>
+            <a:r>
+              <a:rPr lang="en-US"/>
+              <a:t>Second level</a:t>
+            </a:r>
+          </a:p>
+          <a:p>
+            <a:pPr lvl="2"/>
+            <a:r>
+              <a:rPr lang="en-US"/>
+              <a:t>Third level</a:t>
+            </a:r>
+          </a:p>
+          <a:p>
+            <a:pPr lvl="3"/>
+            <a:r>
+              <a:rPr lang="en-US"/>
+              <a:t>Fourth level</a:t>
+            </a:r>
+          </a:p>
+          <a:p>
+            <a:pPr lvl="4"/>
+            <a:r>
+              <a:rPr lang="en-US"/>
+              <a:t>Fifth level</a:t>
+            </a:r>
+            <a:endParaRPr lang="nl-NL"/>
+          </a:p>
+        </p:txBody>
+      </p:sp>
+      <p:sp>
+        <p:nvSpPr>
+          <p:cNvPr id="6" name="Footer Placeholder 5"/>
+          <p:cNvSpPr>
+            <a:spLocks noGrp="1"/>
+          </p:cNvSpPr>
+          <p:nvPr>
+            <p:ph type="ftr" sz="quarter" idx="4"/>
+          </p:nvPr>
+        </p:nvSpPr>
+        <p:spPr>
+          <a:xfrm>
+            <a:off x="0" y="8685213"/>
+            <a:ext cx="2971800" cy="458787"/>
+          </a:xfrm>
+          <a:prstGeom prst="rect">
+            <a:avLst/>
+          </a:prstGeom>
+        </p:spPr>
+        <p:txBody>
+          <a:bodyPr vert="horz" lIns="91440" tIns="45720" rIns="91440" bIns="45720" rtlCol="0" anchor="b"/>
+          <a:lstStyle>
+            <a:lvl1pPr algn="l">
+              <a:defRPr sz="1200"/>
+            </a:lvl1pPr>
+          </a:lstStyle>
+          <a:p>
+            <a:endParaRPr lang="nl-NL"/>
+          </a:p>
+        </p:txBody>
+      </p:sp>
+      <p:sp>
+        <p:nvSpPr>
+          <p:cNvPr id="7" name="Slide Number Placeholder 6"/>
+          <p:cNvSpPr>
+            <a:spLocks noGrp="1"/>
+          </p:cNvSpPr>
+          <p:nvPr>
+            <p:ph type="sldNum" sz="quarter" idx="5"/>
+          </p:nvPr>
+        </p:nvSpPr>
+        <p:spPr>
+          <a:xfrm>
+            <a:off x="3884613" y="8685213"/>
+            <a:ext cx="2971800" cy="458787"/>
+          </a:xfrm>
+          <a:prstGeom prst="rect">
+            <a:avLst/>
+          </a:prstGeom>
+        </p:spPr>
+        <p:txBody>
+          <a:bodyPr vert="horz" lIns="91440" tIns="45720" rIns="91440" bIns="45720" rtlCol="0" anchor="b"/>
+          <a:lstStyle>
+            <a:lvl1pPr algn="r">
+              <a:defRPr sz="1200"/>
+            </a:lvl1pPr>
+          </a:lstStyle>
+          <a:p>
+            <a:fld id="{C28101FB-427A-49CD-9AED-368896EE5BDA}" type="slidenum">
+              <a:rPr lang="nl-NL" smtClean="0"/>
+              <a:t>‹#›</a:t>
+            </a:fld>
+            <a:endParaRPr lang="nl-NL"/>
+          </a:p>
+        </p:txBody>
+      </p:sp>
+    </p:spTree>
+    <p:extLst>
+      <p:ext uri="{BB962C8B-B14F-4D97-AF65-F5344CB8AC3E}">
+        <p14:creationId xmlns:p14="http://schemas.microsoft.com/office/powerpoint/2010/main" val="1946624299"/>
+      </p:ext>
+    </p:extLst>
+  </p:cSld>
+  <p:clrMap bg1="lt1" tx1="dk1" bg2="lt2" tx2="dk2" accent1="accent1" accent2="accent2" accent3="accent3" accent4="accent4" accent5="accent5" accent6="accent6" hlink="hlink" folHlink="folHlink"/>
+  <p:notesStyle>
+    <a:lvl1pPr marL="0" algn="l" defTabSz="914400" rtl="0" eaLnBrk="1" latinLnBrk="0" hangingPunct="1">
+      <a:defRPr sz="1200" kern="1200">
+        <a:solidFill>
+          <a:schemeClr val="tx1"/>
+        </a:solidFill>
+        <a:latin typeface="+mn-lt"/>
+        <a:ea typeface="+mn-ea"/>
+        <a:cs typeface="+mn-cs"/>
+      </a:defRPr>
+    </a:lvl1pPr>
+    <a:lvl2pPr marL="457200" algn="l" defTabSz="914400" rtl="0" eaLnBrk="1" latinLnBrk="0" hangingPunct="1">
+      <a:defRPr sz="1200" kern="1200">
+        <a:solidFill>
+          <a:schemeClr val="tx1"/>
+        </a:solidFill>
+        <a:latin typeface="+mn-lt"/>
+        <a:ea typeface="+mn-ea"/>
+        <a:cs typeface="+mn-cs"/>
+      </a:defRPr>
+    </a:lvl2pPr>
+    <a:lvl3pPr marL="914400" algn="l" defTabSz="914400" rtl="0" eaLnBrk="1" latinLnBrk="0" hangingPunct="1">
+      <a:defRPr sz="1200" kern="1200">
+        <a:solidFill>
+          <a:schemeClr val="tx1"/>
+        </a:solidFill>
+        <a:latin typeface="+mn-lt"/>
+        <a:ea typeface="+mn-ea"/>
+        <a:cs typeface="+mn-cs"/>
+      </a:defRPr>
+    </a:lvl3pPr>
+    <a:lvl4pPr marL="1371600" algn="l" defTabSz="914400" rtl="0" eaLnBrk="1" latinLnBrk="0" hangingPunct="1">
+      <a:defRPr sz="1200" kern="1200">
+        <a:solidFill>
+          <a:schemeClr val="tx1"/>
+        </a:solidFill>
+        <a:latin typeface="+mn-lt"/>
+        <a:ea typeface="+mn-ea"/>
+        <a:cs typeface="+mn-cs"/>
+      </a:defRPr>
+    </a:lvl4pPr>
+    <a:lvl5pPr marL="1828800" algn="l" defTabSz="914400" rtl="0" eaLnBrk="1" latinLnBrk="0" hangingPunct="1">
+      <a:defRPr sz="1200" kern="1200">
+        <a:solidFill>
+          <a:schemeClr val="tx1"/>
+        </a:solidFill>
+        <a:latin typeface="+mn-lt"/>
+        <a:ea typeface="+mn-ea"/>
+        <a:cs typeface="+mn-cs"/>
+      </a:defRPr>
+    </a:lvl5pPr>
+    <a:lvl6pPr marL="2286000" algn="l" defTabSz="914400" rtl="0" eaLnBrk="1" latinLnBrk="0" hangingPunct="1">
+      <a:defRPr sz="1200" kern="1200">
+        <a:solidFill>
+          <a:schemeClr val="tx1"/>
+        </a:solidFill>
+        <a:latin typeface="+mn-lt"/>
+        <a:ea typeface="+mn-ea"/>
+        <a:cs typeface="+mn-cs"/>
+      </a:defRPr>
+    </a:lvl6pPr>
+    <a:lvl7pPr marL="2743200" algn="l" defTabSz="914400" rtl="0" eaLnBrk="1" latinLnBrk="0" hangingPunct="1">
+      <a:defRPr sz="1200" kern="1200">
+        <a:solidFill>
+          <a:schemeClr val="tx1"/>
+        </a:solidFill>
+        <a:latin typeface="+mn-lt"/>
+        <a:ea typeface="+mn-ea"/>
+        <a:cs typeface="+mn-cs"/>
+      </a:defRPr>
+    </a:lvl7pPr>
+    <a:lvl8pPr marL="3200400" algn="l" defTabSz="914400" rtl="0" eaLnBrk="1" latinLnBrk="0" hangingPunct="1">
+      <a:defRPr sz="1200" kern="1200">
+        <a:solidFill>
+          <a:schemeClr val="tx1"/>
+        </a:solidFill>
+        <a:latin typeface="+mn-lt"/>
+        <a:ea typeface="+mn-ea"/>
+        <a:cs typeface="+mn-cs"/>
+      </a:defRPr>
+    </a:lvl8pPr>
+    <a:lvl9pPr marL="3657600" algn="l" defTabSz="914400" rtl="0" eaLnBrk="1" latinLnBrk="0" hangingPunct="1">
+      <a:defRPr sz="1200" kern="1200">
+        <a:solidFill>
+          <a:schemeClr val="tx1"/>
+        </a:solidFill>
+        <a:latin typeface="+mn-lt"/>
+        <a:ea typeface="+mn-ea"/>
+        <a:cs typeface="+mn-cs"/>
+      </a:defRPr>
+    </a:lvl9pPr>
+  </p:notesStyle>
+</p:notesMaster>
+</file>
+
+<file path=ppt/notesSlides/notesSlide1.xml><?xml version="1.0" encoding="utf-8"?>
+<p:notes xmlns:a="http://schemas.openxmlformats.org/drawingml/2006/main" xmlns:r="http://schemas.openxmlformats.org/officeDocument/2006/relationships" xmlns:p="http://schemas.openxmlformats.org/presentationml/2006/main">
+  <p:cSld>
+    <p:spTree>
+      <p:nvGrpSpPr>
+        <p:cNvPr id="1" name=""/>
+        <p:cNvGrpSpPr/>
+        <p:nvPr/>
+      </p:nvGrpSpPr>
+      <p:grpSpPr>
+        <a:xfrm>
+          <a:off x="0" y="0"/>
+          <a:ext cx="0" cy="0"/>
+          <a:chOff x="0" y="0"/>
+          <a:chExt cx="0" cy="0"/>
+        </a:xfrm>
+      </p:grpSpPr>
+      <p:sp>
+        <p:nvSpPr>
+          <p:cNvPr id="2" name="Slide Image Placeholder 1"/>
+          <p:cNvSpPr>
+            <a:spLocks noGrp="1" noRot="1" noChangeAspect="1"/>
+          </p:cNvSpPr>
+          <p:nvPr>
+            <p:ph type="sldImg"/>
+          </p:nvPr>
+        </p:nvSpPr>
+        <p:spPr>
+          <a:xfrm>
+            <a:off x="381000" y="963613"/>
+            <a:ext cx="6096000" cy="3429000"/>
+          </a:xfrm>
+        </p:spPr>
+      </p:sp>
+      <p:sp>
+        <p:nvSpPr>
+          <p:cNvPr id="3" name="Notes Placeholder 2"/>
+          <p:cNvSpPr>
+            <a:spLocks noGrp="1"/>
+          </p:cNvSpPr>
+          <p:nvPr>
+            <p:ph type="body" idx="1"/>
+          </p:nvPr>
+        </p:nvSpPr>
+        <p:spPr/>
+        <p:txBody>
+          <a:bodyPr/>
+          <a:lstStyle/>
+          <a:p>
+            <a:endParaRPr lang="nl-NL" dirty="0"/>
+          </a:p>
+        </p:txBody>
+      </p:sp>
+      <p:sp>
+        <p:nvSpPr>
+          <p:cNvPr id="4" name="Slide Number Placeholder 3"/>
+          <p:cNvSpPr>
+            <a:spLocks noGrp="1"/>
+          </p:cNvSpPr>
+          <p:nvPr>
+            <p:ph type="sldNum" sz="quarter" idx="5"/>
+          </p:nvPr>
+        </p:nvSpPr>
+        <p:spPr/>
+        <p:txBody>
+          <a:bodyPr/>
+          <a:lstStyle/>
+          <a:p>
+            <a:fld id="{697381A9-0C9E-4D3A-A28B-AC4E168A57BC}" type="slidenum">
+              <a:rPr lang="en-GB" smtClean="0"/>
+              <a:t>6</a:t>
+            </a:fld>
+            <a:endParaRPr lang="en-GB" dirty="0"/>
+          </a:p>
+        </p:txBody>
+      </p:sp>
+    </p:spTree>
+    <p:extLst>
+      <p:ext uri="{BB962C8B-B14F-4D97-AF65-F5344CB8AC3E}">
+        <p14:creationId xmlns:p14="http://schemas.microsoft.com/office/powerpoint/2010/main" val="351238985"/>
+      </p:ext>
+    </p:extLst>
+  </p:cSld>
+  <p:clrMapOvr>
+    <a:masterClrMapping/>
+  </p:clrMapOvr>
+</p:notes>
+</file>
+
 <file path=ppt/slideLayouts/slideLayout1.xml><?xml version="1.0" encoding="utf-8"?>
 <p:sldLayout xmlns:a="http://schemas.openxmlformats.org/drawingml/2006/main" xmlns:r="http://schemas.openxmlformats.org/officeDocument/2006/relationships" xmlns:p="http://schemas.openxmlformats.org/presentationml/2006/main" type="title" preserve="1">
   <p:cSld name="Title Slide">
@@ -267,7 +712,7 @@
           <a:p>
             <a:fld id="{74C2A7DE-DD20-4600-BA6D-0213E0EB52CA}" type="datetimeFigureOut">
               <a:rPr lang="en-NL" smtClean="0"/>
-              <a:t>21/12/2023</a:t>
+              <a:t>01/03/2024</a:t>
             </a:fld>
             <a:endParaRPr lang="en-NL"/>
           </a:p>
@@ -467,7 +912,7 @@
           <a:p>
             <a:fld id="{74C2A7DE-DD20-4600-BA6D-0213E0EB52CA}" type="datetimeFigureOut">
               <a:rPr lang="en-NL" smtClean="0"/>
-              <a:t>21/12/2023</a:t>
+              <a:t>01/03/2024</a:t>
             </a:fld>
             <a:endParaRPr lang="en-NL"/>
           </a:p>
@@ -677,7 +1122,7 @@
           <a:p>
             <a:fld id="{74C2A7DE-DD20-4600-BA6D-0213E0EB52CA}" type="datetimeFigureOut">
               <a:rPr lang="en-NL" smtClean="0"/>
-              <a:t>21/12/2023</a:t>
+              <a:t>01/03/2024</a:t>
             </a:fld>
             <a:endParaRPr lang="en-NL"/>
           </a:p>
@@ -747,6 +1192,738 @@
   <p:clrMapOvr>
     <a:masterClrMapping/>
   </p:clrMapOvr>
+</p:sldLayout>
+</file>
+
+<file path=ppt/slideLayouts/slideLayout12.xml><?xml version="1.0" encoding="utf-8"?>
+<p:sldLayout xmlns:a="http://schemas.openxmlformats.org/drawingml/2006/main" xmlns:r="http://schemas.openxmlformats.org/officeDocument/2006/relationships" xmlns:p="http://schemas.openxmlformats.org/presentationml/2006/main">
+  <p:cSld name="1_Two Content">
+    <p:spTree>
+      <p:nvGrpSpPr>
+        <p:cNvPr id="1" name=""/>
+        <p:cNvGrpSpPr/>
+        <p:nvPr/>
+      </p:nvGrpSpPr>
+      <p:grpSpPr>
+        <a:xfrm>
+          <a:off x="0" y="0"/>
+          <a:ext cx="0" cy="0"/>
+          <a:chOff x="0" y="0"/>
+          <a:chExt cx="0" cy="0"/>
+        </a:xfrm>
+      </p:grpSpPr>
+      <p:sp>
+        <p:nvSpPr>
+          <p:cNvPr id="5" name="Placeholdernummer 4 (JU-Free)"/>
+          <p:cNvSpPr>
+            <a:spLocks noGrp="1"/>
+          </p:cNvSpPr>
+          <p:nvPr>
+            <p:ph type="sldNum" sz="quarter" idx="17"/>
+          </p:nvPr>
+        </p:nvSpPr>
+        <p:spPr/>
+        <p:txBody>
+          <a:bodyPr/>
+          <a:lstStyle/>
+          <a:p>
+            <a:fld id="{1336C48C-F87C-4E4B-81EF-5027B17D1F61}" type="slidenum">
+              <a:rPr lang="en-GB" noProof="1" smtClean="0"/>
+              <a:t>‹#›</a:t>
+            </a:fld>
+            <a:endParaRPr lang="en-GB" noProof="1"/>
+          </a:p>
+        </p:txBody>
+      </p:sp>
+      <p:sp>
+        <p:nvSpPr>
+          <p:cNvPr id="7" name="Content Placeholder R (JU-Free)"/>
+          <p:cNvSpPr>
+            <a:spLocks noGrp="1"/>
+          </p:cNvSpPr>
+          <p:nvPr>
+            <p:ph sz="quarter" idx="14" hasCustomPrompt="1"/>
+          </p:nvPr>
+        </p:nvSpPr>
+        <p:spPr bwMode="gray">
+          <a:xfrm>
+            <a:off x="6557492" y="2030400"/>
+            <a:ext cx="4750763" cy="3883320"/>
+          </a:xfrm>
+        </p:spPr>
+        <p:txBody>
+          <a:bodyPr/>
+          <a:lstStyle>
+            <a:lvl1pPr marL="0" indent="0">
+              <a:buNone/>
+            </a:lvl1pPr>
+            <a:lvl2pPr marL="0" indent="0">
+              <a:buNone/>
+              <a:defRPr b="1">
+                <a:latin typeface="Calibri" panose="020F0502020204030204" pitchFamily="34" charset="0"/>
+              </a:defRPr>
+            </a:lvl2pPr>
+            <a:lvl3pPr marL="269919" indent="-269919">
+              <a:buFont typeface="Arial" panose="020B0604020202020204" pitchFamily="34" charset="0"/>
+              <a:buChar char="•"/>
+            </a:lvl3pPr>
+            <a:lvl4pPr marL="539838" indent="-269919">
+              <a:buClr>
+                <a:schemeClr val="tx1"/>
+              </a:buClr>
+              <a:buFont typeface="Tahoma" panose="020B0604030504040204" pitchFamily="34" charset="0"/>
+              <a:buChar char="-"/>
+              <a:defRPr b="0">
+                <a:latin typeface="Calibri Light" panose="020F0302020204030204" pitchFamily="34" charset="0"/>
+              </a:defRPr>
+            </a:lvl4pPr>
+            <a:lvl5pPr marL="269919" indent="-269919">
+              <a:buClr>
+                <a:schemeClr val="accent1"/>
+              </a:buClr>
+              <a:buFont typeface="+mj-lt"/>
+              <a:buAutoNum type="arabicPeriod"/>
+            </a:lvl5pPr>
+          </a:lstStyle>
+          <a:p>
+            <a:pPr lvl="0"/>
+            <a:r>
+              <a:rPr lang="en-GB" noProof="1"/>
+              <a:t>[Type text or click on icon to insert an object]</a:t>
+            </a:r>
+          </a:p>
+        </p:txBody>
+      </p:sp>
+      <p:sp>
+        <p:nvSpPr>
+          <p:cNvPr id="9" name="Content Placeholder L (JU-Free)"/>
+          <p:cNvSpPr>
+            <a:spLocks noGrp="1"/>
+          </p:cNvSpPr>
+          <p:nvPr>
+            <p:ph sz="quarter" idx="13" hasCustomPrompt="1"/>
+          </p:nvPr>
+        </p:nvSpPr>
+        <p:spPr bwMode="gray">
+          <a:xfrm>
+            <a:off x="912723" y="2029680"/>
+            <a:ext cx="4750763" cy="3883320"/>
+          </a:xfrm>
+        </p:spPr>
+        <p:txBody>
+          <a:bodyPr/>
+          <a:lstStyle>
+            <a:lvl1pPr marL="0" marR="0" indent="0" algn="l" defTabSz="1088610" rtl="0">
+              <a:lnSpc>
+                <a:spcPct val="117000"/>
+              </a:lnSpc>
+              <a:spcBef>
+                <a:spcPts val="0"/>
+              </a:spcBef>
+              <a:spcAft>
+                <a:spcPts val="0"/>
+              </a:spcAft>
+              <a:buClr>
+                <a:schemeClr val="accent1"/>
+              </a:buClr>
+              <a:buSzTx/>
+              <a:buFont typeface="Arial" pitchFamily="34" charset="0"/>
+              <a:buNone/>
+              <a:tabLst/>
+            </a:lvl1pPr>
+            <a:lvl2pPr marL="0" indent="0">
+              <a:buNone/>
+              <a:defRPr b="1">
+                <a:latin typeface="Calibri" panose="020F0502020204030204" pitchFamily="34" charset="0"/>
+              </a:defRPr>
+            </a:lvl2pPr>
+            <a:lvl3pPr marL="269919" indent="-269919">
+              <a:buFont typeface="Arial" panose="020B0604020202020204" pitchFamily="34" charset="0"/>
+              <a:buChar char="•"/>
+            </a:lvl3pPr>
+            <a:lvl4pPr marL="539838" indent="-269919">
+              <a:buClr>
+                <a:schemeClr val="tx1"/>
+              </a:buClr>
+              <a:buFont typeface="Tahoma" panose="020B0604030504040204" pitchFamily="34" charset="0"/>
+              <a:buChar char="-"/>
+              <a:defRPr b="0">
+                <a:latin typeface="Calibri Light" panose="020F0302020204030204" pitchFamily="34" charset="0"/>
+              </a:defRPr>
+            </a:lvl4pPr>
+            <a:lvl5pPr marL="269919" indent="-269919">
+              <a:buClr>
+                <a:schemeClr val="accent1"/>
+              </a:buClr>
+              <a:buFont typeface="+mj-lt"/>
+              <a:buAutoNum type="arabicPeriod"/>
+            </a:lvl5pPr>
+          </a:lstStyle>
+          <a:p>
+            <a:pPr marL="0" marR="0" lvl="0" indent="0" algn="l" defTabSz="1088610" rtl="0">
+              <a:lnSpc>
+                <a:spcPct val="117000"/>
+              </a:lnSpc>
+              <a:spcBef>
+                <a:spcPts val="0"/>
+              </a:spcBef>
+              <a:spcAft>
+                <a:spcPts val="0"/>
+              </a:spcAft>
+              <a:buClr>
+                <a:schemeClr val="accent1"/>
+              </a:buClr>
+              <a:buSzTx/>
+              <a:buFont typeface="Arial" pitchFamily="34" charset="0"/>
+              <a:buNone/>
+              <a:tabLst/>
+            </a:pPr>
+            <a:r>
+              <a:rPr lang="en-GB" noProof="1"/>
+              <a:t>[Type text or click on icon to insert an object]</a:t>
+            </a:r>
+          </a:p>
+        </p:txBody>
+      </p:sp>
+      <p:sp>
+        <p:nvSpPr>
+          <p:cNvPr id="2" name="Title 1 (JU-Free)"/>
+          <p:cNvSpPr>
+            <a:spLocks noGrp="1"/>
+          </p:cNvSpPr>
+          <p:nvPr>
+            <p:ph type="title" hasCustomPrompt="1"/>
+          </p:nvPr>
+        </p:nvSpPr>
+        <p:spPr>
+          <a:xfrm>
+            <a:off x="893689" y="898752"/>
+            <a:ext cx="9465535" cy="982076"/>
+          </a:xfrm>
+        </p:spPr>
+        <p:txBody>
+          <a:bodyPr/>
+          <a:lstStyle>
+            <a:lvl1pPr/>
+          </a:lstStyle>
+          <a:p>
+            <a:r>
+              <a:rPr lang="en-GB" dirty="0"/>
+              <a:t>[Title]</a:t>
+            </a:r>
+          </a:p>
+        </p:txBody>
+      </p:sp>
+    </p:spTree>
+    <p:extLst>
+      <p:ext uri="{BB962C8B-B14F-4D97-AF65-F5344CB8AC3E}">
+        <p14:creationId xmlns:p14="http://schemas.microsoft.com/office/powerpoint/2010/main" val="393473740"/>
+      </p:ext>
+    </p:extLst>
+  </p:cSld>
+  <p:clrMapOvr>
+    <a:masterClrMapping/>
+  </p:clrMapOvr>
+  <mc:AlternateContent xmlns:mc="http://schemas.openxmlformats.org/markup-compatibility/2006" xmlns:p14="http://schemas.microsoft.com/office/powerpoint/2010/main">
+    <mc:Choice Requires="p14">
+      <p:transition spd="med" p14:dur="700">
+        <p:fade/>
+      </p:transition>
+    </mc:Choice>
+    <mc:Fallback xmlns="">
+      <p:transition spd="med" advClick="true">
+        <p:fade/>
+      </p:transition>
+    </mc:Fallback>
+  </mc:AlternateContent>
+</p:sldLayout>
+</file>
+
+<file path=ppt/slideLayouts/slideLayout13.xml><?xml version="1.0" encoding="utf-8"?>
+<p:sldLayout xmlns:a="http://schemas.openxmlformats.org/drawingml/2006/main" xmlns:r="http://schemas.openxmlformats.org/officeDocument/2006/relationships" xmlns:p="http://schemas.openxmlformats.org/presentationml/2006/main">
+  <p:cSld name="2_Two Content">
+    <p:spTree>
+      <p:nvGrpSpPr>
+        <p:cNvPr id="1" name=""/>
+        <p:cNvGrpSpPr/>
+        <p:nvPr/>
+      </p:nvGrpSpPr>
+      <p:grpSpPr>
+        <a:xfrm>
+          <a:off x="0" y="0"/>
+          <a:ext cx="0" cy="0"/>
+          <a:chOff x="0" y="0"/>
+          <a:chExt cx="0" cy="0"/>
+        </a:xfrm>
+      </p:grpSpPr>
+      <p:sp>
+        <p:nvSpPr>
+          <p:cNvPr id="5" name="Placeholdernummer 4 (JU-Free)"/>
+          <p:cNvSpPr>
+            <a:spLocks noGrp="1"/>
+          </p:cNvSpPr>
+          <p:nvPr>
+            <p:ph type="sldNum" sz="quarter" idx="17"/>
+          </p:nvPr>
+        </p:nvSpPr>
+        <p:spPr/>
+        <p:txBody>
+          <a:bodyPr/>
+          <a:lstStyle/>
+          <a:p>
+            <a:fld id="{1336C48C-F87C-4E4B-81EF-5027B17D1F61}" type="slidenum">
+              <a:rPr lang="en-GB" noProof="1" smtClean="0"/>
+              <a:t>‹#›</a:t>
+            </a:fld>
+            <a:endParaRPr lang="en-GB" noProof="1"/>
+          </a:p>
+        </p:txBody>
+      </p:sp>
+      <p:sp>
+        <p:nvSpPr>
+          <p:cNvPr id="7" name="Content Placeholder R (JU-Free)"/>
+          <p:cNvSpPr>
+            <a:spLocks noGrp="1"/>
+          </p:cNvSpPr>
+          <p:nvPr>
+            <p:ph sz="quarter" idx="14" hasCustomPrompt="1"/>
+          </p:nvPr>
+        </p:nvSpPr>
+        <p:spPr bwMode="gray">
+          <a:xfrm>
+            <a:off x="6557492" y="2030400"/>
+            <a:ext cx="4750763" cy="3883320"/>
+          </a:xfrm>
+        </p:spPr>
+        <p:txBody>
+          <a:bodyPr/>
+          <a:lstStyle>
+            <a:lvl1pPr marL="0" indent="0">
+              <a:buNone/>
+            </a:lvl1pPr>
+            <a:lvl2pPr marL="0" indent="0">
+              <a:buNone/>
+              <a:defRPr b="1">
+                <a:latin typeface="Calibri" panose="020F0502020204030204" pitchFamily="34" charset="0"/>
+              </a:defRPr>
+            </a:lvl2pPr>
+            <a:lvl3pPr marL="269919" indent="-269919">
+              <a:buFont typeface="Arial" panose="020B0604020202020204" pitchFamily="34" charset="0"/>
+              <a:buChar char="•"/>
+            </a:lvl3pPr>
+            <a:lvl4pPr marL="539838" indent="-269919">
+              <a:buClr>
+                <a:schemeClr val="tx1"/>
+              </a:buClr>
+              <a:buFont typeface="Tahoma" panose="020B0604030504040204" pitchFamily="34" charset="0"/>
+              <a:buChar char="-"/>
+              <a:defRPr b="0">
+                <a:latin typeface="Calibri Light" panose="020F0302020204030204" pitchFamily="34" charset="0"/>
+              </a:defRPr>
+            </a:lvl4pPr>
+            <a:lvl5pPr marL="269919" indent="-269919">
+              <a:buClr>
+                <a:schemeClr val="accent1"/>
+              </a:buClr>
+              <a:buFont typeface="+mj-lt"/>
+              <a:buAutoNum type="arabicPeriod"/>
+            </a:lvl5pPr>
+          </a:lstStyle>
+          <a:p>
+            <a:pPr lvl="0"/>
+            <a:r>
+              <a:rPr lang="en-GB" noProof="1"/>
+              <a:t>[Type text or click on icon to insert an object]</a:t>
+            </a:r>
+          </a:p>
+        </p:txBody>
+      </p:sp>
+      <p:sp>
+        <p:nvSpPr>
+          <p:cNvPr id="9" name="Content Placeholder L (JU-Free)"/>
+          <p:cNvSpPr>
+            <a:spLocks noGrp="1"/>
+          </p:cNvSpPr>
+          <p:nvPr>
+            <p:ph sz="quarter" idx="13" hasCustomPrompt="1"/>
+          </p:nvPr>
+        </p:nvSpPr>
+        <p:spPr bwMode="gray">
+          <a:xfrm>
+            <a:off x="912723" y="2029680"/>
+            <a:ext cx="4750763" cy="3883320"/>
+          </a:xfrm>
+        </p:spPr>
+        <p:txBody>
+          <a:bodyPr/>
+          <a:lstStyle>
+            <a:lvl1pPr marL="0" marR="0" indent="0" algn="l" defTabSz="1088610" rtl="0">
+              <a:lnSpc>
+                <a:spcPct val="117000"/>
+              </a:lnSpc>
+              <a:spcBef>
+                <a:spcPts val="0"/>
+              </a:spcBef>
+              <a:spcAft>
+                <a:spcPts val="0"/>
+              </a:spcAft>
+              <a:buClr>
+                <a:schemeClr val="accent1"/>
+              </a:buClr>
+              <a:buSzTx/>
+              <a:buFont typeface="Arial" pitchFamily="34" charset="0"/>
+              <a:buNone/>
+              <a:tabLst/>
+            </a:lvl1pPr>
+            <a:lvl2pPr marL="0" indent="0">
+              <a:buNone/>
+              <a:defRPr b="1">
+                <a:latin typeface="Calibri" panose="020F0502020204030204" pitchFamily="34" charset="0"/>
+              </a:defRPr>
+            </a:lvl2pPr>
+            <a:lvl3pPr marL="269919" indent="-269919">
+              <a:buFont typeface="Arial" panose="020B0604020202020204" pitchFamily="34" charset="0"/>
+              <a:buChar char="•"/>
+            </a:lvl3pPr>
+            <a:lvl4pPr marL="539838" indent="-269919">
+              <a:buClr>
+                <a:schemeClr val="tx1"/>
+              </a:buClr>
+              <a:buFont typeface="Tahoma" panose="020B0604030504040204" pitchFamily="34" charset="0"/>
+              <a:buChar char="-"/>
+              <a:defRPr b="0">
+                <a:latin typeface="Calibri Light" panose="020F0302020204030204" pitchFamily="34" charset="0"/>
+              </a:defRPr>
+            </a:lvl4pPr>
+            <a:lvl5pPr marL="269919" indent="-269919">
+              <a:buClr>
+                <a:schemeClr val="accent1"/>
+              </a:buClr>
+              <a:buFont typeface="+mj-lt"/>
+              <a:buAutoNum type="arabicPeriod"/>
+            </a:lvl5pPr>
+          </a:lstStyle>
+          <a:p>
+            <a:pPr marL="0" marR="0" lvl="0" indent="0" algn="l" defTabSz="1088610" rtl="0">
+              <a:lnSpc>
+                <a:spcPct val="117000"/>
+              </a:lnSpc>
+              <a:spcBef>
+                <a:spcPts val="0"/>
+              </a:spcBef>
+              <a:spcAft>
+                <a:spcPts val="0"/>
+              </a:spcAft>
+              <a:buClr>
+                <a:schemeClr val="accent1"/>
+              </a:buClr>
+              <a:buSzTx/>
+              <a:buFont typeface="Arial" pitchFamily="34" charset="0"/>
+              <a:buNone/>
+              <a:tabLst/>
+            </a:pPr>
+            <a:r>
+              <a:rPr lang="en-GB" noProof="1"/>
+              <a:t>[Type text or click on icon to insert an object]</a:t>
+            </a:r>
+          </a:p>
+        </p:txBody>
+      </p:sp>
+      <p:sp>
+        <p:nvSpPr>
+          <p:cNvPr id="2" name="Title 1 (JU-Free)"/>
+          <p:cNvSpPr>
+            <a:spLocks noGrp="1"/>
+          </p:cNvSpPr>
+          <p:nvPr>
+            <p:ph type="title" hasCustomPrompt="1"/>
+          </p:nvPr>
+        </p:nvSpPr>
+        <p:spPr>
+          <a:xfrm>
+            <a:off x="893689" y="898752"/>
+            <a:ext cx="9465535" cy="982076"/>
+          </a:xfrm>
+        </p:spPr>
+        <p:txBody>
+          <a:bodyPr/>
+          <a:lstStyle>
+            <a:lvl1pPr/>
+          </a:lstStyle>
+          <a:p>
+            <a:r>
+              <a:rPr lang="en-GB" dirty="0"/>
+              <a:t>[Title]</a:t>
+            </a:r>
+          </a:p>
+        </p:txBody>
+      </p:sp>
+    </p:spTree>
+    <p:extLst>
+      <p:ext uri="{BB962C8B-B14F-4D97-AF65-F5344CB8AC3E}">
+        <p14:creationId xmlns:p14="http://schemas.microsoft.com/office/powerpoint/2010/main" val="748281567"/>
+      </p:ext>
+    </p:extLst>
+  </p:cSld>
+  <p:clrMapOvr>
+    <a:masterClrMapping/>
+  </p:clrMapOvr>
+  <mc:AlternateContent xmlns:mc="http://schemas.openxmlformats.org/markup-compatibility/2006" xmlns:p14="http://schemas.microsoft.com/office/powerpoint/2010/main">
+    <mc:Choice Requires="p14">
+      <p:transition spd="med" p14:dur="700">
+        <p:fade/>
+      </p:transition>
+    </mc:Choice>
+    <mc:Fallback xmlns="">
+      <p:transition spd="med" advClick="true">
+        <p:fade/>
+      </p:transition>
+    </mc:Fallback>
+  </mc:AlternateContent>
+</p:sldLayout>
+</file>
+
+<file path=ppt/slideLayouts/slideLayout14.xml><?xml version="1.0" encoding="utf-8"?>
+<p:sldLayout xmlns:a="http://schemas.openxmlformats.org/drawingml/2006/main" xmlns:r="http://schemas.openxmlformats.org/officeDocument/2006/relationships" xmlns:p="http://schemas.openxmlformats.org/presentationml/2006/main">
+  <p:cSld name="3_Two Content">
+    <p:spTree>
+      <p:nvGrpSpPr>
+        <p:cNvPr id="1" name=""/>
+        <p:cNvGrpSpPr/>
+        <p:nvPr/>
+      </p:nvGrpSpPr>
+      <p:grpSpPr>
+        <a:xfrm>
+          <a:off x="0" y="0"/>
+          <a:ext cx="0" cy="0"/>
+          <a:chOff x="0" y="0"/>
+          <a:chExt cx="0" cy="0"/>
+        </a:xfrm>
+      </p:grpSpPr>
+      <p:sp>
+        <p:nvSpPr>
+          <p:cNvPr id="5" name="Placeholdernummer 4 (JU-Free)"/>
+          <p:cNvSpPr>
+            <a:spLocks noGrp="1"/>
+          </p:cNvSpPr>
+          <p:nvPr>
+            <p:ph type="sldNum" sz="quarter" idx="17"/>
+          </p:nvPr>
+        </p:nvSpPr>
+        <p:spPr/>
+        <p:txBody>
+          <a:bodyPr/>
+          <a:lstStyle/>
+          <a:p>
+            <a:fld id="{1336C48C-F87C-4E4B-81EF-5027B17D1F61}" type="slidenum">
+              <a:rPr lang="en-GB" noProof="1" smtClean="0"/>
+              <a:t>‹#›</a:t>
+            </a:fld>
+            <a:endParaRPr lang="en-GB" noProof="1"/>
+          </a:p>
+        </p:txBody>
+      </p:sp>
+      <p:sp>
+        <p:nvSpPr>
+          <p:cNvPr id="7" name="Content Placeholder R (JU-Free)"/>
+          <p:cNvSpPr>
+            <a:spLocks noGrp="1"/>
+          </p:cNvSpPr>
+          <p:nvPr>
+            <p:ph sz="quarter" idx="14" hasCustomPrompt="1"/>
+          </p:nvPr>
+        </p:nvSpPr>
+        <p:spPr bwMode="gray">
+          <a:xfrm>
+            <a:off x="6557492" y="2030400"/>
+            <a:ext cx="4750763" cy="3883320"/>
+          </a:xfrm>
+        </p:spPr>
+        <p:txBody>
+          <a:bodyPr/>
+          <a:lstStyle>
+            <a:lvl1pPr marL="0" indent="0">
+              <a:buNone/>
+            </a:lvl1pPr>
+            <a:lvl2pPr marL="0" indent="0">
+              <a:buNone/>
+              <a:defRPr b="1">
+                <a:latin typeface="Calibri" panose="020F0502020204030204" pitchFamily="34" charset="0"/>
+              </a:defRPr>
+            </a:lvl2pPr>
+            <a:lvl3pPr marL="269919" indent="-269919">
+              <a:buFont typeface="Arial" panose="020B0604020202020204" pitchFamily="34" charset="0"/>
+              <a:buChar char="•"/>
+            </a:lvl3pPr>
+            <a:lvl4pPr marL="539838" indent="-269919">
+              <a:buClr>
+                <a:schemeClr val="tx1"/>
+              </a:buClr>
+              <a:buFont typeface="Tahoma" panose="020B0604030504040204" pitchFamily="34" charset="0"/>
+              <a:buChar char="-"/>
+              <a:defRPr b="0">
+                <a:latin typeface="Calibri Light" panose="020F0302020204030204" pitchFamily="34" charset="0"/>
+              </a:defRPr>
+            </a:lvl4pPr>
+            <a:lvl5pPr marL="269919" indent="-269919">
+              <a:buClr>
+                <a:schemeClr val="accent1"/>
+              </a:buClr>
+              <a:buFont typeface="+mj-lt"/>
+              <a:buAutoNum type="arabicPeriod"/>
+            </a:lvl5pPr>
+          </a:lstStyle>
+          <a:p>
+            <a:pPr lvl="0"/>
+            <a:r>
+              <a:rPr lang="en-GB" noProof="1"/>
+              <a:t>[Type text or click on icon to insert an object]</a:t>
+            </a:r>
+          </a:p>
+        </p:txBody>
+      </p:sp>
+      <p:sp>
+        <p:nvSpPr>
+          <p:cNvPr id="9" name="Content Placeholder L (JU-Free)"/>
+          <p:cNvSpPr>
+            <a:spLocks noGrp="1"/>
+          </p:cNvSpPr>
+          <p:nvPr>
+            <p:ph sz="quarter" idx="13" hasCustomPrompt="1"/>
+          </p:nvPr>
+        </p:nvSpPr>
+        <p:spPr bwMode="gray">
+          <a:xfrm>
+            <a:off x="912723" y="2029680"/>
+            <a:ext cx="4750763" cy="3883320"/>
+          </a:xfrm>
+        </p:spPr>
+        <p:txBody>
+          <a:bodyPr/>
+          <a:lstStyle>
+            <a:lvl1pPr marL="0" marR="0" indent="0" algn="l" defTabSz="1088610" rtl="0">
+              <a:lnSpc>
+                <a:spcPct val="117000"/>
+              </a:lnSpc>
+              <a:spcBef>
+                <a:spcPts val="0"/>
+              </a:spcBef>
+              <a:spcAft>
+                <a:spcPts val="0"/>
+              </a:spcAft>
+              <a:buClr>
+                <a:schemeClr val="accent1"/>
+              </a:buClr>
+              <a:buSzTx/>
+              <a:buFont typeface="Arial" pitchFamily="34" charset="0"/>
+              <a:buNone/>
+              <a:tabLst/>
+            </a:lvl1pPr>
+            <a:lvl2pPr marL="0" indent="0">
+              <a:buNone/>
+              <a:defRPr b="1">
+                <a:latin typeface="Calibri" panose="020F0502020204030204" pitchFamily="34" charset="0"/>
+              </a:defRPr>
+            </a:lvl2pPr>
+            <a:lvl3pPr marL="269919" indent="-269919">
+              <a:buFont typeface="Arial" panose="020B0604020202020204" pitchFamily="34" charset="0"/>
+              <a:buChar char="•"/>
+            </a:lvl3pPr>
+            <a:lvl4pPr marL="539838" indent="-269919">
+              <a:buClr>
+                <a:schemeClr val="tx1"/>
+              </a:buClr>
+              <a:buFont typeface="Tahoma" panose="020B0604030504040204" pitchFamily="34" charset="0"/>
+              <a:buChar char="-"/>
+              <a:defRPr b="0">
+                <a:latin typeface="Calibri Light" panose="020F0302020204030204" pitchFamily="34" charset="0"/>
+              </a:defRPr>
+            </a:lvl4pPr>
+            <a:lvl5pPr marL="269919" indent="-269919">
+              <a:buClr>
+                <a:schemeClr val="accent1"/>
+              </a:buClr>
+              <a:buFont typeface="+mj-lt"/>
+              <a:buAutoNum type="arabicPeriod"/>
+            </a:lvl5pPr>
+          </a:lstStyle>
+          <a:p>
+            <a:pPr marL="0" marR="0" lvl="0" indent="0" algn="l" defTabSz="1088610" rtl="0">
+              <a:lnSpc>
+                <a:spcPct val="117000"/>
+              </a:lnSpc>
+              <a:spcBef>
+                <a:spcPts val="0"/>
+              </a:spcBef>
+              <a:spcAft>
+                <a:spcPts val="0"/>
+              </a:spcAft>
+              <a:buClr>
+                <a:schemeClr val="accent1"/>
+              </a:buClr>
+              <a:buSzTx/>
+              <a:buFont typeface="Arial" pitchFamily="34" charset="0"/>
+              <a:buNone/>
+              <a:tabLst/>
+            </a:pPr>
+            <a:r>
+              <a:rPr lang="en-GB" noProof="1"/>
+              <a:t>[Type text or click on icon to insert an object]</a:t>
+            </a:r>
+          </a:p>
+        </p:txBody>
+      </p:sp>
+      <p:sp>
+        <p:nvSpPr>
+          <p:cNvPr id="2" name="Title 1 (JU-Free)"/>
+          <p:cNvSpPr>
+            <a:spLocks noGrp="1"/>
+          </p:cNvSpPr>
+          <p:nvPr>
+            <p:ph type="title" hasCustomPrompt="1"/>
+          </p:nvPr>
+        </p:nvSpPr>
+        <p:spPr>
+          <a:xfrm>
+            <a:off x="893689" y="898752"/>
+            <a:ext cx="9465535" cy="982076"/>
+          </a:xfrm>
+        </p:spPr>
+        <p:txBody>
+          <a:bodyPr/>
+          <a:lstStyle>
+            <a:lvl1pPr/>
+          </a:lstStyle>
+          <a:p>
+            <a:r>
+              <a:rPr lang="en-GB" dirty="0"/>
+              <a:t>[Title]</a:t>
+            </a:r>
+          </a:p>
+        </p:txBody>
+      </p:sp>
+    </p:spTree>
+    <p:extLst>
+      <p:ext uri="{BB962C8B-B14F-4D97-AF65-F5344CB8AC3E}">
+        <p14:creationId xmlns:p14="http://schemas.microsoft.com/office/powerpoint/2010/main" val="368861463"/>
+      </p:ext>
+    </p:extLst>
+  </p:cSld>
+  <p:clrMapOvr>
+    <a:masterClrMapping/>
+  </p:clrMapOvr>
+  <mc:AlternateContent xmlns:mc="http://schemas.openxmlformats.org/markup-compatibility/2006" xmlns:p14="http://schemas.microsoft.com/office/powerpoint/2010/main">
+    <mc:Choice Requires="p14">
+      <p:transition spd="med" p14:dur="700">
+        <p:fade/>
+      </p:transition>
+    </mc:Choice>
+    <mc:Fallback xmlns="">
+      <p:transition spd="med" advClick="true">
+        <p:fade/>
+      </p:transition>
+    </mc:Fallback>
+  </mc:AlternateContent>
 </p:sldLayout>
 </file>
 
@@ -877,7 +2054,7 @@
           <a:p>
             <a:fld id="{74C2A7DE-DD20-4600-BA6D-0213E0EB52CA}" type="datetimeFigureOut">
               <a:rPr lang="en-NL" smtClean="0"/>
-              <a:t>21/12/2023</a:t>
+              <a:t>01/03/2024</a:t>
             </a:fld>
             <a:endParaRPr lang="en-NL"/>
           </a:p>
@@ -1153,7 +2330,7 @@
           <a:p>
             <a:fld id="{74C2A7DE-DD20-4600-BA6D-0213E0EB52CA}" type="datetimeFigureOut">
               <a:rPr lang="en-NL" smtClean="0"/>
-              <a:t>21/12/2023</a:t>
+              <a:t>01/03/2024</a:t>
             </a:fld>
             <a:endParaRPr lang="en-NL"/>
           </a:p>
@@ -1421,7 +2598,7 @@
           <a:p>
             <a:fld id="{74C2A7DE-DD20-4600-BA6D-0213E0EB52CA}" type="datetimeFigureOut">
               <a:rPr lang="en-NL" smtClean="0"/>
-              <a:t>21/12/2023</a:t>
+              <a:t>01/03/2024</a:t>
             </a:fld>
             <a:endParaRPr lang="en-NL"/>
           </a:p>
@@ -1836,7 +3013,7 @@
           <a:p>
             <a:fld id="{74C2A7DE-DD20-4600-BA6D-0213E0EB52CA}" type="datetimeFigureOut">
               <a:rPr lang="en-NL" smtClean="0"/>
-              <a:t>21/12/2023</a:t>
+              <a:t>01/03/2024</a:t>
             </a:fld>
             <a:endParaRPr lang="en-NL"/>
           </a:p>
@@ -1978,7 +3155,7 @@
           <a:p>
             <a:fld id="{74C2A7DE-DD20-4600-BA6D-0213E0EB52CA}" type="datetimeFigureOut">
               <a:rPr lang="en-NL" smtClean="0"/>
-              <a:t>21/12/2023</a:t>
+              <a:t>01/03/2024</a:t>
             </a:fld>
             <a:endParaRPr lang="en-NL"/>
           </a:p>
@@ -2091,7 +3268,7 @@
           <a:p>
             <a:fld id="{74C2A7DE-DD20-4600-BA6D-0213E0EB52CA}" type="datetimeFigureOut">
               <a:rPr lang="en-NL" smtClean="0"/>
-              <a:t>21/12/2023</a:t>
+              <a:t>01/03/2024</a:t>
             </a:fld>
             <a:endParaRPr lang="en-NL"/>
           </a:p>
@@ -2404,7 +3581,7 @@
           <a:p>
             <a:fld id="{74C2A7DE-DD20-4600-BA6D-0213E0EB52CA}" type="datetimeFigureOut">
               <a:rPr lang="en-NL" smtClean="0"/>
-              <a:t>21/12/2023</a:t>
+              <a:t>01/03/2024</a:t>
             </a:fld>
             <a:endParaRPr lang="en-NL"/>
           </a:p>
@@ -2693,7 +3870,7 @@
           <a:p>
             <a:fld id="{74C2A7DE-DD20-4600-BA6D-0213E0EB52CA}" type="datetimeFigureOut">
               <a:rPr lang="en-NL" smtClean="0"/>
-              <a:t>21/12/2023</a:t>
+              <a:t>01/03/2024</a:t>
             </a:fld>
             <a:endParaRPr lang="en-NL"/>
           </a:p>
@@ -2936,7 +4113,7 @@
           <a:p>
             <a:fld id="{74C2A7DE-DD20-4600-BA6D-0213E0EB52CA}" type="datetimeFigureOut">
               <a:rPr lang="en-NL" smtClean="0"/>
-              <a:t>21/12/2023</a:t>
+              <a:t>01/03/2024</a:t>
             </a:fld>
             <a:endParaRPr lang="en-NL"/>
           </a:p>
@@ -3052,6 +4229,9 @@
     <p:sldLayoutId id="2147483657" r:id="rId9"/>
     <p:sldLayoutId id="2147483658" r:id="rId10"/>
     <p:sldLayoutId id="2147483659" r:id="rId11"/>
+    <p:sldLayoutId id="2147483660" r:id="rId12"/>
+    <p:sldLayoutId id="2147483661" r:id="rId13"/>
+    <p:sldLayoutId id="2147483662" r:id="rId14"/>
   </p:sldLayoutIdLst>
   <p:txStyles>
     <p:titleStyle>
@@ -3424,6 +4604,131 @@
 </p:sld>
 </file>
 
+<file path=ppt/slides/slide10.xml><?xml version="1.0" encoding="utf-8"?>
+<p:sld xmlns:a="http://schemas.openxmlformats.org/drawingml/2006/main" xmlns:r="http://schemas.openxmlformats.org/officeDocument/2006/relationships" xmlns:p="http://schemas.openxmlformats.org/presentationml/2006/main">
+  <p:cSld>
+    <p:spTree>
+      <p:nvGrpSpPr>
+        <p:cNvPr id="1" name=""/>
+        <p:cNvGrpSpPr/>
+        <p:nvPr/>
+      </p:nvGrpSpPr>
+      <p:grpSpPr>
+        <a:xfrm>
+          <a:off x="0" y="0"/>
+          <a:ext cx="0" cy="0"/>
+          <a:chOff x="0" y="0"/>
+          <a:chExt cx="0" cy="0"/>
+        </a:xfrm>
+      </p:grpSpPr>
+      <p:sp>
+        <p:nvSpPr>
+          <p:cNvPr id="2" name="Title 1">
+            <a:extLst>
+              <a:ext uri="{FF2B5EF4-FFF2-40B4-BE49-F238E27FC236}">
+                <a16:creationId xmlns:a16="http://schemas.microsoft.com/office/drawing/2014/main" id="{B501916C-D4E2-386A-B250-5CEAF46B5F6D}"/>
+              </a:ext>
+            </a:extLst>
+          </p:cNvPr>
+          <p:cNvSpPr>
+            <a:spLocks noGrp="1"/>
+          </p:cNvSpPr>
+          <p:nvPr>
+            <p:ph type="title"/>
+          </p:nvPr>
+        </p:nvSpPr>
+        <p:spPr/>
+        <p:txBody>
+          <a:bodyPr/>
+          <a:lstStyle/>
+          <a:p>
+            <a:pPr algn="l" fontAlgn="b"/>
+            <a:r>
+              <a:rPr lang="en-GB" sz="4400" u="none" strike="noStrike" dirty="0">
+                <a:effectLst/>
+              </a:rPr>
+              <a:t>Report</a:t>
+            </a:r>
+          </a:p>
+        </p:txBody>
+      </p:sp>
+      <p:sp>
+        <p:nvSpPr>
+          <p:cNvPr id="3" name="Content Placeholder 2">
+            <a:extLst>
+              <a:ext uri="{FF2B5EF4-FFF2-40B4-BE49-F238E27FC236}">
+                <a16:creationId xmlns:a16="http://schemas.microsoft.com/office/drawing/2014/main" id="{09C5E4A4-9126-BB3E-A065-D2362182A902}"/>
+              </a:ext>
+            </a:extLst>
+          </p:cNvPr>
+          <p:cNvSpPr>
+            <a:spLocks noGrp="1"/>
+          </p:cNvSpPr>
+          <p:nvPr>
+            <p:ph idx="1"/>
+          </p:nvPr>
+        </p:nvSpPr>
+        <p:spPr/>
+        <p:txBody>
+          <a:bodyPr/>
+          <a:lstStyle/>
+          <a:p>
+            <a:r>
+              <a:rPr lang="en-GB" b="0" i="0" dirty="0">
+                <a:effectLst/>
+                <a:latin typeface="Arial" panose="020B0604020202020204" pitchFamily="34" charset="0"/>
+              </a:rPr>
+              <a:t>Discuss the uncertainties in your design.</a:t>
+            </a:r>
+            <a:endParaRPr lang="en-GB" dirty="0"/>
+          </a:p>
+          <a:p>
+            <a:pPr lvl="1"/>
+            <a:r>
+              <a:rPr lang="en-GB" dirty="0"/>
+              <a:t>Changes in Kh 	</a:t>
+            </a:r>
+          </a:p>
+          <a:p>
+            <a:pPr lvl="2"/>
+            <a:r>
+              <a:rPr lang="en-GB" dirty="0"/>
+              <a:t>Scenarios? </a:t>
+            </a:r>
+          </a:p>
+          <a:p>
+            <a:r>
+              <a:rPr lang="en-GB" dirty="0"/>
+              <a:t>Present findings</a:t>
+            </a:r>
+          </a:p>
+          <a:p>
+            <a:pPr lvl="1"/>
+            <a:endParaRPr lang="en-GB" dirty="0"/>
+          </a:p>
+          <a:p>
+            <a:pPr lvl="1"/>
+            <a:endParaRPr lang="en-GB" dirty="0"/>
+          </a:p>
+          <a:p>
+            <a:pPr lvl="1"/>
+            <a:endParaRPr lang="en-NL" dirty="0"/>
+          </a:p>
+        </p:txBody>
+      </p:sp>
+    </p:spTree>
+    <p:extLst>
+      <p:ext uri="{BB962C8B-B14F-4D97-AF65-F5344CB8AC3E}">
+        <p14:creationId xmlns:p14="http://schemas.microsoft.com/office/powerpoint/2010/main" val="545974"/>
+      </p:ext>
+    </p:extLst>
+  </p:cSld>
+  <p:clrMapOvr>
+    <a:masterClrMapping/>
+  </p:clrMapOvr>
+</p:sld>
+</file>
+
 <file path=ppt/slides/slide2.xml><?xml version="1.0" encoding="utf-8"?>
 <p:sld xmlns:a="http://schemas.openxmlformats.org/drawingml/2006/main" xmlns:r="http://schemas.openxmlformats.org/officeDocument/2006/relationships" xmlns:p="http://schemas.openxmlformats.org/presentationml/2006/main">
   <p:cSld>
@@ -3470,378 +4775,399 @@
           </a:p>
         </p:txBody>
       </p:sp>
-      <p:sp>
-        <p:nvSpPr>
-          <p:cNvPr id="4" name="Rectangle 3">
+      <p:grpSp>
+        <p:nvGrpSpPr>
+          <p:cNvPr id="3" name="Group 2">
             <a:extLst>
               <a:ext uri="{FF2B5EF4-FFF2-40B4-BE49-F238E27FC236}">
-                <a16:creationId xmlns:a16="http://schemas.microsoft.com/office/drawing/2014/main" id="{B4F89F7D-0339-3305-A7A6-FD0775E43380}"/>
+                <a16:creationId xmlns:a16="http://schemas.microsoft.com/office/drawing/2014/main" id="{B438AEEB-8AC4-4086-1E38-B6BCC7533C02}"/>
               </a:ext>
             </a:extLst>
           </p:cNvPr>
-          <p:cNvSpPr/>
+          <p:cNvGrpSpPr/>
           <p:nvPr/>
-        </p:nvSpPr>
-        <p:spPr>
+        </p:nvGrpSpPr>
+        <p:grpSpPr>
           <a:xfrm>
-            <a:off x="2477729" y="2674374"/>
-            <a:ext cx="5761703" cy="2753032"/>
+            <a:off x="1381539" y="1690688"/>
+            <a:ext cx="7369169" cy="3795712"/>
+            <a:chOff x="1381539" y="1690688"/>
+            <a:chExt cx="7369169" cy="3795712"/>
           </a:xfrm>
-          <a:prstGeom prst="rect">
-            <a:avLst/>
-          </a:prstGeom>
-          <a:solidFill>
-            <a:schemeClr val="accent4">
-              <a:lumMod val="20000"/>
-              <a:lumOff val="80000"/>
-            </a:schemeClr>
-          </a:solidFill>
-          <a:ln w="76200">
+        </p:grpSpPr>
+        <p:sp>
+          <p:nvSpPr>
+            <p:cNvPr id="4" name="Rectangle 3">
+              <a:extLst>
+                <a:ext uri="{FF2B5EF4-FFF2-40B4-BE49-F238E27FC236}">
+                  <a16:creationId xmlns:a16="http://schemas.microsoft.com/office/drawing/2014/main" id="{B4F89F7D-0339-3305-A7A6-FD0775E43380}"/>
+                </a:ext>
+              </a:extLst>
+            </p:cNvPr>
+            <p:cNvSpPr/>
+            <p:nvPr/>
+          </p:nvSpPr>
+          <p:spPr>
+            <a:xfrm>
+              <a:off x="2477729" y="2674374"/>
+              <a:ext cx="5761703" cy="2753032"/>
+            </a:xfrm>
+            <a:prstGeom prst="rect">
+              <a:avLst/>
+            </a:prstGeom>
             <a:solidFill>
+              <a:schemeClr val="accent4">
+                <a:lumMod val="20000"/>
+                <a:lumOff val="80000"/>
+              </a:schemeClr>
+            </a:solidFill>
+            <a:ln w="76200">
+              <a:solidFill>
+                <a:schemeClr val="tx1"/>
+              </a:solidFill>
+            </a:ln>
+          </p:spPr>
+          <p:style>
+            <a:lnRef idx="2">
+              <a:schemeClr val="accent1">
+                <a:shade val="15000"/>
+              </a:schemeClr>
+            </a:lnRef>
+            <a:fillRef idx="1">
+              <a:schemeClr val="accent1"/>
+            </a:fillRef>
+            <a:effectRef idx="0">
+              <a:schemeClr val="accent1"/>
+            </a:effectRef>
+            <a:fontRef idx="minor">
+              <a:schemeClr val="lt1"/>
+            </a:fontRef>
+          </p:style>
+          <p:txBody>
+            <a:bodyPr rtlCol="0" anchor="ctr"/>
+            <a:lstStyle/>
+            <a:p>
+              <a:pPr algn="ctr"/>
+              <a:endParaRPr lang="en-NL"/>
+            </a:p>
+          </p:txBody>
+        </p:sp>
+        <p:cxnSp>
+          <p:nvCxnSpPr>
+            <p:cNvPr id="6" name="Straight Arrow Connector 5">
+              <a:extLst>
+                <a:ext uri="{FF2B5EF4-FFF2-40B4-BE49-F238E27FC236}">
+                  <a16:creationId xmlns:a16="http://schemas.microsoft.com/office/drawing/2014/main" id="{3293D4C4-3C2E-6D8A-86CE-E1BFD0C30D19}"/>
+                </a:ext>
+              </a:extLst>
+            </p:cNvPr>
+            <p:cNvCxnSpPr/>
+            <p:nvPr/>
+          </p:nvCxnSpPr>
+          <p:spPr>
+            <a:xfrm>
+              <a:off x="1966452" y="2644877"/>
+              <a:ext cx="0" cy="2841523"/>
+            </a:xfrm>
+            <a:prstGeom prst="straightConnector1">
+              <a:avLst/>
+            </a:prstGeom>
+            <a:ln w="28575">
+              <a:solidFill>
+                <a:schemeClr val="tx1"/>
+              </a:solidFill>
+              <a:headEnd type="arrow" w="med" len="med"/>
+              <a:tailEnd type="arrow" w="med" len="med"/>
+            </a:ln>
+          </p:spPr>
+          <p:style>
+            <a:lnRef idx="1">
+              <a:schemeClr val="accent1"/>
+            </a:lnRef>
+            <a:fillRef idx="0">
+              <a:schemeClr val="accent1"/>
+            </a:fillRef>
+            <a:effectRef idx="0">
+              <a:schemeClr val="accent1"/>
+            </a:effectRef>
+            <a:fontRef idx="minor">
               <a:schemeClr val="tx1"/>
-            </a:solidFill>
-          </a:ln>
-        </p:spPr>
-        <p:style>
-          <a:lnRef idx="2">
-            <a:schemeClr val="accent1">
-              <a:shade val="15000"/>
-            </a:schemeClr>
-          </a:lnRef>
-          <a:fillRef idx="1">
-            <a:schemeClr val="accent1"/>
-          </a:fillRef>
-          <a:effectRef idx="0">
-            <a:schemeClr val="accent1"/>
-          </a:effectRef>
-          <a:fontRef idx="minor">
-            <a:schemeClr val="lt1"/>
-          </a:fontRef>
-        </p:style>
-        <p:txBody>
-          <a:bodyPr rtlCol="0" anchor="ctr"/>
-          <a:lstStyle/>
-          <a:p>
-            <a:pPr algn="ctr"/>
-            <a:endParaRPr lang="en-NL"/>
-          </a:p>
-        </p:txBody>
-      </p:sp>
-      <p:cxnSp>
-        <p:nvCxnSpPr>
-          <p:cNvPr id="6" name="Straight Arrow Connector 5">
-            <a:extLst>
-              <a:ext uri="{FF2B5EF4-FFF2-40B4-BE49-F238E27FC236}">
-                <a16:creationId xmlns:a16="http://schemas.microsoft.com/office/drawing/2014/main" id="{3293D4C4-3C2E-6D8A-86CE-E1BFD0C30D19}"/>
-              </a:ext>
-            </a:extLst>
-          </p:cNvPr>
-          <p:cNvCxnSpPr/>
-          <p:nvPr/>
-        </p:nvCxnSpPr>
-        <p:spPr>
-          <a:xfrm>
-            <a:off x="1966452" y="2644877"/>
-            <a:ext cx="0" cy="2841523"/>
-          </a:xfrm>
-          <a:prstGeom prst="straightConnector1">
-            <a:avLst/>
-          </a:prstGeom>
-          <a:ln w="28575">
-            <a:solidFill>
+            </a:fontRef>
+          </p:style>
+        </p:cxnSp>
+        <p:sp>
+          <p:nvSpPr>
+            <p:cNvPr id="7" name="TextBox 6">
+              <a:extLst>
+                <a:ext uri="{FF2B5EF4-FFF2-40B4-BE49-F238E27FC236}">
+                  <a16:creationId xmlns:a16="http://schemas.microsoft.com/office/drawing/2014/main" id="{FE194AFF-C017-2A76-04EA-9C57F6FFDE7D}"/>
+                </a:ext>
+              </a:extLst>
+            </p:cNvPr>
+            <p:cNvSpPr txBox="1"/>
+            <p:nvPr/>
+          </p:nvSpPr>
+          <p:spPr>
+            <a:xfrm>
+              <a:off x="1381539" y="3677478"/>
+              <a:ext cx="765313" cy="369332"/>
+            </a:xfrm>
+            <a:prstGeom prst="rect">
+              <a:avLst/>
+            </a:prstGeom>
+            <a:noFill/>
+          </p:spPr>
+          <p:txBody>
+            <a:bodyPr wrap="square" rtlCol="0">
+              <a:spAutoFit/>
+            </a:bodyPr>
+            <a:lstStyle/>
+            <a:p>
+              <a:r>
+                <a:rPr lang="en-GB" dirty="0"/>
+                <a:t>20m</a:t>
+              </a:r>
+              <a:endParaRPr lang="en-NL" dirty="0"/>
+            </a:p>
+          </p:txBody>
+        </p:sp>
+        <p:sp>
+          <p:nvSpPr>
+            <p:cNvPr id="8" name="TextBox 7">
+              <a:extLst>
+                <a:ext uri="{FF2B5EF4-FFF2-40B4-BE49-F238E27FC236}">
+                  <a16:creationId xmlns:a16="http://schemas.microsoft.com/office/drawing/2014/main" id="{052C526C-18C8-D609-CCA7-12121FC4E827}"/>
+                </a:ext>
+              </a:extLst>
+            </p:cNvPr>
+            <p:cNvSpPr txBox="1"/>
+            <p:nvPr/>
+          </p:nvSpPr>
+          <p:spPr>
+            <a:xfrm>
+              <a:off x="2551366" y="2773017"/>
+              <a:ext cx="1752277" cy="369332"/>
+            </a:xfrm>
+            <a:prstGeom prst="rect">
+              <a:avLst/>
+            </a:prstGeom>
+            <a:noFill/>
+          </p:spPr>
+          <p:txBody>
+            <a:bodyPr wrap="square" rtlCol="0">
+              <a:spAutoFit/>
+            </a:bodyPr>
+            <a:lstStyle/>
+            <a:p>
+              <a:r>
+                <a:rPr lang="en-GB" dirty="0"/>
+                <a:t>10&lt;Kh&lt;50 [m/d]</a:t>
+              </a:r>
+              <a:endParaRPr lang="en-NL" dirty="0"/>
+            </a:p>
+          </p:txBody>
+        </p:sp>
+        <p:sp>
+          <p:nvSpPr>
+            <p:cNvPr id="9" name="TextBox 8">
+              <a:extLst>
+                <a:ext uri="{FF2B5EF4-FFF2-40B4-BE49-F238E27FC236}">
+                  <a16:creationId xmlns:a16="http://schemas.microsoft.com/office/drawing/2014/main" id="{44047FF3-7810-D1C7-CBE5-CF715F628776}"/>
+                </a:ext>
+              </a:extLst>
+            </p:cNvPr>
+            <p:cNvSpPr txBox="1"/>
+            <p:nvPr/>
+          </p:nvSpPr>
+          <p:spPr>
+            <a:xfrm>
+              <a:off x="2551365" y="4978561"/>
+              <a:ext cx="1752277" cy="369332"/>
+            </a:xfrm>
+            <a:prstGeom prst="rect">
+              <a:avLst/>
+            </a:prstGeom>
+            <a:noFill/>
+          </p:spPr>
+          <p:txBody>
+            <a:bodyPr wrap="square" rtlCol="0">
+              <a:spAutoFit/>
+            </a:bodyPr>
+            <a:lstStyle/>
+            <a:p>
+              <a:r>
+                <a:rPr lang="en-GB" dirty="0"/>
+                <a:t>Salt = 30g/l</a:t>
+              </a:r>
+              <a:endParaRPr lang="en-NL" dirty="0"/>
+            </a:p>
+          </p:txBody>
+        </p:sp>
+        <p:cxnSp>
+          <p:nvCxnSpPr>
+            <p:cNvPr id="12" name="Straight Arrow Connector 11">
+              <a:extLst>
+                <a:ext uri="{FF2B5EF4-FFF2-40B4-BE49-F238E27FC236}">
+                  <a16:creationId xmlns:a16="http://schemas.microsoft.com/office/drawing/2014/main" id="{1D0CEA7E-2336-DAC3-E7BB-5FE725D47EE7}"/>
+                </a:ext>
+              </a:extLst>
+            </p:cNvPr>
+            <p:cNvCxnSpPr>
+              <a:cxnSpLocks/>
+              <a:stCxn id="4" idx="0"/>
+            </p:cNvCxnSpPr>
+            <p:nvPr/>
+          </p:nvCxnSpPr>
+          <p:spPr>
+            <a:xfrm flipV="1">
+              <a:off x="5358581" y="1690688"/>
+              <a:ext cx="0" cy="983686"/>
+            </a:xfrm>
+            <a:prstGeom prst="straightConnector1">
+              <a:avLst/>
+            </a:prstGeom>
+            <a:ln w="76200">
+              <a:tailEnd type="triangle"/>
+            </a:ln>
+          </p:spPr>
+          <p:style>
+            <a:lnRef idx="1">
+              <a:schemeClr val="accent1"/>
+            </a:lnRef>
+            <a:fillRef idx="0">
+              <a:schemeClr val="accent1"/>
+            </a:fillRef>
+            <a:effectRef idx="0">
+              <a:schemeClr val="accent1"/>
+            </a:effectRef>
+            <a:fontRef idx="minor">
               <a:schemeClr val="tx1"/>
-            </a:solidFill>
-            <a:headEnd type="arrow" w="med" len="med"/>
-            <a:tailEnd type="arrow" w="med" len="med"/>
-          </a:ln>
-        </p:spPr>
-        <p:style>
-          <a:lnRef idx="1">
-            <a:schemeClr val="accent1"/>
-          </a:lnRef>
-          <a:fillRef idx="0">
-            <a:schemeClr val="accent1"/>
-          </a:fillRef>
-          <a:effectRef idx="0">
-            <a:schemeClr val="accent1"/>
-          </a:effectRef>
-          <a:fontRef idx="minor">
-            <a:schemeClr val="tx1"/>
-          </a:fontRef>
-        </p:style>
-      </p:cxnSp>
-      <p:sp>
-        <p:nvSpPr>
-          <p:cNvPr id="7" name="TextBox 6">
-            <a:extLst>
-              <a:ext uri="{FF2B5EF4-FFF2-40B4-BE49-F238E27FC236}">
-                <a16:creationId xmlns:a16="http://schemas.microsoft.com/office/drawing/2014/main" id="{FE194AFF-C017-2A76-04EA-9C57F6FFDE7D}"/>
-              </a:ext>
-            </a:extLst>
-          </p:cNvPr>
-          <p:cNvSpPr txBox="1"/>
-          <p:nvPr/>
-        </p:nvSpPr>
-        <p:spPr>
-          <a:xfrm>
-            <a:off x="1381539" y="3677478"/>
-            <a:ext cx="765313" cy="369332"/>
-          </a:xfrm>
-          <a:prstGeom prst="rect">
-            <a:avLst/>
-          </a:prstGeom>
-          <a:noFill/>
-        </p:spPr>
-        <p:txBody>
-          <a:bodyPr wrap="square" rtlCol="0">
-            <a:spAutoFit/>
-          </a:bodyPr>
-          <a:lstStyle/>
-          <a:p>
-            <a:r>
-              <a:rPr lang="en-GB" dirty="0"/>
-              <a:t>20m</a:t>
-            </a:r>
-            <a:endParaRPr lang="en-NL" dirty="0"/>
-          </a:p>
-        </p:txBody>
-      </p:sp>
-      <p:sp>
-        <p:nvSpPr>
-          <p:cNvPr id="8" name="TextBox 7">
-            <a:extLst>
-              <a:ext uri="{FF2B5EF4-FFF2-40B4-BE49-F238E27FC236}">
-                <a16:creationId xmlns:a16="http://schemas.microsoft.com/office/drawing/2014/main" id="{052C526C-18C8-D609-CCA7-12121FC4E827}"/>
-              </a:ext>
-            </a:extLst>
-          </p:cNvPr>
-          <p:cNvSpPr txBox="1"/>
-          <p:nvPr/>
-        </p:nvSpPr>
-        <p:spPr>
-          <a:xfrm>
-            <a:off x="2551366" y="2773017"/>
-            <a:ext cx="1752277" cy="369332"/>
-          </a:xfrm>
-          <a:prstGeom prst="rect">
-            <a:avLst/>
-          </a:prstGeom>
-          <a:noFill/>
-        </p:spPr>
-        <p:txBody>
-          <a:bodyPr wrap="square" rtlCol="0">
-            <a:spAutoFit/>
-          </a:bodyPr>
-          <a:lstStyle/>
-          <a:p>
-            <a:r>
-              <a:rPr lang="en-GB" dirty="0"/>
-              <a:t>10&lt;Kh&lt;50 [m/d]</a:t>
-            </a:r>
-            <a:endParaRPr lang="en-NL" dirty="0"/>
-          </a:p>
-        </p:txBody>
-      </p:sp>
-      <p:sp>
-        <p:nvSpPr>
-          <p:cNvPr id="9" name="TextBox 8">
-            <a:extLst>
-              <a:ext uri="{FF2B5EF4-FFF2-40B4-BE49-F238E27FC236}">
-                <a16:creationId xmlns:a16="http://schemas.microsoft.com/office/drawing/2014/main" id="{44047FF3-7810-D1C7-CBE5-CF715F628776}"/>
-              </a:ext>
-            </a:extLst>
-          </p:cNvPr>
-          <p:cNvSpPr txBox="1"/>
-          <p:nvPr/>
-        </p:nvSpPr>
-        <p:spPr>
-          <a:xfrm>
-            <a:off x="2551365" y="4978561"/>
-            <a:ext cx="1752277" cy="369332"/>
-          </a:xfrm>
-          <a:prstGeom prst="rect">
-            <a:avLst/>
-          </a:prstGeom>
-          <a:noFill/>
-        </p:spPr>
-        <p:txBody>
-          <a:bodyPr wrap="square" rtlCol="0">
-            <a:spAutoFit/>
-          </a:bodyPr>
-          <a:lstStyle/>
-          <a:p>
-            <a:r>
-              <a:rPr lang="en-GB" dirty="0"/>
-              <a:t>Salt = 30g/l</a:t>
-            </a:r>
-            <a:endParaRPr lang="en-NL" dirty="0"/>
-          </a:p>
-        </p:txBody>
-      </p:sp>
-      <p:cxnSp>
-        <p:nvCxnSpPr>
-          <p:cNvPr id="12" name="Straight Arrow Connector 11">
-            <a:extLst>
-              <a:ext uri="{FF2B5EF4-FFF2-40B4-BE49-F238E27FC236}">
-                <a16:creationId xmlns:a16="http://schemas.microsoft.com/office/drawing/2014/main" id="{1D0CEA7E-2336-DAC3-E7BB-5FE725D47EE7}"/>
-              </a:ext>
-            </a:extLst>
-          </p:cNvPr>
-          <p:cNvCxnSpPr>
-            <a:cxnSpLocks/>
-            <a:stCxn id="4" idx="0"/>
-          </p:cNvCxnSpPr>
-          <p:nvPr/>
-        </p:nvCxnSpPr>
-        <p:spPr>
-          <a:xfrm flipV="1">
-            <a:off x="5358581" y="1690688"/>
-            <a:ext cx="0" cy="983686"/>
-          </a:xfrm>
-          <a:prstGeom prst="straightConnector1">
-            <a:avLst/>
-          </a:prstGeom>
-          <a:ln w="76200">
-            <a:tailEnd type="triangle"/>
-          </a:ln>
-        </p:spPr>
-        <p:style>
-          <a:lnRef idx="1">
-            <a:schemeClr val="accent1"/>
-          </a:lnRef>
-          <a:fillRef idx="0">
-            <a:schemeClr val="accent1"/>
-          </a:fillRef>
-          <a:effectRef idx="0">
-            <a:schemeClr val="accent1"/>
-          </a:effectRef>
-          <a:fontRef idx="minor">
-            <a:schemeClr val="tx1"/>
-          </a:fontRef>
-        </p:style>
-      </p:cxnSp>
-      <p:sp>
-        <p:nvSpPr>
-          <p:cNvPr id="14" name="TextBox 13">
-            <a:extLst>
-              <a:ext uri="{FF2B5EF4-FFF2-40B4-BE49-F238E27FC236}">
-                <a16:creationId xmlns:a16="http://schemas.microsoft.com/office/drawing/2014/main" id="{B055E607-326E-5E72-8235-F03C3D3AE58D}"/>
-              </a:ext>
-            </a:extLst>
-          </p:cNvPr>
-          <p:cNvSpPr txBox="1"/>
-          <p:nvPr/>
-        </p:nvSpPr>
-        <p:spPr>
-          <a:xfrm>
-            <a:off x="5486399" y="1798450"/>
-            <a:ext cx="3264309" cy="369332"/>
-          </a:xfrm>
-          <a:prstGeom prst="rect">
-            <a:avLst/>
-          </a:prstGeom>
-          <a:noFill/>
-        </p:spPr>
-        <p:txBody>
-          <a:bodyPr wrap="square" rtlCol="0">
-            <a:spAutoFit/>
-          </a:bodyPr>
-          <a:lstStyle/>
-          <a:p>
-            <a:r>
-              <a:rPr lang="en-GB" dirty="0"/>
-              <a:t>40 000 m^3 in August &amp; July</a:t>
-            </a:r>
-            <a:endParaRPr lang="en-NL" dirty="0"/>
-          </a:p>
-        </p:txBody>
-      </p:sp>
-      <p:cxnSp>
-        <p:nvCxnSpPr>
-          <p:cNvPr id="18" name="Straight Arrow Connector 17">
-            <a:extLst>
-              <a:ext uri="{FF2B5EF4-FFF2-40B4-BE49-F238E27FC236}">
-                <a16:creationId xmlns:a16="http://schemas.microsoft.com/office/drawing/2014/main" id="{2C30E245-7D8F-DF5C-79FB-C6E8AFA3C7FF}"/>
-              </a:ext>
-            </a:extLst>
-          </p:cNvPr>
-          <p:cNvCxnSpPr/>
-          <p:nvPr/>
-        </p:nvCxnSpPr>
-        <p:spPr>
-          <a:xfrm>
-            <a:off x="5172639" y="2032041"/>
-            <a:ext cx="0" cy="2841523"/>
-          </a:xfrm>
-          <a:prstGeom prst="straightConnector1">
-            <a:avLst/>
-          </a:prstGeom>
-          <a:ln w="28575">
-            <a:solidFill>
+            </a:fontRef>
+          </p:style>
+        </p:cxnSp>
+        <p:sp>
+          <p:nvSpPr>
+            <p:cNvPr id="14" name="TextBox 13">
+              <a:extLst>
+                <a:ext uri="{FF2B5EF4-FFF2-40B4-BE49-F238E27FC236}">
+                  <a16:creationId xmlns:a16="http://schemas.microsoft.com/office/drawing/2014/main" id="{B055E607-326E-5E72-8235-F03C3D3AE58D}"/>
+                </a:ext>
+              </a:extLst>
+            </p:cNvPr>
+            <p:cNvSpPr txBox="1"/>
+            <p:nvPr/>
+          </p:nvSpPr>
+          <p:spPr>
+            <a:xfrm>
+              <a:off x="5486399" y="1798450"/>
+              <a:ext cx="3264309" cy="369332"/>
+            </a:xfrm>
+            <a:prstGeom prst="rect">
+              <a:avLst/>
+            </a:prstGeom>
+            <a:noFill/>
+          </p:spPr>
+          <p:txBody>
+            <a:bodyPr wrap="square" rtlCol="0">
+              <a:spAutoFit/>
+            </a:bodyPr>
+            <a:lstStyle/>
+            <a:p>
+              <a:r>
+                <a:rPr lang="en-GB" dirty="0"/>
+                <a:t>40 000 m^3 in August &amp; July</a:t>
+              </a:r>
+              <a:endParaRPr lang="en-NL" dirty="0"/>
+            </a:p>
+          </p:txBody>
+        </p:sp>
+        <p:cxnSp>
+          <p:nvCxnSpPr>
+            <p:cNvPr id="18" name="Straight Arrow Connector 17">
+              <a:extLst>
+                <a:ext uri="{FF2B5EF4-FFF2-40B4-BE49-F238E27FC236}">
+                  <a16:creationId xmlns:a16="http://schemas.microsoft.com/office/drawing/2014/main" id="{2C30E245-7D8F-DF5C-79FB-C6E8AFA3C7FF}"/>
+                </a:ext>
+              </a:extLst>
+            </p:cNvPr>
+            <p:cNvCxnSpPr/>
+            <p:nvPr/>
+          </p:nvCxnSpPr>
+          <p:spPr>
+            <a:xfrm>
+              <a:off x="5172639" y="2032041"/>
+              <a:ext cx="0" cy="2841523"/>
+            </a:xfrm>
+            <a:prstGeom prst="straightConnector1">
+              <a:avLst/>
+            </a:prstGeom>
+            <a:ln w="28575">
+              <a:solidFill>
+                <a:schemeClr val="tx1"/>
+              </a:solidFill>
+              <a:headEnd type="none" w="med" len="med"/>
+              <a:tailEnd type="none" w="med" len="med"/>
+            </a:ln>
+          </p:spPr>
+          <p:style>
+            <a:lnRef idx="1">
+              <a:schemeClr val="accent1"/>
+            </a:lnRef>
+            <a:fillRef idx="0">
+              <a:schemeClr val="accent1"/>
+            </a:fillRef>
+            <a:effectRef idx="0">
+              <a:schemeClr val="accent1"/>
+            </a:effectRef>
+            <a:fontRef idx="minor">
               <a:schemeClr val="tx1"/>
-            </a:solidFill>
-            <a:headEnd type="none" w="med" len="med"/>
-            <a:tailEnd type="none" w="med" len="med"/>
-          </a:ln>
-        </p:spPr>
-        <p:style>
-          <a:lnRef idx="1">
-            <a:schemeClr val="accent1"/>
-          </a:lnRef>
-          <a:fillRef idx="0">
-            <a:schemeClr val="accent1"/>
-          </a:fillRef>
-          <a:effectRef idx="0">
-            <a:schemeClr val="accent1"/>
-          </a:effectRef>
-          <a:fontRef idx="minor">
-            <a:schemeClr val="tx1"/>
-          </a:fontRef>
-        </p:style>
-      </p:cxnSp>
-      <p:cxnSp>
-        <p:nvCxnSpPr>
-          <p:cNvPr id="19" name="Straight Arrow Connector 18">
-            <a:extLst>
-              <a:ext uri="{FF2B5EF4-FFF2-40B4-BE49-F238E27FC236}">
-                <a16:creationId xmlns:a16="http://schemas.microsoft.com/office/drawing/2014/main" id="{BB009CB9-465B-386A-1807-9135B4E7DE68}"/>
-              </a:ext>
-            </a:extLst>
-          </p:cNvPr>
-          <p:cNvCxnSpPr/>
-          <p:nvPr/>
-        </p:nvCxnSpPr>
-        <p:spPr>
-          <a:xfrm>
-            <a:off x="5508304" y="2008238"/>
-            <a:ext cx="0" cy="2841523"/>
-          </a:xfrm>
-          <a:prstGeom prst="straightConnector1">
-            <a:avLst/>
-          </a:prstGeom>
-          <a:ln w="28575">
-            <a:solidFill>
+            </a:fontRef>
+          </p:style>
+        </p:cxnSp>
+        <p:cxnSp>
+          <p:nvCxnSpPr>
+            <p:cNvPr id="19" name="Straight Arrow Connector 18">
+              <a:extLst>
+                <a:ext uri="{FF2B5EF4-FFF2-40B4-BE49-F238E27FC236}">
+                  <a16:creationId xmlns:a16="http://schemas.microsoft.com/office/drawing/2014/main" id="{BB009CB9-465B-386A-1807-9135B4E7DE68}"/>
+                </a:ext>
+              </a:extLst>
+            </p:cNvPr>
+            <p:cNvCxnSpPr/>
+            <p:nvPr/>
+          </p:nvCxnSpPr>
+          <p:spPr>
+            <a:xfrm>
+              <a:off x="5508304" y="2008238"/>
+              <a:ext cx="0" cy="2841523"/>
+            </a:xfrm>
+            <a:prstGeom prst="straightConnector1">
+              <a:avLst/>
+            </a:prstGeom>
+            <a:ln w="28575">
+              <a:solidFill>
+                <a:schemeClr val="tx1"/>
+              </a:solidFill>
+              <a:headEnd type="none" w="med" len="med"/>
+              <a:tailEnd type="none" w="med" len="med"/>
+            </a:ln>
+          </p:spPr>
+          <p:style>
+            <a:lnRef idx="1">
+              <a:schemeClr val="accent1"/>
+            </a:lnRef>
+            <a:fillRef idx="0">
+              <a:schemeClr val="accent1"/>
+            </a:fillRef>
+            <a:effectRef idx="0">
+              <a:schemeClr val="accent1"/>
+            </a:effectRef>
+            <a:fontRef idx="minor">
               <a:schemeClr val="tx1"/>
-            </a:solidFill>
-            <a:headEnd type="none" w="med" len="med"/>
-            <a:tailEnd type="none" w="med" len="med"/>
-          </a:ln>
-        </p:spPr>
-        <p:style>
-          <a:lnRef idx="1">
-            <a:schemeClr val="accent1"/>
-          </a:lnRef>
-          <a:fillRef idx="0">
-            <a:schemeClr val="accent1"/>
-          </a:fillRef>
-          <a:effectRef idx="0">
-            <a:schemeClr val="accent1"/>
-          </a:effectRef>
-          <a:fontRef idx="minor">
-            <a:schemeClr val="tx1"/>
-          </a:fontRef>
-        </p:style>
-      </p:cxnSp>
+            </a:fontRef>
+          </p:style>
+        </p:cxnSp>
+      </p:grpSp>
     </p:spTree>
     <p:extLst>
       <p:ext uri="{BB962C8B-B14F-4D97-AF65-F5344CB8AC3E}">
@@ -4948,10 +6274,10 @@
       </p:grpSpPr>
       <p:sp>
         <p:nvSpPr>
-          <p:cNvPr id="2" name="Title 1">
+          <p:cNvPr id="2" name="Slide Number Placeholder 1">
             <a:extLst>
               <a:ext uri="{FF2B5EF4-FFF2-40B4-BE49-F238E27FC236}">
-                <a16:creationId xmlns:a16="http://schemas.microsoft.com/office/drawing/2014/main" id="{B501916C-D4E2-386A-B250-5CEAF46B5F6D}"/>
+                <a16:creationId xmlns:a16="http://schemas.microsoft.com/office/drawing/2014/main" id="{652DD745-20B6-D051-7B3B-332B6FCC2511}"/>
               </a:ext>
             </a:extLst>
           </p:cNvPr>
@@ -4959,7 +6285,7 @@
             <a:spLocks noGrp="1"/>
           </p:cNvSpPr>
           <p:nvPr>
-            <p:ph type="title"/>
+            <p:ph type="sldNum" sz="quarter" idx="17"/>
           </p:nvPr>
         </p:nvSpPr>
         <p:spPr/>
@@ -4967,29 +6293,20 @@
           <a:bodyPr/>
           <a:lstStyle/>
           <a:p>
-            <a:pPr algn="l" fontAlgn="b"/>
-            <a:r>
-              <a:rPr lang="en-GB" sz="4400" u="none" strike="noStrike" dirty="0">
-                <a:effectLst/>
-              </a:rPr>
-              <a:t>Design ASR system</a:t>
-            </a:r>
-            <a:endParaRPr lang="en-GB" sz="4400" b="0" i="0" u="none" strike="noStrike" dirty="0">
-              <a:solidFill>
-                <a:srgbClr val="000000"/>
-              </a:solidFill>
-              <a:effectLst/>
-              <a:latin typeface="Calibri" panose="020F0502020204030204" pitchFamily="34" charset="0"/>
-            </a:endParaRPr>
-          </a:p>
-        </p:txBody>
-      </p:sp>
-      <p:sp>
-        <p:nvSpPr>
-          <p:cNvPr id="3" name="Content Placeholder 2">
+            <a:fld id="{1336C48C-F87C-4E4B-81EF-5027B17D1F61}" type="slidenum">
+              <a:rPr lang="en-GB" noProof="1" smtClean="0"/>
+              <a:t>5</a:t>
+            </a:fld>
+            <a:endParaRPr lang="en-GB" noProof="1"/>
+          </a:p>
+        </p:txBody>
+      </p:sp>
+      <p:sp>
+        <p:nvSpPr>
+          <p:cNvPr id="4" name="Content Placeholder 3">
             <a:extLst>
               <a:ext uri="{FF2B5EF4-FFF2-40B4-BE49-F238E27FC236}">
-                <a16:creationId xmlns:a16="http://schemas.microsoft.com/office/drawing/2014/main" id="{09C5E4A4-9126-BB3E-A065-D2362182A902}"/>
+                <a16:creationId xmlns:a16="http://schemas.microsoft.com/office/drawing/2014/main" id="{D8D76D20-D253-2715-603A-7624AC5C6FF1}"/>
               </a:ext>
             </a:extLst>
           </p:cNvPr>
@@ -4997,92 +6314,1026 @@
             <a:spLocks noGrp="1"/>
           </p:cNvSpPr>
           <p:nvPr>
-            <p:ph idx="1"/>
-          </p:nvPr>
-        </p:nvSpPr>
-        <p:spPr/>
+            <p:ph sz="quarter" idx="13"/>
+          </p:nvPr>
+        </p:nvSpPr>
+        <p:spPr>
+          <a:xfrm>
+            <a:off x="912724" y="2030044"/>
+            <a:ext cx="6695050" cy="3882309"/>
+          </a:xfrm>
+        </p:spPr>
+        <p:txBody>
+          <a:bodyPr>
+            <a:normAutofit fontScale="92500" lnSpcReduction="20000"/>
+          </a:bodyPr>
+          <a:lstStyle/>
+          <a:p>
+            <a:pPr marL="342797" indent="-342797">
+              <a:buFont typeface="Arial" panose="020B0604020202020204" pitchFamily="34" charset="0"/>
+              <a:buChar char="•"/>
+            </a:pPr>
+            <a:r>
+              <a:rPr lang="nl-NL" dirty="0"/>
+              <a:t> Follows </a:t>
+            </a:r>
+            <a:r>
+              <a:rPr lang="nl-NL" dirty="0" err="1"/>
+              <a:t>from</a:t>
+            </a:r>
+            <a:r>
+              <a:rPr lang="nl-NL" dirty="0"/>
+              <a:t> maximum </a:t>
+            </a:r>
+            <a:r>
+              <a:rPr lang="nl-NL" dirty="0" err="1"/>
+              <a:t>infiltration</a:t>
+            </a:r>
+            <a:r>
+              <a:rPr lang="nl-NL" dirty="0"/>
+              <a:t> </a:t>
+            </a:r>
+            <a:r>
+              <a:rPr lang="nl-NL" dirty="0" err="1"/>
+              <a:t>pressure</a:t>
+            </a:r>
+            <a:r>
+              <a:rPr lang="nl-NL" dirty="0"/>
+              <a:t>:</a:t>
+            </a:r>
+          </a:p>
+          <a:p>
+            <a:pPr marL="612824" lvl="5" indent="-342797"/>
+            <a:r>
+              <a:rPr lang="nl-NL" dirty="0"/>
+              <a:t>			                    </a:t>
+            </a:r>
+            <a:br>
+              <a:rPr lang="nl-NL" dirty="0"/>
+            </a:br>
+            <a:r>
+              <a:rPr lang="nl-NL" dirty="0"/>
+              <a:t>			 (De Glee)</a:t>
+            </a:r>
+          </a:p>
+          <a:p>
+            <a:pPr marL="612824" lvl="5" indent="-342797"/>
+            <a:endParaRPr lang="nl-NL" dirty="0"/>
+          </a:p>
+          <a:p>
+            <a:endParaRPr lang="nl-NL" dirty="0"/>
+          </a:p>
+          <a:p>
+            <a:pPr marL="882635" lvl="3" indent="-342797"/>
+            <a:r>
+              <a:rPr lang="nl-NL" sz="1600" i="1" dirty="0"/>
+              <a:t>k</a:t>
+            </a:r>
+            <a:r>
+              <a:rPr lang="nl-NL" sz="1600" dirty="0"/>
+              <a:t> = </a:t>
+            </a:r>
+            <a:r>
+              <a:rPr lang="nl-NL" sz="1600" dirty="0" err="1"/>
+              <a:t>hydraulic</a:t>
+            </a:r>
+            <a:r>
+              <a:rPr lang="nl-NL" sz="1600" dirty="0"/>
+              <a:t> </a:t>
+            </a:r>
+            <a:r>
+              <a:rPr lang="nl-NL" sz="1600" dirty="0" err="1"/>
+              <a:t>conducitivity</a:t>
+            </a:r>
+            <a:r>
+              <a:rPr lang="nl-NL" sz="1600" dirty="0"/>
+              <a:t> of </a:t>
+            </a:r>
+            <a:r>
+              <a:rPr lang="nl-NL" sz="1600" dirty="0" err="1"/>
+              <a:t>aquifer</a:t>
+            </a:r>
+            <a:r>
+              <a:rPr lang="nl-NL" sz="1600" dirty="0"/>
+              <a:t> (m/d)</a:t>
+            </a:r>
+          </a:p>
+          <a:p>
+            <a:pPr marL="882635" lvl="3" indent="-342797"/>
+            <a:r>
+              <a:rPr lang="nl-NL" sz="1600" i="1" dirty="0"/>
+              <a:t>D</a:t>
+            </a:r>
+            <a:r>
+              <a:rPr lang="nl-NL" sz="1600" dirty="0"/>
+              <a:t> = </a:t>
+            </a:r>
+            <a:r>
+              <a:rPr lang="nl-NL" sz="1600" dirty="0" err="1"/>
+              <a:t>thickness</a:t>
+            </a:r>
+            <a:r>
+              <a:rPr lang="nl-NL" sz="1600" dirty="0"/>
+              <a:t> of </a:t>
+            </a:r>
+            <a:r>
+              <a:rPr lang="nl-NL" sz="1600" dirty="0" err="1"/>
+              <a:t>aquifer</a:t>
+            </a:r>
+            <a:r>
+              <a:rPr lang="nl-NL" sz="1600" dirty="0"/>
+              <a:t> (m)</a:t>
+            </a:r>
+          </a:p>
+          <a:p>
+            <a:pPr marL="882635" lvl="3" indent="-342797"/>
+            <a:r>
+              <a:rPr lang="nl-NL" sz="1600" i="1" dirty="0"/>
+              <a:t>c</a:t>
+            </a:r>
+            <a:r>
+              <a:rPr lang="nl-NL" sz="1600" dirty="0"/>
+              <a:t> = </a:t>
+            </a:r>
+            <a:r>
+              <a:rPr lang="nl-NL" sz="1600" dirty="0" err="1"/>
+              <a:t>hydraulic</a:t>
+            </a:r>
+            <a:r>
+              <a:rPr lang="nl-NL" sz="1600" dirty="0"/>
+              <a:t> </a:t>
+            </a:r>
+            <a:r>
+              <a:rPr lang="nl-NL" sz="1600" dirty="0" err="1"/>
+              <a:t>resistance</a:t>
+            </a:r>
+            <a:r>
+              <a:rPr lang="nl-NL" sz="1600" dirty="0"/>
+              <a:t> of </a:t>
+            </a:r>
+            <a:r>
+              <a:rPr lang="nl-NL" sz="1600" dirty="0" err="1"/>
+              <a:t>confining</a:t>
+            </a:r>
+            <a:r>
+              <a:rPr lang="nl-NL" sz="1600" dirty="0"/>
+              <a:t> layer (d)</a:t>
+            </a:r>
+          </a:p>
+          <a:p>
+            <a:pPr marL="882635" lvl="3" indent="-342797"/>
+            <a:r>
+              <a:rPr lang="nl-NL" sz="1600" i="1" dirty="0" err="1"/>
+              <a:t>r</a:t>
+            </a:r>
+            <a:r>
+              <a:rPr lang="nl-NL" sz="1600" i="1" baseline="-25000" dirty="0" err="1"/>
+              <a:t>well</a:t>
+            </a:r>
+            <a:r>
+              <a:rPr lang="nl-NL" sz="1600" dirty="0"/>
+              <a:t> = well radius (m)</a:t>
+            </a:r>
+          </a:p>
+          <a:p>
+            <a:pPr marL="882635" lvl="3" indent="-342797"/>
+            <a:r>
+              <a:rPr lang="nl-NL" sz="1600" i="1" dirty="0" err="1"/>
+              <a:t>h</a:t>
+            </a:r>
+            <a:r>
+              <a:rPr lang="nl-NL" sz="1600" i="1" baseline="-25000" dirty="0" err="1"/>
+              <a:t>in</a:t>
+            </a:r>
+            <a:r>
+              <a:rPr lang="nl-NL" sz="1600" dirty="0"/>
+              <a:t> = </a:t>
+            </a:r>
+            <a:r>
+              <a:rPr lang="nl-NL" sz="1600" dirty="0" err="1"/>
+              <a:t>infiltration</a:t>
+            </a:r>
+            <a:r>
+              <a:rPr lang="nl-NL" sz="1600" dirty="0"/>
+              <a:t> head (m + land </a:t>
+            </a:r>
+            <a:r>
+              <a:rPr lang="nl-NL" sz="1600" dirty="0" err="1"/>
+              <a:t>surface</a:t>
+            </a:r>
+            <a:r>
+              <a:rPr lang="nl-NL" sz="1600" dirty="0"/>
+              <a:t>)</a:t>
+            </a:r>
+          </a:p>
+          <a:p>
+            <a:pPr marL="882635" lvl="3" indent="-342797"/>
+            <a:r>
+              <a:rPr lang="nl-NL" sz="1600" i="1" dirty="0"/>
+              <a:t>h</a:t>
+            </a:r>
+            <a:r>
+              <a:rPr lang="nl-NL" sz="1600" i="1" baseline="-25000" dirty="0"/>
+              <a:t>0</a:t>
+            </a:r>
+            <a:r>
+              <a:rPr lang="nl-NL" sz="1600" dirty="0"/>
+              <a:t> = </a:t>
+            </a:r>
+            <a:r>
+              <a:rPr lang="nl-NL" sz="1600" dirty="0" err="1"/>
+              <a:t>natural</a:t>
+            </a:r>
+            <a:r>
+              <a:rPr lang="nl-NL" sz="1600" dirty="0"/>
+              <a:t> </a:t>
+            </a:r>
+            <a:r>
+              <a:rPr lang="nl-NL" sz="1600" dirty="0" err="1"/>
+              <a:t>hydraulic</a:t>
+            </a:r>
+            <a:r>
+              <a:rPr lang="nl-NL" sz="1600" dirty="0"/>
+              <a:t> head in </a:t>
+            </a:r>
+            <a:r>
+              <a:rPr lang="nl-NL" sz="1600" dirty="0" err="1"/>
+              <a:t>aquifer</a:t>
+            </a:r>
+            <a:r>
+              <a:rPr lang="nl-NL" sz="1600" dirty="0"/>
+              <a:t> (m + land </a:t>
+            </a:r>
+            <a:r>
+              <a:rPr lang="nl-NL" sz="1600" dirty="0" err="1"/>
+              <a:t>surface</a:t>
+            </a:r>
+            <a:r>
+              <a:rPr lang="nl-NL" sz="1600" dirty="0"/>
+              <a:t>)</a:t>
+            </a:r>
+          </a:p>
+          <a:p>
+            <a:pPr lvl="3" indent="0">
+              <a:buNone/>
+            </a:pPr>
+            <a:endParaRPr lang="nl-NL" sz="1600" dirty="0"/>
+          </a:p>
+          <a:p>
+            <a:pPr marL="342797" indent="-342797">
+              <a:buFont typeface="Arial" panose="020B0604020202020204" pitchFamily="34" charset="0"/>
+              <a:buChar char="•"/>
+            </a:pPr>
+            <a:r>
+              <a:rPr lang="nl-NL" dirty="0"/>
+              <a:t>In </a:t>
+            </a:r>
+            <a:r>
+              <a:rPr lang="nl-NL" dirty="0" err="1"/>
+              <a:t>practice</a:t>
+            </a:r>
+            <a:r>
+              <a:rPr lang="nl-NL" dirty="0"/>
+              <a:t>: </a:t>
+            </a:r>
+            <a:r>
+              <a:rPr lang="nl-NL" dirty="0" err="1"/>
+              <a:t>decreases</a:t>
+            </a:r>
+            <a:r>
+              <a:rPr lang="nl-NL" dirty="0"/>
+              <a:t> </a:t>
+            </a:r>
+            <a:r>
+              <a:rPr lang="nl-NL" dirty="0" err="1"/>
+              <a:t>due</a:t>
+            </a:r>
+            <a:r>
+              <a:rPr lang="nl-NL" dirty="0"/>
+              <a:t> </a:t>
+            </a:r>
+            <a:r>
+              <a:rPr lang="nl-NL" dirty="0" err="1"/>
+              <a:t>to</a:t>
+            </a:r>
+            <a:r>
+              <a:rPr lang="nl-NL" dirty="0"/>
+              <a:t> </a:t>
+            </a:r>
+            <a:br>
+              <a:rPr lang="nl-NL" dirty="0"/>
+            </a:br>
+            <a:r>
+              <a:rPr lang="nl-NL" dirty="0" err="1"/>
+              <a:t>gradual</a:t>
+            </a:r>
+            <a:r>
+              <a:rPr lang="nl-NL" dirty="0"/>
+              <a:t> well clogging</a:t>
+            </a:r>
+          </a:p>
+          <a:p>
+            <a:pPr marL="342797" indent="-342797">
+              <a:buFont typeface="Arial" panose="020B0604020202020204" pitchFamily="34" charset="0"/>
+              <a:buChar char="•"/>
+            </a:pPr>
+            <a:endParaRPr lang="nl-NL" dirty="0"/>
+          </a:p>
+          <a:p>
+            <a:pPr marL="342797" indent="-342797">
+              <a:buFont typeface="Arial" panose="020B0604020202020204" pitchFamily="34" charset="0"/>
+              <a:buChar char="•"/>
+            </a:pPr>
+            <a:endParaRPr lang="nl-NL" dirty="0"/>
+          </a:p>
+        </p:txBody>
+      </p:sp>
+      <mc:AlternateContent xmlns:mc="http://schemas.openxmlformats.org/markup-compatibility/2006">
+        <mc:Choice xmlns:a14="http://schemas.microsoft.com/office/drawing/2010/main" Requires="a14">
+          <p:sp>
+            <p:nvSpPr>
+              <p:cNvPr id="7" name="TextBox 6">
+                <a:extLst>
+                  <a:ext uri="{FF2B5EF4-FFF2-40B4-BE49-F238E27FC236}">
+                    <a16:creationId xmlns:a16="http://schemas.microsoft.com/office/drawing/2014/main" id="{5ED0CC0B-7D2D-204D-5A4F-84933D855A46}"/>
+                  </a:ext>
+                </a:extLst>
+              </p:cNvPr>
+              <p:cNvSpPr txBox="1"/>
+              <p:nvPr/>
+            </p:nvSpPr>
+            <p:spPr>
+              <a:xfrm>
+                <a:off x="1274090" y="2560464"/>
+                <a:ext cx="2257979" cy="940525"/>
+              </a:xfrm>
+              <a:prstGeom prst="rect">
+                <a:avLst/>
+              </a:prstGeom>
+              <a:noFill/>
+            </p:spPr>
+            <p:txBody>
+              <a:bodyPr wrap="none" lIns="0" tIns="0" rIns="0" bIns="0" rtlCol="0">
+                <a:spAutoFit/>
+              </a:bodyPr>
+              <a:lstStyle/>
+              <a:p>
+                <a:pPr/>
+                <a14:m>
+                  <m:oMathPara xmlns:m="http://schemas.openxmlformats.org/officeDocument/2006/math">
+                    <m:oMathParaPr>
+                      <m:jc m:val="centerGroup"/>
+                    </m:oMathParaPr>
+                    <m:oMath xmlns:m="http://schemas.openxmlformats.org/officeDocument/2006/math">
+                      <m:sSub>
+                        <m:sSubPr>
+                          <m:ctrlPr>
+                            <a:rPr lang="nl-NL" sz="1799" i="1">
+                              <a:latin typeface="Cambria Math" panose="02040503050406030204" pitchFamily="18" charset="0"/>
+                            </a:rPr>
+                          </m:ctrlPr>
+                        </m:sSubPr>
+                        <m:e>
+                          <m:r>
+                            <a:rPr lang="nl-NL" sz="1799" i="1">
+                              <a:latin typeface="Cambria Math" panose="02040503050406030204" pitchFamily="18" charset="0"/>
+                            </a:rPr>
+                            <m:t>𝑄</m:t>
+                          </m:r>
+                        </m:e>
+                        <m:sub>
+                          <m:r>
+                            <a:rPr lang="nl-NL" sz="1799" i="1">
+                              <a:latin typeface="Cambria Math" panose="02040503050406030204" pitchFamily="18" charset="0"/>
+                            </a:rPr>
+                            <m:t>𝑖𝑛</m:t>
+                          </m:r>
+                        </m:sub>
+                      </m:sSub>
+                      <m:r>
+                        <a:rPr lang="nl-NL" sz="1799" i="1">
+                          <a:latin typeface="Cambria Math" panose="02040503050406030204" pitchFamily="18" charset="0"/>
+                        </a:rPr>
+                        <m:t>=</m:t>
+                      </m:r>
+                      <m:f>
+                        <m:fPr>
+                          <m:ctrlPr>
+                            <a:rPr lang="nl-NL" sz="1799" i="1">
+                              <a:latin typeface="Cambria Math" panose="02040503050406030204" pitchFamily="18" charset="0"/>
+                              <a:ea typeface="Cambria Math" panose="02040503050406030204" pitchFamily="18" charset="0"/>
+                            </a:rPr>
+                          </m:ctrlPr>
+                        </m:fPr>
+                        <m:num>
+                          <m:r>
+                            <a:rPr lang="nl-NL" sz="1799" i="1">
+                              <a:latin typeface="Cambria Math" panose="02040503050406030204" pitchFamily="18" charset="0"/>
+                            </a:rPr>
+                            <m:t>2</m:t>
+                          </m:r>
+                          <m:r>
+                            <a:rPr lang="nl-NL" sz="1799" i="1">
+                              <a:latin typeface="Cambria Math" panose="02040503050406030204" pitchFamily="18" charset="0"/>
+                              <a:ea typeface="Cambria Math" panose="02040503050406030204" pitchFamily="18" charset="0"/>
+                            </a:rPr>
+                            <m:t>𝜋</m:t>
+                          </m:r>
+                          <m:r>
+                            <a:rPr lang="nl-NL" sz="1799" i="1">
+                              <a:latin typeface="Cambria Math" panose="02040503050406030204" pitchFamily="18" charset="0"/>
+                              <a:ea typeface="Cambria Math" panose="02040503050406030204" pitchFamily="18" charset="0"/>
+                            </a:rPr>
+                            <m:t>𝑘𝐷</m:t>
+                          </m:r>
+                          <m:d>
+                            <m:dPr>
+                              <m:ctrlPr>
+                                <a:rPr lang="nl-NL" sz="1799" i="1">
+                                  <a:latin typeface="Cambria Math" panose="02040503050406030204" pitchFamily="18" charset="0"/>
+                                  <a:ea typeface="Cambria Math" panose="02040503050406030204" pitchFamily="18" charset="0"/>
+                                </a:rPr>
+                              </m:ctrlPr>
+                            </m:dPr>
+                            <m:e>
+                              <m:sSub>
+                                <m:sSubPr>
+                                  <m:ctrlPr>
+                                    <a:rPr lang="nl-NL" sz="1799" i="1">
+                                      <a:latin typeface="Cambria Math" panose="02040503050406030204" pitchFamily="18" charset="0"/>
+                                      <a:ea typeface="Cambria Math" panose="02040503050406030204" pitchFamily="18" charset="0"/>
+                                    </a:rPr>
+                                  </m:ctrlPr>
+                                </m:sSubPr>
+                                <m:e>
+                                  <m:r>
+                                    <a:rPr lang="nl-NL" sz="1799" i="1">
+                                      <a:latin typeface="Cambria Math" panose="02040503050406030204" pitchFamily="18" charset="0"/>
+                                      <a:ea typeface="Cambria Math" panose="02040503050406030204" pitchFamily="18" charset="0"/>
+                                    </a:rPr>
+                                    <m:t>h</m:t>
+                                  </m:r>
+                                </m:e>
+                                <m:sub>
+                                  <m:r>
+                                    <a:rPr lang="nl-NL" sz="1799" i="1">
+                                      <a:latin typeface="Cambria Math" panose="02040503050406030204" pitchFamily="18" charset="0"/>
+                                      <a:ea typeface="Cambria Math" panose="02040503050406030204" pitchFamily="18" charset="0"/>
+                                    </a:rPr>
+                                    <m:t>𝑖𝑛</m:t>
+                                  </m:r>
+                                </m:sub>
+                              </m:sSub>
+                              <m:r>
+                                <a:rPr lang="nl-NL" sz="1799" i="1">
+                                  <a:latin typeface="Cambria Math" panose="02040503050406030204" pitchFamily="18" charset="0"/>
+                                  <a:ea typeface="Cambria Math" panose="02040503050406030204" pitchFamily="18" charset="0"/>
+                                </a:rPr>
+                                <m:t>−</m:t>
+                              </m:r>
+                              <m:sSub>
+                                <m:sSubPr>
+                                  <m:ctrlPr>
+                                    <a:rPr lang="nl-NL" sz="1799" i="1">
+                                      <a:latin typeface="Cambria Math" panose="02040503050406030204" pitchFamily="18" charset="0"/>
+                                      <a:ea typeface="Cambria Math" panose="02040503050406030204" pitchFamily="18" charset="0"/>
+                                    </a:rPr>
+                                  </m:ctrlPr>
+                                </m:sSubPr>
+                                <m:e>
+                                  <m:r>
+                                    <a:rPr lang="nl-NL" sz="1799" i="1">
+                                      <a:latin typeface="Cambria Math" panose="02040503050406030204" pitchFamily="18" charset="0"/>
+                                      <a:ea typeface="Cambria Math" panose="02040503050406030204" pitchFamily="18" charset="0"/>
+                                    </a:rPr>
+                                    <m:t>h</m:t>
+                                  </m:r>
+                                </m:e>
+                                <m:sub>
+                                  <m:r>
+                                    <a:rPr lang="nl-NL" sz="1799" i="1">
+                                      <a:latin typeface="Cambria Math" panose="02040503050406030204" pitchFamily="18" charset="0"/>
+                                      <a:ea typeface="Cambria Math" panose="02040503050406030204" pitchFamily="18" charset="0"/>
+                                    </a:rPr>
+                                    <m:t>𝑜</m:t>
+                                  </m:r>
+                                </m:sub>
+                              </m:sSub>
+                            </m:e>
+                          </m:d>
+                        </m:num>
+                        <m:den>
+                          <m:func>
+                            <m:funcPr>
+                              <m:ctrlPr>
+                                <a:rPr lang="nl-NL" sz="1799" i="1">
+                                  <a:latin typeface="Cambria Math" panose="02040503050406030204" pitchFamily="18" charset="0"/>
+                                  <a:ea typeface="Cambria Math" panose="02040503050406030204" pitchFamily="18" charset="0"/>
+                                </a:rPr>
+                              </m:ctrlPr>
+                            </m:funcPr>
+                            <m:fName>
+                              <m:r>
+                                <m:rPr>
+                                  <m:sty m:val="p"/>
+                                </m:rPr>
+                                <a:rPr lang="nl-NL" sz="1799">
+                                  <a:latin typeface="Cambria Math" panose="02040503050406030204" pitchFamily="18" charset="0"/>
+                                  <a:ea typeface="Cambria Math" panose="02040503050406030204" pitchFamily="18" charset="0"/>
+                                </a:rPr>
+                                <m:t>ln</m:t>
+                              </m:r>
+                            </m:fName>
+                            <m:e>
+                              <m:d>
+                                <m:dPr>
+                                  <m:ctrlPr>
+                                    <a:rPr lang="nl-NL" sz="1799" i="1">
+                                      <a:latin typeface="Cambria Math" panose="02040503050406030204" pitchFamily="18" charset="0"/>
+                                      <a:ea typeface="Cambria Math" panose="02040503050406030204" pitchFamily="18" charset="0"/>
+                                    </a:rPr>
+                                  </m:ctrlPr>
+                                </m:dPr>
+                                <m:e>
+                                  <m:f>
+                                    <m:fPr>
+                                      <m:ctrlPr>
+                                        <a:rPr lang="nl-NL" sz="1799" i="1">
+                                          <a:latin typeface="Cambria Math" panose="02040503050406030204" pitchFamily="18" charset="0"/>
+                                          <a:ea typeface="Cambria Math" panose="02040503050406030204" pitchFamily="18" charset="0"/>
+                                        </a:rPr>
+                                      </m:ctrlPr>
+                                    </m:fPr>
+                                    <m:num>
+                                      <m:rad>
+                                        <m:radPr>
+                                          <m:degHide m:val="on"/>
+                                          <m:ctrlPr>
+                                            <a:rPr lang="nl-NL" sz="1799" i="1">
+                                              <a:latin typeface="Cambria Math" panose="02040503050406030204" pitchFamily="18" charset="0"/>
+                                              <a:ea typeface="Cambria Math" panose="02040503050406030204" pitchFamily="18" charset="0"/>
+                                            </a:rPr>
+                                          </m:ctrlPr>
+                                        </m:radPr>
+                                        <m:deg/>
+                                        <m:e>
+                                          <m:r>
+                                            <a:rPr lang="nl-NL" sz="1799" i="1">
+                                              <a:latin typeface="Cambria Math" panose="02040503050406030204" pitchFamily="18" charset="0"/>
+                                              <a:ea typeface="Cambria Math" panose="02040503050406030204" pitchFamily="18" charset="0"/>
+                                            </a:rPr>
+                                            <m:t>𝑘𝐷𝑐</m:t>
+                                          </m:r>
+                                        </m:e>
+                                      </m:rad>
+                                    </m:num>
+                                    <m:den>
+                                      <m:sSub>
+                                        <m:sSubPr>
+                                          <m:ctrlPr>
+                                            <a:rPr lang="nl-NL" sz="1799" i="1">
+                                              <a:latin typeface="Cambria Math" panose="02040503050406030204" pitchFamily="18" charset="0"/>
+                                              <a:ea typeface="Cambria Math" panose="02040503050406030204" pitchFamily="18" charset="0"/>
+                                            </a:rPr>
+                                          </m:ctrlPr>
+                                        </m:sSubPr>
+                                        <m:e>
+                                          <m:r>
+                                            <a:rPr lang="nl-NL" sz="1799" i="1">
+                                              <a:latin typeface="Cambria Math" panose="02040503050406030204" pitchFamily="18" charset="0"/>
+                                              <a:ea typeface="Cambria Math" panose="02040503050406030204" pitchFamily="18" charset="0"/>
+                                            </a:rPr>
+                                            <m:t>𝑟</m:t>
+                                          </m:r>
+                                        </m:e>
+                                        <m:sub>
+                                          <m:r>
+                                            <a:rPr lang="nl-NL" sz="1799" i="1">
+                                              <a:latin typeface="Cambria Math" panose="02040503050406030204" pitchFamily="18" charset="0"/>
+                                              <a:ea typeface="Cambria Math" panose="02040503050406030204" pitchFamily="18" charset="0"/>
+                                            </a:rPr>
+                                            <m:t>𝑤𝑒𝑙𝑙</m:t>
+                                          </m:r>
+                                        </m:sub>
+                                      </m:sSub>
+                                    </m:den>
+                                  </m:f>
+                                </m:e>
+                              </m:d>
+                            </m:e>
+                          </m:func>
+                        </m:den>
+                      </m:f>
+                    </m:oMath>
+                  </m:oMathPara>
+                </a14:m>
+                <a:endParaRPr lang="nl-NL" sz="1799" dirty="0" err="1"/>
+              </a:p>
+            </p:txBody>
+          </p:sp>
+        </mc:Choice>
+        <mc:Fallback>
+          <p:sp>
+            <p:nvSpPr>
+              <p:cNvPr id="7" name="TextBox 6">
+                <a:extLst>
+                  <a:ext uri="{FF2B5EF4-FFF2-40B4-BE49-F238E27FC236}">
+                    <a16:creationId xmlns:a16="http://schemas.microsoft.com/office/drawing/2014/main" id="{5ED0CC0B-7D2D-204D-5A4F-84933D855A46}"/>
+                  </a:ext>
+                </a:extLst>
+              </p:cNvPr>
+              <p:cNvSpPr txBox="1">
+                <a:spLocks noRot="1" noChangeAspect="1" noMove="1" noResize="1" noEditPoints="1" noAdjustHandles="1" noChangeArrowheads="1" noChangeShapeType="1" noTextEdit="1"/>
+              </p:cNvSpPr>
+              <p:nvPr/>
+            </p:nvSpPr>
+            <p:spPr>
+              <a:xfrm>
+                <a:off x="1274090" y="2560464"/>
+                <a:ext cx="2257979" cy="940525"/>
+              </a:xfrm>
+              <a:prstGeom prst="rect">
+                <a:avLst/>
+              </a:prstGeom>
+              <a:blipFill>
+                <a:blip r:embed="rId2"/>
+                <a:stretch>
+                  <a:fillRect/>
+                </a:stretch>
+              </a:blipFill>
+            </p:spPr>
+            <p:txBody>
+              <a:bodyPr/>
+              <a:lstStyle/>
+              <a:p>
+                <a:r>
+                  <a:rPr lang="nl-NL">
+                    <a:noFill/>
+                  </a:rPr>
+                  <a:t> </a:t>
+                </a:r>
+              </a:p>
+            </p:txBody>
+          </p:sp>
+        </mc:Fallback>
+      </mc:AlternateContent>
+      <p:sp>
+        <p:nvSpPr>
+          <p:cNvPr id="11" name="Title 4">
+            <a:extLst>
+              <a:ext uri="{FF2B5EF4-FFF2-40B4-BE49-F238E27FC236}">
+                <a16:creationId xmlns:a16="http://schemas.microsoft.com/office/drawing/2014/main" id="{7F6E615B-D1A7-D154-A930-BE69CE42B1FA}"/>
+              </a:ext>
+            </a:extLst>
+          </p:cNvPr>
+          <p:cNvSpPr>
+            <a:spLocks noGrp="1"/>
+          </p:cNvSpPr>
+          <p:nvPr>
+            <p:ph type="title"/>
+          </p:nvPr>
+        </p:nvSpPr>
+        <p:spPr>
+          <a:xfrm>
+            <a:off x="893690" y="899411"/>
+            <a:ext cx="9465535" cy="981820"/>
+          </a:xfrm>
+        </p:spPr>
         <p:txBody>
           <a:bodyPr/>
           <a:lstStyle/>
           <a:p>
             <a:r>
-              <a:rPr lang="en-GB" dirty="0"/>
-              <a:t>MODFLOW6 model</a:t>
-            </a:r>
-          </a:p>
-          <a:p>
-            <a:pPr lvl="1"/>
-            <a:r>
-              <a:rPr lang="en-GB" dirty="0"/>
-              <a:t>Adjust parameters</a:t>
-            </a:r>
-          </a:p>
-          <a:p>
-            <a:pPr lvl="1"/>
-            <a:r>
-              <a:rPr lang="en-GB" dirty="0"/>
-              <a:t>Background flow?</a:t>
-            </a:r>
-          </a:p>
-          <a:p>
-            <a:r>
-              <a:rPr lang="en-GB" dirty="0"/>
-              <a:t>Optimise model to reduce waste</a:t>
-            </a:r>
-          </a:p>
-          <a:p>
-            <a:r>
-              <a:rPr lang="en-GB" sz="2800" u="none" strike="noStrike" dirty="0">
-                <a:effectLst/>
+              <a:rPr lang="nl-NL" dirty="0"/>
+              <a:t>Maximum </a:t>
+            </a:r>
+            <a:r>
+              <a:rPr lang="nl-NL" dirty="0" err="1"/>
+              <a:t>infiltration</a:t>
+            </a:r>
+            <a:r>
+              <a:rPr lang="nl-NL" dirty="0"/>
+              <a:t> rate</a:t>
+            </a:r>
+          </a:p>
+        </p:txBody>
+      </p:sp>
+      <p:sp>
+        <p:nvSpPr>
+          <p:cNvPr id="3" name="TextBox 2">
+            <a:extLst>
+              <a:ext uri="{FF2B5EF4-FFF2-40B4-BE49-F238E27FC236}">
+                <a16:creationId xmlns:a16="http://schemas.microsoft.com/office/drawing/2014/main" id="{7731E82B-C089-7696-886A-292931978E82}"/>
+              </a:ext>
+            </a:extLst>
+          </p:cNvPr>
+          <p:cNvSpPr txBox="1"/>
+          <p:nvPr/>
+        </p:nvSpPr>
+        <p:spPr>
+          <a:xfrm>
+            <a:off x="0" y="893"/>
+            <a:ext cx="6095967" cy="369108"/>
+          </a:xfrm>
+          <a:prstGeom prst="rect">
+            <a:avLst/>
+          </a:prstGeom>
+          <a:noFill/>
+        </p:spPr>
+        <p:txBody>
+          <a:bodyPr wrap="square">
+            <a:spAutoFit/>
+          </a:bodyPr>
+          <a:lstStyle/>
+          <a:p>
+            <a:r>
+              <a:rPr lang="en-GB" sz="1799" dirty="0"/>
+              <a:t>Infiltration</a:t>
+            </a:r>
+            <a:endParaRPr lang="nl-NL" sz="1799" dirty="0"/>
+          </a:p>
+        </p:txBody>
+      </p:sp>
+      <p:pic>
+        <p:nvPicPr>
+          <p:cNvPr id="8" name="Picture 7">
+            <a:extLst>
+              <a:ext uri="{FF2B5EF4-FFF2-40B4-BE49-F238E27FC236}">
+                <a16:creationId xmlns:a16="http://schemas.microsoft.com/office/drawing/2014/main" id="{E51C010B-E745-59F4-5CFC-BADC9A11FD81}"/>
+              </a:ext>
+            </a:extLst>
+          </p:cNvPr>
+          <p:cNvPicPr>
+            <a:picLocks noChangeAspect="1"/>
+          </p:cNvPicPr>
+          <p:nvPr/>
+        </p:nvPicPr>
+        <p:blipFill rotWithShape="1">
+          <a:blip r:embed="rId3"/>
+          <a:srcRect l="4632" b="50000"/>
+          <a:stretch/>
+        </p:blipFill>
+        <p:spPr>
+          <a:xfrm>
+            <a:off x="6311968" y="2853087"/>
+            <a:ext cx="5880033" cy="3716063"/>
+          </a:xfrm>
+          <a:prstGeom prst="rect">
+            <a:avLst/>
+          </a:prstGeom>
+        </p:spPr>
+      </p:pic>
+      <p:sp>
+        <p:nvSpPr>
+          <p:cNvPr id="10" name="TextBox 9">
+            <a:extLst>
+              <a:ext uri="{FF2B5EF4-FFF2-40B4-BE49-F238E27FC236}">
+                <a16:creationId xmlns:a16="http://schemas.microsoft.com/office/drawing/2014/main" id="{396EF978-BC9D-CBEE-9CA3-9A00B67FB182}"/>
+              </a:ext>
+            </a:extLst>
+          </p:cNvPr>
+          <p:cNvSpPr txBox="1"/>
+          <p:nvPr/>
+        </p:nvSpPr>
+        <p:spPr>
+          <a:xfrm>
+            <a:off x="6311968" y="6474029"/>
+            <a:ext cx="5676310" cy="246157"/>
+          </a:xfrm>
+          <a:prstGeom prst="rect">
+            <a:avLst/>
+          </a:prstGeom>
+          <a:noFill/>
+        </p:spPr>
+        <p:txBody>
+          <a:bodyPr wrap="square">
+            <a:spAutoFit/>
+          </a:bodyPr>
+          <a:lstStyle/>
+          <a:p>
+            <a:pPr algn="r"/>
+            <a:r>
+              <a:rPr lang="nl-NL" sz="1000" dirty="0"/>
+              <a:t>Van Dooren et al. (2020): </a:t>
+            </a:r>
+            <a:r>
+              <a:rPr lang="nl-NL" sz="1000" dirty="0">
+                <a:hlinkClick r:id="rId4"/>
               </a:rPr>
-              <a:t>Ensure guidelines for injection pressure and maximum velocity are met</a:t>
-            </a:r>
-          </a:p>
-          <a:p>
-            <a:r>
-              <a:rPr lang="en-GB" sz="2800" u="none" strike="noStrike" dirty="0">
-                <a:effectLst/>
+              <a:t>https://library.kwrwater.nl/publication/61802381/</a:t>
+            </a:r>
+            <a:r>
+              <a:rPr lang="nl-NL" sz="1000" dirty="0"/>
+              <a:t> </a:t>
+            </a:r>
+          </a:p>
+        </p:txBody>
+      </p:sp>
+      <p:sp>
+        <p:nvSpPr>
+          <p:cNvPr id="5" name="TextBox 4">
+            <a:extLst>
+              <a:ext uri="{FF2B5EF4-FFF2-40B4-BE49-F238E27FC236}">
+                <a16:creationId xmlns:a16="http://schemas.microsoft.com/office/drawing/2014/main" id="{C5F16109-5057-7A0C-4CFD-540E7E0226A9}"/>
+              </a:ext>
+            </a:extLst>
+          </p:cNvPr>
+          <p:cNvSpPr txBox="1"/>
+          <p:nvPr/>
+        </p:nvSpPr>
+        <p:spPr>
+          <a:xfrm>
+            <a:off x="6239946" y="3285601"/>
+            <a:ext cx="287990" cy="215388"/>
+          </a:xfrm>
+          <a:prstGeom prst="rect">
+            <a:avLst/>
+          </a:prstGeom>
+          <a:solidFill>
+            <a:schemeClr val="bg2"/>
+          </a:solidFill>
+        </p:spPr>
+        <p:txBody>
+          <a:bodyPr wrap="square" lIns="0" tIns="0" rIns="0" bIns="0" rtlCol="0">
+            <a:spAutoFit/>
+          </a:bodyPr>
+          <a:lstStyle/>
+          <a:p>
+            <a:pPr algn="r"/>
+            <a:r>
+              <a:rPr lang="nl-NL" sz="1400" dirty="0" err="1">
+                <a:latin typeface="Times New Roman" panose="02020603050405020304" pitchFamily="18" charset="0"/>
+                <a:cs typeface="Times New Roman" panose="02020603050405020304" pitchFamily="18" charset="0"/>
               </a:rPr>
-              <a:t>Run model for 10 years with a start-up year and less extracted volume</a:t>
-            </a:r>
-            <a:endParaRPr lang="en-GB" sz="2800" b="0" i="0" u="none" strike="noStrike" dirty="0">
-              <a:solidFill>
-                <a:srgbClr val="000000"/>
-              </a:solidFill>
-              <a:effectLst/>
-              <a:latin typeface="Calibri" panose="020F0502020204030204" pitchFamily="34" charset="0"/>
+              <a:t>h</a:t>
+            </a:r>
+            <a:r>
+              <a:rPr lang="nl-NL" sz="1400" baseline="-25000" dirty="0" err="1">
+                <a:latin typeface="Times New Roman" panose="02020603050405020304" pitchFamily="18" charset="0"/>
+                <a:cs typeface="Times New Roman" panose="02020603050405020304" pitchFamily="18" charset="0"/>
+              </a:rPr>
+              <a:t>in</a:t>
+            </a:r>
+            <a:endParaRPr lang="nl-NL" sz="1400" dirty="0">
+              <a:latin typeface="Times New Roman" panose="02020603050405020304" pitchFamily="18" charset="0"/>
+              <a:cs typeface="Times New Roman" panose="02020603050405020304" pitchFamily="18" charset="0"/>
             </a:endParaRPr>
           </a:p>
-          <a:p>
-            <a:endParaRPr lang="en-GB" dirty="0"/>
-          </a:p>
-          <a:p>
-            <a:endParaRPr lang="en-GB" dirty="0"/>
-          </a:p>
-          <a:p>
-            <a:pPr lvl="1"/>
-            <a:endParaRPr lang="en-GB" dirty="0"/>
-          </a:p>
-          <a:p>
-            <a:pPr lvl="1"/>
-            <a:endParaRPr lang="en-GB" dirty="0"/>
-          </a:p>
-          <a:p>
-            <a:pPr lvl="1"/>
-            <a:endParaRPr lang="en-NL" dirty="0"/>
+        </p:txBody>
+      </p:sp>
+      <p:sp>
+        <p:nvSpPr>
+          <p:cNvPr id="6" name="TextBox 5">
+            <a:extLst>
+              <a:ext uri="{FF2B5EF4-FFF2-40B4-BE49-F238E27FC236}">
+                <a16:creationId xmlns:a16="http://schemas.microsoft.com/office/drawing/2014/main" id="{107D95C2-13EE-D794-8778-E9CB8959CA0B}"/>
+              </a:ext>
+            </a:extLst>
+          </p:cNvPr>
+          <p:cNvSpPr txBox="1"/>
+          <p:nvPr/>
+        </p:nvSpPr>
+        <p:spPr>
+          <a:xfrm>
+            <a:off x="6239946" y="4077483"/>
+            <a:ext cx="287990" cy="215388"/>
+          </a:xfrm>
+          <a:prstGeom prst="rect">
+            <a:avLst/>
+          </a:prstGeom>
+          <a:solidFill>
+            <a:schemeClr val="bg2"/>
+          </a:solidFill>
+        </p:spPr>
+        <p:txBody>
+          <a:bodyPr wrap="square" lIns="0" tIns="0" rIns="0" bIns="0" rtlCol="0">
+            <a:spAutoFit/>
+          </a:bodyPr>
+          <a:lstStyle/>
+          <a:p>
+            <a:pPr algn="r"/>
+            <a:r>
+              <a:rPr lang="nl-NL" sz="1400" dirty="0">
+                <a:latin typeface="Times New Roman" panose="02020603050405020304" pitchFamily="18" charset="0"/>
+                <a:cs typeface="Times New Roman" panose="02020603050405020304" pitchFamily="18" charset="0"/>
+              </a:rPr>
+              <a:t>h</a:t>
+            </a:r>
+            <a:r>
+              <a:rPr lang="nl-NL" sz="1400" baseline="-25000" dirty="0">
+                <a:latin typeface="Times New Roman" panose="02020603050405020304" pitchFamily="18" charset="0"/>
+                <a:cs typeface="Times New Roman" panose="02020603050405020304" pitchFamily="18" charset="0"/>
+              </a:rPr>
+              <a:t>0</a:t>
+            </a:r>
+            <a:endParaRPr lang="nl-NL" sz="1400" dirty="0">
+              <a:latin typeface="Times New Roman" panose="02020603050405020304" pitchFamily="18" charset="0"/>
+              <a:cs typeface="Times New Roman" panose="02020603050405020304" pitchFamily="18" charset="0"/>
+            </a:endParaRPr>
           </a:p>
         </p:txBody>
       </p:sp>
     </p:spTree>
     <p:extLst>
       <p:ext uri="{BB962C8B-B14F-4D97-AF65-F5344CB8AC3E}">
-        <p14:creationId xmlns:p14="http://schemas.microsoft.com/office/powerpoint/2010/main" val="8949513"/>
+        <p14:creationId xmlns:p14="http://schemas.microsoft.com/office/powerpoint/2010/main" val="3113899964"/>
       </p:ext>
     </p:extLst>
   </p:cSld>
   <p:clrMapOvr>
     <a:masterClrMapping/>
   </p:clrMapOvr>
+  <mc:AlternateContent xmlns:mc="http://schemas.openxmlformats.org/markup-compatibility/2006" xmlns:p14="http://schemas.microsoft.com/office/powerpoint/2010/main">
+    <mc:Choice Requires="p14">
+      <p:transition spd="med" p14:dur="700">
+        <p:fade/>
+      </p:transition>
+    </mc:Choice>
+    <mc:Fallback xmlns="">
+      <p:transition spd="med" advClick="true">
+        <p:fade/>
+      </p:transition>
+    </mc:Fallback>
+  </mc:AlternateContent>
+  <p:timing>
+    <p:tnLst>
+      <p:par>
+        <p:cTn id="1" dur="indefinite" restart="never" nodeType="tmRoot">
+          <p:childTnLst>
+            <p:seq concurrent="1" nextAc="seek">
+              <p:cTn id="2" dur="indefinite" nodeType="mainSeq">
+                <p:childTnLst>
+                  <p:par>
+                    <p:cTn id="3" fill="hold">
+                      <p:stCondLst>
+                        <p:cond delay="indefinite"/>
+                      </p:stCondLst>
+                      <p:childTnLst>
+                        <p:par>
+                          <p:cTn id="4" fill="hold">
+                            <p:stCondLst>
+                              <p:cond delay="0"/>
+                            </p:stCondLst>
+                            <p:childTnLst>
+                              <p:par>
+                                <p:cTn id="5" presetID="1" presetClass="entr" presetSubtype="0" fill="hold" nodeType="clickEffect">
+                                  <p:stCondLst>
+                                    <p:cond delay="0"/>
+                                  </p:stCondLst>
+                                  <p:childTnLst>
+                                    <p:set>
+                                      <p:cBhvr>
+                                        <p:cTn id="6" dur="1" fill="hold">
+                                          <p:stCondLst>
+                                            <p:cond delay="0"/>
+                                          </p:stCondLst>
+                                        </p:cTn>
+                                        <p:tgtEl>
+                                          <p:spTgt spid="4">
+                                            <p:txEl>
+                                              <p:pRg st="11" end="11"/>
+                                            </p:txEl>
+                                          </p:spTgt>
+                                        </p:tgtEl>
+                                        <p:attrNameLst>
+                                          <p:attrName>style.visibility</p:attrName>
+                                        </p:attrNameLst>
+                                      </p:cBhvr>
+                                      <p:to>
+                                        <p:strVal val="visible"/>
+                                      </p:to>
+                                    </p:set>
+                                  </p:childTnLst>
+                                </p:cTn>
+                              </p:par>
+                            </p:childTnLst>
+                          </p:cTn>
+                        </p:par>
+                      </p:childTnLst>
+                    </p:cTn>
+                  </p:par>
+                </p:childTnLst>
+              </p:cTn>
+              <p:prevCondLst>
+                <p:cond evt="onPrev" delay="0">
+                  <p:tgtEl>
+                    <p:sldTgt/>
+                  </p:tgtEl>
+                </p:cond>
+              </p:prevCondLst>
+              <p:nextCondLst>
+                <p:cond evt="onNext" delay="0">
+                  <p:tgtEl>
+                    <p:sldTgt/>
+                  </p:tgtEl>
+                </p:cond>
+              </p:nextCondLst>
+            </p:seq>
+          </p:childTnLst>
+        </p:cTn>
+      </p:par>
+    </p:tnLst>
+  </p:timing>
 </p:sld>
 </file>
 
@@ -5105,10 +7356,10 @@
       </p:grpSpPr>
       <p:sp>
         <p:nvSpPr>
-          <p:cNvPr id="2" name="Title 1">
+          <p:cNvPr id="2" name="Slide Number Placeholder 1">
             <a:extLst>
               <a:ext uri="{FF2B5EF4-FFF2-40B4-BE49-F238E27FC236}">
-                <a16:creationId xmlns:a16="http://schemas.microsoft.com/office/drawing/2014/main" id="{B501916C-D4E2-386A-B250-5CEAF46B5F6D}"/>
+                <a16:creationId xmlns:a16="http://schemas.microsoft.com/office/drawing/2014/main" id="{A8EC5DFB-736C-BD23-7FCF-6384872C0FF4}"/>
               </a:ext>
             </a:extLst>
           </p:cNvPr>
@@ -5116,7 +7367,7 @@
             <a:spLocks noGrp="1"/>
           </p:cNvSpPr>
           <p:nvPr>
-            <p:ph type="title"/>
+            <p:ph type="sldNum" sz="quarter" idx="17"/>
           </p:nvPr>
         </p:nvSpPr>
         <p:spPr/>
@@ -5124,22 +7375,507 @@
           <a:bodyPr/>
           <a:lstStyle/>
           <a:p>
-            <a:pPr algn="l" fontAlgn="b"/>
-            <a:r>
-              <a:rPr lang="en-GB" sz="4400" u="none" strike="noStrike" dirty="0">
-                <a:effectLst/>
-              </a:rPr>
-              <a:t>Producing schedule for injection, extraction and storage</a:t>
-            </a:r>
-          </a:p>
-        </p:txBody>
-      </p:sp>
-      <p:sp>
-        <p:nvSpPr>
-          <p:cNvPr id="3" name="Content Placeholder 2">
+            <a:fld id="{1336C48C-F87C-4E4B-81EF-5027B17D1F61}" type="slidenum">
+              <a:rPr lang="en-GB" noProof="1" smtClean="0"/>
+              <a:t>6</a:t>
+            </a:fld>
+            <a:endParaRPr lang="en-GB" noProof="1"/>
+          </a:p>
+        </p:txBody>
+      </p:sp>
+      <mc:AlternateContent xmlns:mc="http://schemas.openxmlformats.org/markup-compatibility/2006">
+        <mc:Choice xmlns:a14="http://schemas.microsoft.com/office/drawing/2010/main" Requires="a14">
+          <p:sp>
+            <p:nvSpPr>
+              <p:cNvPr id="4" name="Content Placeholder 3">
+                <a:extLst>
+                  <a:ext uri="{FF2B5EF4-FFF2-40B4-BE49-F238E27FC236}">
+                    <a16:creationId xmlns:a16="http://schemas.microsoft.com/office/drawing/2014/main" id="{8640B7B5-C3D9-8994-5B24-E30F5BB6795E}"/>
+                  </a:ext>
+                </a:extLst>
+              </p:cNvPr>
+              <p:cNvSpPr>
+                <a:spLocks noGrp="1"/>
+              </p:cNvSpPr>
+              <p:nvPr>
+                <p:ph sz="quarter" idx="13"/>
+              </p:nvPr>
+            </p:nvSpPr>
+            <p:spPr>
+              <a:xfrm>
+                <a:off x="912724" y="2030044"/>
+                <a:ext cx="8422793" cy="3882309"/>
+              </a:xfrm>
+            </p:spPr>
+            <p:txBody>
+              <a:bodyPr>
+                <a:normAutofit fontScale="92500" lnSpcReduction="20000"/>
+              </a:bodyPr>
+              <a:lstStyle/>
+              <a:p>
+                <a:pPr marL="342797" indent="-342797">
+                  <a:buFont typeface="Arial" panose="020B0604020202020204" pitchFamily="34" charset="0"/>
+                  <a:buChar char="•"/>
+                </a:pPr>
+                <a:endParaRPr lang="nl-NL" dirty="0">
+                  <a:latin typeface="Cambria Math" panose="02040503050406030204" pitchFamily="18" charset="0"/>
+                </a:endParaRPr>
+              </a:p>
+              <a:p>
+                <a:pPr marL="342797" indent="-342797">
+                  <a:buFont typeface="Arial" panose="020B0604020202020204" pitchFamily="34" charset="0"/>
+                  <a:buChar char="•"/>
+                </a:pPr>
+                <a:r>
+                  <a:rPr lang="nl-NL" dirty="0">
+                    <a:latin typeface="Cambria Math" panose="02040503050406030204" pitchFamily="18" charset="0"/>
+                  </a:rPr>
+                  <a:t>Maximum </a:t>
+                </a:r>
+                <a:r>
+                  <a:rPr lang="nl-NL" dirty="0" err="1">
+                    <a:latin typeface="Cambria Math" panose="02040503050406030204" pitchFamily="18" charset="0"/>
+                  </a:rPr>
+                  <a:t>allowed</a:t>
+                </a:r>
+                <a:r>
+                  <a:rPr lang="nl-NL" dirty="0">
+                    <a:latin typeface="Cambria Math" panose="02040503050406030204" pitchFamily="18" charset="0"/>
+                  </a:rPr>
+                  <a:t> </a:t>
+                </a:r>
+                <a:r>
+                  <a:rPr lang="nl-NL" dirty="0" err="1">
+                    <a:latin typeface="Cambria Math" panose="02040503050406030204" pitchFamily="18" charset="0"/>
+                  </a:rPr>
+                  <a:t>specific</a:t>
+                </a:r>
+                <a:r>
+                  <a:rPr lang="nl-NL" dirty="0">
+                    <a:latin typeface="Cambria Math" panose="02040503050406030204" pitchFamily="18" charset="0"/>
+                  </a:rPr>
+                  <a:t> discharge on the </a:t>
+                </a:r>
+                <a:r>
+                  <a:rPr lang="nl-NL" dirty="0" err="1">
+                    <a:latin typeface="Cambria Math" panose="02040503050406030204" pitchFamily="18" charset="0"/>
+                  </a:rPr>
+                  <a:t>borehole</a:t>
+                </a:r>
+                <a:r>
+                  <a:rPr lang="nl-NL" dirty="0">
+                    <a:latin typeface="Cambria Math" panose="02040503050406030204" pitchFamily="18" charset="0"/>
+                  </a:rPr>
+                  <a:t> (</a:t>
+                </a:r>
+                <a:r>
+                  <a:rPr lang="nl-NL" dirty="0" err="1">
+                    <a:latin typeface="Cambria Math" panose="02040503050406030204" pitchFamily="18" charset="0"/>
+                  </a:rPr>
+                  <a:t>q</a:t>
+                </a:r>
+                <a:r>
+                  <a:rPr lang="nl-NL" baseline="-25000" dirty="0" err="1">
+                    <a:latin typeface="Cambria Math" panose="02040503050406030204" pitchFamily="18" charset="0"/>
+                  </a:rPr>
+                  <a:t>max</a:t>
+                </a:r>
+                <a:r>
+                  <a:rPr lang="nl-NL" dirty="0">
+                    <a:latin typeface="Cambria Math" panose="02040503050406030204" pitchFamily="18" charset="0"/>
+                  </a:rPr>
+                  <a:t> in </a:t>
+                </a:r>
+                <a:r>
+                  <a:rPr lang="nl-NL" b="1" u="sng" dirty="0">
+                    <a:latin typeface="Cambria Math" panose="02040503050406030204" pitchFamily="18" charset="0"/>
+                  </a:rPr>
+                  <a:t>m/s</a:t>
+                </a:r>
+                <a:r>
+                  <a:rPr lang="nl-NL" dirty="0">
+                    <a:latin typeface="Cambria Math" panose="02040503050406030204" pitchFamily="18" charset="0"/>
+                  </a:rPr>
+                  <a:t>)</a:t>
+                </a:r>
+              </a:p>
+              <a:p>
+                <a:pPr marL="342797" indent="-342797">
+                  <a:buFont typeface="Arial" panose="020B0604020202020204" pitchFamily="34" charset="0"/>
+                  <a:buChar char="•"/>
+                </a:pPr>
+                <a14:m>
+                  <m:oMath xmlns:m="http://schemas.openxmlformats.org/officeDocument/2006/math">
+                    <m:r>
+                      <a:rPr lang="nl-NL" b="0" i="1" dirty="0" smtClean="0">
+                        <a:latin typeface="Cambria Math" panose="02040503050406030204" pitchFamily="18" charset="0"/>
+                      </a:rPr>
+                      <m:t>𝑞</m:t>
+                    </m:r>
+                    <m:r>
+                      <a:rPr lang="nl-NL" i="1" baseline="-25000" dirty="0" err="1" smtClean="0">
+                        <a:latin typeface="Cambria Math" panose="02040503050406030204" pitchFamily="18" charset="0"/>
+                      </a:rPr>
+                      <m:t>𝑚𝑎𝑥</m:t>
+                    </m:r>
+                    <m:r>
+                      <a:rPr lang="nl-NL" i="1" dirty="0" smtClean="0">
+                        <a:latin typeface="Cambria Math" panose="02040503050406030204" pitchFamily="18" charset="0"/>
+                      </a:rPr>
+                      <m:t> =</m:t>
+                    </m:r>
+                    <m:f>
+                      <m:fPr>
+                        <m:ctrlPr>
+                          <a:rPr lang="nl-NL" b="0" i="1" dirty="0" smtClean="0">
+                            <a:latin typeface="Cambria Math" panose="02040503050406030204" pitchFamily="18" charset="0"/>
+                          </a:rPr>
+                        </m:ctrlPr>
+                      </m:fPr>
+                      <m:num>
+                        <m:rad>
+                          <m:radPr>
+                            <m:degHide m:val="on"/>
+                            <m:ctrlPr>
+                              <a:rPr lang="nl-NL" i="1" dirty="0" smtClean="0">
+                                <a:latin typeface="Cambria Math" panose="02040503050406030204" pitchFamily="18" charset="0"/>
+                              </a:rPr>
+                            </m:ctrlPr>
+                          </m:radPr>
+                          <m:deg/>
+                          <m:e>
+                            <m:r>
+                              <a:rPr lang="nl-NL" b="0" i="1" dirty="0" smtClean="0">
+                                <a:latin typeface="Cambria Math" panose="02040503050406030204" pitchFamily="18" charset="0"/>
+                              </a:rPr>
+                              <m:t>𝑘</m:t>
+                            </m:r>
+                          </m:e>
+                        </m:rad>
+                      </m:num>
+                      <m:den>
+                        <m:r>
+                          <a:rPr lang="nl-NL" b="0" i="1" dirty="0" smtClean="0">
+                            <a:latin typeface="Cambria Math" panose="02040503050406030204" pitchFamily="18" charset="0"/>
+                          </a:rPr>
+                          <m:t>30</m:t>
+                        </m:r>
+                      </m:den>
+                    </m:f>
+                    <m:r>
+                      <a:rPr lang="nl-NL" i="1" dirty="0" smtClean="0">
+                        <a:latin typeface="Cambria Math" panose="02040503050406030204" pitchFamily="18" charset="0"/>
+                      </a:rPr>
+                      <m:t> </m:t>
+                    </m:r>
+                  </m:oMath>
+                </a14:m>
+                <a:r>
+                  <a:rPr lang="nl-NL" dirty="0"/>
+                  <a:t>	(Huisman, </a:t>
+                </a:r>
+                <a:r>
+                  <a:rPr lang="nl-NL" dirty="0" err="1"/>
+                  <a:t>empirical</a:t>
+                </a:r>
+                <a:r>
+                  <a:rPr lang="nl-NL" dirty="0"/>
+                  <a:t>)</a:t>
+                </a:r>
+              </a:p>
+              <a:p>
+                <a:pPr marL="342797" indent="-342797">
+                  <a:buFont typeface="Arial" panose="020B0604020202020204" pitchFamily="34" charset="0"/>
+                  <a:buChar char="•"/>
+                </a:pPr>
+                <a14:m>
+                  <m:oMath xmlns:m="http://schemas.openxmlformats.org/officeDocument/2006/math">
+                    <m:sSub>
+                      <m:sSubPr>
+                        <m:ctrlPr>
+                          <a:rPr lang="nl-NL" b="0" i="1" smtClean="0">
+                            <a:latin typeface="Cambria Math" panose="02040503050406030204" pitchFamily="18" charset="0"/>
+                          </a:rPr>
+                        </m:ctrlPr>
+                      </m:sSubPr>
+                      <m:e>
+                        <m:r>
+                          <a:rPr lang="nl-NL" b="0" i="1" smtClean="0">
+                            <a:latin typeface="Cambria Math" panose="02040503050406030204" pitchFamily="18" charset="0"/>
+                          </a:rPr>
+                          <m:t>𝑄</m:t>
+                        </m:r>
+                      </m:e>
+                      <m:sub>
+                        <m:r>
+                          <a:rPr lang="nl-NL" b="0" i="1" smtClean="0">
+                            <a:latin typeface="Cambria Math" panose="02040503050406030204" pitchFamily="18" charset="0"/>
+                          </a:rPr>
+                          <m:t>𝑚𝑎𝑥</m:t>
+                        </m:r>
+                      </m:sub>
+                    </m:sSub>
+                    <m:r>
+                      <a:rPr lang="nl-NL" b="0" i="1" smtClean="0">
+                        <a:latin typeface="Cambria Math" panose="02040503050406030204" pitchFamily="18" charset="0"/>
+                      </a:rPr>
+                      <m:t>=</m:t>
+                    </m:r>
+                    <m:sSub>
+                      <m:sSubPr>
+                        <m:ctrlPr>
+                          <a:rPr lang="nl-NL" b="0" i="1" smtClean="0">
+                            <a:latin typeface="Cambria Math" panose="02040503050406030204" pitchFamily="18" charset="0"/>
+                          </a:rPr>
+                        </m:ctrlPr>
+                      </m:sSubPr>
+                      <m:e>
+                        <m:r>
+                          <a:rPr lang="nl-NL" b="0" i="1" smtClean="0">
+                            <a:latin typeface="Cambria Math" panose="02040503050406030204" pitchFamily="18" charset="0"/>
+                          </a:rPr>
+                          <m:t>𝑞</m:t>
+                        </m:r>
+                      </m:e>
+                      <m:sub>
+                        <m:r>
+                          <a:rPr lang="nl-NL" b="0" i="1" smtClean="0">
+                            <a:latin typeface="Cambria Math" panose="02040503050406030204" pitchFamily="18" charset="0"/>
+                          </a:rPr>
+                          <m:t>𝑚𝑎𝑥</m:t>
+                        </m:r>
+                      </m:sub>
+                    </m:sSub>
+                    <m:r>
+                      <a:rPr lang="nl-NL" b="0" i="1" smtClean="0">
+                        <a:latin typeface="Cambria Math" panose="02040503050406030204" pitchFamily="18" charset="0"/>
+                      </a:rPr>
+                      <m:t>∗2</m:t>
+                    </m:r>
+                    <m:r>
+                      <a:rPr lang="nl-NL" b="0" i="1" smtClean="0">
+                        <a:latin typeface="Cambria Math" panose="02040503050406030204" pitchFamily="18" charset="0"/>
+                      </a:rPr>
+                      <m:t>𝐿</m:t>
+                    </m:r>
+                    <m:r>
+                      <a:rPr lang="nl-NL" b="0" i="1" smtClean="0">
+                        <a:latin typeface="Cambria Math" panose="02040503050406030204" pitchFamily="18" charset="0"/>
+                        <a:ea typeface="Cambria Math" panose="02040503050406030204" pitchFamily="18" charset="0"/>
+                      </a:rPr>
+                      <m:t>𝜋</m:t>
+                    </m:r>
+                    <m:sSub>
+                      <m:sSubPr>
+                        <m:ctrlPr>
+                          <a:rPr lang="nl-NL" b="0" i="1" smtClean="0">
+                            <a:latin typeface="Cambria Math" panose="02040503050406030204" pitchFamily="18" charset="0"/>
+                            <a:ea typeface="Cambria Math" panose="02040503050406030204" pitchFamily="18" charset="0"/>
+                          </a:rPr>
+                        </m:ctrlPr>
+                      </m:sSubPr>
+                      <m:e>
+                        <m:r>
+                          <a:rPr lang="nl-NL" b="0" i="1" smtClean="0">
+                            <a:latin typeface="Cambria Math" panose="02040503050406030204" pitchFamily="18" charset="0"/>
+                            <a:ea typeface="Cambria Math" panose="02040503050406030204" pitchFamily="18" charset="0"/>
+                          </a:rPr>
+                          <m:t>𝑟</m:t>
+                        </m:r>
+                      </m:e>
+                      <m:sub>
+                        <m:r>
+                          <a:rPr lang="nl-NL" b="0" i="1" smtClean="0">
+                            <a:latin typeface="Cambria Math" panose="02040503050406030204" pitchFamily="18" charset="0"/>
+                            <a:ea typeface="Cambria Math" panose="02040503050406030204" pitchFamily="18" charset="0"/>
+                          </a:rPr>
+                          <m:t>𝑤𝑒𝑙𝑙</m:t>
+                        </m:r>
+                      </m:sub>
+                    </m:sSub>
+                  </m:oMath>
+                </a14:m>
+                <a:endParaRPr lang="nl-NL" dirty="0"/>
+              </a:p>
+              <a:p>
+                <a:pPr marL="882635" lvl="3" indent="-342797"/>
+                <a:r>
+                  <a:rPr lang="nl-NL" sz="1799" i="1" dirty="0"/>
+                  <a:t>L</a:t>
+                </a:r>
+                <a:r>
+                  <a:rPr lang="nl-NL" sz="1799" dirty="0"/>
+                  <a:t> = screen </a:t>
+                </a:r>
+                <a:r>
+                  <a:rPr lang="nl-NL" sz="1799" dirty="0" err="1"/>
+                  <a:t>length</a:t>
+                </a:r>
+                <a:r>
+                  <a:rPr lang="nl-NL" sz="1799" dirty="0"/>
+                  <a:t> (m)</a:t>
+                </a:r>
+              </a:p>
+              <a:p>
+                <a:pPr marL="882635" lvl="3" indent="-342797"/>
+                <a:r>
+                  <a:rPr lang="nl-NL" sz="1799" i="1" dirty="0" err="1"/>
+                  <a:t>r</a:t>
+                </a:r>
+                <a:r>
+                  <a:rPr lang="nl-NL" sz="1799" i="1" baseline="-25000" dirty="0" err="1"/>
+                  <a:t>well</a:t>
+                </a:r>
+                <a:r>
+                  <a:rPr lang="nl-NL" sz="1799" i="1" dirty="0"/>
+                  <a:t> </a:t>
+                </a:r>
+                <a:r>
+                  <a:rPr lang="nl-NL" sz="1799" dirty="0"/>
+                  <a:t>= well radius (m)</a:t>
+                </a:r>
+              </a:p>
+              <a:p>
+                <a:pPr marL="882635" lvl="3" indent="-342797"/>
+                <a:r>
+                  <a:rPr lang="nl-NL" sz="1799" i="1" dirty="0"/>
+                  <a:t>k</a:t>
+                </a:r>
+                <a:r>
+                  <a:rPr lang="nl-NL" sz="1799" dirty="0"/>
+                  <a:t> = </a:t>
+                </a:r>
+                <a:r>
+                  <a:rPr lang="nl-NL" sz="1799" dirty="0" err="1"/>
+                  <a:t>hydraulic</a:t>
+                </a:r>
+                <a:r>
+                  <a:rPr lang="nl-NL" sz="1799" dirty="0"/>
+                  <a:t> </a:t>
+                </a:r>
+                <a:r>
+                  <a:rPr lang="nl-NL" sz="1799" dirty="0" err="1"/>
+                  <a:t>conductivity</a:t>
+                </a:r>
+                <a:r>
+                  <a:rPr lang="nl-NL" sz="1799" dirty="0"/>
+                  <a:t> (in </a:t>
+                </a:r>
+                <a:r>
+                  <a:rPr lang="nl-NL" sz="1799" b="1" u="sng" dirty="0"/>
+                  <a:t>m/s</a:t>
+                </a:r>
+                <a:r>
+                  <a:rPr lang="nl-NL" sz="1799" dirty="0"/>
+                  <a:t>)</a:t>
+                </a:r>
+              </a:p>
+              <a:p>
+                <a:pPr lvl="3" indent="0">
+                  <a:buNone/>
+                </a:pPr>
+                <a:endParaRPr lang="nl-NL" sz="1000" dirty="0"/>
+              </a:p>
+              <a:p>
+                <a:pPr lvl="3" indent="0">
+                  <a:buNone/>
+                </a:pPr>
+                <a:endParaRPr lang="nl-NL" sz="1000" dirty="0"/>
+              </a:p>
+              <a:p>
+                <a:pPr lvl="3" indent="0">
+                  <a:buNone/>
+                </a:pPr>
+                <a:r>
+                  <a:rPr lang="nl-NL" sz="1000" dirty="0"/>
+                  <a:t>Van der Schans &amp; Meerkerk (2019): </a:t>
+                </a:r>
+                <a:r>
+                  <a:rPr lang="nl-NL" sz="1000" dirty="0">
+                    <a:hlinkClick r:id="rId3"/>
+                  </a:rPr>
+                  <a:t>https://library.kwrwater.nl/publication/60518580/</a:t>
+                </a:r>
+                <a:r>
+                  <a:rPr lang="nl-NL" sz="1000" dirty="0"/>
+                  <a:t> </a:t>
+                </a:r>
+              </a:p>
+              <a:p>
+                <a:pPr lvl="3" indent="0">
+                  <a:buNone/>
+                </a:pPr>
+                <a:r>
+                  <a:rPr lang="nl-NL" sz="1000" dirty="0"/>
+                  <a:t>Olsthoorn (1976): </a:t>
+                </a:r>
+                <a:r>
+                  <a:rPr lang="nl-NL" sz="1000" dirty="0">
+                    <a:hlinkClick r:id="rId4"/>
+                  </a:rPr>
+                  <a:t>https://edepot.wur.nl/403280</a:t>
+                </a:r>
+                <a:r>
+                  <a:rPr lang="nl-NL" sz="1000" dirty="0"/>
+                  <a:t> </a:t>
+                </a:r>
+              </a:p>
+              <a:p>
+                <a:endParaRPr lang="nl-NL" dirty="0"/>
+              </a:p>
+            </p:txBody>
+          </p:sp>
+        </mc:Choice>
+        <mc:Fallback>
+          <p:sp>
+            <p:nvSpPr>
+              <p:cNvPr id="4" name="Content Placeholder 3">
+                <a:extLst>
+                  <a:ext uri="{FF2B5EF4-FFF2-40B4-BE49-F238E27FC236}">
+                    <a16:creationId xmlns:a16="http://schemas.microsoft.com/office/drawing/2014/main" id="{8640B7B5-C3D9-8994-5B24-E30F5BB6795E}"/>
+                  </a:ext>
+                </a:extLst>
+              </p:cNvPr>
+              <p:cNvSpPr>
+                <a:spLocks noGrp="1" noRot="1" noChangeAspect="1" noMove="1" noResize="1" noEditPoints="1" noAdjustHandles="1" noChangeArrowheads="1" noChangeShapeType="1" noTextEdit="1"/>
+              </p:cNvSpPr>
+              <p:nvPr>
+                <p:ph sz="quarter" idx="13"/>
+              </p:nvPr>
+            </p:nvSpPr>
+            <p:spPr>
+              <a:xfrm>
+                <a:off x="912724" y="2030044"/>
+                <a:ext cx="8422793" cy="3882309"/>
+              </a:xfrm>
+              <a:blipFill>
+                <a:blip r:embed="rId5"/>
+                <a:stretch>
+                  <a:fillRect l="-1159"/>
+                </a:stretch>
+              </a:blipFill>
+            </p:spPr>
+            <p:txBody>
+              <a:bodyPr/>
+              <a:lstStyle/>
+              <a:p>
+                <a:r>
+                  <a:rPr lang="nl-NL">
+                    <a:noFill/>
+                  </a:rPr>
+                  <a:t> </a:t>
+                </a:r>
+              </a:p>
+            </p:txBody>
+          </p:sp>
+        </mc:Fallback>
+      </mc:AlternateContent>
+      <p:sp>
+        <p:nvSpPr>
+          <p:cNvPr id="5" name="Title 4">
             <a:extLst>
               <a:ext uri="{FF2B5EF4-FFF2-40B4-BE49-F238E27FC236}">
-                <a16:creationId xmlns:a16="http://schemas.microsoft.com/office/drawing/2014/main" id="{09C5E4A4-9126-BB3E-A065-D2362182A902}"/>
+                <a16:creationId xmlns:a16="http://schemas.microsoft.com/office/drawing/2014/main" id="{69629E6F-6985-67FE-B3C7-AA9F191AA25A}"/>
               </a:ext>
             </a:extLst>
           </p:cNvPr>
@@ -5147,7 +7883,7 @@
             <a:spLocks noGrp="1"/>
           </p:cNvSpPr>
           <p:nvPr>
-            <p:ph idx="1"/>
+            <p:ph type="title"/>
           </p:nvPr>
         </p:nvSpPr>
         <p:spPr/>
@@ -5156,71 +7892,79 @@
           <a:lstStyle/>
           <a:p>
             <a:r>
-              <a:rPr lang="en-GB" dirty="0"/>
-              <a:t>Injection</a:t>
-            </a:r>
-          </a:p>
-          <a:p>
-            <a:pPr lvl="1"/>
-            <a:r>
-              <a:rPr lang="en-GB" strike="sngStrike" dirty="0"/>
-              <a:t>Analysis of when water excess</a:t>
-            </a:r>
-          </a:p>
-          <a:p>
-            <a:r>
-              <a:rPr lang="en-GB" dirty="0"/>
+              <a:rPr lang="nl-NL" dirty="0" err="1"/>
+              <a:t>Particle</a:t>
+            </a:r>
+            <a:r>
+              <a:rPr lang="nl-NL" dirty="0"/>
+              <a:t> </a:t>
+            </a:r>
+            <a:r>
+              <a:rPr lang="nl-NL" dirty="0" err="1"/>
+              <a:t>mobilization</a:t>
+            </a:r>
+            <a:endParaRPr lang="nl-NL" dirty="0"/>
+          </a:p>
+        </p:txBody>
+      </p:sp>
+      <p:sp>
+        <p:nvSpPr>
+          <p:cNvPr id="3" name="TextBox 2">
+            <a:extLst>
+              <a:ext uri="{FF2B5EF4-FFF2-40B4-BE49-F238E27FC236}">
+                <a16:creationId xmlns:a16="http://schemas.microsoft.com/office/drawing/2014/main" id="{63F208D2-72FA-99D0-30BA-52248633D4A0}"/>
+              </a:ext>
+            </a:extLst>
+          </p:cNvPr>
+          <p:cNvSpPr txBox="1"/>
+          <p:nvPr/>
+        </p:nvSpPr>
+        <p:spPr>
+          <a:xfrm>
+            <a:off x="0" y="893"/>
+            <a:ext cx="6095967" cy="369108"/>
+          </a:xfrm>
+          <a:prstGeom prst="rect">
+            <a:avLst/>
+          </a:prstGeom>
+          <a:noFill/>
+        </p:spPr>
+        <p:txBody>
+          <a:bodyPr wrap="square">
+            <a:spAutoFit/>
+          </a:bodyPr>
+          <a:lstStyle/>
+          <a:p>
+            <a:r>
+              <a:rPr lang="en-GB" sz="1799" dirty="0"/>
               <a:t>Extraction</a:t>
             </a:r>
-          </a:p>
-          <a:p>
-            <a:pPr lvl="1"/>
-            <a:r>
-              <a:rPr lang="en-GB" dirty="0"/>
-              <a:t>Water deficit – July &amp; august:</a:t>
-            </a:r>
-          </a:p>
-          <a:p>
-            <a:pPr lvl="2"/>
-            <a:r>
-              <a:rPr lang="en-GB" dirty="0"/>
-              <a:t>Schedule for 1 year &amp; 10 years </a:t>
-            </a:r>
-          </a:p>
-          <a:p>
-            <a:r>
-              <a:rPr lang="en-GB" strike="sngStrike" dirty="0"/>
-              <a:t>Storage possibly above ground if pumping rate too low</a:t>
-            </a:r>
-          </a:p>
-          <a:p>
-            <a:pPr lvl="1"/>
-            <a:endParaRPr lang="en-GB" dirty="0"/>
-          </a:p>
-          <a:p>
-            <a:pPr lvl="1"/>
-            <a:endParaRPr lang="en-GB" dirty="0"/>
-          </a:p>
-          <a:p>
-            <a:pPr lvl="1"/>
-            <a:endParaRPr lang="en-GB" dirty="0"/>
-          </a:p>
-          <a:p>
-            <a:pPr lvl="1"/>
-            <a:endParaRPr lang="en-NL" dirty="0"/>
+            <a:endParaRPr lang="nl-NL" sz="1799" dirty="0"/>
           </a:p>
         </p:txBody>
       </p:sp>
     </p:spTree>
     <p:extLst>
       <p:ext uri="{BB962C8B-B14F-4D97-AF65-F5344CB8AC3E}">
-        <p14:creationId xmlns:p14="http://schemas.microsoft.com/office/powerpoint/2010/main" val="2006621054"/>
+        <p14:creationId xmlns:p14="http://schemas.microsoft.com/office/powerpoint/2010/main" val="3432440035"/>
       </p:ext>
     </p:extLst>
   </p:cSld>
   <p:clrMapOvr>
     <a:masterClrMapping/>
   </p:clrMapOvr>
+  <mc:AlternateContent xmlns:mc="http://schemas.openxmlformats.org/markup-compatibility/2006" xmlns:p14="http://schemas.microsoft.com/office/powerpoint/2010/main">
+    <mc:Choice Requires="p14">
+      <p:transition spd="med" p14:dur="700">
+        <p:fade/>
+      </p:transition>
+    </mc:Choice>
+    <mc:Fallback xmlns="">
+      <p:transition spd="med" advClick="true">
+        <p:fade/>
+      </p:transition>
+    </mc:Fallback>
+  </mc:AlternateContent>
 </p:sld>
 </file>
 
@@ -5243,6 +7987,1433 @@
       </p:grpSpPr>
       <p:sp>
         <p:nvSpPr>
+          <p:cNvPr id="2" name="Slide Number Placeholder 1">
+            <a:extLst>
+              <a:ext uri="{FF2B5EF4-FFF2-40B4-BE49-F238E27FC236}">
+                <a16:creationId xmlns:a16="http://schemas.microsoft.com/office/drawing/2014/main" id="{A8EC5DFB-736C-BD23-7FCF-6384872C0FF4}"/>
+              </a:ext>
+            </a:extLst>
+          </p:cNvPr>
+          <p:cNvSpPr>
+            <a:spLocks noGrp="1"/>
+          </p:cNvSpPr>
+          <p:nvPr>
+            <p:ph type="sldNum" sz="quarter" idx="17"/>
+          </p:nvPr>
+        </p:nvSpPr>
+        <p:spPr/>
+        <p:txBody>
+          <a:bodyPr/>
+          <a:lstStyle/>
+          <a:p>
+            <a:fld id="{1336C48C-F87C-4E4B-81EF-5027B17D1F61}" type="slidenum">
+              <a:rPr lang="en-GB" noProof="1" smtClean="0"/>
+              <a:t>7</a:t>
+            </a:fld>
+            <a:endParaRPr lang="en-GB" noProof="1"/>
+          </a:p>
+        </p:txBody>
+      </p:sp>
+      <mc:AlternateContent xmlns:mc="http://schemas.openxmlformats.org/markup-compatibility/2006">
+        <mc:Choice xmlns:a14="http://schemas.microsoft.com/office/drawing/2010/main" Requires="a14">
+          <p:sp>
+            <p:nvSpPr>
+              <p:cNvPr id="4" name="Content Placeholder 3">
+                <a:extLst>
+                  <a:ext uri="{FF2B5EF4-FFF2-40B4-BE49-F238E27FC236}">
+                    <a16:creationId xmlns:a16="http://schemas.microsoft.com/office/drawing/2014/main" id="{8640B7B5-C3D9-8994-5B24-E30F5BB6795E}"/>
+                  </a:ext>
+                </a:extLst>
+              </p:cNvPr>
+              <p:cNvSpPr>
+                <a:spLocks noGrp="1"/>
+              </p:cNvSpPr>
+              <p:nvPr>
+                <p:ph sz="quarter" idx="13"/>
+              </p:nvPr>
+            </p:nvSpPr>
+            <p:spPr>
+              <a:xfrm>
+                <a:off x="912724" y="2030044"/>
+                <a:ext cx="5687851" cy="3882309"/>
+              </a:xfrm>
+            </p:spPr>
+            <p:txBody>
+              <a:bodyPr>
+                <a:normAutofit fontScale="85000" lnSpcReduction="10000"/>
+              </a:bodyPr>
+              <a:lstStyle/>
+              <a:p>
+                <a:pPr marL="342797" indent="-342797">
+                  <a:buFont typeface="Arial" panose="020B0604020202020204" pitchFamily="34" charset="0"/>
+                  <a:buChar char="•"/>
+                </a:pPr>
+                <a:r>
+                  <a:rPr lang="nl-NL" dirty="0">
+                    <a:latin typeface="Cambria Math" panose="02040503050406030204" pitchFamily="18" charset="0"/>
+                  </a:rPr>
+                  <a:t>Drawdown = </a:t>
+                </a:r>
+                <a:r>
+                  <a:rPr lang="nl-NL" dirty="0" err="1">
+                    <a:latin typeface="Cambria Math" panose="02040503050406030204" pitchFamily="18" charset="0"/>
+                  </a:rPr>
+                  <a:t>lowering</a:t>
+                </a:r>
+                <a:r>
+                  <a:rPr lang="nl-NL" dirty="0">
+                    <a:latin typeface="Cambria Math" panose="02040503050406030204" pitchFamily="18" charset="0"/>
+                  </a:rPr>
+                  <a:t> of </a:t>
+                </a:r>
+                <a:r>
+                  <a:rPr lang="nl-NL" dirty="0" err="1">
+                    <a:latin typeface="Cambria Math" panose="02040503050406030204" pitchFamily="18" charset="0"/>
+                  </a:rPr>
+                  <a:t>pore</a:t>
+                </a:r>
+                <a:r>
+                  <a:rPr lang="nl-NL" dirty="0">
+                    <a:latin typeface="Cambria Math" panose="02040503050406030204" pitchFamily="18" charset="0"/>
+                  </a:rPr>
+                  <a:t> </a:t>
+                </a:r>
+                <a:r>
+                  <a:rPr lang="nl-NL" dirty="0" err="1">
+                    <a:latin typeface="Cambria Math" panose="02040503050406030204" pitchFamily="18" charset="0"/>
+                  </a:rPr>
+                  <a:t>pressure</a:t>
+                </a:r>
+                <a:endParaRPr lang="nl-NL" dirty="0">
+                  <a:latin typeface="Cambria Math" panose="02040503050406030204" pitchFamily="18" charset="0"/>
+                </a:endParaRPr>
+              </a:p>
+              <a:p>
+                <a:pPr marL="342797" indent="-342797">
+                  <a:buFont typeface="Arial" panose="020B0604020202020204" pitchFamily="34" charset="0"/>
+                  <a:buChar char="•"/>
+                </a:pPr>
+                <a:r>
+                  <a:rPr lang="nl-NL" b="0" dirty="0"/>
+                  <a:t>Koppejan: </a:t>
+                </a:r>
+                <a14:m>
+                  <m:oMath xmlns:m="http://schemas.openxmlformats.org/officeDocument/2006/math">
+                    <m:r>
+                      <a:rPr lang="nl-NL" b="0" i="1" smtClean="0">
+                        <a:latin typeface="Cambria Math" panose="02040503050406030204" pitchFamily="18" charset="0"/>
+                      </a:rPr>
+                      <m:t>𝑍</m:t>
+                    </m:r>
+                    <m:r>
+                      <a:rPr lang="nl-NL" b="0" i="1" smtClean="0">
+                        <a:latin typeface="Cambria Math" panose="02040503050406030204" pitchFamily="18" charset="0"/>
+                      </a:rPr>
+                      <m:t>=</m:t>
+                    </m:r>
+                    <m:r>
+                      <a:rPr lang="nl-NL" b="0" i="1" smtClean="0">
+                        <a:latin typeface="Cambria Math" panose="02040503050406030204" pitchFamily="18" charset="0"/>
+                      </a:rPr>
+                      <m:t>𝑑</m:t>
+                    </m:r>
+                    <m:d>
+                      <m:dPr>
+                        <m:ctrlPr>
+                          <a:rPr lang="nl-NL" b="0" i="1" smtClean="0">
+                            <a:latin typeface="Cambria Math" panose="02040503050406030204" pitchFamily="18" charset="0"/>
+                          </a:rPr>
+                        </m:ctrlPr>
+                      </m:dPr>
+                      <m:e>
+                        <m:f>
+                          <m:fPr>
+                            <m:ctrlPr>
+                              <a:rPr lang="nl-NL" b="0" i="1" smtClean="0">
+                                <a:latin typeface="Cambria Math" panose="02040503050406030204" pitchFamily="18" charset="0"/>
+                              </a:rPr>
+                            </m:ctrlPr>
+                          </m:fPr>
+                          <m:num>
+                            <m:r>
+                              <a:rPr lang="nl-NL" b="0" i="1" smtClean="0">
+                                <a:latin typeface="Cambria Math" panose="02040503050406030204" pitchFamily="18" charset="0"/>
+                              </a:rPr>
+                              <m:t>1</m:t>
+                            </m:r>
+                          </m:num>
+                          <m:den>
+                            <m:sSub>
+                              <m:sSubPr>
+                                <m:ctrlPr>
+                                  <a:rPr lang="nl-NL" b="0" i="1" smtClean="0">
+                                    <a:latin typeface="Cambria Math" panose="02040503050406030204" pitchFamily="18" charset="0"/>
+                                  </a:rPr>
+                                </m:ctrlPr>
+                              </m:sSubPr>
+                              <m:e>
+                                <m:r>
+                                  <a:rPr lang="nl-NL" b="0" i="1" smtClean="0">
+                                    <a:latin typeface="Cambria Math" panose="02040503050406030204" pitchFamily="18" charset="0"/>
+                                  </a:rPr>
+                                  <m:t>𝐶</m:t>
+                                </m:r>
+                              </m:e>
+                              <m:sub>
+                                <m:r>
+                                  <a:rPr lang="nl-NL" b="0" i="1" smtClean="0">
+                                    <a:latin typeface="Cambria Math" panose="02040503050406030204" pitchFamily="18" charset="0"/>
+                                  </a:rPr>
+                                  <m:t>𝑝</m:t>
+                                </m:r>
+                              </m:sub>
+                            </m:sSub>
+                          </m:den>
+                        </m:f>
+                        <m:r>
+                          <a:rPr lang="nl-NL" b="0" i="1" smtClean="0">
+                            <a:latin typeface="Cambria Math" panose="02040503050406030204" pitchFamily="18" charset="0"/>
+                          </a:rPr>
+                          <m:t>+</m:t>
+                        </m:r>
+                        <m:f>
+                          <m:fPr>
+                            <m:ctrlPr>
+                              <a:rPr lang="nl-NL" b="0" i="1" smtClean="0">
+                                <a:latin typeface="Cambria Math" panose="02040503050406030204" pitchFamily="18" charset="0"/>
+                              </a:rPr>
+                            </m:ctrlPr>
+                          </m:fPr>
+                          <m:num>
+                            <m:r>
+                              <m:rPr>
+                                <m:sty m:val="p"/>
+                              </m:rPr>
+                              <a:rPr lang="nl-NL" b="0" i="0" smtClean="0">
+                                <a:latin typeface="Cambria Math" panose="02040503050406030204" pitchFamily="18" charset="0"/>
+                              </a:rPr>
+                              <m:t>log</m:t>
+                            </m:r>
+                            <m:d>
+                              <m:dPr>
+                                <m:ctrlPr>
+                                  <a:rPr lang="nl-NL" b="0" i="1" smtClean="0">
+                                    <a:latin typeface="Cambria Math" panose="02040503050406030204" pitchFamily="18" charset="0"/>
+                                  </a:rPr>
+                                </m:ctrlPr>
+                              </m:dPr>
+                              <m:e>
+                                <m:r>
+                                  <m:rPr>
+                                    <m:sty m:val="p"/>
+                                  </m:rPr>
+                                  <a:rPr lang="nl-NL" b="0" i="0" smtClean="0">
+                                    <a:latin typeface="Cambria Math" panose="02040503050406030204" pitchFamily="18" charset="0"/>
+                                  </a:rPr>
+                                  <m:t>t</m:t>
+                                </m:r>
+                              </m:e>
+                            </m:d>
+                          </m:num>
+                          <m:den>
+                            <m:sSub>
+                              <m:sSubPr>
+                                <m:ctrlPr>
+                                  <a:rPr lang="nl-NL" b="0" i="1" smtClean="0">
+                                    <a:latin typeface="Cambria Math" panose="02040503050406030204" pitchFamily="18" charset="0"/>
+                                  </a:rPr>
+                                </m:ctrlPr>
+                              </m:sSubPr>
+                              <m:e>
+                                <m:r>
+                                  <m:rPr>
+                                    <m:sty m:val="p"/>
+                                  </m:rPr>
+                                  <a:rPr lang="nl-NL" b="0" i="0" smtClean="0">
+                                    <a:latin typeface="Cambria Math" panose="02040503050406030204" pitchFamily="18" charset="0"/>
+                                  </a:rPr>
+                                  <m:t>C</m:t>
+                                </m:r>
+                              </m:e>
+                              <m:sub>
+                                <m:r>
+                                  <m:rPr>
+                                    <m:sty m:val="p"/>
+                                  </m:rPr>
+                                  <a:rPr lang="nl-NL" b="0" i="0" smtClean="0">
+                                    <a:latin typeface="Cambria Math" panose="02040503050406030204" pitchFamily="18" charset="0"/>
+                                  </a:rPr>
+                                  <m:t>s</m:t>
+                                </m:r>
+                              </m:sub>
+                            </m:sSub>
+                          </m:den>
+                        </m:f>
+                      </m:e>
+                    </m:d>
+                    <m:r>
+                      <m:rPr>
+                        <m:sty m:val="p"/>
+                      </m:rPr>
+                      <a:rPr lang="nl-NL" b="0" i="0" smtClean="0">
+                        <a:latin typeface="Cambria Math" panose="02040503050406030204" pitchFamily="18" charset="0"/>
+                      </a:rPr>
+                      <m:t>ln</m:t>
+                    </m:r>
+                    <m:d>
+                      <m:dPr>
+                        <m:ctrlPr>
+                          <a:rPr lang="nl-NL" b="0" i="1" smtClean="0">
+                            <a:latin typeface="Cambria Math" panose="02040503050406030204" pitchFamily="18" charset="0"/>
+                          </a:rPr>
+                        </m:ctrlPr>
+                      </m:dPr>
+                      <m:e>
+                        <m:f>
+                          <m:fPr>
+                            <m:ctrlPr>
+                              <a:rPr lang="nl-NL" b="0" i="1" smtClean="0">
+                                <a:latin typeface="Cambria Math" panose="02040503050406030204" pitchFamily="18" charset="0"/>
+                                <a:ea typeface="Cambria Math" panose="02040503050406030204" pitchFamily="18" charset="0"/>
+                              </a:rPr>
+                            </m:ctrlPr>
+                          </m:fPr>
+                          <m:num>
+                            <m:r>
+                              <m:rPr>
+                                <m:sty m:val="p"/>
+                              </m:rPr>
+                              <a:rPr lang="el-GR" b="0" i="1" smtClean="0">
+                                <a:latin typeface="Cambria Math" panose="02040503050406030204" pitchFamily="18" charset="0"/>
+                                <a:ea typeface="Cambria Math" panose="02040503050406030204" pitchFamily="18" charset="0"/>
+                              </a:rPr>
+                              <m:t>φ</m:t>
+                            </m:r>
+                            <m:r>
+                              <a:rPr lang="nl-NL" b="0" i="1" smtClean="0">
+                                <a:latin typeface="Cambria Math" panose="02040503050406030204" pitchFamily="18" charset="0"/>
+                                <a:ea typeface="Cambria Math" panose="02040503050406030204" pitchFamily="18" charset="0"/>
+                              </a:rPr>
+                              <m:t>+</m:t>
+                            </m:r>
+                            <m:f>
+                              <m:fPr>
+                                <m:ctrlPr>
+                                  <a:rPr lang="nl-NL" b="0" i="1" smtClean="0">
+                                    <a:latin typeface="Cambria Math" panose="02040503050406030204" pitchFamily="18" charset="0"/>
+                                    <a:ea typeface="Cambria Math" panose="02040503050406030204" pitchFamily="18" charset="0"/>
+                                  </a:rPr>
+                                </m:ctrlPr>
+                              </m:fPr>
+                              <m:num>
+                                <m:r>
+                                  <a:rPr lang="nl-NL" b="0" i="1" smtClean="0">
+                                    <a:latin typeface="Cambria Math" panose="02040503050406030204" pitchFamily="18" charset="0"/>
+                                    <a:ea typeface="Cambria Math" panose="02040503050406030204" pitchFamily="18" charset="0"/>
+                                  </a:rPr>
+                                  <m:t>1</m:t>
+                                </m:r>
+                              </m:num>
+                              <m:den>
+                                <m:r>
+                                  <a:rPr lang="nl-NL" b="0" i="1" smtClean="0">
+                                    <a:latin typeface="Cambria Math" panose="02040503050406030204" pitchFamily="18" charset="0"/>
+                                    <a:ea typeface="Cambria Math" panose="02040503050406030204" pitchFamily="18" charset="0"/>
+                                  </a:rPr>
+                                  <m:t>2</m:t>
+                                </m:r>
+                              </m:den>
+                            </m:f>
+                            <m:r>
+                              <a:rPr lang="nl-NL" b="0" i="1" smtClean="0">
+                                <a:latin typeface="Cambria Math" panose="02040503050406030204" pitchFamily="18" charset="0"/>
+                                <a:ea typeface="Cambria Math" panose="02040503050406030204" pitchFamily="18" charset="0"/>
+                              </a:rPr>
+                              <m:t>𝑑</m:t>
+                            </m:r>
+                            <m:r>
+                              <a:rPr lang="nl-NL" b="0" i="1" smtClean="0">
+                                <a:latin typeface="Cambria Math" panose="02040503050406030204" pitchFamily="18" charset="0"/>
+                                <a:ea typeface="Cambria Math" panose="02040503050406030204" pitchFamily="18" charset="0"/>
+                              </a:rPr>
+                              <m:t>𝜑</m:t>
+                            </m:r>
+                          </m:num>
+                          <m:den>
+                            <m:r>
+                              <a:rPr lang="nl-NL" b="0" i="1" smtClean="0">
+                                <a:latin typeface="Cambria Math" panose="02040503050406030204" pitchFamily="18" charset="0"/>
+                                <a:ea typeface="Cambria Math" panose="02040503050406030204" pitchFamily="18" charset="0"/>
+                              </a:rPr>
+                              <m:t>𝜑</m:t>
+                            </m:r>
+                          </m:den>
+                        </m:f>
+                      </m:e>
+                    </m:d>
+                  </m:oMath>
+                </a14:m>
+                <a:endParaRPr lang="nl-NL" dirty="0">
+                  <a:latin typeface="Cambria Math" panose="02040503050406030204" pitchFamily="18" charset="0"/>
+                </a:endParaRPr>
+              </a:p>
+              <a:p>
+                <a:pPr marL="882635" lvl="3" indent="-342797"/>
+                <a:r>
+                  <a:rPr lang="nl-NL" sz="1799" i="1" dirty="0">
+                    <a:latin typeface="Cambria Math" panose="02040503050406030204" pitchFamily="18" charset="0"/>
+                  </a:rPr>
+                  <a:t>Z</a:t>
+                </a:r>
+                <a:r>
+                  <a:rPr lang="nl-NL" sz="1799" dirty="0">
+                    <a:latin typeface="Cambria Math" panose="02040503050406030204" pitchFamily="18" charset="0"/>
+                  </a:rPr>
+                  <a:t> = </a:t>
+                </a:r>
+                <a:r>
+                  <a:rPr lang="nl-NL" sz="1799" dirty="0" err="1">
+                    <a:latin typeface="Cambria Math" panose="02040503050406030204" pitchFamily="18" charset="0"/>
+                  </a:rPr>
+                  <a:t>soil</a:t>
+                </a:r>
+                <a:r>
+                  <a:rPr lang="nl-NL" sz="1799" dirty="0">
+                    <a:latin typeface="Cambria Math" panose="02040503050406030204" pitchFamily="18" charset="0"/>
+                  </a:rPr>
+                  <a:t> </a:t>
+                </a:r>
+                <a:r>
+                  <a:rPr lang="nl-NL" sz="1799" dirty="0" err="1">
+                    <a:latin typeface="Cambria Math" panose="02040503050406030204" pitchFamily="18" charset="0"/>
+                  </a:rPr>
+                  <a:t>compaction</a:t>
+                </a:r>
+                <a:r>
+                  <a:rPr lang="nl-NL" sz="1799" dirty="0">
+                    <a:latin typeface="Cambria Math" panose="02040503050406030204" pitchFamily="18" charset="0"/>
+                  </a:rPr>
+                  <a:t> (m)</a:t>
+                </a:r>
+              </a:p>
+              <a:p>
+                <a:pPr marL="882635" lvl="3" indent="-342797"/>
+                <a:r>
+                  <a:rPr lang="nl-NL" sz="1799" i="1" dirty="0">
+                    <a:latin typeface="Cambria Math" panose="02040503050406030204" pitchFamily="18" charset="0"/>
+                  </a:rPr>
+                  <a:t>d</a:t>
+                </a:r>
+                <a:r>
+                  <a:rPr lang="nl-NL" sz="1799" dirty="0">
+                    <a:latin typeface="Cambria Math" panose="02040503050406030204" pitchFamily="18" charset="0"/>
+                  </a:rPr>
+                  <a:t> = </a:t>
+                </a:r>
+                <a:r>
+                  <a:rPr lang="nl-NL" sz="1799" dirty="0" err="1">
+                    <a:latin typeface="Cambria Math" panose="02040503050406030204" pitchFamily="18" charset="0"/>
+                  </a:rPr>
+                  <a:t>thickness</a:t>
+                </a:r>
+                <a:r>
+                  <a:rPr lang="nl-NL" sz="1799" dirty="0">
+                    <a:latin typeface="Cambria Math" panose="02040503050406030204" pitchFamily="18" charset="0"/>
+                  </a:rPr>
+                  <a:t> of </a:t>
+                </a:r>
+                <a:r>
+                  <a:rPr lang="nl-NL" sz="1799" dirty="0" err="1">
+                    <a:latin typeface="Cambria Math" panose="02040503050406030204" pitchFamily="18" charset="0"/>
+                  </a:rPr>
+                  <a:t>confining</a:t>
+                </a:r>
+                <a:r>
+                  <a:rPr lang="nl-NL" sz="1799" dirty="0">
+                    <a:latin typeface="Cambria Math" panose="02040503050406030204" pitchFamily="18" charset="0"/>
+                  </a:rPr>
+                  <a:t> layer (m)</a:t>
+                </a:r>
+              </a:p>
+              <a:p>
+                <a:pPr marL="882635" lvl="3" indent="-342797"/>
+                <a:r>
+                  <a:rPr lang="nl-NL" sz="1799" i="1" dirty="0" err="1">
+                    <a:latin typeface="Cambria Math" panose="02040503050406030204" pitchFamily="18" charset="0"/>
+                  </a:rPr>
+                  <a:t>C</a:t>
+                </a:r>
+                <a:r>
+                  <a:rPr lang="nl-NL" sz="1799" i="1" baseline="-25000" dirty="0" err="1">
+                    <a:latin typeface="Cambria Math" panose="02040503050406030204" pitchFamily="18" charset="0"/>
+                  </a:rPr>
+                  <a:t>p</a:t>
+                </a:r>
+                <a:r>
+                  <a:rPr lang="nl-NL" sz="1799" dirty="0">
+                    <a:latin typeface="Cambria Math" panose="02040503050406030204" pitchFamily="18" charset="0"/>
+                  </a:rPr>
+                  <a:t> = </a:t>
+                </a:r>
+                <a:r>
+                  <a:rPr lang="nl-NL" sz="1799" dirty="0" err="1">
+                    <a:latin typeface="Cambria Math" panose="02040503050406030204" pitchFamily="18" charset="0"/>
+                  </a:rPr>
+                  <a:t>primary</a:t>
+                </a:r>
+                <a:r>
+                  <a:rPr lang="nl-NL" sz="1799" dirty="0">
+                    <a:latin typeface="Cambria Math" panose="02040503050406030204" pitchFamily="18" charset="0"/>
+                  </a:rPr>
+                  <a:t> </a:t>
+                </a:r>
+                <a:r>
+                  <a:rPr lang="nl-NL" sz="1799" dirty="0" err="1">
+                    <a:latin typeface="Cambria Math" panose="02040503050406030204" pitchFamily="18" charset="0"/>
+                  </a:rPr>
+                  <a:t>compaction</a:t>
+                </a:r>
+                <a:r>
+                  <a:rPr lang="nl-NL" sz="1799" dirty="0">
+                    <a:latin typeface="Cambria Math" panose="02040503050406030204" pitchFamily="18" charset="0"/>
+                  </a:rPr>
+                  <a:t> constant (-)</a:t>
+                </a:r>
+              </a:p>
+              <a:p>
+                <a:pPr marL="882635" lvl="3" indent="-342797"/>
+                <a:r>
+                  <a:rPr lang="nl-NL" sz="1799" i="1" dirty="0">
+                    <a:latin typeface="Cambria Math" panose="02040503050406030204" pitchFamily="18" charset="0"/>
+                  </a:rPr>
+                  <a:t>C</a:t>
+                </a:r>
+                <a:r>
+                  <a:rPr lang="nl-NL" sz="1799" i="1" baseline="-25000" dirty="0">
+                    <a:latin typeface="Cambria Math" panose="02040503050406030204" pitchFamily="18" charset="0"/>
+                  </a:rPr>
+                  <a:t>s</a:t>
+                </a:r>
+                <a:r>
+                  <a:rPr lang="nl-NL" sz="1799" dirty="0">
+                    <a:latin typeface="Cambria Math" panose="02040503050406030204" pitchFamily="18" charset="0"/>
+                  </a:rPr>
+                  <a:t> = </a:t>
+                </a:r>
+                <a:r>
+                  <a:rPr lang="nl-NL" sz="1799" dirty="0" err="1">
+                    <a:latin typeface="Cambria Math" panose="02040503050406030204" pitchFamily="18" charset="0"/>
+                  </a:rPr>
+                  <a:t>secular</a:t>
+                </a:r>
+                <a:r>
+                  <a:rPr lang="nl-NL" sz="1799" dirty="0">
+                    <a:latin typeface="Cambria Math" panose="02040503050406030204" pitchFamily="18" charset="0"/>
+                  </a:rPr>
+                  <a:t> </a:t>
+                </a:r>
+                <a:r>
+                  <a:rPr lang="nl-NL" sz="1799" dirty="0" err="1">
+                    <a:latin typeface="Cambria Math" panose="02040503050406030204" pitchFamily="18" charset="0"/>
+                  </a:rPr>
+                  <a:t>compaction</a:t>
+                </a:r>
+                <a:r>
+                  <a:rPr lang="nl-NL" sz="1799" dirty="0">
+                    <a:latin typeface="Cambria Math" panose="02040503050406030204" pitchFamily="18" charset="0"/>
+                  </a:rPr>
+                  <a:t> constant (-)</a:t>
+                </a:r>
+              </a:p>
+              <a:p>
+                <a:pPr marL="882635" lvl="3" indent="-342797"/>
+                <a:r>
+                  <a:rPr lang="el-GR" sz="1799" i="1" dirty="0">
+                    <a:latin typeface="Cambria Math" panose="02040503050406030204" pitchFamily="18" charset="0"/>
+                  </a:rPr>
+                  <a:t>Φ</a:t>
+                </a:r>
+                <a:r>
+                  <a:rPr lang="nl-NL" sz="1799" dirty="0">
+                    <a:latin typeface="Cambria Math" panose="02040503050406030204" pitchFamily="18" charset="0"/>
+                  </a:rPr>
+                  <a:t> = </a:t>
+                </a:r>
+                <a:r>
+                  <a:rPr lang="nl-NL" sz="1799" dirty="0" err="1">
+                    <a:latin typeface="Cambria Math" panose="02040503050406030204" pitchFamily="18" charset="0"/>
+                  </a:rPr>
+                  <a:t>pore</a:t>
+                </a:r>
+                <a:r>
+                  <a:rPr lang="nl-NL" sz="1799" dirty="0">
+                    <a:latin typeface="Cambria Math" panose="02040503050406030204" pitchFamily="18" charset="0"/>
+                  </a:rPr>
+                  <a:t> </a:t>
+                </a:r>
+                <a:r>
+                  <a:rPr lang="nl-NL" sz="1799" dirty="0" err="1">
+                    <a:latin typeface="Cambria Math" panose="02040503050406030204" pitchFamily="18" charset="0"/>
+                  </a:rPr>
+                  <a:t>pressure</a:t>
+                </a:r>
+                <a:r>
+                  <a:rPr lang="nl-NL" sz="1799" dirty="0">
+                    <a:latin typeface="Cambria Math" panose="02040503050406030204" pitchFamily="18" charset="0"/>
+                  </a:rPr>
+                  <a:t> (</a:t>
+                </a:r>
+                <a:r>
+                  <a:rPr lang="nl-NL" sz="1799" dirty="0" err="1">
+                    <a:latin typeface="Cambria Math" panose="02040503050406030204" pitchFamily="18" charset="0"/>
+                  </a:rPr>
+                  <a:t>kN</a:t>
+                </a:r>
+                <a:r>
+                  <a:rPr lang="nl-NL" sz="1799" dirty="0">
+                    <a:latin typeface="Cambria Math" panose="02040503050406030204" pitchFamily="18" charset="0"/>
+                  </a:rPr>
+                  <a:t>/m</a:t>
+                </a:r>
+                <a:r>
+                  <a:rPr lang="nl-NL" sz="1799" baseline="30000" dirty="0">
+                    <a:latin typeface="Cambria Math" panose="02040503050406030204" pitchFamily="18" charset="0"/>
+                  </a:rPr>
+                  <a:t>2</a:t>
+                </a:r>
+                <a:r>
+                  <a:rPr lang="nl-NL" sz="1799" dirty="0">
+                    <a:latin typeface="Cambria Math" panose="02040503050406030204" pitchFamily="18" charset="0"/>
+                  </a:rPr>
+                  <a:t>)</a:t>
+                </a:r>
+              </a:p>
+              <a:p>
+                <a:pPr marL="882635" lvl="3" indent="-342797"/>
+                <a:r>
+                  <a:rPr lang="nl-NL" sz="1799" i="1" dirty="0">
+                    <a:latin typeface="Cambria Math" panose="02040503050406030204" pitchFamily="18" charset="0"/>
+                  </a:rPr>
+                  <a:t>d</a:t>
+                </a:r>
+                <a:r>
+                  <a:rPr lang="el-GR" sz="1799" i="1" dirty="0">
+                    <a:latin typeface="Cambria Math" panose="02040503050406030204" pitchFamily="18" charset="0"/>
+                  </a:rPr>
+                  <a:t>Φ</a:t>
+                </a:r>
+                <a:r>
+                  <a:rPr lang="nl-NL" sz="1799" i="1" dirty="0">
+                    <a:latin typeface="Cambria Math" panose="02040503050406030204" pitchFamily="18" charset="0"/>
+                  </a:rPr>
+                  <a:t> </a:t>
+                </a:r>
+                <a:r>
+                  <a:rPr lang="nl-NL" sz="1799" dirty="0">
+                    <a:latin typeface="Cambria Math" panose="02040503050406030204" pitchFamily="18" charset="0"/>
+                  </a:rPr>
+                  <a:t>= change of </a:t>
+                </a:r>
+                <a:r>
+                  <a:rPr lang="nl-NL" sz="1799" dirty="0" err="1">
+                    <a:latin typeface="Cambria Math" panose="02040503050406030204" pitchFamily="18" charset="0"/>
+                  </a:rPr>
+                  <a:t>pore</a:t>
+                </a:r>
+                <a:r>
+                  <a:rPr lang="nl-NL" sz="1799" dirty="0">
+                    <a:latin typeface="Cambria Math" panose="02040503050406030204" pitchFamily="18" charset="0"/>
+                  </a:rPr>
+                  <a:t> </a:t>
+                </a:r>
+                <a:r>
+                  <a:rPr lang="nl-NL" sz="1799" dirty="0" err="1">
+                    <a:latin typeface="Cambria Math" panose="02040503050406030204" pitchFamily="18" charset="0"/>
+                  </a:rPr>
+                  <a:t>pressure</a:t>
+                </a:r>
+                <a:r>
+                  <a:rPr lang="nl-NL" sz="1799" dirty="0">
+                    <a:latin typeface="Cambria Math" panose="02040503050406030204" pitchFamily="18" charset="0"/>
+                  </a:rPr>
+                  <a:t> (</a:t>
+                </a:r>
+                <a:r>
+                  <a:rPr lang="nl-NL" sz="1799" dirty="0" err="1">
+                    <a:latin typeface="Cambria Math" panose="02040503050406030204" pitchFamily="18" charset="0"/>
+                  </a:rPr>
+                  <a:t>kN</a:t>
+                </a:r>
+                <a:r>
+                  <a:rPr lang="nl-NL" sz="1799" dirty="0">
+                    <a:latin typeface="Cambria Math" panose="02040503050406030204" pitchFamily="18" charset="0"/>
+                  </a:rPr>
+                  <a:t>/m</a:t>
+                </a:r>
+                <a:r>
+                  <a:rPr lang="nl-NL" sz="1799" baseline="30000" dirty="0">
+                    <a:latin typeface="Cambria Math" panose="02040503050406030204" pitchFamily="18" charset="0"/>
+                  </a:rPr>
+                  <a:t>2</a:t>
+                </a:r>
+                <a:r>
+                  <a:rPr lang="nl-NL" sz="1799" dirty="0">
+                    <a:latin typeface="Cambria Math" panose="02040503050406030204" pitchFamily="18" charset="0"/>
+                  </a:rPr>
+                  <a:t>)</a:t>
+                </a:r>
+              </a:p>
+              <a:p>
+                <a:pPr marL="882635" lvl="3" indent="-342797"/>
+                <a:r>
+                  <a:rPr lang="nl-NL" sz="1799" i="1" dirty="0">
+                    <a:latin typeface="Cambria Math" panose="02040503050406030204" pitchFamily="18" charset="0"/>
+                  </a:rPr>
+                  <a:t>t </a:t>
+                </a:r>
+                <a:r>
+                  <a:rPr lang="nl-NL" sz="1799" dirty="0">
+                    <a:latin typeface="Cambria Math" panose="02040503050406030204" pitchFamily="18" charset="0"/>
+                  </a:rPr>
+                  <a:t>= time (</a:t>
+                </a:r>
+                <a:r>
+                  <a:rPr lang="nl-NL" sz="1799" dirty="0" err="1">
+                    <a:latin typeface="Cambria Math" panose="02040503050406030204" pitchFamily="18" charset="0"/>
+                  </a:rPr>
+                  <a:t>days</a:t>
+                </a:r>
+                <a:r>
+                  <a:rPr lang="nl-NL" sz="1799" dirty="0">
+                    <a:latin typeface="Cambria Math" panose="02040503050406030204" pitchFamily="18" charset="0"/>
+                  </a:rPr>
+                  <a:t>)</a:t>
+                </a:r>
+              </a:p>
+              <a:p>
+                <a:endParaRPr lang="nl-NL" dirty="0">
+                  <a:latin typeface="Cambria Math" panose="02040503050406030204" pitchFamily="18" charset="0"/>
+                </a:endParaRPr>
+              </a:p>
+              <a:p>
+                <a:pPr marL="342797" indent="-342797">
+                  <a:buFont typeface="Arial" panose="020B0604020202020204" pitchFamily="34" charset="0"/>
+                  <a:buChar char="•"/>
+                </a:pPr>
+                <a:endParaRPr lang="nl-NL" dirty="0">
+                  <a:latin typeface="Cambria Math" panose="02040503050406030204" pitchFamily="18" charset="0"/>
+                </a:endParaRPr>
+              </a:p>
+              <a:p>
+                <a:endParaRPr lang="nl-NL" dirty="0">
+                  <a:latin typeface="Cambria Math" panose="02040503050406030204" pitchFamily="18" charset="0"/>
+                </a:endParaRPr>
+              </a:p>
+              <a:p>
+                <a:pPr marL="342797" indent="-342797">
+                  <a:buFont typeface="Arial" panose="020B0604020202020204" pitchFamily="34" charset="0"/>
+                  <a:buChar char="•"/>
+                </a:pPr>
+                <a:endParaRPr lang="nl-NL" dirty="0">
+                  <a:latin typeface="Cambria Math" panose="02040503050406030204" pitchFamily="18" charset="0"/>
+                </a:endParaRPr>
+              </a:p>
+              <a:p>
+                <a:endParaRPr lang="nl-NL" dirty="0">
+                  <a:latin typeface="Cambria Math" panose="02040503050406030204" pitchFamily="18" charset="0"/>
+                </a:endParaRPr>
+              </a:p>
+              <a:p>
+                <a:endParaRPr lang="nl-NL" dirty="0"/>
+              </a:p>
+            </p:txBody>
+          </p:sp>
+        </mc:Choice>
+        <mc:Fallback>
+          <p:sp>
+            <p:nvSpPr>
+              <p:cNvPr id="4" name="Content Placeholder 3">
+                <a:extLst>
+                  <a:ext uri="{FF2B5EF4-FFF2-40B4-BE49-F238E27FC236}">
+                    <a16:creationId xmlns:a16="http://schemas.microsoft.com/office/drawing/2014/main" id="{8640B7B5-C3D9-8994-5B24-E30F5BB6795E}"/>
+                  </a:ext>
+                </a:extLst>
+              </p:cNvPr>
+              <p:cNvSpPr>
+                <a:spLocks noGrp="1" noRot="1" noChangeAspect="1" noMove="1" noResize="1" noEditPoints="1" noAdjustHandles="1" noChangeArrowheads="1" noChangeShapeType="1" noTextEdit="1"/>
+              </p:cNvSpPr>
+              <p:nvPr>
+                <p:ph sz="quarter" idx="13"/>
+              </p:nvPr>
+            </p:nvSpPr>
+            <p:spPr>
+              <a:xfrm>
+                <a:off x="912724" y="2030044"/>
+                <a:ext cx="5687851" cy="3882309"/>
+              </a:xfrm>
+              <a:blipFill>
+                <a:blip r:embed="rId2"/>
+                <a:stretch>
+                  <a:fillRect l="-1501" t="-1413" r="-1179"/>
+                </a:stretch>
+              </a:blipFill>
+            </p:spPr>
+            <p:txBody>
+              <a:bodyPr/>
+              <a:lstStyle/>
+              <a:p>
+                <a:r>
+                  <a:rPr lang="nl-NL">
+                    <a:noFill/>
+                  </a:rPr>
+                  <a:t> </a:t>
+                </a:r>
+              </a:p>
+            </p:txBody>
+          </p:sp>
+        </mc:Fallback>
+      </mc:AlternateContent>
+      <p:sp>
+        <p:nvSpPr>
+          <p:cNvPr id="5" name="Title 4">
+            <a:extLst>
+              <a:ext uri="{FF2B5EF4-FFF2-40B4-BE49-F238E27FC236}">
+                <a16:creationId xmlns:a16="http://schemas.microsoft.com/office/drawing/2014/main" id="{69629E6F-6985-67FE-B3C7-AA9F191AA25A}"/>
+              </a:ext>
+            </a:extLst>
+          </p:cNvPr>
+          <p:cNvSpPr>
+            <a:spLocks noGrp="1"/>
+          </p:cNvSpPr>
+          <p:nvPr>
+            <p:ph type="title"/>
+          </p:nvPr>
+        </p:nvSpPr>
+        <p:spPr/>
+        <p:txBody>
+          <a:bodyPr/>
+          <a:lstStyle/>
+          <a:p>
+            <a:r>
+              <a:rPr lang="nl-NL" dirty="0" err="1"/>
+              <a:t>Soil</a:t>
+            </a:r>
+            <a:r>
+              <a:rPr lang="nl-NL" dirty="0"/>
+              <a:t> </a:t>
+            </a:r>
+            <a:r>
+              <a:rPr lang="nl-NL" dirty="0" err="1"/>
+              <a:t>compaction</a:t>
+            </a:r>
+            <a:br>
+              <a:rPr lang="nl-NL" dirty="0"/>
+            </a:br>
+            <a:r>
+              <a:rPr lang="nl-NL" sz="1999" dirty="0"/>
+              <a:t>‘zetting’ (in Dutch)</a:t>
+            </a:r>
+          </a:p>
+        </p:txBody>
+      </p:sp>
+      <p:sp>
+        <p:nvSpPr>
+          <p:cNvPr id="3" name="TextBox 2">
+            <a:extLst>
+              <a:ext uri="{FF2B5EF4-FFF2-40B4-BE49-F238E27FC236}">
+                <a16:creationId xmlns:a16="http://schemas.microsoft.com/office/drawing/2014/main" id="{6FBBBCA7-082B-CC30-52E4-E30B4FA6A987}"/>
+              </a:ext>
+            </a:extLst>
+          </p:cNvPr>
+          <p:cNvSpPr txBox="1"/>
+          <p:nvPr/>
+        </p:nvSpPr>
+        <p:spPr>
+          <a:xfrm>
+            <a:off x="0" y="893"/>
+            <a:ext cx="6095967" cy="369108"/>
+          </a:xfrm>
+          <a:prstGeom prst="rect">
+            <a:avLst/>
+          </a:prstGeom>
+          <a:noFill/>
+        </p:spPr>
+        <p:txBody>
+          <a:bodyPr wrap="square">
+            <a:spAutoFit/>
+          </a:bodyPr>
+          <a:lstStyle/>
+          <a:p>
+            <a:r>
+              <a:rPr lang="en-GB" sz="1799" dirty="0"/>
+              <a:t>Extraction</a:t>
+            </a:r>
+            <a:endParaRPr lang="nl-NL" sz="1799" dirty="0"/>
+          </a:p>
+        </p:txBody>
+      </p:sp>
+      <p:pic>
+        <p:nvPicPr>
+          <p:cNvPr id="6" name="Picture 5">
+            <a:extLst>
+              <a:ext uri="{FF2B5EF4-FFF2-40B4-BE49-F238E27FC236}">
+                <a16:creationId xmlns:a16="http://schemas.microsoft.com/office/drawing/2014/main" id="{CDAA10FC-3989-043A-D0C2-9C9FDA2259F7}"/>
+              </a:ext>
+            </a:extLst>
+          </p:cNvPr>
+          <p:cNvPicPr>
+            <a:picLocks noChangeAspect="1"/>
+          </p:cNvPicPr>
+          <p:nvPr/>
+        </p:nvPicPr>
+        <p:blipFill>
+          <a:blip r:embed="rId3"/>
+          <a:stretch>
+            <a:fillRect/>
+          </a:stretch>
+        </p:blipFill>
+        <p:spPr>
+          <a:xfrm>
+            <a:off x="6806490" y="189483"/>
+            <a:ext cx="5192630" cy="3867682"/>
+          </a:xfrm>
+          <a:prstGeom prst="rect">
+            <a:avLst/>
+          </a:prstGeom>
+        </p:spPr>
+      </p:pic>
+      <p:sp>
+        <p:nvSpPr>
+          <p:cNvPr id="8" name="TextBox 7">
+            <a:extLst>
+              <a:ext uri="{FF2B5EF4-FFF2-40B4-BE49-F238E27FC236}">
+                <a16:creationId xmlns:a16="http://schemas.microsoft.com/office/drawing/2014/main" id="{C61E9757-9950-786F-6F50-F25B82551DE2}"/>
+              </a:ext>
+            </a:extLst>
+          </p:cNvPr>
+          <p:cNvSpPr txBox="1"/>
+          <p:nvPr/>
+        </p:nvSpPr>
+        <p:spPr>
+          <a:xfrm>
+            <a:off x="912724" y="5635427"/>
+            <a:ext cx="6133279" cy="246157"/>
+          </a:xfrm>
+          <a:prstGeom prst="rect">
+            <a:avLst/>
+          </a:prstGeom>
+          <a:noFill/>
+        </p:spPr>
+        <p:txBody>
+          <a:bodyPr wrap="square">
+            <a:spAutoFit/>
+          </a:bodyPr>
+          <a:lstStyle/>
+          <a:p>
+            <a:r>
+              <a:rPr lang="nl-NL" sz="1000" dirty="0"/>
+              <a:t>Drijver (2002): </a:t>
+            </a:r>
+            <a:r>
+              <a:rPr lang="nl-NL" sz="1000" dirty="0">
+                <a:hlinkClick r:id="rId4"/>
+              </a:rPr>
+              <a:t>https://edepot.wur.nl/358642</a:t>
+            </a:r>
+            <a:r>
+              <a:rPr lang="nl-NL" sz="1000" dirty="0"/>
+              <a:t>  </a:t>
+            </a:r>
+          </a:p>
+        </p:txBody>
+      </p:sp>
+      <p:sp>
+        <p:nvSpPr>
+          <p:cNvPr id="10" name="TextBox 9">
+            <a:extLst>
+              <a:ext uri="{FF2B5EF4-FFF2-40B4-BE49-F238E27FC236}">
+                <a16:creationId xmlns:a16="http://schemas.microsoft.com/office/drawing/2014/main" id="{9BCCD33D-0922-00BC-3944-49268B91346F}"/>
+              </a:ext>
+            </a:extLst>
+          </p:cNvPr>
+          <p:cNvSpPr txBox="1"/>
+          <p:nvPr/>
+        </p:nvSpPr>
+        <p:spPr>
+          <a:xfrm>
+            <a:off x="6573689" y="3974725"/>
+            <a:ext cx="5425430" cy="246157"/>
+          </a:xfrm>
+          <a:prstGeom prst="rect">
+            <a:avLst/>
+          </a:prstGeom>
+          <a:noFill/>
+        </p:spPr>
+        <p:txBody>
+          <a:bodyPr wrap="square">
+            <a:spAutoFit/>
+          </a:bodyPr>
+          <a:lstStyle/>
+          <a:p>
+            <a:pPr algn="r"/>
+            <a:r>
+              <a:rPr lang="nl-NL" sz="1000" dirty="0">
+                <a:hlinkClick r:id="rId5"/>
+              </a:rPr>
+              <a:t>http://www.grondwaterformules.nl/index.php/formules/onttrekking/deklaag-zonder-rand-de-glee</a:t>
+            </a:r>
+            <a:r>
+              <a:rPr lang="nl-NL" sz="1000" dirty="0"/>
+              <a:t> </a:t>
+            </a:r>
+          </a:p>
+        </p:txBody>
+      </p:sp>
+      <p:pic>
+        <p:nvPicPr>
+          <p:cNvPr id="12" name="Picture 11">
+            <a:extLst>
+              <a:ext uri="{FF2B5EF4-FFF2-40B4-BE49-F238E27FC236}">
+                <a16:creationId xmlns:a16="http://schemas.microsoft.com/office/drawing/2014/main" id="{F7A0F43E-171B-12F3-7A75-64E02A6B5704}"/>
+              </a:ext>
+            </a:extLst>
+          </p:cNvPr>
+          <p:cNvPicPr>
+            <a:picLocks noChangeAspect="1"/>
+          </p:cNvPicPr>
+          <p:nvPr/>
+        </p:nvPicPr>
+        <p:blipFill>
+          <a:blip r:embed="rId6"/>
+          <a:stretch>
+            <a:fillRect/>
+          </a:stretch>
+        </p:blipFill>
+        <p:spPr>
+          <a:xfrm>
+            <a:off x="6073920" y="4364861"/>
+            <a:ext cx="5777105" cy="2189926"/>
+          </a:xfrm>
+          <a:prstGeom prst="rect">
+            <a:avLst/>
+          </a:prstGeom>
+        </p:spPr>
+      </p:pic>
+    </p:spTree>
+    <p:extLst>
+      <p:ext uri="{BB962C8B-B14F-4D97-AF65-F5344CB8AC3E}">
+        <p14:creationId xmlns:p14="http://schemas.microsoft.com/office/powerpoint/2010/main" val="240330693"/>
+      </p:ext>
+    </p:extLst>
+  </p:cSld>
+  <p:clrMapOvr>
+    <a:masterClrMapping/>
+  </p:clrMapOvr>
+  <mc:AlternateContent xmlns:mc="http://schemas.openxmlformats.org/markup-compatibility/2006" xmlns:p14="http://schemas.microsoft.com/office/powerpoint/2010/main">
+    <mc:Choice Requires="p14">
+      <p:transition spd="med" p14:dur="700">
+        <p:fade/>
+      </p:transition>
+    </mc:Choice>
+    <mc:Fallback xmlns="">
+      <p:transition spd="med" advClick="true">
+        <p:fade/>
+      </p:transition>
+    </mc:Fallback>
+  </mc:AlternateContent>
+  <p:timing>
+    <p:tnLst>
+      <p:par>
+        <p:cTn id="1" dur="indefinite" restart="never" nodeType="tmRoot">
+          <p:childTnLst>
+            <p:seq concurrent="1" nextAc="seek">
+              <p:cTn id="2" dur="indefinite" nodeType="mainSeq">
+                <p:childTnLst>
+                  <p:par>
+                    <p:cTn id="3" fill="hold">
+                      <p:stCondLst>
+                        <p:cond delay="indefinite"/>
+                      </p:stCondLst>
+                      <p:childTnLst>
+                        <p:par>
+                          <p:cTn id="4" fill="hold">
+                            <p:stCondLst>
+                              <p:cond delay="0"/>
+                            </p:stCondLst>
+                            <p:childTnLst>
+                              <p:par>
+                                <p:cTn id="5" presetID="1" presetClass="entr" presetSubtype="0" fill="hold" nodeType="clickEffect">
+                                  <p:stCondLst>
+                                    <p:cond delay="0"/>
+                                  </p:stCondLst>
+                                  <p:childTnLst>
+                                    <p:set>
+                                      <p:cBhvr>
+                                        <p:cTn id="6" dur="1" fill="hold">
+                                          <p:stCondLst>
+                                            <p:cond delay="0"/>
+                                          </p:stCondLst>
+                                        </p:cTn>
+                                        <p:tgtEl>
+                                          <p:spTgt spid="4">
+                                            <p:txEl>
+                                              <p:pRg st="1" end="1"/>
+                                            </p:txEl>
+                                          </p:spTgt>
+                                        </p:tgtEl>
+                                        <p:attrNameLst>
+                                          <p:attrName>style.visibility</p:attrName>
+                                        </p:attrNameLst>
+                                      </p:cBhvr>
+                                      <p:to>
+                                        <p:strVal val="visible"/>
+                                      </p:to>
+                                    </p:set>
+                                  </p:childTnLst>
+                                </p:cTn>
+                              </p:par>
+                              <p:par>
+                                <p:cTn id="7" presetID="1" presetClass="entr" presetSubtype="0" fill="hold" nodeType="withEffect">
+                                  <p:stCondLst>
+                                    <p:cond delay="0"/>
+                                  </p:stCondLst>
+                                  <p:childTnLst>
+                                    <p:set>
+                                      <p:cBhvr>
+                                        <p:cTn id="8" dur="1" fill="hold">
+                                          <p:stCondLst>
+                                            <p:cond delay="0"/>
+                                          </p:stCondLst>
+                                        </p:cTn>
+                                        <p:tgtEl>
+                                          <p:spTgt spid="4">
+                                            <p:txEl>
+                                              <p:pRg st="2" end="2"/>
+                                            </p:txEl>
+                                          </p:spTgt>
+                                        </p:tgtEl>
+                                        <p:attrNameLst>
+                                          <p:attrName>style.visibility</p:attrName>
+                                        </p:attrNameLst>
+                                      </p:cBhvr>
+                                      <p:to>
+                                        <p:strVal val="visible"/>
+                                      </p:to>
+                                    </p:set>
+                                  </p:childTnLst>
+                                </p:cTn>
+                              </p:par>
+                              <p:par>
+                                <p:cTn id="9" presetID="1" presetClass="entr" presetSubtype="0" fill="hold" nodeType="withEffect">
+                                  <p:stCondLst>
+                                    <p:cond delay="0"/>
+                                  </p:stCondLst>
+                                  <p:childTnLst>
+                                    <p:set>
+                                      <p:cBhvr>
+                                        <p:cTn id="10" dur="1" fill="hold">
+                                          <p:stCondLst>
+                                            <p:cond delay="0"/>
+                                          </p:stCondLst>
+                                        </p:cTn>
+                                        <p:tgtEl>
+                                          <p:spTgt spid="4">
+                                            <p:txEl>
+                                              <p:pRg st="3" end="3"/>
+                                            </p:txEl>
+                                          </p:spTgt>
+                                        </p:tgtEl>
+                                        <p:attrNameLst>
+                                          <p:attrName>style.visibility</p:attrName>
+                                        </p:attrNameLst>
+                                      </p:cBhvr>
+                                      <p:to>
+                                        <p:strVal val="visible"/>
+                                      </p:to>
+                                    </p:set>
+                                  </p:childTnLst>
+                                </p:cTn>
+                              </p:par>
+                              <p:par>
+                                <p:cTn id="11" presetID="1" presetClass="entr" presetSubtype="0" fill="hold" nodeType="withEffect">
+                                  <p:stCondLst>
+                                    <p:cond delay="0"/>
+                                  </p:stCondLst>
+                                  <p:childTnLst>
+                                    <p:set>
+                                      <p:cBhvr>
+                                        <p:cTn id="12" dur="1" fill="hold">
+                                          <p:stCondLst>
+                                            <p:cond delay="0"/>
+                                          </p:stCondLst>
+                                        </p:cTn>
+                                        <p:tgtEl>
+                                          <p:spTgt spid="4">
+                                            <p:txEl>
+                                              <p:pRg st="4" end="4"/>
+                                            </p:txEl>
+                                          </p:spTgt>
+                                        </p:tgtEl>
+                                        <p:attrNameLst>
+                                          <p:attrName>style.visibility</p:attrName>
+                                        </p:attrNameLst>
+                                      </p:cBhvr>
+                                      <p:to>
+                                        <p:strVal val="visible"/>
+                                      </p:to>
+                                    </p:set>
+                                  </p:childTnLst>
+                                </p:cTn>
+                              </p:par>
+                              <p:par>
+                                <p:cTn id="13" presetID="1" presetClass="entr" presetSubtype="0" fill="hold" nodeType="withEffect">
+                                  <p:stCondLst>
+                                    <p:cond delay="0"/>
+                                  </p:stCondLst>
+                                  <p:childTnLst>
+                                    <p:set>
+                                      <p:cBhvr>
+                                        <p:cTn id="14" dur="1" fill="hold">
+                                          <p:stCondLst>
+                                            <p:cond delay="0"/>
+                                          </p:stCondLst>
+                                        </p:cTn>
+                                        <p:tgtEl>
+                                          <p:spTgt spid="4">
+                                            <p:txEl>
+                                              <p:pRg st="5" end="5"/>
+                                            </p:txEl>
+                                          </p:spTgt>
+                                        </p:tgtEl>
+                                        <p:attrNameLst>
+                                          <p:attrName>style.visibility</p:attrName>
+                                        </p:attrNameLst>
+                                      </p:cBhvr>
+                                      <p:to>
+                                        <p:strVal val="visible"/>
+                                      </p:to>
+                                    </p:set>
+                                  </p:childTnLst>
+                                </p:cTn>
+                              </p:par>
+                              <p:par>
+                                <p:cTn id="15" presetID="1" presetClass="entr" presetSubtype="0" fill="hold" nodeType="withEffect">
+                                  <p:stCondLst>
+                                    <p:cond delay="0"/>
+                                  </p:stCondLst>
+                                  <p:childTnLst>
+                                    <p:set>
+                                      <p:cBhvr>
+                                        <p:cTn id="16" dur="1" fill="hold">
+                                          <p:stCondLst>
+                                            <p:cond delay="0"/>
+                                          </p:stCondLst>
+                                        </p:cTn>
+                                        <p:tgtEl>
+                                          <p:spTgt spid="4">
+                                            <p:txEl>
+                                              <p:pRg st="6" end="6"/>
+                                            </p:txEl>
+                                          </p:spTgt>
+                                        </p:tgtEl>
+                                        <p:attrNameLst>
+                                          <p:attrName>style.visibility</p:attrName>
+                                        </p:attrNameLst>
+                                      </p:cBhvr>
+                                      <p:to>
+                                        <p:strVal val="visible"/>
+                                      </p:to>
+                                    </p:set>
+                                  </p:childTnLst>
+                                </p:cTn>
+                              </p:par>
+                              <p:par>
+                                <p:cTn id="17" presetID="1" presetClass="entr" presetSubtype="0" fill="hold" nodeType="withEffect">
+                                  <p:stCondLst>
+                                    <p:cond delay="0"/>
+                                  </p:stCondLst>
+                                  <p:childTnLst>
+                                    <p:set>
+                                      <p:cBhvr>
+                                        <p:cTn id="18" dur="1" fill="hold">
+                                          <p:stCondLst>
+                                            <p:cond delay="0"/>
+                                          </p:stCondLst>
+                                        </p:cTn>
+                                        <p:tgtEl>
+                                          <p:spTgt spid="4">
+                                            <p:txEl>
+                                              <p:pRg st="7" end="7"/>
+                                            </p:txEl>
+                                          </p:spTgt>
+                                        </p:tgtEl>
+                                        <p:attrNameLst>
+                                          <p:attrName>style.visibility</p:attrName>
+                                        </p:attrNameLst>
+                                      </p:cBhvr>
+                                      <p:to>
+                                        <p:strVal val="visible"/>
+                                      </p:to>
+                                    </p:set>
+                                  </p:childTnLst>
+                                </p:cTn>
+                              </p:par>
+                              <p:par>
+                                <p:cTn id="19" presetID="1" presetClass="entr" presetSubtype="0" fill="hold" nodeType="withEffect">
+                                  <p:stCondLst>
+                                    <p:cond delay="0"/>
+                                  </p:stCondLst>
+                                  <p:childTnLst>
+                                    <p:set>
+                                      <p:cBhvr>
+                                        <p:cTn id="20" dur="1" fill="hold">
+                                          <p:stCondLst>
+                                            <p:cond delay="0"/>
+                                          </p:stCondLst>
+                                        </p:cTn>
+                                        <p:tgtEl>
+                                          <p:spTgt spid="4">
+                                            <p:txEl>
+                                              <p:pRg st="8" end="8"/>
+                                            </p:txEl>
+                                          </p:spTgt>
+                                        </p:tgtEl>
+                                        <p:attrNameLst>
+                                          <p:attrName>style.visibility</p:attrName>
+                                        </p:attrNameLst>
+                                      </p:cBhvr>
+                                      <p:to>
+                                        <p:strVal val="visible"/>
+                                      </p:to>
+                                    </p:set>
+                                  </p:childTnLst>
+                                </p:cTn>
+                              </p:par>
+                              <p:par>
+                                <p:cTn id="21" presetID="1" presetClass="entr" presetSubtype="0" fill="hold" grpId="0" nodeType="withEffect">
+                                  <p:stCondLst>
+                                    <p:cond delay="0"/>
+                                  </p:stCondLst>
+                                  <p:childTnLst>
+                                    <p:set>
+                                      <p:cBhvr>
+                                        <p:cTn id="22" dur="1" fill="hold">
+                                          <p:stCondLst>
+                                            <p:cond delay="0"/>
+                                          </p:stCondLst>
+                                        </p:cTn>
+                                        <p:tgtEl>
+                                          <p:spTgt spid="8"/>
+                                        </p:tgtEl>
+                                        <p:attrNameLst>
+                                          <p:attrName>style.visibility</p:attrName>
+                                        </p:attrNameLst>
+                                      </p:cBhvr>
+                                      <p:to>
+                                        <p:strVal val="visible"/>
+                                      </p:to>
+                                    </p:set>
+                                  </p:childTnLst>
+                                </p:cTn>
+                              </p:par>
+                            </p:childTnLst>
+                          </p:cTn>
+                        </p:par>
+                      </p:childTnLst>
+                    </p:cTn>
+                  </p:par>
+                  <p:par>
+                    <p:cTn id="23" fill="hold">
+                      <p:stCondLst>
+                        <p:cond delay="indefinite"/>
+                      </p:stCondLst>
+                      <p:childTnLst>
+                        <p:par>
+                          <p:cTn id="24" fill="hold">
+                            <p:stCondLst>
+                              <p:cond delay="0"/>
+                            </p:stCondLst>
+                            <p:childTnLst>
+                              <p:par>
+                                <p:cTn id="25" presetID="1" presetClass="entr" presetSubtype="0" fill="hold" nodeType="clickEffect">
+                                  <p:stCondLst>
+                                    <p:cond delay="0"/>
+                                  </p:stCondLst>
+                                  <p:childTnLst>
+                                    <p:set>
+                                      <p:cBhvr>
+                                        <p:cTn id="26" dur="1" fill="hold">
+                                          <p:stCondLst>
+                                            <p:cond delay="0"/>
+                                          </p:stCondLst>
+                                        </p:cTn>
+                                        <p:tgtEl>
+                                          <p:spTgt spid="12"/>
+                                        </p:tgtEl>
+                                        <p:attrNameLst>
+                                          <p:attrName>style.visibility</p:attrName>
+                                        </p:attrNameLst>
+                                      </p:cBhvr>
+                                      <p:to>
+                                        <p:strVal val="visible"/>
+                                      </p:to>
+                                    </p:set>
+                                  </p:childTnLst>
+                                </p:cTn>
+                              </p:par>
+                            </p:childTnLst>
+                          </p:cTn>
+                        </p:par>
+                      </p:childTnLst>
+                    </p:cTn>
+                  </p:par>
+                </p:childTnLst>
+              </p:cTn>
+              <p:prevCondLst>
+                <p:cond evt="onPrev" delay="0">
+                  <p:tgtEl>
+                    <p:sldTgt/>
+                  </p:tgtEl>
+                </p:cond>
+              </p:prevCondLst>
+              <p:nextCondLst>
+                <p:cond evt="onNext" delay="0">
+                  <p:tgtEl>
+                    <p:sldTgt/>
+                  </p:tgtEl>
+                </p:cond>
+              </p:nextCondLst>
+            </p:seq>
+          </p:childTnLst>
+        </p:cTn>
+      </p:par>
+    </p:tnLst>
+    <p:bldLst>
+      <p:bldP spid="8" grpId="0"/>
+    </p:bldLst>
+  </p:timing>
+</p:sld>
+</file>
+
+<file path=ppt/slides/slide8.xml><?xml version="1.0" encoding="utf-8"?>
+<p:sld xmlns:a="http://schemas.openxmlformats.org/drawingml/2006/main" xmlns:r="http://schemas.openxmlformats.org/officeDocument/2006/relationships" xmlns:p="http://schemas.openxmlformats.org/presentationml/2006/main">
+  <p:cSld>
+    <p:spTree>
+      <p:nvGrpSpPr>
+        <p:cNvPr id="1" name=""/>
+        <p:cNvGrpSpPr/>
+        <p:nvPr/>
+      </p:nvGrpSpPr>
+      <p:grpSpPr>
+        <a:xfrm>
+          <a:off x="0" y="0"/>
+          <a:ext cx="0" cy="0"/>
+          <a:chOff x="0" y="0"/>
+          <a:chExt cx="0" cy="0"/>
+        </a:xfrm>
+      </p:grpSpPr>
+      <p:sp>
+        <p:nvSpPr>
           <p:cNvPr id="2" name="Title 1">
             <a:extLst>
               <a:ext uri="{FF2B5EF4-FFF2-40B4-BE49-F238E27FC236}">
@@ -5267,8 +9438,15 @@
               <a:rPr lang="en-GB" sz="4400" u="none" strike="noStrike" dirty="0">
                 <a:effectLst/>
               </a:rPr>
-              <a:t>Report</a:t>
-            </a:r>
+              <a:t>Design ASR system</a:t>
+            </a:r>
+            <a:endParaRPr lang="en-GB" sz="4400" b="0" i="0" u="none" strike="noStrike" dirty="0">
+              <a:solidFill>
+                <a:srgbClr val="000000"/>
+              </a:solidFill>
+              <a:effectLst/>
+              <a:latin typeface="Calibri" panose="020F0502020204030204" pitchFamily="34" charset="0"/>
+            </a:endParaRPr>
           </a:p>
         </p:txBody>
       </p:sp>
@@ -5294,33 +9472,58 @@
           <a:lstStyle/>
           <a:p>
             <a:r>
-              <a:rPr lang="en-GB" b="0" i="0" dirty="0">
+              <a:rPr lang="en-GB" dirty="0"/>
+              <a:t>MODFLOW6 model</a:t>
+            </a:r>
+          </a:p>
+          <a:p>
+            <a:pPr lvl="1"/>
+            <a:r>
+              <a:rPr lang="en-GB" dirty="0"/>
+              <a:t>Adjust parameters</a:t>
+            </a:r>
+          </a:p>
+          <a:p>
+            <a:pPr lvl="1"/>
+            <a:r>
+              <a:rPr lang="en-GB" dirty="0"/>
+              <a:t>Background flow?</a:t>
+            </a:r>
+          </a:p>
+          <a:p>
+            <a:r>
+              <a:rPr lang="en-GB" dirty="0"/>
+              <a:t>Optimise model to reduce waste</a:t>
+            </a:r>
+          </a:p>
+          <a:p>
+            <a:r>
+              <a:rPr lang="en-GB" sz="2800" u="none" strike="noStrike" dirty="0">
                 <a:effectLst/>
-                <a:latin typeface="Arial" panose="020B0604020202020204" pitchFamily="34" charset="0"/>
               </a:rPr>
-              <a:t>Discuss the uncertainties in your design.</a:t>
-            </a:r>
+              <a:t>Ensure guidelines for injection pressure and maximum velocity are met</a:t>
+            </a:r>
+          </a:p>
+          <a:p>
+            <a:r>
+              <a:rPr lang="en-GB" sz="2800" u="none" strike="noStrike" dirty="0">
+                <a:effectLst/>
+              </a:rPr>
+              <a:t>Run model for 10 years with a start-up year and less extracted volume</a:t>
+            </a:r>
+            <a:endParaRPr lang="en-GB" sz="2800" b="0" i="0" u="none" strike="noStrike" dirty="0">
+              <a:solidFill>
+                <a:srgbClr val="000000"/>
+              </a:solidFill>
+              <a:effectLst/>
+              <a:latin typeface="Calibri" panose="020F0502020204030204" pitchFamily="34" charset="0"/>
+            </a:endParaRPr>
+          </a:p>
+          <a:p>
             <a:endParaRPr lang="en-GB" dirty="0"/>
           </a:p>
           <a:p>
-            <a:pPr lvl="1"/>
-            <a:r>
-              <a:rPr lang="en-GB" dirty="0"/>
-              <a:t>Changes in Kh 	</a:t>
-            </a:r>
-          </a:p>
-          <a:p>
-            <a:pPr lvl="2"/>
-            <a:r>
-              <a:rPr lang="en-GB" dirty="0"/>
-              <a:t>Scenarios? </a:t>
-            </a:r>
-          </a:p>
-          <a:p>
-            <a:r>
-              <a:rPr lang="en-GB" dirty="0"/>
-              <a:t>Present findings</a:t>
-            </a:r>
+            <a:endParaRPr lang="en-GB" dirty="0"/>
           </a:p>
           <a:p>
             <a:pPr lvl="1"/>
@@ -5339,7 +9542,145 @@
     </p:spTree>
     <p:extLst>
       <p:ext uri="{BB962C8B-B14F-4D97-AF65-F5344CB8AC3E}">
-        <p14:creationId xmlns:p14="http://schemas.microsoft.com/office/powerpoint/2010/main" val="545974"/>
+        <p14:creationId xmlns:p14="http://schemas.microsoft.com/office/powerpoint/2010/main" val="8949513"/>
+      </p:ext>
+    </p:extLst>
+  </p:cSld>
+  <p:clrMapOvr>
+    <a:masterClrMapping/>
+  </p:clrMapOvr>
+</p:sld>
+</file>
+
+<file path=ppt/slides/slide9.xml><?xml version="1.0" encoding="utf-8"?>
+<p:sld xmlns:a="http://schemas.openxmlformats.org/drawingml/2006/main" xmlns:r="http://schemas.openxmlformats.org/officeDocument/2006/relationships" xmlns:p="http://schemas.openxmlformats.org/presentationml/2006/main">
+  <p:cSld>
+    <p:spTree>
+      <p:nvGrpSpPr>
+        <p:cNvPr id="1" name=""/>
+        <p:cNvGrpSpPr/>
+        <p:nvPr/>
+      </p:nvGrpSpPr>
+      <p:grpSpPr>
+        <a:xfrm>
+          <a:off x="0" y="0"/>
+          <a:ext cx="0" cy="0"/>
+          <a:chOff x="0" y="0"/>
+          <a:chExt cx="0" cy="0"/>
+        </a:xfrm>
+      </p:grpSpPr>
+      <p:sp>
+        <p:nvSpPr>
+          <p:cNvPr id="2" name="Title 1">
+            <a:extLst>
+              <a:ext uri="{FF2B5EF4-FFF2-40B4-BE49-F238E27FC236}">
+                <a16:creationId xmlns:a16="http://schemas.microsoft.com/office/drawing/2014/main" id="{B501916C-D4E2-386A-B250-5CEAF46B5F6D}"/>
+              </a:ext>
+            </a:extLst>
+          </p:cNvPr>
+          <p:cNvSpPr>
+            <a:spLocks noGrp="1"/>
+          </p:cNvSpPr>
+          <p:nvPr>
+            <p:ph type="title"/>
+          </p:nvPr>
+        </p:nvSpPr>
+        <p:spPr/>
+        <p:txBody>
+          <a:bodyPr/>
+          <a:lstStyle/>
+          <a:p>
+            <a:pPr algn="l" fontAlgn="b"/>
+            <a:r>
+              <a:rPr lang="en-GB" sz="4400" u="none" strike="noStrike" dirty="0">
+                <a:effectLst/>
+              </a:rPr>
+              <a:t>Producing schedule for injection, extraction and storage</a:t>
+            </a:r>
+          </a:p>
+        </p:txBody>
+      </p:sp>
+      <p:sp>
+        <p:nvSpPr>
+          <p:cNvPr id="3" name="Content Placeholder 2">
+            <a:extLst>
+              <a:ext uri="{FF2B5EF4-FFF2-40B4-BE49-F238E27FC236}">
+                <a16:creationId xmlns:a16="http://schemas.microsoft.com/office/drawing/2014/main" id="{09C5E4A4-9126-BB3E-A065-D2362182A902}"/>
+              </a:ext>
+            </a:extLst>
+          </p:cNvPr>
+          <p:cNvSpPr>
+            <a:spLocks noGrp="1"/>
+          </p:cNvSpPr>
+          <p:nvPr>
+            <p:ph idx="1"/>
+          </p:nvPr>
+        </p:nvSpPr>
+        <p:spPr/>
+        <p:txBody>
+          <a:bodyPr/>
+          <a:lstStyle/>
+          <a:p>
+            <a:r>
+              <a:rPr lang="en-GB" dirty="0"/>
+              <a:t>Injection</a:t>
+            </a:r>
+          </a:p>
+          <a:p>
+            <a:pPr lvl="1"/>
+            <a:r>
+              <a:rPr lang="en-GB" strike="sngStrike" dirty="0"/>
+              <a:t>Analysis of when water excess</a:t>
+            </a:r>
+          </a:p>
+          <a:p>
+            <a:r>
+              <a:rPr lang="en-GB" dirty="0"/>
+              <a:t>Extraction</a:t>
+            </a:r>
+          </a:p>
+          <a:p>
+            <a:pPr lvl="1"/>
+            <a:r>
+              <a:rPr lang="en-GB" dirty="0"/>
+              <a:t>Water deficit – July &amp; august:</a:t>
+            </a:r>
+          </a:p>
+          <a:p>
+            <a:pPr lvl="2"/>
+            <a:r>
+              <a:rPr lang="en-GB" dirty="0"/>
+              <a:t>Schedule for 1 year &amp; 10 years </a:t>
+            </a:r>
+          </a:p>
+          <a:p>
+            <a:r>
+              <a:rPr lang="en-GB" strike="sngStrike" dirty="0"/>
+              <a:t>Storage possibly above ground if pumping rate too low</a:t>
+            </a:r>
+          </a:p>
+          <a:p>
+            <a:pPr lvl="1"/>
+            <a:endParaRPr lang="en-GB" dirty="0"/>
+          </a:p>
+          <a:p>
+            <a:pPr lvl="1"/>
+            <a:endParaRPr lang="en-GB" dirty="0"/>
+          </a:p>
+          <a:p>
+            <a:pPr lvl="1"/>
+            <a:endParaRPr lang="en-GB" dirty="0"/>
+          </a:p>
+          <a:p>
+            <a:pPr lvl="1"/>
+            <a:endParaRPr lang="en-NL" dirty="0"/>
+          </a:p>
+        </p:txBody>
+      </p:sp>
+    </p:spTree>
+    <p:extLst>
+      <p:ext uri="{BB962C8B-B14F-4D97-AF65-F5344CB8AC3E}">
+        <p14:creationId xmlns:p14="http://schemas.microsoft.com/office/powerpoint/2010/main" val="2006621054"/>
       </p:ext>
     </p:extLst>
   </p:cSld>
@@ -5642,4 +9983,299 @@
     </a:ext>
   </a:extLst>
 </a:theme>
+</file>
+
+<file path=ppt/theme/theme2.xml><?xml version="1.0" encoding="utf-8"?>
+<a:theme xmlns:a="http://schemas.openxmlformats.org/drawingml/2006/main" name="Office Theme">
+  <a:themeElements>
+    <a:clrScheme name="Office">
+      <a:dk1>
+        <a:sysClr val="windowText" lastClr="000000"/>
+      </a:dk1>
+      <a:lt1>
+        <a:sysClr val="window" lastClr="FFFFFF"/>
+      </a:lt1>
+      <a:dk2>
+        <a:srgbClr val="44546A"/>
+      </a:dk2>
+      <a:lt2>
+        <a:srgbClr val="E7E6E6"/>
+      </a:lt2>
+      <a:accent1>
+        <a:srgbClr val="4472C4"/>
+      </a:accent1>
+      <a:accent2>
+        <a:srgbClr val="ED7D31"/>
+      </a:accent2>
+      <a:accent3>
+        <a:srgbClr val="A5A5A5"/>
+      </a:accent3>
+      <a:accent4>
+        <a:srgbClr val="FFC000"/>
+      </a:accent4>
+      <a:accent5>
+        <a:srgbClr val="5B9BD5"/>
+      </a:accent5>
+      <a:accent6>
+        <a:srgbClr val="70AD47"/>
+      </a:accent6>
+      <a:hlink>
+        <a:srgbClr val="0563C1"/>
+      </a:hlink>
+      <a:folHlink>
+        <a:srgbClr val="954F72"/>
+      </a:folHlink>
+    </a:clrScheme>
+    <a:fontScheme name="Office">
+      <a:majorFont>
+        <a:latin typeface="Calibri Light" panose="020F0302020204030204"/>
+        <a:ea typeface=""/>
+        <a:cs typeface=""/>
+        <a:font script="Jpan" typeface="游ゴシック Light"/>
+        <a:font script="Hang" typeface="맑은 고딕"/>
+        <a:font script="Hans" typeface="等线 Light"/>
+        <a:font script="Hant" typeface="新細明體"/>
+        <a:font script="Arab" typeface="Times New Roman"/>
+        <a:font script="Hebr" typeface="Times New Roman"/>
+        <a:font script="Thai" typeface="Angsana New"/>
+        <a:font script="Ethi" typeface="Nyala"/>
+        <a:font script="Beng" typeface="Vrinda"/>
+        <a:font script="Gujr" typeface="Shruti"/>
+        <a:font script="Khmr" typeface="MoolBoran"/>
+        <a:font script="Knda" typeface="Tunga"/>
+        <a:font script="Guru" typeface="Raavi"/>
+        <a:font script="Cans" typeface="Euphemia"/>
+        <a:font script="Cher" typeface="Plantagenet Cherokee"/>
+        <a:font script="Yiii" typeface="Microsoft Yi Baiti"/>
+        <a:font script="Tibt" typeface="Microsoft Himalaya"/>
+        <a:font script="Thaa" typeface="MV Boli"/>
+        <a:font script="Deva" typeface="Mangal"/>
+        <a:font script="Telu" typeface="Gautami"/>
+        <a:font script="Taml" typeface="Latha"/>
+        <a:font script="Syrc" typeface="Estrangelo Edessa"/>
+        <a:font script="Orya" typeface="Kalinga"/>
+        <a:font script="Mlym" typeface="Kartika"/>
+        <a:font script="Laoo" typeface="DokChampa"/>
+        <a:font script="Sinh" typeface="Iskoola Pota"/>
+        <a:font script="Mong" typeface="Mongolian Baiti"/>
+        <a:font script="Viet" typeface="Times New Roman"/>
+        <a:font script="Uigh" typeface="Microsoft Uighur"/>
+        <a:font script="Geor" typeface="Sylfaen"/>
+        <a:font script="Armn" typeface="Arial"/>
+        <a:font script="Bugi" typeface="Leelawadee UI"/>
+        <a:font script="Bopo" typeface="Microsoft JhengHei"/>
+        <a:font script="Java" typeface="Javanese Text"/>
+        <a:font script="Lisu" typeface="Segoe UI"/>
+        <a:font script="Mymr" typeface="Myanmar Text"/>
+        <a:font script="Nkoo" typeface="Ebrima"/>
+        <a:font script="Olck" typeface="Nirmala UI"/>
+        <a:font script="Osma" typeface="Ebrima"/>
+        <a:font script="Phag" typeface="Phagspa"/>
+        <a:font script="Syrn" typeface="Estrangelo Edessa"/>
+        <a:font script="Syrj" typeface="Estrangelo Edessa"/>
+        <a:font script="Syre" typeface="Estrangelo Edessa"/>
+        <a:font script="Sora" typeface="Nirmala UI"/>
+        <a:font script="Tale" typeface="Microsoft Tai Le"/>
+        <a:font script="Talu" typeface="Microsoft New Tai Lue"/>
+        <a:font script="Tfng" typeface="Ebrima"/>
+      </a:majorFont>
+      <a:minorFont>
+        <a:latin typeface="Calibri" panose="020F0502020204030204"/>
+        <a:ea typeface=""/>
+        <a:cs typeface=""/>
+        <a:font script="Jpan" typeface="游ゴシック"/>
+        <a:font script="Hang" typeface="맑은 고딕"/>
+        <a:font script="Hans" typeface="等线"/>
+        <a:font script="Hant" typeface="新細明體"/>
+        <a:font script="Arab" typeface="Arial"/>
+        <a:font script="Hebr" typeface="Arial"/>
+        <a:font script="Thai" typeface="Cordia New"/>
+        <a:font script="Ethi" typeface="Nyala"/>
+        <a:font script="Beng" typeface="Vrinda"/>
+        <a:font script="Gujr" typeface="Shruti"/>
+        <a:font script="Khmr" typeface="DaunPenh"/>
+        <a:font script="Knda" typeface="Tunga"/>
+        <a:font script="Guru" typeface="Raavi"/>
+        <a:font script="Cans" typeface="Euphemia"/>
+        <a:font script="Cher" typeface="Plantagenet Cherokee"/>
+        <a:font script="Yiii" typeface="Microsoft Yi Baiti"/>
+        <a:font script="Tibt" typeface="Microsoft Himalaya"/>
+        <a:font script="Thaa" typeface="MV Boli"/>
+        <a:font script="Deva" typeface="Mangal"/>
+        <a:font script="Telu" typeface="Gautami"/>
+        <a:font script="Taml" typeface="Latha"/>
+        <a:font script="Syrc" typeface="Estrangelo Edessa"/>
+        <a:font script="Orya" typeface="Kalinga"/>
+        <a:font script="Mlym" typeface="Kartika"/>
+        <a:font script="Laoo" typeface="DokChampa"/>
+        <a:font script="Sinh" typeface="Iskoola Pota"/>
+        <a:font script="Mong" typeface="Mongolian Baiti"/>
+        <a:font script="Viet" typeface="Arial"/>
+        <a:font script="Uigh" typeface="Microsoft Uighur"/>
+        <a:font script="Geor" typeface="Sylfaen"/>
+        <a:font script="Armn" typeface="Arial"/>
+        <a:font script="Bugi" typeface="Leelawadee UI"/>
+        <a:font script="Bopo" typeface="Microsoft JhengHei"/>
+        <a:font script="Java" typeface="Javanese Text"/>
+        <a:font script="Lisu" typeface="Segoe UI"/>
+        <a:font script="Mymr" typeface="Myanmar Text"/>
+        <a:font script="Nkoo" typeface="Ebrima"/>
+        <a:font script="Olck" typeface="Nirmala UI"/>
+        <a:font script="Osma" typeface="Ebrima"/>
+        <a:font script="Phag" typeface="Phagspa"/>
+        <a:font script="Syrn" typeface="Estrangelo Edessa"/>
+        <a:font script="Syrj" typeface="Estrangelo Edessa"/>
+        <a:font script="Syre" typeface="Estrangelo Edessa"/>
+        <a:font script="Sora" typeface="Nirmala UI"/>
+        <a:font script="Tale" typeface="Microsoft Tai Le"/>
+        <a:font script="Talu" typeface="Microsoft New Tai Lue"/>
+        <a:font script="Tfng" typeface="Ebrima"/>
+      </a:minorFont>
+    </a:fontScheme>
+    <a:fmtScheme name="Office">
+      <a:fillStyleLst>
+        <a:solidFill>
+          <a:schemeClr val="phClr"/>
+        </a:solidFill>
+        <a:gradFill rotWithShape="1">
+          <a:gsLst>
+            <a:gs pos="0">
+              <a:schemeClr val="phClr">
+                <a:lumMod val="110000"/>
+                <a:satMod val="105000"/>
+                <a:tint val="67000"/>
+              </a:schemeClr>
+            </a:gs>
+            <a:gs pos="50000">
+              <a:schemeClr val="phClr">
+                <a:lumMod val="105000"/>
+                <a:satMod val="103000"/>
+                <a:tint val="73000"/>
+              </a:schemeClr>
+            </a:gs>
+            <a:gs pos="100000">
+              <a:schemeClr val="phClr">
+                <a:lumMod val="105000"/>
+                <a:satMod val="109000"/>
+                <a:tint val="81000"/>
+              </a:schemeClr>
+            </a:gs>
+          </a:gsLst>
+          <a:lin ang="5400000" scaled="0"/>
+        </a:gradFill>
+        <a:gradFill rotWithShape="1">
+          <a:gsLst>
+            <a:gs pos="0">
+              <a:schemeClr val="phClr">
+                <a:satMod val="103000"/>
+                <a:lumMod val="102000"/>
+                <a:tint val="94000"/>
+              </a:schemeClr>
+            </a:gs>
+            <a:gs pos="50000">
+              <a:schemeClr val="phClr">
+                <a:satMod val="110000"/>
+                <a:lumMod val="100000"/>
+                <a:shade val="100000"/>
+              </a:schemeClr>
+            </a:gs>
+            <a:gs pos="100000">
+              <a:schemeClr val="phClr">
+                <a:lumMod val="99000"/>
+                <a:satMod val="120000"/>
+                <a:shade val="78000"/>
+              </a:schemeClr>
+            </a:gs>
+          </a:gsLst>
+          <a:lin ang="5400000" scaled="0"/>
+        </a:gradFill>
+      </a:fillStyleLst>
+      <a:lnStyleLst>
+        <a:ln w="6350" cap="flat" cmpd="sng" algn="ctr">
+          <a:solidFill>
+            <a:schemeClr val="phClr"/>
+          </a:solidFill>
+          <a:prstDash val="solid"/>
+          <a:miter lim="800000"/>
+        </a:ln>
+        <a:ln w="12700" cap="flat" cmpd="sng" algn="ctr">
+          <a:solidFill>
+            <a:schemeClr val="phClr"/>
+          </a:solidFill>
+          <a:prstDash val="solid"/>
+          <a:miter lim="800000"/>
+        </a:ln>
+        <a:ln w="19050" cap="flat" cmpd="sng" algn="ctr">
+          <a:solidFill>
+            <a:schemeClr val="phClr"/>
+          </a:solidFill>
+          <a:prstDash val="solid"/>
+          <a:miter lim="800000"/>
+        </a:ln>
+      </a:lnStyleLst>
+      <a:effectStyleLst>
+        <a:effectStyle>
+          <a:effectLst/>
+        </a:effectStyle>
+        <a:effectStyle>
+          <a:effectLst/>
+        </a:effectStyle>
+        <a:effectStyle>
+          <a:effectLst>
+            <a:outerShdw blurRad="57150" dist="19050" dir="5400000" algn="ctr" rotWithShape="0">
+              <a:srgbClr val="000000">
+                <a:alpha val="63000"/>
+              </a:srgbClr>
+            </a:outerShdw>
+          </a:effectLst>
+        </a:effectStyle>
+      </a:effectStyleLst>
+      <a:bgFillStyleLst>
+        <a:solidFill>
+          <a:schemeClr val="phClr"/>
+        </a:solidFill>
+        <a:solidFill>
+          <a:schemeClr val="phClr">
+            <a:tint val="95000"/>
+            <a:satMod val="170000"/>
+          </a:schemeClr>
+        </a:solidFill>
+        <a:gradFill rotWithShape="1">
+          <a:gsLst>
+            <a:gs pos="0">
+              <a:schemeClr val="phClr">
+                <a:tint val="93000"/>
+                <a:satMod val="150000"/>
+                <a:shade val="98000"/>
+                <a:lumMod val="102000"/>
+              </a:schemeClr>
+            </a:gs>
+            <a:gs pos="50000">
+              <a:schemeClr val="phClr">
+                <a:tint val="98000"/>
+                <a:satMod val="130000"/>
+                <a:shade val="90000"/>
+                <a:lumMod val="103000"/>
+              </a:schemeClr>
+            </a:gs>
+            <a:gs pos="100000">
+              <a:schemeClr val="phClr">
+                <a:shade val="63000"/>
+                <a:satMod val="120000"/>
+              </a:schemeClr>
+            </a:gs>
+          </a:gsLst>
+          <a:lin ang="5400000" scaled="0"/>
+        </a:gradFill>
+      </a:bgFillStyleLst>
+    </a:fmtScheme>
+  </a:themeElements>
+  <a:objectDefaults/>
+  <a:extraClrSchemeLst/>
+  <a:extLst>
+    <a:ext uri="{05A4C25C-085E-4340-85A3-A5531E510DB2}">
+      <thm15:themeFamily xmlns:thm15="http://schemas.microsoft.com/office/thememl/2012/main" name="Office Theme" id="{62F939B6-93AF-4DB8-9C6B-D6C7DFDC589F}" vid="{4A3C46E8-61CC-4603-A589-7422A47A8E4A}"/>
+    </a:ext>
+  </a:extLst>
+</a:theme>
 </file>
--- a/Workplan for project/schets situatie.pptx
+++ b/Workplan for project/schets situatie.pptx
@@ -6648,8 +6648,8 @@
           </a:p>
         </p:txBody>
       </p:sp>
-      <mc:AlternateContent xmlns:mc="http://schemas.openxmlformats.org/markup-compatibility/2006">
-        <mc:Choice xmlns:a14="http://schemas.microsoft.com/office/drawing/2010/main" Requires="a14">
+      <mc:AlternateContent xmlns:mc="http://schemas.openxmlformats.org/markup-compatibility/2006" xmlns:a14="http://schemas.microsoft.com/office/drawing/2010/main">
+        <mc:Choice Requires="a14">
           <p:sp>
             <p:nvSpPr>
               <p:cNvPr id="7" name="TextBox 6">
@@ -6932,7 +6932,7 @@
             </p:txBody>
           </p:sp>
         </mc:Choice>
-        <mc:Fallback>
+        <mc:Fallback xmlns="">
           <p:sp>
             <p:nvSpPr>
               <p:cNvPr id="7" name="TextBox 6">
@@ -7383,8 +7383,8 @@
           </a:p>
         </p:txBody>
       </p:sp>
-      <mc:AlternateContent xmlns:mc="http://schemas.openxmlformats.org/markup-compatibility/2006">
-        <mc:Choice xmlns:a14="http://schemas.microsoft.com/office/drawing/2010/main" Requires="a14">
+      <mc:AlternateContent xmlns:mc="http://schemas.openxmlformats.org/markup-compatibility/2006" xmlns:a14="http://schemas.microsoft.com/office/drawing/2010/main">
+        <mc:Choice Requires="a14">
           <p:sp>
             <p:nvSpPr>
               <p:cNvPr id="4" name="Content Placeholder 3">
@@ -7826,7 +7826,7 @@
             </p:txBody>
           </p:sp>
         </mc:Choice>
-        <mc:Fallback>
+        <mc:Fallback xmlns="">
           <p:sp>
             <p:nvSpPr>
               <p:cNvPr id="4" name="Content Placeholder 3">
@@ -8014,8 +8014,8 @@
           </a:p>
         </p:txBody>
       </p:sp>
-      <mc:AlternateContent xmlns:mc="http://schemas.openxmlformats.org/markup-compatibility/2006">
-        <mc:Choice xmlns:a14="http://schemas.microsoft.com/office/drawing/2010/main" Requires="a14">
+      <mc:AlternateContent xmlns:mc="http://schemas.openxmlformats.org/markup-compatibility/2006" xmlns:a14="http://schemas.microsoft.com/office/drawing/2010/main">
+        <mc:Choice Requires="a14">
           <p:sp>
             <p:nvSpPr>
               <p:cNvPr id="4" name="Content Placeholder 3">
@@ -8729,7 +8729,7 @@
             </p:txBody>
           </p:sp>
         </mc:Choice>
-        <mc:Fallback>
+        <mc:Fallback xmlns="">
           <p:sp>
             <p:nvSpPr>
               <p:cNvPr id="4" name="Content Placeholder 3">

--- a/Workplan for project/schets situatie.pptx
+++ b/Workplan for project/schets situatie.pptx
@@ -5,19 +5,25 @@
     <p:sldMasterId id="2147483648" r:id="rId1"/>
   </p:sldMasterIdLst>
   <p:notesMasterIdLst>
-    <p:notesMasterId r:id="rId12"/>
+    <p:notesMasterId r:id="rId18"/>
   </p:notesMasterIdLst>
   <p:sldIdLst>
     <p:sldId id="256" r:id="rId2"/>
     <p:sldId id="257" r:id="rId3"/>
     <p:sldId id="258" r:id="rId4"/>
     <p:sldId id="259" r:id="rId5"/>
-    <p:sldId id="286" r:id="rId6"/>
-    <p:sldId id="295" r:id="rId7"/>
-    <p:sldId id="298" r:id="rId8"/>
-    <p:sldId id="260" r:id="rId9"/>
-    <p:sldId id="261" r:id="rId10"/>
-    <p:sldId id="262" r:id="rId11"/>
+    <p:sldId id="300" r:id="rId6"/>
+    <p:sldId id="299" r:id="rId7"/>
+    <p:sldId id="301" r:id="rId8"/>
+    <p:sldId id="302" r:id="rId9"/>
+    <p:sldId id="303" r:id="rId10"/>
+    <p:sldId id="286" r:id="rId11"/>
+    <p:sldId id="295" r:id="rId12"/>
+    <p:sldId id="298" r:id="rId13"/>
+    <p:sldId id="304" r:id="rId14"/>
+    <p:sldId id="260" r:id="rId15"/>
+    <p:sldId id="261" r:id="rId16"/>
+    <p:sldId id="262" r:id="rId17"/>
   </p:sldIdLst>
   <p:sldSz cx="12192000" cy="6858000"/>
   <p:notesSz cx="6858000" cy="9144000"/>
@@ -206,7 +212,7 @@
           <a:p>
             <a:fld id="{D3C13D3F-77C7-4BBB-A0B9-6F070966712D}" type="datetimeFigureOut">
               <a:rPr lang="nl-NL" smtClean="0"/>
-              <a:t>3-1-2024</a:t>
+              <a:t>8-1-2024</a:t>
             </a:fld>
             <a:endParaRPr lang="nl-NL"/>
           </a:p>
@@ -544,7 +550,7 @@
           <a:p>
             <a:fld id="{697381A9-0C9E-4D3A-A28B-AC4E168A57BC}" type="slidenum">
               <a:rPr lang="en-GB" smtClean="0"/>
-              <a:t>6</a:t>
+              <a:t>11</a:t>
             </a:fld>
             <a:endParaRPr lang="en-GB" dirty="0"/>
           </a:p>
@@ -712,7 +718,7 @@
           <a:p>
             <a:fld id="{74C2A7DE-DD20-4600-BA6D-0213E0EB52CA}" type="datetimeFigureOut">
               <a:rPr lang="en-NL" smtClean="0"/>
-              <a:t>01/03/2024</a:t>
+              <a:t>01/08/2024</a:t>
             </a:fld>
             <a:endParaRPr lang="en-NL"/>
           </a:p>
@@ -912,7 +918,7 @@
           <a:p>
             <a:fld id="{74C2A7DE-DD20-4600-BA6D-0213E0EB52CA}" type="datetimeFigureOut">
               <a:rPr lang="en-NL" smtClean="0"/>
-              <a:t>01/03/2024</a:t>
+              <a:t>01/08/2024</a:t>
             </a:fld>
             <a:endParaRPr lang="en-NL"/>
           </a:p>
@@ -1122,7 +1128,7 @@
           <a:p>
             <a:fld id="{74C2A7DE-DD20-4600-BA6D-0213E0EB52CA}" type="datetimeFigureOut">
               <a:rPr lang="en-NL" smtClean="0"/>
-              <a:t>01/03/2024</a:t>
+              <a:t>01/08/2024</a:t>
             </a:fld>
             <a:endParaRPr lang="en-NL"/>
           </a:p>
@@ -2054,7 +2060,7 @@
           <a:p>
             <a:fld id="{74C2A7DE-DD20-4600-BA6D-0213E0EB52CA}" type="datetimeFigureOut">
               <a:rPr lang="en-NL" smtClean="0"/>
-              <a:t>01/03/2024</a:t>
+              <a:t>01/08/2024</a:t>
             </a:fld>
             <a:endParaRPr lang="en-NL"/>
           </a:p>
@@ -2330,7 +2336,7 @@
           <a:p>
             <a:fld id="{74C2A7DE-DD20-4600-BA6D-0213E0EB52CA}" type="datetimeFigureOut">
               <a:rPr lang="en-NL" smtClean="0"/>
-              <a:t>01/03/2024</a:t>
+              <a:t>01/08/2024</a:t>
             </a:fld>
             <a:endParaRPr lang="en-NL"/>
           </a:p>
@@ -2598,7 +2604,7 @@
           <a:p>
             <a:fld id="{74C2A7DE-DD20-4600-BA6D-0213E0EB52CA}" type="datetimeFigureOut">
               <a:rPr lang="en-NL" smtClean="0"/>
-              <a:t>01/03/2024</a:t>
+              <a:t>01/08/2024</a:t>
             </a:fld>
             <a:endParaRPr lang="en-NL"/>
           </a:p>
@@ -3013,7 +3019,7 @@
           <a:p>
             <a:fld id="{74C2A7DE-DD20-4600-BA6D-0213E0EB52CA}" type="datetimeFigureOut">
               <a:rPr lang="en-NL" smtClean="0"/>
-              <a:t>01/03/2024</a:t>
+              <a:t>01/08/2024</a:t>
             </a:fld>
             <a:endParaRPr lang="en-NL"/>
           </a:p>
@@ -3155,7 +3161,7 @@
           <a:p>
             <a:fld id="{74C2A7DE-DD20-4600-BA6D-0213E0EB52CA}" type="datetimeFigureOut">
               <a:rPr lang="en-NL" smtClean="0"/>
-              <a:t>01/03/2024</a:t>
+              <a:t>01/08/2024</a:t>
             </a:fld>
             <a:endParaRPr lang="en-NL"/>
           </a:p>
@@ -3268,7 +3274,7 @@
           <a:p>
             <a:fld id="{74C2A7DE-DD20-4600-BA6D-0213E0EB52CA}" type="datetimeFigureOut">
               <a:rPr lang="en-NL" smtClean="0"/>
-              <a:t>01/03/2024</a:t>
+              <a:t>01/08/2024</a:t>
             </a:fld>
             <a:endParaRPr lang="en-NL"/>
           </a:p>
@@ -3581,7 +3587,7 @@
           <a:p>
             <a:fld id="{74C2A7DE-DD20-4600-BA6D-0213E0EB52CA}" type="datetimeFigureOut">
               <a:rPr lang="en-NL" smtClean="0"/>
-              <a:t>01/03/2024</a:t>
+              <a:t>01/08/2024</a:t>
             </a:fld>
             <a:endParaRPr lang="en-NL"/>
           </a:p>
@@ -3870,7 +3876,7 @@
           <a:p>
             <a:fld id="{74C2A7DE-DD20-4600-BA6D-0213E0EB52CA}" type="datetimeFigureOut">
               <a:rPr lang="en-NL" smtClean="0"/>
-              <a:t>01/03/2024</a:t>
+              <a:t>01/08/2024</a:t>
             </a:fld>
             <a:endParaRPr lang="en-NL"/>
           </a:p>
@@ -4113,7 +4119,7 @@
           <a:p>
             <a:fld id="{74C2A7DE-DD20-4600-BA6D-0213E0EB52CA}" type="datetimeFigureOut">
               <a:rPr lang="en-NL" smtClean="0"/>
-              <a:t>01/03/2024</a:t>
+              <a:t>01/08/2024</a:t>
             </a:fld>
             <a:endParaRPr lang="en-NL"/>
           </a:p>
@@ -4623,6 +4629,4128 @@
       </p:grpSpPr>
       <p:sp>
         <p:nvSpPr>
+          <p:cNvPr id="2" name="Slide Number Placeholder 1">
+            <a:extLst>
+              <a:ext uri="{FF2B5EF4-FFF2-40B4-BE49-F238E27FC236}">
+                <a16:creationId xmlns:a16="http://schemas.microsoft.com/office/drawing/2014/main" id="{652DD745-20B6-D051-7B3B-332B6FCC2511}"/>
+              </a:ext>
+            </a:extLst>
+          </p:cNvPr>
+          <p:cNvSpPr>
+            <a:spLocks noGrp="1"/>
+          </p:cNvSpPr>
+          <p:nvPr>
+            <p:ph type="sldNum" sz="quarter" idx="17"/>
+          </p:nvPr>
+        </p:nvSpPr>
+        <p:spPr/>
+        <p:txBody>
+          <a:bodyPr/>
+          <a:lstStyle/>
+          <a:p>
+            <a:fld id="{1336C48C-F87C-4E4B-81EF-5027B17D1F61}" type="slidenum">
+              <a:rPr lang="en-GB" noProof="1" smtClean="0"/>
+              <a:t>10</a:t>
+            </a:fld>
+            <a:endParaRPr lang="en-GB" noProof="1"/>
+          </a:p>
+        </p:txBody>
+      </p:sp>
+      <p:sp>
+        <p:nvSpPr>
+          <p:cNvPr id="4" name="Content Placeholder 3">
+            <a:extLst>
+              <a:ext uri="{FF2B5EF4-FFF2-40B4-BE49-F238E27FC236}">
+                <a16:creationId xmlns:a16="http://schemas.microsoft.com/office/drawing/2014/main" id="{D8D76D20-D253-2715-603A-7624AC5C6FF1}"/>
+              </a:ext>
+            </a:extLst>
+          </p:cNvPr>
+          <p:cNvSpPr>
+            <a:spLocks noGrp="1"/>
+          </p:cNvSpPr>
+          <p:nvPr>
+            <p:ph sz="quarter" idx="13"/>
+          </p:nvPr>
+        </p:nvSpPr>
+        <p:spPr>
+          <a:xfrm>
+            <a:off x="912724" y="2030044"/>
+            <a:ext cx="6695050" cy="3882309"/>
+          </a:xfrm>
+        </p:spPr>
+        <p:txBody>
+          <a:bodyPr>
+            <a:normAutofit fontScale="92500" lnSpcReduction="20000"/>
+          </a:bodyPr>
+          <a:lstStyle/>
+          <a:p>
+            <a:pPr marL="342797" indent="-342797">
+              <a:buFont typeface="Arial" panose="020B0604020202020204" pitchFamily="34" charset="0"/>
+              <a:buChar char="•"/>
+            </a:pPr>
+            <a:r>
+              <a:rPr lang="nl-NL" dirty="0"/>
+              <a:t> Follows </a:t>
+            </a:r>
+            <a:r>
+              <a:rPr lang="nl-NL" dirty="0" err="1"/>
+              <a:t>from</a:t>
+            </a:r>
+            <a:r>
+              <a:rPr lang="nl-NL" dirty="0"/>
+              <a:t> maximum </a:t>
+            </a:r>
+            <a:r>
+              <a:rPr lang="nl-NL" dirty="0" err="1"/>
+              <a:t>infiltration</a:t>
+            </a:r>
+            <a:r>
+              <a:rPr lang="nl-NL" dirty="0"/>
+              <a:t> </a:t>
+            </a:r>
+            <a:r>
+              <a:rPr lang="nl-NL" dirty="0" err="1"/>
+              <a:t>pressure</a:t>
+            </a:r>
+            <a:r>
+              <a:rPr lang="nl-NL" dirty="0"/>
+              <a:t>:</a:t>
+            </a:r>
+          </a:p>
+          <a:p>
+            <a:pPr marL="612824" lvl="5" indent="-342797"/>
+            <a:r>
+              <a:rPr lang="nl-NL" dirty="0"/>
+              <a:t>			                    </a:t>
+            </a:r>
+            <a:br>
+              <a:rPr lang="nl-NL" dirty="0"/>
+            </a:br>
+            <a:r>
+              <a:rPr lang="nl-NL" dirty="0"/>
+              <a:t>			 (De Glee)</a:t>
+            </a:r>
+          </a:p>
+          <a:p>
+            <a:pPr marL="612824" lvl="5" indent="-342797"/>
+            <a:endParaRPr lang="nl-NL" dirty="0"/>
+          </a:p>
+          <a:p>
+            <a:endParaRPr lang="nl-NL" dirty="0"/>
+          </a:p>
+          <a:p>
+            <a:pPr marL="882635" lvl="3" indent="-342797"/>
+            <a:r>
+              <a:rPr lang="nl-NL" sz="1600" i="1" dirty="0"/>
+              <a:t>k</a:t>
+            </a:r>
+            <a:r>
+              <a:rPr lang="nl-NL" sz="1600" dirty="0"/>
+              <a:t> = </a:t>
+            </a:r>
+            <a:r>
+              <a:rPr lang="nl-NL" sz="1600" dirty="0" err="1"/>
+              <a:t>hydraulic</a:t>
+            </a:r>
+            <a:r>
+              <a:rPr lang="nl-NL" sz="1600" dirty="0"/>
+              <a:t> </a:t>
+            </a:r>
+            <a:r>
+              <a:rPr lang="nl-NL" sz="1600" dirty="0" err="1"/>
+              <a:t>conducitivity</a:t>
+            </a:r>
+            <a:r>
+              <a:rPr lang="nl-NL" sz="1600" dirty="0"/>
+              <a:t> of </a:t>
+            </a:r>
+            <a:r>
+              <a:rPr lang="nl-NL" sz="1600" dirty="0" err="1"/>
+              <a:t>aquifer</a:t>
+            </a:r>
+            <a:r>
+              <a:rPr lang="nl-NL" sz="1600" dirty="0"/>
+              <a:t> (m/d)</a:t>
+            </a:r>
+          </a:p>
+          <a:p>
+            <a:pPr marL="882635" lvl="3" indent="-342797"/>
+            <a:r>
+              <a:rPr lang="nl-NL" sz="1600" i="1" dirty="0"/>
+              <a:t>D</a:t>
+            </a:r>
+            <a:r>
+              <a:rPr lang="nl-NL" sz="1600" dirty="0"/>
+              <a:t> = </a:t>
+            </a:r>
+            <a:r>
+              <a:rPr lang="nl-NL" sz="1600" dirty="0" err="1"/>
+              <a:t>thickness</a:t>
+            </a:r>
+            <a:r>
+              <a:rPr lang="nl-NL" sz="1600" dirty="0"/>
+              <a:t> of </a:t>
+            </a:r>
+            <a:r>
+              <a:rPr lang="nl-NL" sz="1600" dirty="0" err="1"/>
+              <a:t>aquifer</a:t>
+            </a:r>
+            <a:r>
+              <a:rPr lang="nl-NL" sz="1600" dirty="0"/>
+              <a:t> (m)</a:t>
+            </a:r>
+          </a:p>
+          <a:p>
+            <a:pPr marL="882635" lvl="3" indent="-342797"/>
+            <a:r>
+              <a:rPr lang="nl-NL" sz="1600" i="1" dirty="0"/>
+              <a:t>c</a:t>
+            </a:r>
+            <a:r>
+              <a:rPr lang="nl-NL" sz="1600" dirty="0"/>
+              <a:t> = </a:t>
+            </a:r>
+            <a:r>
+              <a:rPr lang="nl-NL" sz="1600" dirty="0" err="1"/>
+              <a:t>hydraulic</a:t>
+            </a:r>
+            <a:r>
+              <a:rPr lang="nl-NL" sz="1600" dirty="0"/>
+              <a:t> </a:t>
+            </a:r>
+            <a:r>
+              <a:rPr lang="nl-NL" sz="1600" dirty="0" err="1"/>
+              <a:t>resistance</a:t>
+            </a:r>
+            <a:r>
+              <a:rPr lang="nl-NL" sz="1600" dirty="0"/>
+              <a:t> of </a:t>
+            </a:r>
+            <a:r>
+              <a:rPr lang="nl-NL" sz="1600" dirty="0" err="1"/>
+              <a:t>confining</a:t>
+            </a:r>
+            <a:r>
+              <a:rPr lang="nl-NL" sz="1600" dirty="0"/>
+              <a:t> layer (d)</a:t>
+            </a:r>
+          </a:p>
+          <a:p>
+            <a:pPr marL="882635" lvl="3" indent="-342797"/>
+            <a:r>
+              <a:rPr lang="nl-NL" sz="1600" i="1" dirty="0" err="1"/>
+              <a:t>r</a:t>
+            </a:r>
+            <a:r>
+              <a:rPr lang="nl-NL" sz="1600" i="1" baseline="-25000" dirty="0" err="1"/>
+              <a:t>well</a:t>
+            </a:r>
+            <a:r>
+              <a:rPr lang="nl-NL" sz="1600" dirty="0"/>
+              <a:t> = well radius (m)</a:t>
+            </a:r>
+          </a:p>
+          <a:p>
+            <a:pPr marL="882635" lvl="3" indent="-342797"/>
+            <a:r>
+              <a:rPr lang="nl-NL" sz="1600" i="1" dirty="0" err="1"/>
+              <a:t>h</a:t>
+            </a:r>
+            <a:r>
+              <a:rPr lang="nl-NL" sz="1600" i="1" baseline="-25000" dirty="0" err="1"/>
+              <a:t>in</a:t>
+            </a:r>
+            <a:r>
+              <a:rPr lang="nl-NL" sz="1600" dirty="0"/>
+              <a:t> = </a:t>
+            </a:r>
+            <a:r>
+              <a:rPr lang="nl-NL" sz="1600" dirty="0" err="1"/>
+              <a:t>infiltration</a:t>
+            </a:r>
+            <a:r>
+              <a:rPr lang="nl-NL" sz="1600" dirty="0"/>
+              <a:t> head (m + land </a:t>
+            </a:r>
+            <a:r>
+              <a:rPr lang="nl-NL" sz="1600" dirty="0" err="1"/>
+              <a:t>surface</a:t>
+            </a:r>
+            <a:r>
+              <a:rPr lang="nl-NL" sz="1600" dirty="0"/>
+              <a:t>)</a:t>
+            </a:r>
+          </a:p>
+          <a:p>
+            <a:pPr marL="882635" lvl="3" indent="-342797"/>
+            <a:r>
+              <a:rPr lang="nl-NL" sz="1600" i="1" dirty="0"/>
+              <a:t>h</a:t>
+            </a:r>
+            <a:r>
+              <a:rPr lang="nl-NL" sz="1600" i="1" baseline="-25000" dirty="0"/>
+              <a:t>0</a:t>
+            </a:r>
+            <a:r>
+              <a:rPr lang="nl-NL" sz="1600" dirty="0"/>
+              <a:t> = </a:t>
+            </a:r>
+            <a:r>
+              <a:rPr lang="nl-NL" sz="1600" dirty="0" err="1"/>
+              <a:t>natural</a:t>
+            </a:r>
+            <a:r>
+              <a:rPr lang="nl-NL" sz="1600" dirty="0"/>
+              <a:t> </a:t>
+            </a:r>
+            <a:r>
+              <a:rPr lang="nl-NL" sz="1600" dirty="0" err="1"/>
+              <a:t>hydraulic</a:t>
+            </a:r>
+            <a:r>
+              <a:rPr lang="nl-NL" sz="1600" dirty="0"/>
+              <a:t> head in </a:t>
+            </a:r>
+            <a:r>
+              <a:rPr lang="nl-NL" sz="1600" dirty="0" err="1"/>
+              <a:t>aquifer</a:t>
+            </a:r>
+            <a:r>
+              <a:rPr lang="nl-NL" sz="1600" dirty="0"/>
+              <a:t> (m + land </a:t>
+            </a:r>
+            <a:r>
+              <a:rPr lang="nl-NL" sz="1600" dirty="0" err="1"/>
+              <a:t>surface</a:t>
+            </a:r>
+            <a:r>
+              <a:rPr lang="nl-NL" sz="1600" dirty="0"/>
+              <a:t>)</a:t>
+            </a:r>
+          </a:p>
+          <a:p>
+            <a:pPr lvl="3" indent="0">
+              <a:buNone/>
+            </a:pPr>
+            <a:endParaRPr lang="nl-NL" sz="1600" dirty="0"/>
+          </a:p>
+          <a:p>
+            <a:pPr marL="342797" indent="-342797">
+              <a:buFont typeface="Arial" panose="020B0604020202020204" pitchFamily="34" charset="0"/>
+              <a:buChar char="•"/>
+            </a:pPr>
+            <a:r>
+              <a:rPr lang="nl-NL" dirty="0"/>
+              <a:t>In </a:t>
+            </a:r>
+            <a:r>
+              <a:rPr lang="nl-NL" dirty="0" err="1"/>
+              <a:t>practice</a:t>
+            </a:r>
+            <a:r>
+              <a:rPr lang="nl-NL" dirty="0"/>
+              <a:t>: </a:t>
+            </a:r>
+            <a:r>
+              <a:rPr lang="nl-NL" dirty="0" err="1"/>
+              <a:t>decreases</a:t>
+            </a:r>
+            <a:r>
+              <a:rPr lang="nl-NL" dirty="0"/>
+              <a:t> </a:t>
+            </a:r>
+            <a:r>
+              <a:rPr lang="nl-NL" dirty="0" err="1"/>
+              <a:t>due</a:t>
+            </a:r>
+            <a:r>
+              <a:rPr lang="nl-NL" dirty="0"/>
+              <a:t> </a:t>
+            </a:r>
+            <a:r>
+              <a:rPr lang="nl-NL" dirty="0" err="1"/>
+              <a:t>to</a:t>
+            </a:r>
+            <a:r>
+              <a:rPr lang="nl-NL" dirty="0"/>
+              <a:t> </a:t>
+            </a:r>
+            <a:br>
+              <a:rPr lang="nl-NL" dirty="0"/>
+            </a:br>
+            <a:r>
+              <a:rPr lang="nl-NL" dirty="0" err="1"/>
+              <a:t>gradual</a:t>
+            </a:r>
+            <a:r>
+              <a:rPr lang="nl-NL" dirty="0"/>
+              <a:t> well clogging</a:t>
+            </a:r>
+          </a:p>
+          <a:p>
+            <a:pPr marL="342797" indent="-342797">
+              <a:buFont typeface="Arial" panose="020B0604020202020204" pitchFamily="34" charset="0"/>
+              <a:buChar char="•"/>
+            </a:pPr>
+            <a:endParaRPr lang="nl-NL" dirty="0"/>
+          </a:p>
+          <a:p>
+            <a:pPr marL="342797" indent="-342797">
+              <a:buFont typeface="Arial" panose="020B0604020202020204" pitchFamily="34" charset="0"/>
+              <a:buChar char="•"/>
+            </a:pPr>
+            <a:endParaRPr lang="nl-NL" dirty="0"/>
+          </a:p>
+        </p:txBody>
+      </p:sp>
+      <mc:AlternateContent xmlns:mc="http://schemas.openxmlformats.org/markup-compatibility/2006" xmlns:a14="http://schemas.microsoft.com/office/drawing/2010/main">
+        <mc:Choice Requires="a14">
+          <p:sp>
+            <p:nvSpPr>
+              <p:cNvPr id="7" name="TextBox 6">
+                <a:extLst>
+                  <a:ext uri="{FF2B5EF4-FFF2-40B4-BE49-F238E27FC236}">
+                    <a16:creationId xmlns:a16="http://schemas.microsoft.com/office/drawing/2014/main" id="{5ED0CC0B-7D2D-204D-5A4F-84933D855A46}"/>
+                  </a:ext>
+                </a:extLst>
+              </p:cNvPr>
+              <p:cNvSpPr txBox="1"/>
+              <p:nvPr/>
+            </p:nvSpPr>
+            <p:spPr>
+              <a:xfrm>
+                <a:off x="1274090" y="2560464"/>
+                <a:ext cx="2257979" cy="940525"/>
+              </a:xfrm>
+              <a:prstGeom prst="rect">
+                <a:avLst/>
+              </a:prstGeom>
+              <a:noFill/>
+            </p:spPr>
+            <p:txBody>
+              <a:bodyPr wrap="none" lIns="0" tIns="0" rIns="0" bIns="0" rtlCol="0">
+                <a:spAutoFit/>
+              </a:bodyPr>
+              <a:lstStyle/>
+              <a:p>
+                <a:pPr/>
+                <a14:m>
+                  <m:oMathPara xmlns:m="http://schemas.openxmlformats.org/officeDocument/2006/math">
+                    <m:oMathParaPr>
+                      <m:jc m:val="centerGroup"/>
+                    </m:oMathParaPr>
+                    <m:oMath xmlns:m="http://schemas.openxmlformats.org/officeDocument/2006/math">
+                      <m:sSub>
+                        <m:sSubPr>
+                          <m:ctrlPr>
+                            <a:rPr lang="nl-NL" sz="1799" i="1">
+                              <a:latin typeface="Cambria Math" panose="02040503050406030204" pitchFamily="18" charset="0"/>
+                            </a:rPr>
+                          </m:ctrlPr>
+                        </m:sSubPr>
+                        <m:e>
+                          <m:r>
+                            <a:rPr lang="nl-NL" sz="1799" i="1">
+                              <a:latin typeface="Cambria Math" panose="02040503050406030204" pitchFamily="18" charset="0"/>
+                            </a:rPr>
+                            <m:t>𝑄</m:t>
+                          </m:r>
+                        </m:e>
+                        <m:sub>
+                          <m:r>
+                            <a:rPr lang="nl-NL" sz="1799" i="1">
+                              <a:latin typeface="Cambria Math" panose="02040503050406030204" pitchFamily="18" charset="0"/>
+                            </a:rPr>
+                            <m:t>𝑖𝑛</m:t>
+                          </m:r>
+                        </m:sub>
+                      </m:sSub>
+                      <m:r>
+                        <a:rPr lang="nl-NL" sz="1799" i="1">
+                          <a:latin typeface="Cambria Math" panose="02040503050406030204" pitchFamily="18" charset="0"/>
+                        </a:rPr>
+                        <m:t>=</m:t>
+                      </m:r>
+                      <m:f>
+                        <m:fPr>
+                          <m:ctrlPr>
+                            <a:rPr lang="nl-NL" sz="1799" i="1">
+                              <a:latin typeface="Cambria Math" panose="02040503050406030204" pitchFamily="18" charset="0"/>
+                              <a:ea typeface="Cambria Math" panose="02040503050406030204" pitchFamily="18" charset="0"/>
+                            </a:rPr>
+                          </m:ctrlPr>
+                        </m:fPr>
+                        <m:num>
+                          <m:r>
+                            <a:rPr lang="nl-NL" sz="1799" i="1">
+                              <a:latin typeface="Cambria Math" panose="02040503050406030204" pitchFamily="18" charset="0"/>
+                            </a:rPr>
+                            <m:t>2</m:t>
+                          </m:r>
+                          <m:r>
+                            <a:rPr lang="nl-NL" sz="1799" i="1">
+                              <a:latin typeface="Cambria Math" panose="02040503050406030204" pitchFamily="18" charset="0"/>
+                              <a:ea typeface="Cambria Math" panose="02040503050406030204" pitchFamily="18" charset="0"/>
+                            </a:rPr>
+                            <m:t>𝜋</m:t>
+                          </m:r>
+                          <m:r>
+                            <a:rPr lang="nl-NL" sz="1799" i="1">
+                              <a:latin typeface="Cambria Math" panose="02040503050406030204" pitchFamily="18" charset="0"/>
+                              <a:ea typeface="Cambria Math" panose="02040503050406030204" pitchFamily="18" charset="0"/>
+                            </a:rPr>
+                            <m:t>𝑘𝐷</m:t>
+                          </m:r>
+                          <m:d>
+                            <m:dPr>
+                              <m:ctrlPr>
+                                <a:rPr lang="nl-NL" sz="1799" i="1">
+                                  <a:latin typeface="Cambria Math" panose="02040503050406030204" pitchFamily="18" charset="0"/>
+                                  <a:ea typeface="Cambria Math" panose="02040503050406030204" pitchFamily="18" charset="0"/>
+                                </a:rPr>
+                              </m:ctrlPr>
+                            </m:dPr>
+                            <m:e>
+                              <m:sSub>
+                                <m:sSubPr>
+                                  <m:ctrlPr>
+                                    <a:rPr lang="nl-NL" sz="1799" i="1">
+                                      <a:latin typeface="Cambria Math" panose="02040503050406030204" pitchFamily="18" charset="0"/>
+                                      <a:ea typeface="Cambria Math" panose="02040503050406030204" pitchFamily="18" charset="0"/>
+                                    </a:rPr>
+                                  </m:ctrlPr>
+                                </m:sSubPr>
+                                <m:e>
+                                  <m:r>
+                                    <a:rPr lang="nl-NL" sz="1799" i="1">
+                                      <a:latin typeface="Cambria Math" panose="02040503050406030204" pitchFamily="18" charset="0"/>
+                                      <a:ea typeface="Cambria Math" panose="02040503050406030204" pitchFamily="18" charset="0"/>
+                                    </a:rPr>
+                                    <m:t>h</m:t>
+                                  </m:r>
+                                </m:e>
+                                <m:sub>
+                                  <m:r>
+                                    <a:rPr lang="nl-NL" sz="1799" i="1">
+                                      <a:latin typeface="Cambria Math" panose="02040503050406030204" pitchFamily="18" charset="0"/>
+                                      <a:ea typeface="Cambria Math" panose="02040503050406030204" pitchFamily="18" charset="0"/>
+                                    </a:rPr>
+                                    <m:t>𝑖𝑛</m:t>
+                                  </m:r>
+                                </m:sub>
+                              </m:sSub>
+                              <m:r>
+                                <a:rPr lang="nl-NL" sz="1799" i="1">
+                                  <a:latin typeface="Cambria Math" panose="02040503050406030204" pitchFamily="18" charset="0"/>
+                                  <a:ea typeface="Cambria Math" panose="02040503050406030204" pitchFamily="18" charset="0"/>
+                                </a:rPr>
+                                <m:t>−</m:t>
+                              </m:r>
+                              <m:sSub>
+                                <m:sSubPr>
+                                  <m:ctrlPr>
+                                    <a:rPr lang="nl-NL" sz="1799" i="1">
+                                      <a:latin typeface="Cambria Math" panose="02040503050406030204" pitchFamily="18" charset="0"/>
+                                      <a:ea typeface="Cambria Math" panose="02040503050406030204" pitchFamily="18" charset="0"/>
+                                    </a:rPr>
+                                  </m:ctrlPr>
+                                </m:sSubPr>
+                                <m:e>
+                                  <m:r>
+                                    <a:rPr lang="nl-NL" sz="1799" i="1">
+                                      <a:latin typeface="Cambria Math" panose="02040503050406030204" pitchFamily="18" charset="0"/>
+                                      <a:ea typeface="Cambria Math" panose="02040503050406030204" pitchFamily="18" charset="0"/>
+                                    </a:rPr>
+                                    <m:t>h</m:t>
+                                  </m:r>
+                                </m:e>
+                                <m:sub>
+                                  <m:r>
+                                    <a:rPr lang="nl-NL" sz="1799" i="1">
+                                      <a:latin typeface="Cambria Math" panose="02040503050406030204" pitchFamily="18" charset="0"/>
+                                      <a:ea typeface="Cambria Math" panose="02040503050406030204" pitchFamily="18" charset="0"/>
+                                    </a:rPr>
+                                    <m:t>𝑜</m:t>
+                                  </m:r>
+                                </m:sub>
+                              </m:sSub>
+                            </m:e>
+                          </m:d>
+                        </m:num>
+                        <m:den>
+                          <m:func>
+                            <m:funcPr>
+                              <m:ctrlPr>
+                                <a:rPr lang="nl-NL" sz="1799" i="1">
+                                  <a:latin typeface="Cambria Math" panose="02040503050406030204" pitchFamily="18" charset="0"/>
+                                  <a:ea typeface="Cambria Math" panose="02040503050406030204" pitchFamily="18" charset="0"/>
+                                </a:rPr>
+                              </m:ctrlPr>
+                            </m:funcPr>
+                            <m:fName>
+                              <m:r>
+                                <m:rPr>
+                                  <m:sty m:val="p"/>
+                                </m:rPr>
+                                <a:rPr lang="nl-NL" sz="1799">
+                                  <a:latin typeface="Cambria Math" panose="02040503050406030204" pitchFamily="18" charset="0"/>
+                                  <a:ea typeface="Cambria Math" panose="02040503050406030204" pitchFamily="18" charset="0"/>
+                                </a:rPr>
+                                <m:t>ln</m:t>
+                              </m:r>
+                            </m:fName>
+                            <m:e>
+                              <m:d>
+                                <m:dPr>
+                                  <m:ctrlPr>
+                                    <a:rPr lang="nl-NL" sz="1799" i="1">
+                                      <a:latin typeface="Cambria Math" panose="02040503050406030204" pitchFamily="18" charset="0"/>
+                                      <a:ea typeface="Cambria Math" panose="02040503050406030204" pitchFamily="18" charset="0"/>
+                                    </a:rPr>
+                                  </m:ctrlPr>
+                                </m:dPr>
+                                <m:e>
+                                  <m:f>
+                                    <m:fPr>
+                                      <m:ctrlPr>
+                                        <a:rPr lang="nl-NL" sz="1799" i="1">
+                                          <a:latin typeface="Cambria Math" panose="02040503050406030204" pitchFamily="18" charset="0"/>
+                                          <a:ea typeface="Cambria Math" panose="02040503050406030204" pitchFamily="18" charset="0"/>
+                                        </a:rPr>
+                                      </m:ctrlPr>
+                                    </m:fPr>
+                                    <m:num>
+                                      <m:rad>
+                                        <m:radPr>
+                                          <m:degHide m:val="on"/>
+                                          <m:ctrlPr>
+                                            <a:rPr lang="nl-NL" sz="1799" i="1">
+                                              <a:latin typeface="Cambria Math" panose="02040503050406030204" pitchFamily="18" charset="0"/>
+                                              <a:ea typeface="Cambria Math" panose="02040503050406030204" pitchFamily="18" charset="0"/>
+                                            </a:rPr>
+                                          </m:ctrlPr>
+                                        </m:radPr>
+                                        <m:deg/>
+                                        <m:e>
+                                          <m:r>
+                                            <a:rPr lang="nl-NL" sz="1799" i="1">
+                                              <a:latin typeface="Cambria Math" panose="02040503050406030204" pitchFamily="18" charset="0"/>
+                                              <a:ea typeface="Cambria Math" panose="02040503050406030204" pitchFamily="18" charset="0"/>
+                                            </a:rPr>
+                                            <m:t>𝑘𝐷𝑐</m:t>
+                                          </m:r>
+                                        </m:e>
+                                      </m:rad>
+                                    </m:num>
+                                    <m:den>
+                                      <m:sSub>
+                                        <m:sSubPr>
+                                          <m:ctrlPr>
+                                            <a:rPr lang="nl-NL" sz="1799" i="1">
+                                              <a:latin typeface="Cambria Math" panose="02040503050406030204" pitchFamily="18" charset="0"/>
+                                              <a:ea typeface="Cambria Math" panose="02040503050406030204" pitchFamily="18" charset="0"/>
+                                            </a:rPr>
+                                          </m:ctrlPr>
+                                        </m:sSubPr>
+                                        <m:e>
+                                          <m:r>
+                                            <a:rPr lang="nl-NL" sz="1799" i="1">
+                                              <a:latin typeface="Cambria Math" panose="02040503050406030204" pitchFamily="18" charset="0"/>
+                                              <a:ea typeface="Cambria Math" panose="02040503050406030204" pitchFamily="18" charset="0"/>
+                                            </a:rPr>
+                                            <m:t>𝑟</m:t>
+                                          </m:r>
+                                        </m:e>
+                                        <m:sub>
+                                          <m:r>
+                                            <a:rPr lang="nl-NL" sz="1799" i="1">
+                                              <a:latin typeface="Cambria Math" panose="02040503050406030204" pitchFamily="18" charset="0"/>
+                                              <a:ea typeface="Cambria Math" panose="02040503050406030204" pitchFamily="18" charset="0"/>
+                                            </a:rPr>
+                                            <m:t>𝑤𝑒𝑙𝑙</m:t>
+                                          </m:r>
+                                        </m:sub>
+                                      </m:sSub>
+                                    </m:den>
+                                  </m:f>
+                                </m:e>
+                              </m:d>
+                            </m:e>
+                          </m:func>
+                        </m:den>
+                      </m:f>
+                    </m:oMath>
+                  </m:oMathPara>
+                </a14:m>
+                <a:endParaRPr lang="nl-NL" sz="1799" dirty="0" err="1"/>
+              </a:p>
+            </p:txBody>
+          </p:sp>
+        </mc:Choice>
+        <mc:Fallback xmlns="">
+          <p:sp>
+            <p:nvSpPr>
+              <p:cNvPr id="7" name="TextBox 6">
+                <a:extLst>
+                  <a:ext uri="{FF2B5EF4-FFF2-40B4-BE49-F238E27FC236}">
+                    <a16:creationId xmlns:a16="http://schemas.microsoft.com/office/drawing/2014/main" id="{5ED0CC0B-7D2D-204D-5A4F-84933D855A46}"/>
+                  </a:ext>
+                </a:extLst>
+              </p:cNvPr>
+              <p:cNvSpPr txBox="1">
+                <a:spLocks noRot="1" noChangeAspect="1" noMove="1" noResize="1" noEditPoints="1" noAdjustHandles="1" noChangeArrowheads="1" noChangeShapeType="1" noTextEdit="1"/>
+              </p:cNvSpPr>
+              <p:nvPr/>
+            </p:nvSpPr>
+            <p:spPr>
+              <a:xfrm>
+                <a:off x="1274090" y="2560464"/>
+                <a:ext cx="2257979" cy="940525"/>
+              </a:xfrm>
+              <a:prstGeom prst="rect">
+                <a:avLst/>
+              </a:prstGeom>
+              <a:blipFill>
+                <a:blip r:embed="rId2"/>
+                <a:stretch>
+                  <a:fillRect/>
+                </a:stretch>
+              </a:blipFill>
+            </p:spPr>
+            <p:txBody>
+              <a:bodyPr/>
+              <a:lstStyle/>
+              <a:p>
+                <a:r>
+                  <a:rPr lang="nl-NL">
+                    <a:noFill/>
+                  </a:rPr>
+                  <a:t> </a:t>
+                </a:r>
+              </a:p>
+            </p:txBody>
+          </p:sp>
+        </mc:Fallback>
+      </mc:AlternateContent>
+      <p:sp>
+        <p:nvSpPr>
+          <p:cNvPr id="11" name="Title 4">
+            <a:extLst>
+              <a:ext uri="{FF2B5EF4-FFF2-40B4-BE49-F238E27FC236}">
+                <a16:creationId xmlns:a16="http://schemas.microsoft.com/office/drawing/2014/main" id="{7F6E615B-D1A7-D154-A930-BE69CE42B1FA}"/>
+              </a:ext>
+            </a:extLst>
+          </p:cNvPr>
+          <p:cNvSpPr>
+            <a:spLocks noGrp="1"/>
+          </p:cNvSpPr>
+          <p:nvPr>
+            <p:ph type="title"/>
+          </p:nvPr>
+        </p:nvSpPr>
+        <p:spPr>
+          <a:xfrm>
+            <a:off x="893690" y="899411"/>
+            <a:ext cx="9465535" cy="981820"/>
+          </a:xfrm>
+        </p:spPr>
+        <p:txBody>
+          <a:bodyPr/>
+          <a:lstStyle/>
+          <a:p>
+            <a:r>
+              <a:rPr lang="nl-NL" dirty="0"/>
+              <a:t>Maximum </a:t>
+            </a:r>
+            <a:r>
+              <a:rPr lang="nl-NL" dirty="0" err="1"/>
+              <a:t>infiltration</a:t>
+            </a:r>
+            <a:r>
+              <a:rPr lang="nl-NL" dirty="0"/>
+              <a:t> rate</a:t>
+            </a:r>
+          </a:p>
+        </p:txBody>
+      </p:sp>
+      <p:sp>
+        <p:nvSpPr>
+          <p:cNvPr id="3" name="TextBox 2">
+            <a:extLst>
+              <a:ext uri="{FF2B5EF4-FFF2-40B4-BE49-F238E27FC236}">
+                <a16:creationId xmlns:a16="http://schemas.microsoft.com/office/drawing/2014/main" id="{7731E82B-C089-7696-886A-292931978E82}"/>
+              </a:ext>
+            </a:extLst>
+          </p:cNvPr>
+          <p:cNvSpPr txBox="1"/>
+          <p:nvPr/>
+        </p:nvSpPr>
+        <p:spPr>
+          <a:xfrm>
+            <a:off x="0" y="893"/>
+            <a:ext cx="6095967" cy="369108"/>
+          </a:xfrm>
+          <a:prstGeom prst="rect">
+            <a:avLst/>
+          </a:prstGeom>
+          <a:noFill/>
+        </p:spPr>
+        <p:txBody>
+          <a:bodyPr wrap="square">
+            <a:spAutoFit/>
+          </a:bodyPr>
+          <a:lstStyle/>
+          <a:p>
+            <a:r>
+              <a:rPr lang="en-GB" sz="1799" dirty="0"/>
+              <a:t>Infiltration</a:t>
+            </a:r>
+            <a:endParaRPr lang="nl-NL" sz="1799" dirty="0"/>
+          </a:p>
+        </p:txBody>
+      </p:sp>
+      <p:pic>
+        <p:nvPicPr>
+          <p:cNvPr id="8" name="Picture 7">
+            <a:extLst>
+              <a:ext uri="{FF2B5EF4-FFF2-40B4-BE49-F238E27FC236}">
+                <a16:creationId xmlns:a16="http://schemas.microsoft.com/office/drawing/2014/main" id="{E51C010B-E745-59F4-5CFC-BADC9A11FD81}"/>
+              </a:ext>
+            </a:extLst>
+          </p:cNvPr>
+          <p:cNvPicPr>
+            <a:picLocks noChangeAspect="1"/>
+          </p:cNvPicPr>
+          <p:nvPr/>
+        </p:nvPicPr>
+        <p:blipFill rotWithShape="1">
+          <a:blip r:embed="rId3"/>
+          <a:srcRect l="4632" b="50000"/>
+          <a:stretch/>
+        </p:blipFill>
+        <p:spPr>
+          <a:xfrm>
+            <a:off x="6311968" y="2853087"/>
+            <a:ext cx="5880033" cy="3716063"/>
+          </a:xfrm>
+          <a:prstGeom prst="rect">
+            <a:avLst/>
+          </a:prstGeom>
+        </p:spPr>
+      </p:pic>
+      <p:sp>
+        <p:nvSpPr>
+          <p:cNvPr id="10" name="TextBox 9">
+            <a:extLst>
+              <a:ext uri="{FF2B5EF4-FFF2-40B4-BE49-F238E27FC236}">
+                <a16:creationId xmlns:a16="http://schemas.microsoft.com/office/drawing/2014/main" id="{396EF978-BC9D-CBEE-9CA3-9A00B67FB182}"/>
+              </a:ext>
+            </a:extLst>
+          </p:cNvPr>
+          <p:cNvSpPr txBox="1"/>
+          <p:nvPr/>
+        </p:nvSpPr>
+        <p:spPr>
+          <a:xfrm>
+            <a:off x="6311968" y="6474029"/>
+            <a:ext cx="5676310" cy="246157"/>
+          </a:xfrm>
+          <a:prstGeom prst="rect">
+            <a:avLst/>
+          </a:prstGeom>
+          <a:noFill/>
+        </p:spPr>
+        <p:txBody>
+          <a:bodyPr wrap="square">
+            <a:spAutoFit/>
+          </a:bodyPr>
+          <a:lstStyle/>
+          <a:p>
+            <a:pPr algn="r"/>
+            <a:r>
+              <a:rPr lang="nl-NL" sz="1000" dirty="0"/>
+              <a:t>Van Dooren et al. (2020): </a:t>
+            </a:r>
+            <a:r>
+              <a:rPr lang="nl-NL" sz="1000" dirty="0">
+                <a:hlinkClick r:id="rId4"/>
+              </a:rPr>
+              <a:t>https://library.kwrwater.nl/publication/61802381/</a:t>
+            </a:r>
+            <a:r>
+              <a:rPr lang="nl-NL" sz="1000" dirty="0"/>
+              <a:t> </a:t>
+            </a:r>
+          </a:p>
+        </p:txBody>
+      </p:sp>
+      <p:sp>
+        <p:nvSpPr>
+          <p:cNvPr id="5" name="TextBox 4">
+            <a:extLst>
+              <a:ext uri="{FF2B5EF4-FFF2-40B4-BE49-F238E27FC236}">
+                <a16:creationId xmlns:a16="http://schemas.microsoft.com/office/drawing/2014/main" id="{C5F16109-5057-7A0C-4CFD-540E7E0226A9}"/>
+              </a:ext>
+            </a:extLst>
+          </p:cNvPr>
+          <p:cNvSpPr txBox="1"/>
+          <p:nvPr/>
+        </p:nvSpPr>
+        <p:spPr>
+          <a:xfrm>
+            <a:off x="6239946" y="3285601"/>
+            <a:ext cx="287990" cy="215388"/>
+          </a:xfrm>
+          <a:prstGeom prst="rect">
+            <a:avLst/>
+          </a:prstGeom>
+          <a:solidFill>
+            <a:schemeClr val="bg2"/>
+          </a:solidFill>
+        </p:spPr>
+        <p:txBody>
+          <a:bodyPr wrap="square" lIns="0" tIns="0" rIns="0" bIns="0" rtlCol="0">
+            <a:spAutoFit/>
+          </a:bodyPr>
+          <a:lstStyle/>
+          <a:p>
+            <a:pPr algn="r"/>
+            <a:r>
+              <a:rPr lang="nl-NL" sz="1400" dirty="0" err="1">
+                <a:latin typeface="Times New Roman" panose="02020603050405020304" pitchFamily="18" charset="0"/>
+                <a:cs typeface="Times New Roman" panose="02020603050405020304" pitchFamily="18" charset="0"/>
+              </a:rPr>
+              <a:t>h</a:t>
+            </a:r>
+            <a:r>
+              <a:rPr lang="nl-NL" sz="1400" baseline="-25000" dirty="0" err="1">
+                <a:latin typeface="Times New Roman" panose="02020603050405020304" pitchFamily="18" charset="0"/>
+                <a:cs typeface="Times New Roman" panose="02020603050405020304" pitchFamily="18" charset="0"/>
+              </a:rPr>
+              <a:t>in</a:t>
+            </a:r>
+            <a:endParaRPr lang="nl-NL" sz="1400" dirty="0">
+              <a:latin typeface="Times New Roman" panose="02020603050405020304" pitchFamily="18" charset="0"/>
+              <a:cs typeface="Times New Roman" panose="02020603050405020304" pitchFamily="18" charset="0"/>
+            </a:endParaRPr>
+          </a:p>
+        </p:txBody>
+      </p:sp>
+      <p:sp>
+        <p:nvSpPr>
+          <p:cNvPr id="6" name="TextBox 5">
+            <a:extLst>
+              <a:ext uri="{FF2B5EF4-FFF2-40B4-BE49-F238E27FC236}">
+                <a16:creationId xmlns:a16="http://schemas.microsoft.com/office/drawing/2014/main" id="{107D95C2-13EE-D794-8778-E9CB8959CA0B}"/>
+              </a:ext>
+            </a:extLst>
+          </p:cNvPr>
+          <p:cNvSpPr txBox="1"/>
+          <p:nvPr/>
+        </p:nvSpPr>
+        <p:spPr>
+          <a:xfrm>
+            <a:off x="6239946" y="4077483"/>
+            <a:ext cx="287990" cy="215388"/>
+          </a:xfrm>
+          <a:prstGeom prst="rect">
+            <a:avLst/>
+          </a:prstGeom>
+          <a:solidFill>
+            <a:schemeClr val="bg2"/>
+          </a:solidFill>
+        </p:spPr>
+        <p:txBody>
+          <a:bodyPr wrap="square" lIns="0" tIns="0" rIns="0" bIns="0" rtlCol="0">
+            <a:spAutoFit/>
+          </a:bodyPr>
+          <a:lstStyle/>
+          <a:p>
+            <a:pPr algn="r"/>
+            <a:r>
+              <a:rPr lang="nl-NL" sz="1400" dirty="0">
+                <a:latin typeface="Times New Roman" panose="02020603050405020304" pitchFamily="18" charset="0"/>
+                <a:cs typeface="Times New Roman" panose="02020603050405020304" pitchFamily="18" charset="0"/>
+              </a:rPr>
+              <a:t>h</a:t>
+            </a:r>
+            <a:r>
+              <a:rPr lang="nl-NL" sz="1400" baseline="-25000" dirty="0">
+                <a:latin typeface="Times New Roman" panose="02020603050405020304" pitchFamily="18" charset="0"/>
+                <a:cs typeface="Times New Roman" panose="02020603050405020304" pitchFamily="18" charset="0"/>
+              </a:rPr>
+              <a:t>0</a:t>
+            </a:r>
+            <a:endParaRPr lang="nl-NL" sz="1400" dirty="0">
+              <a:latin typeface="Times New Roman" panose="02020603050405020304" pitchFamily="18" charset="0"/>
+              <a:cs typeface="Times New Roman" panose="02020603050405020304" pitchFamily="18" charset="0"/>
+            </a:endParaRPr>
+          </a:p>
+        </p:txBody>
+      </p:sp>
+    </p:spTree>
+    <p:extLst>
+      <p:ext uri="{BB962C8B-B14F-4D97-AF65-F5344CB8AC3E}">
+        <p14:creationId xmlns:p14="http://schemas.microsoft.com/office/powerpoint/2010/main" val="3113899964"/>
+      </p:ext>
+    </p:extLst>
+  </p:cSld>
+  <p:clrMapOvr>
+    <a:masterClrMapping/>
+  </p:clrMapOvr>
+  <mc:AlternateContent xmlns:mc="http://schemas.openxmlformats.org/markup-compatibility/2006" xmlns:p14="http://schemas.microsoft.com/office/powerpoint/2010/main">
+    <mc:Choice Requires="p14">
+      <p:transition spd="med" p14:dur="700">
+        <p:fade/>
+      </p:transition>
+    </mc:Choice>
+    <mc:Fallback xmlns="">
+      <p:transition spd="med" advClick="true">
+        <p:fade/>
+      </p:transition>
+    </mc:Fallback>
+  </mc:AlternateContent>
+  <p:timing>
+    <p:tnLst>
+      <p:par>
+        <p:cTn id="1" dur="indefinite" restart="never" nodeType="tmRoot">
+          <p:childTnLst>
+            <p:seq concurrent="1" nextAc="seek">
+              <p:cTn id="2" dur="indefinite" nodeType="mainSeq">
+                <p:childTnLst>
+                  <p:par>
+                    <p:cTn id="3" fill="hold">
+                      <p:stCondLst>
+                        <p:cond delay="indefinite"/>
+                      </p:stCondLst>
+                      <p:childTnLst>
+                        <p:par>
+                          <p:cTn id="4" fill="hold">
+                            <p:stCondLst>
+                              <p:cond delay="0"/>
+                            </p:stCondLst>
+                            <p:childTnLst>
+                              <p:par>
+                                <p:cTn id="5" presetID="1" presetClass="entr" presetSubtype="0" fill="hold" nodeType="clickEffect">
+                                  <p:stCondLst>
+                                    <p:cond delay="0"/>
+                                  </p:stCondLst>
+                                  <p:childTnLst>
+                                    <p:set>
+                                      <p:cBhvr>
+                                        <p:cTn id="6" dur="1" fill="hold">
+                                          <p:stCondLst>
+                                            <p:cond delay="0"/>
+                                          </p:stCondLst>
+                                        </p:cTn>
+                                        <p:tgtEl>
+                                          <p:spTgt spid="4">
+                                            <p:txEl>
+                                              <p:pRg st="11" end="11"/>
+                                            </p:txEl>
+                                          </p:spTgt>
+                                        </p:tgtEl>
+                                        <p:attrNameLst>
+                                          <p:attrName>style.visibility</p:attrName>
+                                        </p:attrNameLst>
+                                      </p:cBhvr>
+                                      <p:to>
+                                        <p:strVal val="visible"/>
+                                      </p:to>
+                                    </p:set>
+                                  </p:childTnLst>
+                                </p:cTn>
+                              </p:par>
+                            </p:childTnLst>
+                          </p:cTn>
+                        </p:par>
+                      </p:childTnLst>
+                    </p:cTn>
+                  </p:par>
+                </p:childTnLst>
+              </p:cTn>
+              <p:prevCondLst>
+                <p:cond evt="onPrev" delay="0">
+                  <p:tgtEl>
+                    <p:sldTgt/>
+                  </p:tgtEl>
+                </p:cond>
+              </p:prevCondLst>
+              <p:nextCondLst>
+                <p:cond evt="onNext" delay="0">
+                  <p:tgtEl>
+                    <p:sldTgt/>
+                  </p:tgtEl>
+                </p:cond>
+              </p:nextCondLst>
+            </p:seq>
+          </p:childTnLst>
+        </p:cTn>
+      </p:par>
+    </p:tnLst>
+  </p:timing>
+</p:sld>
+</file>
+
+<file path=ppt/slides/slide11.xml><?xml version="1.0" encoding="utf-8"?>
+<p:sld xmlns:a="http://schemas.openxmlformats.org/drawingml/2006/main" xmlns:r="http://schemas.openxmlformats.org/officeDocument/2006/relationships" xmlns:p="http://schemas.openxmlformats.org/presentationml/2006/main">
+  <p:cSld>
+    <p:spTree>
+      <p:nvGrpSpPr>
+        <p:cNvPr id="1" name=""/>
+        <p:cNvGrpSpPr/>
+        <p:nvPr/>
+      </p:nvGrpSpPr>
+      <p:grpSpPr>
+        <a:xfrm>
+          <a:off x="0" y="0"/>
+          <a:ext cx="0" cy="0"/>
+          <a:chOff x="0" y="0"/>
+          <a:chExt cx="0" cy="0"/>
+        </a:xfrm>
+      </p:grpSpPr>
+      <p:sp>
+        <p:nvSpPr>
+          <p:cNvPr id="2" name="Slide Number Placeholder 1">
+            <a:extLst>
+              <a:ext uri="{FF2B5EF4-FFF2-40B4-BE49-F238E27FC236}">
+                <a16:creationId xmlns:a16="http://schemas.microsoft.com/office/drawing/2014/main" id="{A8EC5DFB-736C-BD23-7FCF-6384872C0FF4}"/>
+              </a:ext>
+            </a:extLst>
+          </p:cNvPr>
+          <p:cNvSpPr>
+            <a:spLocks noGrp="1"/>
+          </p:cNvSpPr>
+          <p:nvPr>
+            <p:ph type="sldNum" sz="quarter" idx="17"/>
+          </p:nvPr>
+        </p:nvSpPr>
+        <p:spPr/>
+        <p:txBody>
+          <a:bodyPr/>
+          <a:lstStyle/>
+          <a:p>
+            <a:fld id="{1336C48C-F87C-4E4B-81EF-5027B17D1F61}" type="slidenum">
+              <a:rPr lang="en-GB" noProof="1" smtClean="0"/>
+              <a:t>11</a:t>
+            </a:fld>
+            <a:endParaRPr lang="en-GB" noProof="1"/>
+          </a:p>
+        </p:txBody>
+      </p:sp>
+      <mc:AlternateContent xmlns:mc="http://schemas.openxmlformats.org/markup-compatibility/2006" xmlns:a14="http://schemas.microsoft.com/office/drawing/2010/main">
+        <mc:Choice Requires="a14">
+          <p:sp>
+            <p:nvSpPr>
+              <p:cNvPr id="4" name="Content Placeholder 3">
+                <a:extLst>
+                  <a:ext uri="{FF2B5EF4-FFF2-40B4-BE49-F238E27FC236}">
+                    <a16:creationId xmlns:a16="http://schemas.microsoft.com/office/drawing/2014/main" id="{8640B7B5-C3D9-8994-5B24-E30F5BB6795E}"/>
+                  </a:ext>
+                </a:extLst>
+              </p:cNvPr>
+              <p:cNvSpPr>
+                <a:spLocks noGrp="1"/>
+              </p:cNvSpPr>
+              <p:nvPr>
+                <p:ph sz="quarter" idx="13"/>
+              </p:nvPr>
+            </p:nvSpPr>
+            <p:spPr>
+              <a:xfrm>
+                <a:off x="912724" y="2030044"/>
+                <a:ext cx="8422793" cy="3882309"/>
+              </a:xfrm>
+            </p:spPr>
+            <p:txBody>
+              <a:bodyPr>
+                <a:normAutofit fontScale="92500" lnSpcReduction="20000"/>
+              </a:bodyPr>
+              <a:lstStyle/>
+              <a:p>
+                <a:pPr marL="342797" indent="-342797">
+                  <a:buFont typeface="Arial" panose="020B0604020202020204" pitchFamily="34" charset="0"/>
+                  <a:buChar char="•"/>
+                </a:pPr>
+                <a:endParaRPr lang="nl-NL" dirty="0">
+                  <a:latin typeface="Cambria Math" panose="02040503050406030204" pitchFamily="18" charset="0"/>
+                </a:endParaRPr>
+              </a:p>
+              <a:p>
+                <a:pPr marL="342797" indent="-342797">
+                  <a:buFont typeface="Arial" panose="020B0604020202020204" pitchFamily="34" charset="0"/>
+                  <a:buChar char="•"/>
+                </a:pPr>
+                <a:r>
+                  <a:rPr lang="nl-NL" dirty="0">
+                    <a:latin typeface="Cambria Math" panose="02040503050406030204" pitchFamily="18" charset="0"/>
+                  </a:rPr>
+                  <a:t>Maximum </a:t>
+                </a:r>
+                <a:r>
+                  <a:rPr lang="nl-NL" dirty="0" err="1">
+                    <a:latin typeface="Cambria Math" panose="02040503050406030204" pitchFamily="18" charset="0"/>
+                  </a:rPr>
+                  <a:t>allowed</a:t>
+                </a:r>
+                <a:r>
+                  <a:rPr lang="nl-NL" dirty="0">
+                    <a:latin typeface="Cambria Math" panose="02040503050406030204" pitchFamily="18" charset="0"/>
+                  </a:rPr>
+                  <a:t> </a:t>
+                </a:r>
+                <a:r>
+                  <a:rPr lang="nl-NL" dirty="0" err="1">
+                    <a:latin typeface="Cambria Math" panose="02040503050406030204" pitchFamily="18" charset="0"/>
+                  </a:rPr>
+                  <a:t>specific</a:t>
+                </a:r>
+                <a:r>
+                  <a:rPr lang="nl-NL" dirty="0">
+                    <a:latin typeface="Cambria Math" panose="02040503050406030204" pitchFamily="18" charset="0"/>
+                  </a:rPr>
+                  <a:t> discharge on the </a:t>
+                </a:r>
+                <a:r>
+                  <a:rPr lang="nl-NL" dirty="0" err="1">
+                    <a:latin typeface="Cambria Math" panose="02040503050406030204" pitchFamily="18" charset="0"/>
+                  </a:rPr>
+                  <a:t>borehole</a:t>
+                </a:r>
+                <a:r>
+                  <a:rPr lang="nl-NL" dirty="0">
+                    <a:latin typeface="Cambria Math" panose="02040503050406030204" pitchFamily="18" charset="0"/>
+                  </a:rPr>
+                  <a:t> (</a:t>
+                </a:r>
+                <a:r>
+                  <a:rPr lang="nl-NL" dirty="0" err="1">
+                    <a:latin typeface="Cambria Math" panose="02040503050406030204" pitchFamily="18" charset="0"/>
+                  </a:rPr>
+                  <a:t>q</a:t>
+                </a:r>
+                <a:r>
+                  <a:rPr lang="nl-NL" baseline="-25000" dirty="0" err="1">
+                    <a:latin typeface="Cambria Math" panose="02040503050406030204" pitchFamily="18" charset="0"/>
+                  </a:rPr>
+                  <a:t>max</a:t>
+                </a:r>
+                <a:r>
+                  <a:rPr lang="nl-NL" dirty="0">
+                    <a:latin typeface="Cambria Math" panose="02040503050406030204" pitchFamily="18" charset="0"/>
+                  </a:rPr>
+                  <a:t> in </a:t>
+                </a:r>
+                <a:r>
+                  <a:rPr lang="nl-NL" b="1" u="sng" dirty="0">
+                    <a:latin typeface="Cambria Math" panose="02040503050406030204" pitchFamily="18" charset="0"/>
+                  </a:rPr>
+                  <a:t>m/s</a:t>
+                </a:r>
+                <a:r>
+                  <a:rPr lang="nl-NL" dirty="0">
+                    <a:latin typeface="Cambria Math" panose="02040503050406030204" pitchFamily="18" charset="0"/>
+                  </a:rPr>
+                  <a:t>)</a:t>
+                </a:r>
+              </a:p>
+              <a:p>
+                <a:pPr marL="342797" indent="-342797">
+                  <a:buFont typeface="Arial" panose="020B0604020202020204" pitchFamily="34" charset="0"/>
+                  <a:buChar char="•"/>
+                </a:pPr>
+                <a14:m>
+                  <m:oMath xmlns:m="http://schemas.openxmlformats.org/officeDocument/2006/math">
+                    <m:r>
+                      <a:rPr lang="nl-NL" b="0" i="1" dirty="0" smtClean="0">
+                        <a:latin typeface="Cambria Math" panose="02040503050406030204" pitchFamily="18" charset="0"/>
+                      </a:rPr>
+                      <m:t>𝑞</m:t>
+                    </m:r>
+                    <m:r>
+                      <a:rPr lang="nl-NL" i="1" baseline="-25000" dirty="0" err="1" smtClean="0">
+                        <a:latin typeface="Cambria Math" panose="02040503050406030204" pitchFamily="18" charset="0"/>
+                      </a:rPr>
+                      <m:t>𝑚𝑎𝑥</m:t>
+                    </m:r>
+                    <m:r>
+                      <a:rPr lang="nl-NL" i="1" dirty="0" smtClean="0">
+                        <a:latin typeface="Cambria Math" panose="02040503050406030204" pitchFamily="18" charset="0"/>
+                      </a:rPr>
+                      <m:t> =</m:t>
+                    </m:r>
+                    <m:f>
+                      <m:fPr>
+                        <m:ctrlPr>
+                          <a:rPr lang="nl-NL" b="0" i="1" dirty="0" smtClean="0">
+                            <a:latin typeface="Cambria Math" panose="02040503050406030204" pitchFamily="18" charset="0"/>
+                          </a:rPr>
+                        </m:ctrlPr>
+                      </m:fPr>
+                      <m:num>
+                        <m:rad>
+                          <m:radPr>
+                            <m:degHide m:val="on"/>
+                            <m:ctrlPr>
+                              <a:rPr lang="nl-NL" i="1" dirty="0" smtClean="0">
+                                <a:latin typeface="Cambria Math" panose="02040503050406030204" pitchFamily="18" charset="0"/>
+                              </a:rPr>
+                            </m:ctrlPr>
+                          </m:radPr>
+                          <m:deg/>
+                          <m:e>
+                            <m:r>
+                              <a:rPr lang="nl-NL" b="0" i="1" dirty="0" smtClean="0">
+                                <a:latin typeface="Cambria Math" panose="02040503050406030204" pitchFamily="18" charset="0"/>
+                              </a:rPr>
+                              <m:t>𝑘</m:t>
+                            </m:r>
+                          </m:e>
+                        </m:rad>
+                      </m:num>
+                      <m:den>
+                        <m:r>
+                          <a:rPr lang="nl-NL" b="0" i="1" dirty="0" smtClean="0">
+                            <a:latin typeface="Cambria Math" panose="02040503050406030204" pitchFamily="18" charset="0"/>
+                          </a:rPr>
+                          <m:t>30</m:t>
+                        </m:r>
+                      </m:den>
+                    </m:f>
+                    <m:r>
+                      <a:rPr lang="nl-NL" i="1" dirty="0" smtClean="0">
+                        <a:latin typeface="Cambria Math" panose="02040503050406030204" pitchFamily="18" charset="0"/>
+                      </a:rPr>
+                      <m:t> </m:t>
+                    </m:r>
+                  </m:oMath>
+                </a14:m>
+                <a:r>
+                  <a:rPr lang="nl-NL" dirty="0"/>
+                  <a:t>	(Huisman, </a:t>
+                </a:r>
+                <a:r>
+                  <a:rPr lang="nl-NL" dirty="0" err="1"/>
+                  <a:t>empirical</a:t>
+                </a:r>
+                <a:r>
+                  <a:rPr lang="nl-NL" dirty="0"/>
+                  <a:t>)</a:t>
+                </a:r>
+              </a:p>
+              <a:p>
+                <a:pPr marL="342797" indent="-342797">
+                  <a:buFont typeface="Arial" panose="020B0604020202020204" pitchFamily="34" charset="0"/>
+                  <a:buChar char="•"/>
+                </a:pPr>
+                <a14:m>
+                  <m:oMath xmlns:m="http://schemas.openxmlformats.org/officeDocument/2006/math">
+                    <m:sSub>
+                      <m:sSubPr>
+                        <m:ctrlPr>
+                          <a:rPr lang="nl-NL" b="0" i="1" smtClean="0">
+                            <a:latin typeface="Cambria Math" panose="02040503050406030204" pitchFamily="18" charset="0"/>
+                          </a:rPr>
+                        </m:ctrlPr>
+                      </m:sSubPr>
+                      <m:e>
+                        <m:r>
+                          <a:rPr lang="nl-NL" b="0" i="1" smtClean="0">
+                            <a:latin typeface="Cambria Math" panose="02040503050406030204" pitchFamily="18" charset="0"/>
+                          </a:rPr>
+                          <m:t>𝑄</m:t>
+                        </m:r>
+                      </m:e>
+                      <m:sub>
+                        <m:r>
+                          <a:rPr lang="nl-NL" b="0" i="1" smtClean="0">
+                            <a:latin typeface="Cambria Math" panose="02040503050406030204" pitchFamily="18" charset="0"/>
+                          </a:rPr>
+                          <m:t>𝑚𝑎𝑥</m:t>
+                        </m:r>
+                      </m:sub>
+                    </m:sSub>
+                    <m:r>
+                      <a:rPr lang="nl-NL" b="0" i="1" smtClean="0">
+                        <a:latin typeface="Cambria Math" panose="02040503050406030204" pitchFamily="18" charset="0"/>
+                      </a:rPr>
+                      <m:t>=</m:t>
+                    </m:r>
+                    <m:sSub>
+                      <m:sSubPr>
+                        <m:ctrlPr>
+                          <a:rPr lang="nl-NL" b="0" i="1" smtClean="0">
+                            <a:latin typeface="Cambria Math" panose="02040503050406030204" pitchFamily="18" charset="0"/>
+                          </a:rPr>
+                        </m:ctrlPr>
+                      </m:sSubPr>
+                      <m:e>
+                        <m:r>
+                          <a:rPr lang="nl-NL" b="0" i="1" smtClean="0">
+                            <a:latin typeface="Cambria Math" panose="02040503050406030204" pitchFamily="18" charset="0"/>
+                          </a:rPr>
+                          <m:t>𝑞</m:t>
+                        </m:r>
+                      </m:e>
+                      <m:sub>
+                        <m:r>
+                          <a:rPr lang="nl-NL" b="0" i="1" smtClean="0">
+                            <a:latin typeface="Cambria Math" panose="02040503050406030204" pitchFamily="18" charset="0"/>
+                          </a:rPr>
+                          <m:t>𝑚𝑎𝑥</m:t>
+                        </m:r>
+                      </m:sub>
+                    </m:sSub>
+                    <m:r>
+                      <a:rPr lang="nl-NL" b="0" i="1" smtClean="0">
+                        <a:latin typeface="Cambria Math" panose="02040503050406030204" pitchFamily="18" charset="0"/>
+                      </a:rPr>
+                      <m:t>∗2</m:t>
+                    </m:r>
+                    <m:r>
+                      <a:rPr lang="nl-NL" b="0" i="1" smtClean="0">
+                        <a:latin typeface="Cambria Math" panose="02040503050406030204" pitchFamily="18" charset="0"/>
+                      </a:rPr>
+                      <m:t>𝐿</m:t>
+                    </m:r>
+                    <m:r>
+                      <a:rPr lang="nl-NL" b="0" i="1" smtClean="0">
+                        <a:latin typeface="Cambria Math" panose="02040503050406030204" pitchFamily="18" charset="0"/>
+                        <a:ea typeface="Cambria Math" panose="02040503050406030204" pitchFamily="18" charset="0"/>
+                      </a:rPr>
+                      <m:t>𝜋</m:t>
+                    </m:r>
+                    <m:sSub>
+                      <m:sSubPr>
+                        <m:ctrlPr>
+                          <a:rPr lang="nl-NL" b="0" i="1" smtClean="0">
+                            <a:latin typeface="Cambria Math" panose="02040503050406030204" pitchFamily="18" charset="0"/>
+                            <a:ea typeface="Cambria Math" panose="02040503050406030204" pitchFamily="18" charset="0"/>
+                          </a:rPr>
+                        </m:ctrlPr>
+                      </m:sSubPr>
+                      <m:e>
+                        <m:r>
+                          <a:rPr lang="nl-NL" b="0" i="1" smtClean="0">
+                            <a:latin typeface="Cambria Math" panose="02040503050406030204" pitchFamily="18" charset="0"/>
+                            <a:ea typeface="Cambria Math" panose="02040503050406030204" pitchFamily="18" charset="0"/>
+                          </a:rPr>
+                          <m:t>𝑟</m:t>
+                        </m:r>
+                      </m:e>
+                      <m:sub>
+                        <m:r>
+                          <a:rPr lang="nl-NL" b="0" i="1" smtClean="0">
+                            <a:latin typeface="Cambria Math" panose="02040503050406030204" pitchFamily="18" charset="0"/>
+                            <a:ea typeface="Cambria Math" panose="02040503050406030204" pitchFamily="18" charset="0"/>
+                          </a:rPr>
+                          <m:t>𝑤𝑒𝑙𝑙</m:t>
+                        </m:r>
+                      </m:sub>
+                    </m:sSub>
+                  </m:oMath>
+                </a14:m>
+                <a:endParaRPr lang="nl-NL" dirty="0"/>
+              </a:p>
+              <a:p>
+                <a:pPr marL="882635" lvl="3" indent="-342797"/>
+                <a:r>
+                  <a:rPr lang="nl-NL" sz="1799" i="1" dirty="0"/>
+                  <a:t>L</a:t>
+                </a:r>
+                <a:r>
+                  <a:rPr lang="nl-NL" sz="1799" dirty="0"/>
+                  <a:t> = screen </a:t>
+                </a:r>
+                <a:r>
+                  <a:rPr lang="nl-NL" sz="1799" dirty="0" err="1"/>
+                  <a:t>length</a:t>
+                </a:r>
+                <a:r>
+                  <a:rPr lang="nl-NL" sz="1799" dirty="0"/>
+                  <a:t> (m)</a:t>
+                </a:r>
+              </a:p>
+              <a:p>
+                <a:pPr marL="882635" lvl="3" indent="-342797"/>
+                <a:r>
+                  <a:rPr lang="nl-NL" sz="1799" i="1" dirty="0" err="1"/>
+                  <a:t>r</a:t>
+                </a:r>
+                <a:r>
+                  <a:rPr lang="nl-NL" sz="1799" i="1" baseline="-25000" dirty="0" err="1"/>
+                  <a:t>well</a:t>
+                </a:r>
+                <a:r>
+                  <a:rPr lang="nl-NL" sz="1799" i="1" dirty="0"/>
+                  <a:t> </a:t>
+                </a:r>
+                <a:r>
+                  <a:rPr lang="nl-NL" sz="1799" dirty="0"/>
+                  <a:t>= well radius (m)</a:t>
+                </a:r>
+              </a:p>
+              <a:p>
+                <a:pPr marL="882635" lvl="3" indent="-342797"/>
+                <a:r>
+                  <a:rPr lang="nl-NL" sz="1799" i="1" dirty="0"/>
+                  <a:t>k</a:t>
+                </a:r>
+                <a:r>
+                  <a:rPr lang="nl-NL" sz="1799" dirty="0"/>
+                  <a:t> = </a:t>
+                </a:r>
+                <a:r>
+                  <a:rPr lang="nl-NL" sz="1799" dirty="0" err="1"/>
+                  <a:t>hydraulic</a:t>
+                </a:r>
+                <a:r>
+                  <a:rPr lang="nl-NL" sz="1799" dirty="0"/>
+                  <a:t> </a:t>
+                </a:r>
+                <a:r>
+                  <a:rPr lang="nl-NL" sz="1799" dirty="0" err="1"/>
+                  <a:t>conductivity</a:t>
+                </a:r>
+                <a:r>
+                  <a:rPr lang="nl-NL" sz="1799" dirty="0"/>
+                  <a:t> (in </a:t>
+                </a:r>
+                <a:r>
+                  <a:rPr lang="nl-NL" sz="1799" b="1" u="sng" dirty="0"/>
+                  <a:t>m/s</a:t>
+                </a:r>
+                <a:r>
+                  <a:rPr lang="nl-NL" sz="1799" dirty="0"/>
+                  <a:t>)</a:t>
+                </a:r>
+              </a:p>
+              <a:p>
+                <a:pPr lvl="3" indent="0">
+                  <a:buNone/>
+                </a:pPr>
+                <a:endParaRPr lang="nl-NL" sz="1000" dirty="0"/>
+              </a:p>
+              <a:p>
+                <a:pPr lvl="3" indent="0">
+                  <a:buNone/>
+                </a:pPr>
+                <a:endParaRPr lang="nl-NL" sz="1000" dirty="0"/>
+              </a:p>
+              <a:p>
+                <a:pPr lvl="3" indent="0">
+                  <a:buNone/>
+                </a:pPr>
+                <a:r>
+                  <a:rPr lang="nl-NL" sz="1000" dirty="0"/>
+                  <a:t>Van der Schans &amp; Meerkerk (2019): </a:t>
+                </a:r>
+                <a:r>
+                  <a:rPr lang="nl-NL" sz="1000" dirty="0">
+                    <a:hlinkClick r:id="rId3"/>
+                  </a:rPr>
+                  <a:t>https://library.kwrwater.nl/publication/60518580/</a:t>
+                </a:r>
+                <a:r>
+                  <a:rPr lang="nl-NL" sz="1000" dirty="0"/>
+                  <a:t> </a:t>
+                </a:r>
+              </a:p>
+              <a:p>
+                <a:pPr lvl="3" indent="0">
+                  <a:buNone/>
+                </a:pPr>
+                <a:r>
+                  <a:rPr lang="nl-NL" sz="1000" dirty="0"/>
+                  <a:t>Olsthoorn (1976): </a:t>
+                </a:r>
+                <a:r>
+                  <a:rPr lang="nl-NL" sz="1000" dirty="0">
+                    <a:hlinkClick r:id="rId4"/>
+                  </a:rPr>
+                  <a:t>https://edepot.wur.nl/403280</a:t>
+                </a:r>
+                <a:r>
+                  <a:rPr lang="nl-NL" sz="1000" dirty="0"/>
+                  <a:t> </a:t>
+                </a:r>
+              </a:p>
+              <a:p>
+                <a:endParaRPr lang="nl-NL" dirty="0"/>
+              </a:p>
+            </p:txBody>
+          </p:sp>
+        </mc:Choice>
+        <mc:Fallback xmlns="">
+          <p:sp>
+            <p:nvSpPr>
+              <p:cNvPr id="4" name="Content Placeholder 3">
+                <a:extLst>
+                  <a:ext uri="{FF2B5EF4-FFF2-40B4-BE49-F238E27FC236}">
+                    <a16:creationId xmlns:a16="http://schemas.microsoft.com/office/drawing/2014/main" id="{8640B7B5-C3D9-8994-5B24-E30F5BB6795E}"/>
+                  </a:ext>
+                </a:extLst>
+              </p:cNvPr>
+              <p:cNvSpPr>
+                <a:spLocks noGrp="1" noRot="1" noChangeAspect="1" noMove="1" noResize="1" noEditPoints="1" noAdjustHandles="1" noChangeArrowheads="1" noChangeShapeType="1" noTextEdit="1"/>
+              </p:cNvSpPr>
+              <p:nvPr>
+                <p:ph sz="quarter" idx="13"/>
+              </p:nvPr>
+            </p:nvSpPr>
+            <p:spPr>
+              <a:xfrm>
+                <a:off x="912724" y="2030044"/>
+                <a:ext cx="8422793" cy="3882309"/>
+              </a:xfrm>
+              <a:blipFill>
+                <a:blip r:embed="rId5"/>
+                <a:stretch>
+                  <a:fillRect l="-1159"/>
+                </a:stretch>
+              </a:blipFill>
+            </p:spPr>
+            <p:txBody>
+              <a:bodyPr/>
+              <a:lstStyle/>
+              <a:p>
+                <a:r>
+                  <a:rPr lang="nl-NL">
+                    <a:noFill/>
+                  </a:rPr>
+                  <a:t> </a:t>
+                </a:r>
+              </a:p>
+            </p:txBody>
+          </p:sp>
+        </mc:Fallback>
+      </mc:AlternateContent>
+      <p:sp>
+        <p:nvSpPr>
+          <p:cNvPr id="5" name="Title 4">
+            <a:extLst>
+              <a:ext uri="{FF2B5EF4-FFF2-40B4-BE49-F238E27FC236}">
+                <a16:creationId xmlns:a16="http://schemas.microsoft.com/office/drawing/2014/main" id="{69629E6F-6985-67FE-B3C7-AA9F191AA25A}"/>
+              </a:ext>
+            </a:extLst>
+          </p:cNvPr>
+          <p:cNvSpPr>
+            <a:spLocks noGrp="1"/>
+          </p:cNvSpPr>
+          <p:nvPr>
+            <p:ph type="title"/>
+          </p:nvPr>
+        </p:nvSpPr>
+        <p:spPr/>
+        <p:txBody>
+          <a:bodyPr/>
+          <a:lstStyle/>
+          <a:p>
+            <a:r>
+              <a:rPr lang="nl-NL" dirty="0" err="1"/>
+              <a:t>Particle</a:t>
+            </a:r>
+            <a:r>
+              <a:rPr lang="nl-NL" dirty="0"/>
+              <a:t> </a:t>
+            </a:r>
+            <a:r>
+              <a:rPr lang="nl-NL" dirty="0" err="1"/>
+              <a:t>mobilization</a:t>
+            </a:r>
+            <a:endParaRPr lang="nl-NL" dirty="0"/>
+          </a:p>
+        </p:txBody>
+      </p:sp>
+      <p:sp>
+        <p:nvSpPr>
+          <p:cNvPr id="3" name="TextBox 2">
+            <a:extLst>
+              <a:ext uri="{FF2B5EF4-FFF2-40B4-BE49-F238E27FC236}">
+                <a16:creationId xmlns:a16="http://schemas.microsoft.com/office/drawing/2014/main" id="{63F208D2-72FA-99D0-30BA-52248633D4A0}"/>
+              </a:ext>
+            </a:extLst>
+          </p:cNvPr>
+          <p:cNvSpPr txBox="1"/>
+          <p:nvPr/>
+        </p:nvSpPr>
+        <p:spPr>
+          <a:xfrm>
+            <a:off x="0" y="893"/>
+            <a:ext cx="6095967" cy="369108"/>
+          </a:xfrm>
+          <a:prstGeom prst="rect">
+            <a:avLst/>
+          </a:prstGeom>
+          <a:noFill/>
+        </p:spPr>
+        <p:txBody>
+          <a:bodyPr wrap="square">
+            <a:spAutoFit/>
+          </a:bodyPr>
+          <a:lstStyle/>
+          <a:p>
+            <a:r>
+              <a:rPr lang="en-GB" sz="1799" dirty="0"/>
+              <a:t>Extraction</a:t>
+            </a:r>
+            <a:endParaRPr lang="nl-NL" sz="1799" dirty="0"/>
+          </a:p>
+        </p:txBody>
+      </p:sp>
+    </p:spTree>
+    <p:extLst>
+      <p:ext uri="{BB962C8B-B14F-4D97-AF65-F5344CB8AC3E}">
+        <p14:creationId xmlns:p14="http://schemas.microsoft.com/office/powerpoint/2010/main" val="3432440035"/>
+      </p:ext>
+    </p:extLst>
+  </p:cSld>
+  <p:clrMapOvr>
+    <a:masterClrMapping/>
+  </p:clrMapOvr>
+  <mc:AlternateContent xmlns:mc="http://schemas.openxmlformats.org/markup-compatibility/2006" xmlns:p14="http://schemas.microsoft.com/office/powerpoint/2010/main">
+    <mc:Choice Requires="p14">
+      <p:transition spd="med" p14:dur="700">
+        <p:fade/>
+      </p:transition>
+    </mc:Choice>
+    <mc:Fallback xmlns="">
+      <p:transition spd="med" advClick="true">
+        <p:fade/>
+      </p:transition>
+    </mc:Fallback>
+  </mc:AlternateContent>
+</p:sld>
+</file>
+
+<file path=ppt/slides/slide12.xml><?xml version="1.0" encoding="utf-8"?>
+<p:sld xmlns:a="http://schemas.openxmlformats.org/drawingml/2006/main" xmlns:r="http://schemas.openxmlformats.org/officeDocument/2006/relationships" xmlns:p="http://schemas.openxmlformats.org/presentationml/2006/main">
+  <p:cSld>
+    <p:spTree>
+      <p:nvGrpSpPr>
+        <p:cNvPr id="1" name=""/>
+        <p:cNvGrpSpPr/>
+        <p:nvPr/>
+      </p:nvGrpSpPr>
+      <p:grpSpPr>
+        <a:xfrm>
+          <a:off x="0" y="0"/>
+          <a:ext cx="0" cy="0"/>
+          <a:chOff x="0" y="0"/>
+          <a:chExt cx="0" cy="0"/>
+        </a:xfrm>
+      </p:grpSpPr>
+      <p:sp>
+        <p:nvSpPr>
+          <p:cNvPr id="2" name="Slide Number Placeholder 1">
+            <a:extLst>
+              <a:ext uri="{FF2B5EF4-FFF2-40B4-BE49-F238E27FC236}">
+                <a16:creationId xmlns:a16="http://schemas.microsoft.com/office/drawing/2014/main" id="{A8EC5DFB-736C-BD23-7FCF-6384872C0FF4}"/>
+              </a:ext>
+            </a:extLst>
+          </p:cNvPr>
+          <p:cNvSpPr>
+            <a:spLocks noGrp="1"/>
+          </p:cNvSpPr>
+          <p:nvPr>
+            <p:ph type="sldNum" sz="quarter" idx="17"/>
+          </p:nvPr>
+        </p:nvSpPr>
+        <p:spPr/>
+        <p:txBody>
+          <a:bodyPr/>
+          <a:lstStyle/>
+          <a:p>
+            <a:fld id="{1336C48C-F87C-4E4B-81EF-5027B17D1F61}" type="slidenum">
+              <a:rPr lang="en-GB" noProof="1" smtClean="0"/>
+              <a:t>12</a:t>
+            </a:fld>
+            <a:endParaRPr lang="en-GB" noProof="1"/>
+          </a:p>
+        </p:txBody>
+      </p:sp>
+      <mc:AlternateContent xmlns:mc="http://schemas.openxmlformats.org/markup-compatibility/2006" xmlns:a14="http://schemas.microsoft.com/office/drawing/2010/main">
+        <mc:Choice Requires="a14">
+          <p:sp>
+            <p:nvSpPr>
+              <p:cNvPr id="4" name="Content Placeholder 3">
+                <a:extLst>
+                  <a:ext uri="{FF2B5EF4-FFF2-40B4-BE49-F238E27FC236}">
+                    <a16:creationId xmlns:a16="http://schemas.microsoft.com/office/drawing/2014/main" id="{8640B7B5-C3D9-8994-5B24-E30F5BB6795E}"/>
+                  </a:ext>
+                </a:extLst>
+              </p:cNvPr>
+              <p:cNvSpPr>
+                <a:spLocks noGrp="1"/>
+              </p:cNvSpPr>
+              <p:nvPr>
+                <p:ph sz="quarter" idx="13"/>
+              </p:nvPr>
+            </p:nvSpPr>
+            <p:spPr>
+              <a:xfrm>
+                <a:off x="912724" y="2030044"/>
+                <a:ext cx="5687851" cy="3882309"/>
+              </a:xfrm>
+            </p:spPr>
+            <p:txBody>
+              <a:bodyPr>
+                <a:normAutofit fontScale="85000" lnSpcReduction="10000"/>
+              </a:bodyPr>
+              <a:lstStyle/>
+              <a:p>
+                <a:pPr marL="342797" indent="-342797">
+                  <a:buFont typeface="Arial" panose="020B0604020202020204" pitchFamily="34" charset="0"/>
+                  <a:buChar char="•"/>
+                </a:pPr>
+                <a:r>
+                  <a:rPr lang="nl-NL" dirty="0">
+                    <a:latin typeface="Cambria Math" panose="02040503050406030204" pitchFamily="18" charset="0"/>
+                  </a:rPr>
+                  <a:t>Drawdown = </a:t>
+                </a:r>
+                <a:r>
+                  <a:rPr lang="nl-NL" dirty="0" err="1">
+                    <a:latin typeface="Cambria Math" panose="02040503050406030204" pitchFamily="18" charset="0"/>
+                  </a:rPr>
+                  <a:t>lowering</a:t>
+                </a:r>
+                <a:r>
+                  <a:rPr lang="nl-NL" dirty="0">
+                    <a:latin typeface="Cambria Math" panose="02040503050406030204" pitchFamily="18" charset="0"/>
+                  </a:rPr>
+                  <a:t> of </a:t>
+                </a:r>
+                <a:r>
+                  <a:rPr lang="nl-NL" dirty="0" err="1">
+                    <a:latin typeface="Cambria Math" panose="02040503050406030204" pitchFamily="18" charset="0"/>
+                  </a:rPr>
+                  <a:t>pore</a:t>
+                </a:r>
+                <a:r>
+                  <a:rPr lang="nl-NL" dirty="0">
+                    <a:latin typeface="Cambria Math" panose="02040503050406030204" pitchFamily="18" charset="0"/>
+                  </a:rPr>
+                  <a:t> </a:t>
+                </a:r>
+                <a:r>
+                  <a:rPr lang="nl-NL" dirty="0" err="1">
+                    <a:latin typeface="Cambria Math" panose="02040503050406030204" pitchFamily="18" charset="0"/>
+                  </a:rPr>
+                  <a:t>pressure</a:t>
+                </a:r>
+                <a:endParaRPr lang="nl-NL" dirty="0">
+                  <a:latin typeface="Cambria Math" panose="02040503050406030204" pitchFamily="18" charset="0"/>
+                </a:endParaRPr>
+              </a:p>
+              <a:p>
+                <a:pPr marL="342797" indent="-342797">
+                  <a:buFont typeface="Arial" panose="020B0604020202020204" pitchFamily="34" charset="0"/>
+                  <a:buChar char="•"/>
+                </a:pPr>
+                <a:r>
+                  <a:rPr lang="nl-NL" b="0" dirty="0"/>
+                  <a:t>Koppejan: </a:t>
+                </a:r>
+                <a14:m>
+                  <m:oMath xmlns:m="http://schemas.openxmlformats.org/officeDocument/2006/math">
+                    <m:r>
+                      <a:rPr lang="nl-NL" b="0" i="1" smtClean="0">
+                        <a:latin typeface="Cambria Math" panose="02040503050406030204" pitchFamily="18" charset="0"/>
+                      </a:rPr>
+                      <m:t>𝑍</m:t>
+                    </m:r>
+                    <m:r>
+                      <a:rPr lang="nl-NL" b="0" i="1" smtClean="0">
+                        <a:latin typeface="Cambria Math" panose="02040503050406030204" pitchFamily="18" charset="0"/>
+                      </a:rPr>
+                      <m:t>=</m:t>
+                    </m:r>
+                    <m:r>
+                      <a:rPr lang="nl-NL" b="0" i="1" smtClean="0">
+                        <a:latin typeface="Cambria Math" panose="02040503050406030204" pitchFamily="18" charset="0"/>
+                      </a:rPr>
+                      <m:t>𝑑</m:t>
+                    </m:r>
+                    <m:d>
+                      <m:dPr>
+                        <m:ctrlPr>
+                          <a:rPr lang="nl-NL" b="0" i="1" smtClean="0">
+                            <a:latin typeface="Cambria Math" panose="02040503050406030204" pitchFamily="18" charset="0"/>
+                          </a:rPr>
+                        </m:ctrlPr>
+                      </m:dPr>
+                      <m:e>
+                        <m:f>
+                          <m:fPr>
+                            <m:ctrlPr>
+                              <a:rPr lang="nl-NL" b="0" i="1" smtClean="0">
+                                <a:latin typeface="Cambria Math" panose="02040503050406030204" pitchFamily="18" charset="0"/>
+                              </a:rPr>
+                            </m:ctrlPr>
+                          </m:fPr>
+                          <m:num>
+                            <m:r>
+                              <a:rPr lang="nl-NL" b="0" i="1" smtClean="0">
+                                <a:latin typeface="Cambria Math" panose="02040503050406030204" pitchFamily="18" charset="0"/>
+                              </a:rPr>
+                              <m:t>1</m:t>
+                            </m:r>
+                          </m:num>
+                          <m:den>
+                            <m:sSub>
+                              <m:sSubPr>
+                                <m:ctrlPr>
+                                  <a:rPr lang="nl-NL" b="0" i="1" smtClean="0">
+                                    <a:latin typeface="Cambria Math" panose="02040503050406030204" pitchFamily="18" charset="0"/>
+                                  </a:rPr>
+                                </m:ctrlPr>
+                              </m:sSubPr>
+                              <m:e>
+                                <m:r>
+                                  <a:rPr lang="nl-NL" b="0" i="1" smtClean="0">
+                                    <a:latin typeface="Cambria Math" panose="02040503050406030204" pitchFamily="18" charset="0"/>
+                                  </a:rPr>
+                                  <m:t>𝐶</m:t>
+                                </m:r>
+                              </m:e>
+                              <m:sub>
+                                <m:r>
+                                  <a:rPr lang="nl-NL" b="0" i="1" smtClean="0">
+                                    <a:latin typeface="Cambria Math" panose="02040503050406030204" pitchFamily="18" charset="0"/>
+                                  </a:rPr>
+                                  <m:t>𝑝</m:t>
+                                </m:r>
+                              </m:sub>
+                            </m:sSub>
+                          </m:den>
+                        </m:f>
+                        <m:r>
+                          <a:rPr lang="nl-NL" b="0" i="1" smtClean="0">
+                            <a:latin typeface="Cambria Math" panose="02040503050406030204" pitchFamily="18" charset="0"/>
+                          </a:rPr>
+                          <m:t>+</m:t>
+                        </m:r>
+                        <m:f>
+                          <m:fPr>
+                            <m:ctrlPr>
+                              <a:rPr lang="nl-NL" b="0" i="1" smtClean="0">
+                                <a:latin typeface="Cambria Math" panose="02040503050406030204" pitchFamily="18" charset="0"/>
+                              </a:rPr>
+                            </m:ctrlPr>
+                          </m:fPr>
+                          <m:num>
+                            <m:r>
+                              <m:rPr>
+                                <m:sty m:val="p"/>
+                              </m:rPr>
+                              <a:rPr lang="nl-NL" b="0" i="0" smtClean="0">
+                                <a:latin typeface="Cambria Math" panose="02040503050406030204" pitchFamily="18" charset="0"/>
+                              </a:rPr>
+                              <m:t>log</m:t>
+                            </m:r>
+                            <m:d>
+                              <m:dPr>
+                                <m:ctrlPr>
+                                  <a:rPr lang="nl-NL" b="0" i="1" smtClean="0">
+                                    <a:latin typeface="Cambria Math" panose="02040503050406030204" pitchFamily="18" charset="0"/>
+                                  </a:rPr>
+                                </m:ctrlPr>
+                              </m:dPr>
+                              <m:e>
+                                <m:r>
+                                  <m:rPr>
+                                    <m:sty m:val="p"/>
+                                  </m:rPr>
+                                  <a:rPr lang="nl-NL" b="0" i="0" smtClean="0">
+                                    <a:latin typeface="Cambria Math" panose="02040503050406030204" pitchFamily="18" charset="0"/>
+                                  </a:rPr>
+                                  <m:t>t</m:t>
+                                </m:r>
+                              </m:e>
+                            </m:d>
+                          </m:num>
+                          <m:den>
+                            <m:sSub>
+                              <m:sSubPr>
+                                <m:ctrlPr>
+                                  <a:rPr lang="nl-NL" b="0" i="1" smtClean="0">
+                                    <a:latin typeface="Cambria Math" panose="02040503050406030204" pitchFamily="18" charset="0"/>
+                                  </a:rPr>
+                                </m:ctrlPr>
+                              </m:sSubPr>
+                              <m:e>
+                                <m:r>
+                                  <m:rPr>
+                                    <m:sty m:val="p"/>
+                                  </m:rPr>
+                                  <a:rPr lang="nl-NL" b="0" i="0" smtClean="0">
+                                    <a:latin typeface="Cambria Math" panose="02040503050406030204" pitchFamily="18" charset="0"/>
+                                  </a:rPr>
+                                  <m:t>C</m:t>
+                                </m:r>
+                              </m:e>
+                              <m:sub>
+                                <m:r>
+                                  <m:rPr>
+                                    <m:sty m:val="p"/>
+                                  </m:rPr>
+                                  <a:rPr lang="nl-NL" b="0" i="0" smtClean="0">
+                                    <a:latin typeface="Cambria Math" panose="02040503050406030204" pitchFamily="18" charset="0"/>
+                                  </a:rPr>
+                                  <m:t>s</m:t>
+                                </m:r>
+                              </m:sub>
+                            </m:sSub>
+                          </m:den>
+                        </m:f>
+                      </m:e>
+                    </m:d>
+                    <m:r>
+                      <m:rPr>
+                        <m:sty m:val="p"/>
+                      </m:rPr>
+                      <a:rPr lang="nl-NL" b="0" i="0" smtClean="0">
+                        <a:latin typeface="Cambria Math" panose="02040503050406030204" pitchFamily="18" charset="0"/>
+                      </a:rPr>
+                      <m:t>ln</m:t>
+                    </m:r>
+                    <m:d>
+                      <m:dPr>
+                        <m:ctrlPr>
+                          <a:rPr lang="nl-NL" b="0" i="1" smtClean="0">
+                            <a:latin typeface="Cambria Math" panose="02040503050406030204" pitchFamily="18" charset="0"/>
+                          </a:rPr>
+                        </m:ctrlPr>
+                      </m:dPr>
+                      <m:e>
+                        <m:f>
+                          <m:fPr>
+                            <m:ctrlPr>
+                              <a:rPr lang="nl-NL" b="0" i="1" smtClean="0">
+                                <a:latin typeface="Cambria Math" panose="02040503050406030204" pitchFamily="18" charset="0"/>
+                                <a:ea typeface="Cambria Math" panose="02040503050406030204" pitchFamily="18" charset="0"/>
+                              </a:rPr>
+                            </m:ctrlPr>
+                          </m:fPr>
+                          <m:num>
+                            <m:r>
+                              <m:rPr>
+                                <m:sty m:val="p"/>
+                              </m:rPr>
+                              <a:rPr lang="el-GR" b="0" i="1" smtClean="0">
+                                <a:latin typeface="Cambria Math" panose="02040503050406030204" pitchFamily="18" charset="0"/>
+                                <a:ea typeface="Cambria Math" panose="02040503050406030204" pitchFamily="18" charset="0"/>
+                              </a:rPr>
+                              <m:t>φ</m:t>
+                            </m:r>
+                            <m:r>
+                              <a:rPr lang="nl-NL" b="0" i="1" smtClean="0">
+                                <a:latin typeface="Cambria Math" panose="02040503050406030204" pitchFamily="18" charset="0"/>
+                                <a:ea typeface="Cambria Math" panose="02040503050406030204" pitchFamily="18" charset="0"/>
+                              </a:rPr>
+                              <m:t>+</m:t>
+                            </m:r>
+                            <m:f>
+                              <m:fPr>
+                                <m:ctrlPr>
+                                  <a:rPr lang="nl-NL" b="0" i="1" smtClean="0">
+                                    <a:latin typeface="Cambria Math" panose="02040503050406030204" pitchFamily="18" charset="0"/>
+                                    <a:ea typeface="Cambria Math" panose="02040503050406030204" pitchFamily="18" charset="0"/>
+                                  </a:rPr>
+                                </m:ctrlPr>
+                              </m:fPr>
+                              <m:num>
+                                <m:r>
+                                  <a:rPr lang="nl-NL" b="0" i="1" smtClean="0">
+                                    <a:latin typeface="Cambria Math" panose="02040503050406030204" pitchFamily="18" charset="0"/>
+                                    <a:ea typeface="Cambria Math" panose="02040503050406030204" pitchFamily="18" charset="0"/>
+                                  </a:rPr>
+                                  <m:t>1</m:t>
+                                </m:r>
+                              </m:num>
+                              <m:den>
+                                <m:r>
+                                  <a:rPr lang="nl-NL" b="0" i="1" smtClean="0">
+                                    <a:latin typeface="Cambria Math" panose="02040503050406030204" pitchFamily="18" charset="0"/>
+                                    <a:ea typeface="Cambria Math" panose="02040503050406030204" pitchFamily="18" charset="0"/>
+                                  </a:rPr>
+                                  <m:t>2</m:t>
+                                </m:r>
+                              </m:den>
+                            </m:f>
+                            <m:r>
+                              <a:rPr lang="nl-NL" b="0" i="1" smtClean="0">
+                                <a:latin typeface="Cambria Math" panose="02040503050406030204" pitchFamily="18" charset="0"/>
+                                <a:ea typeface="Cambria Math" panose="02040503050406030204" pitchFamily="18" charset="0"/>
+                              </a:rPr>
+                              <m:t>𝑑</m:t>
+                            </m:r>
+                            <m:r>
+                              <a:rPr lang="nl-NL" b="0" i="1" smtClean="0">
+                                <a:latin typeface="Cambria Math" panose="02040503050406030204" pitchFamily="18" charset="0"/>
+                                <a:ea typeface="Cambria Math" panose="02040503050406030204" pitchFamily="18" charset="0"/>
+                              </a:rPr>
+                              <m:t>𝜑</m:t>
+                            </m:r>
+                          </m:num>
+                          <m:den>
+                            <m:r>
+                              <a:rPr lang="nl-NL" b="0" i="1" smtClean="0">
+                                <a:latin typeface="Cambria Math" panose="02040503050406030204" pitchFamily="18" charset="0"/>
+                                <a:ea typeface="Cambria Math" panose="02040503050406030204" pitchFamily="18" charset="0"/>
+                              </a:rPr>
+                              <m:t>𝜑</m:t>
+                            </m:r>
+                          </m:den>
+                        </m:f>
+                      </m:e>
+                    </m:d>
+                  </m:oMath>
+                </a14:m>
+                <a:endParaRPr lang="nl-NL" dirty="0">
+                  <a:latin typeface="Cambria Math" panose="02040503050406030204" pitchFamily="18" charset="0"/>
+                </a:endParaRPr>
+              </a:p>
+              <a:p>
+                <a:pPr marL="882635" lvl="3" indent="-342797"/>
+                <a:r>
+                  <a:rPr lang="nl-NL" sz="1799" i="1" dirty="0">
+                    <a:latin typeface="Cambria Math" panose="02040503050406030204" pitchFamily="18" charset="0"/>
+                  </a:rPr>
+                  <a:t>Z</a:t>
+                </a:r>
+                <a:r>
+                  <a:rPr lang="nl-NL" sz="1799" dirty="0">
+                    <a:latin typeface="Cambria Math" panose="02040503050406030204" pitchFamily="18" charset="0"/>
+                  </a:rPr>
+                  <a:t> = </a:t>
+                </a:r>
+                <a:r>
+                  <a:rPr lang="nl-NL" sz="1799" dirty="0" err="1">
+                    <a:latin typeface="Cambria Math" panose="02040503050406030204" pitchFamily="18" charset="0"/>
+                  </a:rPr>
+                  <a:t>soil</a:t>
+                </a:r>
+                <a:r>
+                  <a:rPr lang="nl-NL" sz="1799" dirty="0">
+                    <a:latin typeface="Cambria Math" panose="02040503050406030204" pitchFamily="18" charset="0"/>
+                  </a:rPr>
+                  <a:t> </a:t>
+                </a:r>
+                <a:r>
+                  <a:rPr lang="nl-NL" sz="1799" dirty="0" err="1">
+                    <a:latin typeface="Cambria Math" panose="02040503050406030204" pitchFamily="18" charset="0"/>
+                  </a:rPr>
+                  <a:t>compaction</a:t>
+                </a:r>
+                <a:r>
+                  <a:rPr lang="nl-NL" sz="1799" dirty="0">
+                    <a:latin typeface="Cambria Math" panose="02040503050406030204" pitchFamily="18" charset="0"/>
+                  </a:rPr>
+                  <a:t> (m)</a:t>
+                </a:r>
+              </a:p>
+              <a:p>
+                <a:pPr marL="882635" lvl="3" indent="-342797"/>
+                <a:r>
+                  <a:rPr lang="nl-NL" sz="1799" i="1" dirty="0">
+                    <a:latin typeface="Cambria Math" panose="02040503050406030204" pitchFamily="18" charset="0"/>
+                  </a:rPr>
+                  <a:t>d</a:t>
+                </a:r>
+                <a:r>
+                  <a:rPr lang="nl-NL" sz="1799" dirty="0">
+                    <a:latin typeface="Cambria Math" panose="02040503050406030204" pitchFamily="18" charset="0"/>
+                  </a:rPr>
+                  <a:t> = </a:t>
+                </a:r>
+                <a:r>
+                  <a:rPr lang="nl-NL" sz="1799" dirty="0" err="1">
+                    <a:latin typeface="Cambria Math" panose="02040503050406030204" pitchFamily="18" charset="0"/>
+                  </a:rPr>
+                  <a:t>thickness</a:t>
+                </a:r>
+                <a:r>
+                  <a:rPr lang="nl-NL" sz="1799" dirty="0">
+                    <a:latin typeface="Cambria Math" panose="02040503050406030204" pitchFamily="18" charset="0"/>
+                  </a:rPr>
+                  <a:t> of </a:t>
+                </a:r>
+                <a:r>
+                  <a:rPr lang="nl-NL" sz="1799" dirty="0" err="1">
+                    <a:latin typeface="Cambria Math" panose="02040503050406030204" pitchFamily="18" charset="0"/>
+                  </a:rPr>
+                  <a:t>confining</a:t>
+                </a:r>
+                <a:r>
+                  <a:rPr lang="nl-NL" sz="1799" dirty="0">
+                    <a:latin typeface="Cambria Math" panose="02040503050406030204" pitchFamily="18" charset="0"/>
+                  </a:rPr>
+                  <a:t> layer (m)</a:t>
+                </a:r>
+              </a:p>
+              <a:p>
+                <a:pPr marL="882635" lvl="3" indent="-342797"/>
+                <a:r>
+                  <a:rPr lang="nl-NL" sz="1799" i="1" dirty="0" err="1">
+                    <a:latin typeface="Cambria Math" panose="02040503050406030204" pitchFamily="18" charset="0"/>
+                  </a:rPr>
+                  <a:t>C</a:t>
+                </a:r>
+                <a:r>
+                  <a:rPr lang="nl-NL" sz="1799" i="1" baseline="-25000" dirty="0" err="1">
+                    <a:latin typeface="Cambria Math" panose="02040503050406030204" pitchFamily="18" charset="0"/>
+                  </a:rPr>
+                  <a:t>p</a:t>
+                </a:r>
+                <a:r>
+                  <a:rPr lang="nl-NL" sz="1799" dirty="0">
+                    <a:latin typeface="Cambria Math" panose="02040503050406030204" pitchFamily="18" charset="0"/>
+                  </a:rPr>
+                  <a:t> = </a:t>
+                </a:r>
+                <a:r>
+                  <a:rPr lang="nl-NL" sz="1799" dirty="0" err="1">
+                    <a:latin typeface="Cambria Math" panose="02040503050406030204" pitchFamily="18" charset="0"/>
+                  </a:rPr>
+                  <a:t>primary</a:t>
+                </a:r>
+                <a:r>
+                  <a:rPr lang="nl-NL" sz="1799" dirty="0">
+                    <a:latin typeface="Cambria Math" panose="02040503050406030204" pitchFamily="18" charset="0"/>
+                  </a:rPr>
+                  <a:t> </a:t>
+                </a:r>
+                <a:r>
+                  <a:rPr lang="nl-NL" sz="1799" dirty="0" err="1">
+                    <a:latin typeface="Cambria Math" panose="02040503050406030204" pitchFamily="18" charset="0"/>
+                  </a:rPr>
+                  <a:t>compaction</a:t>
+                </a:r>
+                <a:r>
+                  <a:rPr lang="nl-NL" sz="1799" dirty="0">
+                    <a:latin typeface="Cambria Math" panose="02040503050406030204" pitchFamily="18" charset="0"/>
+                  </a:rPr>
+                  <a:t> constant (-)</a:t>
+                </a:r>
+              </a:p>
+              <a:p>
+                <a:pPr marL="882635" lvl="3" indent="-342797"/>
+                <a:r>
+                  <a:rPr lang="nl-NL" sz="1799" i="1" dirty="0">
+                    <a:latin typeface="Cambria Math" panose="02040503050406030204" pitchFamily="18" charset="0"/>
+                  </a:rPr>
+                  <a:t>C</a:t>
+                </a:r>
+                <a:r>
+                  <a:rPr lang="nl-NL" sz="1799" i="1" baseline="-25000" dirty="0">
+                    <a:latin typeface="Cambria Math" panose="02040503050406030204" pitchFamily="18" charset="0"/>
+                  </a:rPr>
+                  <a:t>s</a:t>
+                </a:r>
+                <a:r>
+                  <a:rPr lang="nl-NL" sz="1799" dirty="0">
+                    <a:latin typeface="Cambria Math" panose="02040503050406030204" pitchFamily="18" charset="0"/>
+                  </a:rPr>
+                  <a:t> = </a:t>
+                </a:r>
+                <a:r>
+                  <a:rPr lang="nl-NL" sz="1799" dirty="0" err="1">
+                    <a:latin typeface="Cambria Math" panose="02040503050406030204" pitchFamily="18" charset="0"/>
+                  </a:rPr>
+                  <a:t>secular</a:t>
+                </a:r>
+                <a:r>
+                  <a:rPr lang="nl-NL" sz="1799" dirty="0">
+                    <a:latin typeface="Cambria Math" panose="02040503050406030204" pitchFamily="18" charset="0"/>
+                  </a:rPr>
+                  <a:t> </a:t>
+                </a:r>
+                <a:r>
+                  <a:rPr lang="nl-NL" sz="1799" dirty="0" err="1">
+                    <a:latin typeface="Cambria Math" panose="02040503050406030204" pitchFamily="18" charset="0"/>
+                  </a:rPr>
+                  <a:t>compaction</a:t>
+                </a:r>
+                <a:r>
+                  <a:rPr lang="nl-NL" sz="1799" dirty="0">
+                    <a:latin typeface="Cambria Math" panose="02040503050406030204" pitchFamily="18" charset="0"/>
+                  </a:rPr>
+                  <a:t> constant (-)</a:t>
+                </a:r>
+              </a:p>
+              <a:p>
+                <a:pPr marL="882635" lvl="3" indent="-342797"/>
+                <a:r>
+                  <a:rPr lang="el-GR" sz="1799" i="1" dirty="0">
+                    <a:latin typeface="Cambria Math" panose="02040503050406030204" pitchFamily="18" charset="0"/>
+                  </a:rPr>
+                  <a:t>Φ</a:t>
+                </a:r>
+                <a:r>
+                  <a:rPr lang="nl-NL" sz="1799" dirty="0">
+                    <a:latin typeface="Cambria Math" panose="02040503050406030204" pitchFamily="18" charset="0"/>
+                  </a:rPr>
+                  <a:t> = </a:t>
+                </a:r>
+                <a:r>
+                  <a:rPr lang="nl-NL" sz="1799" dirty="0" err="1">
+                    <a:latin typeface="Cambria Math" panose="02040503050406030204" pitchFamily="18" charset="0"/>
+                  </a:rPr>
+                  <a:t>pore</a:t>
+                </a:r>
+                <a:r>
+                  <a:rPr lang="nl-NL" sz="1799" dirty="0">
+                    <a:latin typeface="Cambria Math" panose="02040503050406030204" pitchFamily="18" charset="0"/>
+                  </a:rPr>
+                  <a:t> </a:t>
+                </a:r>
+                <a:r>
+                  <a:rPr lang="nl-NL" sz="1799" dirty="0" err="1">
+                    <a:latin typeface="Cambria Math" panose="02040503050406030204" pitchFamily="18" charset="0"/>
+                  </a:rPr>
+                  <a:t>pressure</a:t>
+                </a:r>
+                <a:r>
+                  <a:rPr lang="nl-NL" sz="1799" dirty="0">
+                    <a:latin typeface="Cambria Math" panose="02040503050406030204" pitchFamily="18" charset="0"/>
+                  </a:rPr>
+                  <a:t> (</a:t>
+                </a:r>
+                <a:r>
+                  <a:rPr lang="nl-NL" sz="1799" dirty="0" err="1">
+                    <a:latin typeface="Cambria Math" panose="02040503050406030204" pitchFamily="18" charset="0"/>
+                  </a:rPr>
+                  <a:t>kN</a:t>
+                </a:r>
+                <a:r>
+                  <a:rPr lang="nl-NL" sz="1799" dirty="0">
+                    <a:latin typeface="Cambria Math" panose="02040503050406030204" pitchFamily="18" charset="0"/>
+                  </a:rPr>
+                  <a:t>/m</a:t>
+                </a:r>
+                <a:r>
+                  <a:rPr lang="nl-NL" sz="1799" baseline="30000" dirty="0">
+                    <a:latin typeface="Cambria Math" panose="02040503050406030204" pitchFamily="18" charset="0"/>
+                  </a:rPr>
+                  <a:t>2</a:t>
+                </a:r>
+                <a:r>
+                  <a:rPr lang="nl-NL" sz="1799" dirty="0">
+                    <a:latin typeface="Cambria Math" panose="02040503050406030204" pitchFamily="18" charset="0"/>
+                  </a:rPr>
+                  <a:t>)</a:t>
+                </a:r>
+              </a:p>
+              <a:p>
+                <a:pPr marL="882635" lvl="3" indent="-342797"/>
+                <a:r>
+                  <a:rPr lang="nl-NL" sz="1799" i="1" dirty="0">
+                    <a:latin typeface="Cambria Math" panose="02040503050406030204" pitchFamily="18" charset="0"/>
+                  </a:rPr>
+                  <a:t>d</a:t>
+                </a:r>
+                <a:r>
+                  <a:rPr lang="el-GR" sz="1799" i="1" dirty="0">
+                    <a:latin typeface="Cambria Math" panose="02040503050406030204" pitchFamily="18" charset="0"/>
+                  </a:rPr>
+                  <a:t>Φ</a:t>
+                </a:r>
+                <a:r>
+                  <a:rPr lang="nl-NL" sz="1799" i="1" dirty="0">
+                    <a:latin typeface="Cambria Math" panose="02040503050406030204" pitchFamily="18" charset="0"/>
+                  </a:rPr>
+                  <a:t> </a:t>
+                </a:r>
+                <a:r>
+                  <a:rPr lang="nl-NL" sz="1799" dirty="0">
+                    <a:latin typeface="Cambria Math" panose="02040503050406030204" pitchFamily="18" charset="0"/>
+                  </a:rPr>
+                  <a:t>= change of </a:t>
+                </a:r>
+                <a:r>
+                  <a:rPr lang="nl-NL" sz="1799" dirty="0" err="1">
+                    <a:latin typeface="Cambria Math" panose="02040503050406030204" pitchFamily="18" charset="0"/>
+                  </a:rPr>
+                  <a:t>pore</a:t>
+                </a:r>
+                <a:r>
+                  <a:rPr lang="nl-NL" sz="1799" dirty="0">
+                    <a:latin typeface="Cambria Math" panose="02040503050406030204" pitchFamily="18" charset="0"/>
+                  </a:rPr>
+                  <a:t> </a:t>
+                </a:r>
+                <a:r>
+                  <a:rPr lang="nl-NL" sz="1799" dirty="0" err="1">
+                    <a:latin typeface="Cambria Math" panose="02040503050406030204" pitchFamily="18" charset="0"/>
+                  </a:rPr>
+                  <a:t>pressure</a:t>
+                </a:r>
+                <a:r>
+                  <a:rPr lang="nl-NL" sz="1799" dirty="0">
+                    <a:latin typeface="Cambria Math" panose="02040503050406030204" pitchFamily="18" charset="0"/>
+                  </a:rPr>
+                  <a:t> (</a:t>
+                </a:r>
+                <a:r>
+                  <a:rPr lang="nl-NL" sz="1799" dirty="0" err="1">
+                    <a:latin typeface="Cambria Math" panose="02040503050406030204" pitchFamily="18" charset="0"/>
+                  </a:rPr>
+                  <a:t>kN</a:t>
+                </a:r>
+                <a:r>
+                  <a:rPr lang="nl-NL" sz="1799" dirty="0">
+                    <a:latin typeface="Cambria Math" panose="02040503050406030204" pitchFamily="18" charset="0"/>
+                  </a:rPr>
+                  <a:t>/m</a:t>
+                </a:r>
+                <a:r>
+                  <a:rPr lang="nl-NL" sz="1799" baseline="30000" dirty="0">
+                    <a:latin typeface="Cambria Math" panose="02040503050406030204" pitchFamily="18" charset="0"/>
+                  </a:rPr>
+                  <a:t>2</a:t>
+                </a:r>
+                <a:r>
+                  <a:rPr lang="nl-NL" sz="1799" dirty="0">
+                    <a:latin typeface="Cambria Math" panose="02040503050406030204" pitchFamily="18" charset="0"/>
+                  </a:rPr>
+                  <a:t>)</a:t>
+                </a:r>
+              </a:p>
+              <a:p>
+                <a:pPr marL="882635" lvl="3" indent="-342797"/>
+                <a:r>
+                  <a:rPr lang="nl-NL" sz="1799" i="1" dirty="0">
+                    <a:latin typeface="Cambria Math" panose="02040503050406030204" pitchFamily="18" charset="0"/>
+                  </a:rPr>
+                  <a:t>t </a:t>
+                </a:r>
+                <a:r>
+                  <a:rPr lang="nl-NL" sz="1799" dirty="0">
+                    <a:latin typeface="Cambria Math" panose="02040503050406030204" pitchFamily="18" charset="0"/>
+                  </a:rPr>
+                  <a:t>= time (</a:t>
+                </a:r>
+                <a:r>
+                  <a:rPr lang="nl-NL" sz="1799" dirty="0" err="1">
+                    <a:latin typeface="Cambria Math" panose="02040503050406030204" pitchFamily="18" charset="0"/>
+                  </a:rPr>
+                  <a:t>days</a:t>
+                </a:r>
+                <a:r>
+                  <a:rPr lang="nl-NL" sz="1799" dirty="0">
+                    <a:latin typeface="Cambria Math" panose="02040503050406030204" pitchFamily="18" charset="0"/>
+                  </a:rPr>
+                  <a:t>)</a:t>
+                </a:r>
+              </a:p>
+              <a:p>
+                <a:endParaRPr lang="nl-NL" dirty="0">
+                  <a:latin typeface="Cambria Math" panose="02040503050406030204" pitchFamily="18" charset="0"/>
+                </a:endParaRPr>
+              </a:p>
+              <a:p>
+                <a:pPr marL="342797" indent="-342797">
+                  <a:buFont typeface="Arial" panose="020B0604020202020204" pitchFamily="34" charset="0"/>
+                  <a:buChar char="•"/>
+                </a:pPr>
+                <a:endParaRPr lang="nl-NL" dirty="0">
+                  <a:latin typeface="Cambria Math" panose="02040503050406030204" pitchFamily="18" charset="0"/>
+                </a:endParaRPr>
+              </a:p>
+              <a:p>
+                <a:endParaRPr lang="nl-NL" dirty="0">
+                  <a:latin typeface="Cambria Math" panose="02040503050406030204" pitchFamily="18" charset="0"/>
+                </a:endParaRPr>
+              </a:p>
+              <a:p>
+                <a:pPr marL="342797" indent="-342797">
+                  <a:buFont typeface="Arial" panose="020B0604020202020204" pitchFamily="34" charset="0"/>
+                  <a:buChar char="•"/>
+                </a:pPr>
+                <a:endParaRPr lang="nl-NL" dirty="0">
+                  <a:latin typeface="Cambria Math" panose="02040503050406030204" pitchFamily="18" charset="0"/>
+                </a:endParaRPr>
+              </a:p>
+              <a:p>
+                <a:endParaRPr lang="nl-NL" dirty="0">
+                  <a:latin typeface="Cambria Math" panose="02040503050406030204" pitchFamily="18" charset="0"/>
+                </a:endParaRPr>
+              </a:p>
+              <a:p>
+                <a:endParaRPr lang="nl-NL" dirty="0"/>
+              </a:p>
+            </p:txBody>
+          </p:sp>
+        </mc:Choice>
+        <mc:Fallback xmlns="">
+          <p:sp>
+            <p:nvSpPr>
+              <p:cNvPr id="4" name="Content Placeholder 3">
+                <a:extLst>
+                  <a:ext uri="{FF2B5EF4-FFF2-40B4-BE49-F238E27FC236}">
+                    <a16:creationId xmlns:a16="http://schemas.microsoft.com/office/drawing/2014/main" id="{8640B7B5-C3D9-8994-5B24-E30F5BB6795E}"/>
+                  </a:ext>
+                </a:extLst>
+              </p:cNvPr>
+              <p:cNvSpPr>
+                <a:spLocks noGrp="1" noRot="1" noChangeAspect="1" noMove="1" noResize="1" noEditPoints="1" noAdjustHandles="1" noChangeArrowheads="1" noChangeShapeType="1" noTextEdit="1"/>
+              </p:cNvSpPr>
+              <p:nvPr>
+                <p:ph sz="quarter" idx="13"/>
+              </p:nvPr>
+            </p:nvSpPr>
+            <p:spPr>
+              <a:xfrm>
+                <a:off x="912724" y="2030044"/>
+                <a:ext cx="5687851" cy="3882309"/>
+              </a:xfrm>
+              <a:blipFill>
+                <a:blip r:embed="rId2"/>
+                <a:stretch>
+                  <a:fillRect l="-1501" t="-1413" r="-1179"/>
+                </a:stretch>
+              </a:blipFill>
+            </p:spPr>
+            <p:txBody>
+              <a:bodyPr/>
+              <a:lstStyle/>
+              <a:p>
+                <a:r>
+                  <a:rPr lang="nl-NL">
+                    <a:noFill/>
+                  </a:rPr>
+                  <a:t> </a:t>
+                </a:r>
+              </a:p>
+            </p:txBody>
+          </p:sp>
+        </mc:Fallback>
+      </mc:AlternateContent>
+      <p:sp>
+        <p:nvSpPr>
+          <p:cNvPr id="5" name="Title 4">
+            <a:extLst>
+              <a:ext uri="{FF2B5EF4-FFF2-40B4-BE49-F238E27FC236}">
+                <a16:creationId xmlns:a16="http://schemas.microsoft.com/office/drawing/2014/main" id="{69629E6F-6985-67FE-B3C7-AA9F191AA25A}"/>
+              </a:ext>
+            </a:extLst>
+          </p:cNvPr>
+          <p:cNvSpPr>
+            <a:spLocks noGrp="1"/>
+          </p:cNvSpPr>
+          <p:nvPr>
+            <p:ph type="title"/>
+          </p:nvPr>
+        </p:nvSpPr>
+        <p:spPr/>
+        <p:txBody>
+          <a:bodyPr/>
+          <a:lstStyle/>
+          <a:p>
+            <a:r>
+              <a:rPr lang="nl-NL" dirty="0" err="1"/>
+              <a:t>Soil</a:t>
+            </a:r>
+            <a:r>
+              <a:rPr lang="nl-NL" dirty="0"/>
+              <a:t> </a:t>
+            </a:r>
+            <a:r>
+              <a:rPr lang="nl-NL" dirty="0" err="1"/>
+              <a:t>compaction</a:t>
+            </a:r>
+            <a:br>
+              <a:rPr lang="nl-NL" dirty="0"/>
+            </a:br>
+            <a:r>
+              <a:rPr lang="nl-NL" sz="1999" dirty="0"/>
+              <a:t>‘zetting’ (in Dutch)</a:t>
+            </a:r>
+          </a:p>
+        </p:txBody>
+      </p:sp>
+      <p:sp>
+        <p:nvSpPr>
+          <p:cNvPr id="3" name="TextBox 2">
+            <a:extLst>
+              <a:ext uri="{FF2B5EF4-FFF2-40B4-BE49-F238E27FC236}">
+                <a16:creationId xmlns:a16="http://schemas.microsoft.com/office/drawing/2014/main" id="{6FBBBCA7-082B-CC30-52E4-E30B4FA6A987}"/>
+              </a:ext>
+            </a:extLst>
+          </p:cNvPr>
+          <p:cNvSpPr txBox="1"/>
+          <p:nvPr/>
+        </p:nvSpPr>
+        <p:spPr>
+          <a:xfrm>
+            <a:off x="0" y="893"/>
+            <a:ext cx="6095967" cy="369108"/>
+          </a:xfrm>
+          <a:prstGeom prst="rect">
+            <a:avLst/>
+          </a:prstGeom>
+          <a:noFill/>
+        </p:spPr>
+        <p:txBody>
+          <a:bodyPr wrap="square">
+            <a:spAutoFit/>
+          </a:bodyPr>
+          <a:lstStyle/>
+          <a:p>
+            <a:r>
+              <a:rPr lang="en-GB" sz="1799" dirty="0"/>
+              <a:t>Extraction</a:t>
+            </a:r>
+            <a:endParaRPr lang="nl-NL" sz="1799" dirty="0"/>
+          </a:p>
+        </p:txBody>
+      </p:sp>
+      <p:pic>
+        <p:nvPicPr>
+          <p:cNvPr id="6" name="Picture 5">
+            <a:extLst>
+              <a:ext uri="{FF2B5EF4-FFF2-40B4-BE49-F238E27FC236}">
+                <a16:creationId xmlns:a16="http://schemas.microsoft.com/office/drawing/2014/main" id="{CDAA10FC-3989-043A-D0C2-9C9FDA2259F7}"/>
+              </a:ext>
+            </a:extLst>
+          </p:cNvPr>
+          <p:cNvPicPr>
+            <a:picLocks noChangeAspect="1"/>
+          </p:cNvPicPr>
+          <p:nvPr/>
+        </p:nvPicPr>
+        <p:blipFill>
+          <a:blip r:embed="rId3"/>
+          <a:stretch>
+            <a:fillRect/>
+          </a:stretch>
+        </p:blipFill>
+        <p:spPr>
+          <a:xfrm>
+            <a:off x="6806490" y="189483"/>
+            <a:ext cx="5192630" cy="3867682"/>
+          </a:xfrm>
+          <a:prstGeom prst="rect">
+            <a:avLst/>
+          </a:prstGeom>
+        </p:spPr>
+      </p:pic>
+      <p:sp>
+        <p:nvSpPr>
+          <p:cNvPr id="8" name="TextBox 7">
+            <a:extLst>
+              <a:ext uri="{FF2B5EF4-FFF2-40B4-BE49-F238E27FC236}">
+                <a16:creationId xmlns:a16="http://schemas.microsoft.com/office/drawing/2014/main" id="{C61E9757-9950-786F-6F50-F25B82551DE2}"/>
+              </a:ext>
+            </a:extLst>
+          </p:cNvPr>
+          <p:cNvSpPr txBox="1"/>
+          <p:nvPr/>
+        </p:nvSpPr>
+        <p:spPr>
+          <a:xfrm>
+            <a:off x="912724" y="5635427"/>
+            <a:ext cx="6133279" cy="246157"/>
+          </a:xfrm>
+          <a:prstGeom prst="rect">
+            <a:avLst/>
+          </a:prstGeom>
+          <a:noFill/>
+        </p:spPr>
+        <p:txBody>
+          <a:bodyPr wrap="square">
+            <a:spAutoFit/>
+          </a:bodyPr>
+          <a:lstStyle/>
+          <a:p>
+            <a:r>
+              <a:rPr lang="nl-NL" sz="1000" dirty="0"/>
+              <a:t>Drijver (2002): </a:t>
+            </a:r>
+            <a:r>
+              <a:rPr lang="nl-NL" sz="1000" dirty="0">
+                <a:hlinkClick r:id="rId4"/>
+              </a:rPr>
+              <a:t>https://edepot.wur.nl/358642</a:t>
+            </a:r>
+            <a:r>
+              <a:rPr lang="nl-NL" sz="1000" dirty="0"/>
+              <a:t>  </a:t>
+            </a:r>
+          </a:p>
+        </p:txBody>
+      </p:sp>
+      <p:sp>
+        <p:nvSpPr>
+          <p:cNvPr id="10" name="TextBox 9">
+            <a:extLst>
+              <a:ext uri="{FF2B5EF4-FFF2-40B4-BE49-F238E27FC236}">
+                <a16:creationId xmlns:a16="http://schemas.microsoft.com/office/drawing/2014/main" id="{9BCCD33D-0922-00BC-3944-49268B91346F}"/>
+              </a:ext>
+            </a:extLst>
+          </p:cNvPr>
+          <p:cNvSpPr txBox="1"/>
+          <p:nvPr/>
+        </p:nvSpPr>
+        <p:spPr>
+          <a:xfrm>
+            <a:off x="6573689" y="3974725"/>
+            <a:ext cx="5425430" cy="246157"/>
+          </a:xfrm>
+          <a:prstGeom prst="rect">
+            <a:avLst/>
+          </a:prstGeom>
+          <a:noFill/>
+        </p:spPr>
+        <p:txBody>
+          <a:bodyPr wrap="square">
+            <a:spAutoFit/>
+          </a:bodyPr>
+          <a:lstStyle/>
+          <a:p>
+            <a:pPr algn="r"/>
+            <a:r>
+              <a:rPr lang="nl-NL" sz="1000" dirty="0">
+                <a:hlinkClick r:id="rId5"/>
+              </a:rPr>
+              <a:t>http://www.grondwaterformules.nl/index.php/formules/onttrekking/deklaag-zonder-rand-de-glee</a:t>
+            </a:r>
+            <a:r>
+              <a:rPr lang="nl-NL" sz="1000" dirty="0"/>
+              <a:t> </a:t>
+            </a:r>
+          </a:p>
+        </p:txBody>
+      </p:sp>
+      <p:pic>
+        <p:nvPicPr>
+          <p:cNvPr id="12" name="Picture 11">
+            <a:extLst>
+              <a:ext uri="{FF2B5EF4-FFF2-40B4-BE49-F238E27FC236}">
+                <a16:creationId xmlns:a16="http://schemas.microsoft.com/office/drawing/2014/main" id="{F7A0F43E-171B-12F3-7A75-64E02A6B5704}"/>
+              </a:ext>
+            </a:extLst>
+          </p:cNvPr>
+          <p:cNvPicPr>
+            <a:picLocks noChangeAspect="1"/>
+          </p:cNvPicPr>
+          <p:nvPr/>
+        </p:nvPicPr>
+        <p:blipFill>
+          <a:blip r:embed="rId6"/>
+          <a:stretch>
+            <a:fillRect/>
+          </a:stretch>
+        </p:blipFill>
+        <p:spPr>
+          <a:xfrm>
+            <a:off x="6073920" y="4364861"/>
+            <a:ext cx="5777105" cy="2189926"/>
+          </a:xfrm>
+          <a:prstGeom prst="rect">
+            <a:avLst/>
+          </a:prstGeom>
+        </p:spPr>
+      </p:pic>
+    </p:spTree>
+    <p:extLst>
+      <p:ext uri="{BB962C8B-B14F-4D97-AF65-F5344CB8AC3E}">
+        <p14:creationId xmlns:p14="http://schemas.microsoft.com/office/powerpoint/2010/main" val="240330693"/>
+      </p:ext>
+    </p:extLst>
+  </p:cSld>
+  <p:clrMapOvr>
+    <a:masterClrMapping/>
+  </p:clrMapOvr>
+  <mc:AlternateContent xmlns:mc="http://schemas.openxmlformats.org/markup-compatibility/2006" xmlns:p14="http://schemas.microsoft.com/office/powerpoint/2010/main">
+    <mc:Choice Requires="p14">
+      <p:transition spd="med" p14:dur="700">
+        <p:fade/>
+      </p:transition>
+    </mc:Choice>
+    <mc:Fallback xmlns="">
+      <p:transition spd="med" advClick="true">
+        <p:fade/>
+      </p:transition>
+    </mc:Fallback>
+  </mc:AlternateContent>
+  <p:timing>
+    <p:tnLst>
+      <p:par>
+        <p:cTn id="1" dur="indefinite" restart="never" nodeType="tmRoot">
+          <p:childTnLst>
+            <p:seq concurrent="1" nextAc="seek">
+              <p:cTn id="2" dur="indefinite" nodeType="mainSeq">
+                <p:childTnLst>
+                  <p:par>
+                    <p:cTn id="3" fill="hold">
+                      <p:stCondLst>
+                        <p:cond delay="indefinite"/>
+                      </p:stCondLst>
+                      <p:childTnLst>
+                        <p:par>
+                          <p:cTn id="4" fill="hold">
+                            <p:stCondLst>
+                              <p:cond delay="0"/>
+                            </p:stCondLst>
+                            <p:childTnLst>
+                              <p:par>
+                                <p:cTn id="5" presetID="1" presetClass="entr" presetSubtype="0" fill="hold" nodeType="clickEffect">
+                                  <p:stCondLst>
+                                    <p:cond delay="0"/>
+                                  </p:stCondLst>
+                                  <p:childTnLst>
+                                    <p:set>
+                                      <p:cBhvr>
+                                        <p:cTn id="6" dur="1" fill="hold">
+                                          <p:stCondLst>
+                                            <p:cond delay="0"/>
+                                          </p:stCondLst>
+                                        </p:cTn>
+                                        <p:tgtEl>
+                                          <p:spTgt spid="4">
+                                            <p:txEl>
+                                              <p:pRg st="1" end="1"/>
+                                            </p:txEl>
+                                          </p:spTgt>
+                                        </p:tgtEl>
+                                        <p:attrNameLst>
+                                          <p:attrName>style.visibility</p:attrName>
+                                        </p:attrNameLst>
+                                      </p:cBhvr>
+                                      <p:to>
+                                        <p:strVal val="visible"/>
+                                      </p:to>
+                                    </p:set>
+                                  </p:childTnLst>
+                                </p:cTn>
+                              </p:par>
+                              <p:par>
+                                <p:cTn id="7" presetID="1" presetClass="entr" presetSubtype="0" fill="hold" nodeType="withEffect">
+                                  <p:stCondLst>
+                                    <p:cond delay="0"/>
+                                  </p:stCondLst>
+                                  <p:childTnLst>
+                                    <p:set>
+                                      <p:cBhvr>
+                                        <p:cTn id="8" dur="1" fill="hold">
+                                          <p:stCondLst>
+                                            <p:cond delay="0"/>
+                                          </p:stCondLst>
+                                        </p:cTn>
+                                        <p:tgtEl>
+                                          <p:spTgt spid="4">
+                                            <p:txEl>
+                                              <p:pRg st="2" end="2"/>
+                                            </p:txEl>
+                                          </p:spTgt>
+                                        </p:tgtEl>
+                                        <p:attrNameLst>
+                                          <p:attrName>style.visibility</p:attrName>
+                                        </p:attrNameLst>
+                                      </p:cBhvr>
+                                      <p:to>
+                                        <p:strVal val="visible"/>
+                                      </p:to>
+                                    </p:set>
+                                  </p:childTnLst>
+                                </p:cTn>
+                              </p:par>
+                              <p:par>
+                                <p:cTn id="9" presetID="1" presetClass="entr" presetSubtype="0" fill="hold" nodeType="withEffect">
+                                  <p:stCondLst>
+                                    <p:cond delay="0"/>
+                                  </p:stCondLst>
+                                  <p:childTnLst>
+                                    <p:set>
+                                      <p:cBhvr>
+                                        <p:cTn id="10" dur="1" fill="hold">
+                                          <p:stCondLst>
+                                            <p:cond delay="0"/>
+                                          </p:stCondLst>
+                                        </p:cTn>
+                                        <p:tgtEl>
+                                          <p:spTgt spid="4">
+                                            <p:txEl>
+                                              <p:pRg st="3" end="3"/>
+                                            </p:txEl>
+                                          </p:spTgt>
+                                        </p:tgtEl>
+                                        <p:attrNameLst>
+                                          <p:attrName>style.visibility</p:attrName>
+                                        </p:attrNameLst>
+                                      </p:cBhvr>
+                                      <p:to>
+                                        <p:strVal val="visible"/>
+                                      </p:to>
+                                    </p:set>
+                                  </p:childTnLst>
+                                </p:cTn>
+                              </p:par>
+                              <p:par>
+                                <p:cTn id="11" presetID="1" presetClass="entr" presetSubtype="0" fill="hold" nodeType="withEffect">
+                                  <p:stCondLst>
+                                    <p:cond delay="0"/>
+                                  </p:stCondLst>
+                                  <p:childTnLst>
+                                    <p:set>
+                                      <p:cBhvr>
+                                        <p:cTn id="12" dur="1" fill="hold">
+                                          <p:stCondLst>
+                                            <p:cond delay="0"/>
+                                          </p:stCondLst>
+                                        </p:cTn>
+                                        <p:tgtEl>
+                                          <p:spTgt spid="4">
+                                            <p:txEl>
+                                              <p:pRg st="4" end="4"/>
+                                            </p:txEl>
+                                          </p:spTgt>
+                                        </p:tgtEl>
+                                        <p:attrNameLst>
+                                          <p:attrName>style.visibility</p:attrName>
+                                        </p:attrNameLst>
+                                      </p:cBhvr>
+                                      <p:to>
+                                        <p:strVal val="visible"/>
+                                      </p:to>
+                                    </p:set>
+                                  </p:childTnLst>
+                                </p:cTn>
+                              </p:par>
+                              <p:par>
+                                <p:cTn id="13" presetID="1" presetClass="entr" presetSubtype="0" fill="hold" nodeType="withEffect">
+                                  <p:stCondLst>
+                                    <p:cond delay="0"/>
+                                  </p:stCondLst>
+                                  <p:childTnLst>
+                                    <p:set>
+                                      <p:cBhvr>
+                                        <p:cTn id="14" dur="1" fill="hold">
+                                          <p:stCondLst>
+                                            <p:cond delay="0"/>
+                                          </p:stCondLst>
+                                        </p:cTn>
+                                        <p:tgtEl>
+                                          <p:spTgt spid="4">
+                                            <p:txEl>
+                                              <p:pRg st="5" end="5"/>
+                                            </p:txEl>
+                                          </p:spTgt>
+                                        </p:tgtEl>
+                                        <p:attrNameLst>
+                                          <p:attrName>style.visibility</p:attrName>
+                                        </p:attrNameLst>
+                                      </p:cBhvr>
+                                      <p:to>
+                                        <p:strVal val="visible"/>
+                                      </p:to>
+                                    </p:set>
+                                  </p:childTnLst>
+                                </p:cTn>
+                              </p:par>
+                              <p:par>
+                                <p:cTn id="15" presetID="1" presetClass="entr" presetSubtype="0" fill="hold" nodeType="withEffect">
+                                  <p:stCondLst>
+                                    <p:cond delay="0"/>
+                                  </p:stCondLst>
+                                  <p:childTnLst>
+                                    <p:set>
+                                      <p:cBhvr>
+                                        <p:cTn id="16" dur="1" fill="hold">
+                                          <p:stCondLst>
+                                            <p:cond delay="0"/>
+                                          </p:stCondLst>
+                                        </p:cTn>
+                                        <p:tgtEl>
+                                          <p:spTgt spid="4">
+                                            <p:txEl>
+                                              <p:pRg st="6" end="6"/>
+                                            </p:txEl>
+                                          </p:spTgt>
+                                        </p:tgtEl>
+                                        <p:attrNameLst>
+                                          <p:attrName>style.visibility</p:attrName>
+                                        </p:attrNameLst>
+                                      </p:cBhvr>
+                                      <p:to>
+                                        <p:strVal val="visible"/>
+                                      </p:to>
+                                    </p:set>
+                                  </p:childTnLst>
+                                </p:cTn>
+                              </p:par>
+                              <p:par>
+                                <p:cTn id="17" presetID="1" presetClass="entr" presetSubtype="0" fill="hold" nodeType="withEffect">
+                                  <p:stCondLst>
+                                    <p:cond delay="0"/>
+                                  </p:stCondLst>
+                                  <p:childTnLst>
+                                    <p:set>
+                                      <p:cBhvr>
+                                        <p:cTn id="18" dur="1" fill="hold">
+                                          <p:stCondLst>
+                                            <p:cond delay="0"/>
+                                          </p:stCondLst>
+                                        </p:cTn>
+                                        <p:tgtEl>
+                                          <p:spTgt spid="4">
+                                            <p:txEl>
+                                              <p:pRg st="7" end="7"/>
+                                            </p:txEl>
+                                          </p:spTgt>
+                                        </p:tgtEl>
+                                        <p:attrNameLst>
+                                          <p:attrName>style.visibility</p:attrName>
+                                        </p:attrNameLst>
+                                      </p:cBhvr>
+                                      <p:to>
+                                        <p:strVal val="visible"/>
+                                      </p:to>
+                                    </p:set>
+                                  </p:childTnLst>
+                                </p:cTn>
+                              </p:par>
+                              <p:par>
+                                <p:cTn id="19" presetID="1" presetClass="entr" presetSubtype="0" fill="hold" nodeType="withEffect">
+                                  <p:stCondLst>
+                                    <p:cond delay="0"/>
+                                  </p:stCondLst>
+                                  <p:childTnLst>
+                                    <p:set>
+                                      <p:cBhvr>
+                                        <p:cTn id="20" dur="1" fill="hold">
+                                          <p:stCondLst>
+                                            <p:cond delay="0"/>
+                                          </p:stCondLst>
+                                        </p:cTn>
+                                        <p:tgtEl>
+                                          <p:spTgt spid="4">
+                                            <p:txEl>
+                                              <p:pRg st="8" end="8"/>
+                                            </p:txEl>
+                                          </p:spTgt>
+                                        </p:tgtEl>
+                                        <p:attrNameLst>
+                                          <p:attrName>style.visibility</p:attrName>
+                                        </p:attrNameLst>
+                                      </p:cBhvr>
+                                      <p:to>
+                                        <p:strVal val="visible"/>
+                                      </p:to>
+                                    </p:set>
+                                  </p:childTnLst>
+                                </p:cTn>
+                              </p:par>
+                              <p:par>
+                                <p:cTn id="21" presetID="1" presetClass="entr" presetSubtype="0" fill="hold" grpId="0" nodeType="withEffect">
+                                  <p:stCondLst>
+                                    <p:cond delay="0"/>
+                                  </p:stCondLst>
+                                  <p:childTnLst>
+                                    <p:set>
+                                      <p:cBhvr>
+                                        <p:cTn id="22" dur="1" fill="hold">
+                                          <p:stCondLst>
+                                            <p:cond delay="0"/>
+                                          </p:stCondLst>
+                                        </p:cTn>
+                                        <p:tgtEl>
+                                          <p:spTgt spid="8"/>
+                                        </p:tgtEl>
+                                        <p:attrNameLst>
+                                          <p:attrName>style.visibility</p:attrName>
+                                        </p:attrNameLst>
+                                      </p:cBhvr>
+                                      <p:to>
+                                        <p:strVal val="visible"/>
+                                      </p:to>
+                                    </p:set>
+                                  </p:childTnLst>
+                                </p:cTn>
+                              </p:par>
+                            </p:childTnLst>
+                          </p:cTn>
+                        </p:par>
+                      </p:childTnLst>
+                    </p:cTn>
+                  </p:par>
+                  <p:par>
+                    <p:cTn id="23" fill="hold">
+                      <p:stCondLst>
+                        <p:cond delay="indefinite"/>
+                      </p:stCondLst>
+                      <p:childTnLst>
+                        <p:par>
+                          <p:cTn id="24" fill="hold">
+                            <p:stCondLst>
+                              <p:cond delay="0"/>
+                            </p:stCondLst>
+                            <p:childTnLst>
+                              <p:par>
+                                <p:cTn id="25" presetID="1" presetClass="entr" presetSubtype="0" fill="hold" nodeType="clickEffect">
+                                  <p:stCondLst>
+                                    <p:cond delay="0"/>
+                                  </p:stCondLst>
+                                  <p:childTnLst>
+                                    <p:set>
+                                      <p:cBhvr>
+                                        <p:cTn id="26" dur="1" fill="hold">
+                                          <p:stCondLst>
+                                            <p:cond delay="0"/>
+                                          </p:stCondLst>
+                                        </p:cTn>
+                                        <p:tgtEl>
+                                          <p:spTgt spid="12"/>
+                                        </p:tgtEl>
+                                        <p:attrNameLst>
+                                          <p:attrName>style.visibility</p:attrName>
+                                        </p:attrNameLst>
+                                      </p:cBhvr>
+                                      <p:to>
+                                        <p:strVal val="visible"/>
+                                      </p:to>
+                                    </p:set>
+                                  </p:childTnLst>
+                                </p:cTn>
+                              </p:par>
+                            </p:childTnLst>
+                          </p:cTn>
+                        </p:par>
+                      </p:childTnLst>
+                    </p:cTn>
+                  </p:par>
+                </p:childTnLst>
+              </p:cTn>
+              <p:prevCondLst>
+                <p:cond evt="onPrev" delay="0">
+                  <p:tgtEl>
+                    <p:sldTgt/>
+                  </p:tgtEl>
+                </p:cond>
+              </p:prevCondLst>
+              <p:nextCondLst>
+                <p:cond evt="onNext" delay="0">
+                  <p:tgtEl>
+                    <p:sldTgt/>
+                  </p:tgtEl>
+                </p:cond>
+              </p:nextCondLst>
+            </p:seq>
+          </p:childTnLst>
+        </p:cTn>
+      </p:par>
+    </p:tnLst>
+    <p:bldLst>
+      <p:bldP spid="8" grpId="0"/>
+    </p:bldLst>
+  </p:timing>
+</p:sld>
+</file>
+
+<file path=ppt/slides/slide13.xml><?xml version="1.0" encoding="utf-8"?>
+<p:sld xmlns:a="http://schemas.openxmlformats.org/drawingml/2006/main" xmlns:r="http://schemas.openxmlformats.org/officeDocument/2006/relationships" xmlns:p="http://schemas.openxmlformats.org/presentationml/2006/main">
+  <p:cSld>
+    <p:spTree>
+      <p:nvGrpSpPr>
+        <p:cNvPr id="1" name=""/>
+        <p:cNvGrpSpPr/>
+        <p:nvPr/>
+      </p:nvGrpSpPr>
+      <p:grpSpPr>
+        <a:xfrm>
+          <a:off x="0" y="0"/>
+          <a:ext cx="0" cy="0"/>
+          <a:chOff x="0" y="0"/>
+          <a:chExt cx="0" cy="0"/>
+        </a:xfrm>
+      </p:grpSpPr>
+      <p:sp>
+        <p:nvSpPr>
+          <p:cNvPr id="4" name="Title 3">
+            <a:extLst>
+              <a:ext uri="{FF2B5EF4-FFF2-40B4-BE49-F238E27FC236}">
+                <a16:creationId xmlns:a16="http://schemas.microsoft.com/office/drawing/2014/main" id="{45021609-A332-80AB-DDE9-7D2FB6A9BD32}"/>
+              </a:ext>
+            </a:extLst>
+          </p:cNvPr>
+          <p:cNvSpPr>
+            <a:spLocks noGrp="1"/>
+          </p:cNvSpPr>
+          <p:nvPr>
+            <p:ph type="title"/>
+          </p:nvPr>
+        </p:nvSpPr>
+        <p:spPr/>
+        <p:txBody>
+          <a:bodyPr/>
+          <a:lstStyle/>
+          <a:p>
+            <a:r>
+              <a:rPr lang="nl-NL" dirty="0"/>
+              <a:t>Dispersivity</a:t>
+            </a:r>
+          </a:p>
+        </p:txBody>
+      </p:sp>
+      <p:sp>
+        <p:nvSpPr>
+          <p:cNvPr id="20" name="TextBox 19">
+            <a:extLst>
+              <a:ext uri="{FF2B5EF4-FFF2-40B4-BE49-F238E27FC236}">
+                <a16:creationId xmlns:a16="http://schemas.microsoft.com/office/drawing/2014/main" id="{03EB1F50-F9E5-F792-7C40-F06984D77816}"/>
+              </a:ext>
+            </a:extLst>
+          </p:cNvPr>
+          <p:cNvSpPr txBox="1"/>
+          <p:nvPr/>
+        </p:nvSpPr>
+        <p:spPr>
+          <a:xfrm>
+            <a:off x="10553252" y="2775487"/>
+            <a:ext cx="1129162" cy="369332"/>
+          </a:xfrm>
+          <a:prstGeom prst="rect">
+            <a:avLst/>
+          </a:prstGeom>
+          <a:noFill/>
+        </p:spPr>
+        <p:txBody>
+          <a:bodyPr wrap="square" rtlCol="0">
+            <a:spAutoFit/>
+          </a:bodyPr>
+          <a:lstStyle/>
+          <a:p>
+            <a:endParaRPr lang="nl-NL" dirty="0"/>
+          </a:p>
+        </p:txBody>
+      </p:sp>
+      <p:grpSp>
+        <p:nvGrpSpPr>
+          <p:cNvPr id="23" name="Group 22">
+            <a:extLst>
+              <a:ext uri="{FF2B5EF4-FFF2-40B4-BE49-F238E27FC236}">
+                <a16:creationId xmlns:a16="http://schemas.microsoft.com/office/drawing/2014/main" id="{6AFB89A5-E3A6-18DA-D807-1F14BA6297B1}"/>
+              </a:ext>
+            </a:extLst>
+          </p:cNvPr>
+          <p:cNvGrpSpPr/>
+          <p:nvPr/>
+        </p:nvGrpSpPr>
+        <p:grpSpPr>
+          <a:xfrm>
+            <a:off x="4028160" y="199566"/>
+            <a:ext cx="7734936" cy="5663352"/>
+            <a:chOff x="4028160" y="199566"/>
+            <a:chExt cx="7734936" cy="5663352"/>
+          </a:xfrm>
+        </p:grpSpPr>
+        <p:pic>
+          <p:nvPicPr>
+            <p:cNvPr id="6" name="Picture 5">
+              <a:extLst>
+                <a:ext uri="{FF2B5EF4-FFF2-40B4-BE49-F238E27FC236}">
+                  <a16:creationId xmlns:a16="http://schemas.microsoft.com/office/drawing/2014/main" id="{BB8F00D0-8C66-425F-9951-EBB10E1AF2E0}"/>
+                </a:ext>
+              </a:extLst>
+            </p:cNvPr>
+            <p:cNvPicPr>
+              <a:picLocks noChangeAspect="1"/>
+            </p:cNvPicPr>
+            <p:nvPr/>
+          </p:nvPicPr>
+          <p:blipFill rotWithShape="1">
+            <a:blip r:embed="rId2"/>
+            <a:srcRect b="8475"/>
+            <a:stretch/>
+          </p:blipFill>
+          <p:spPr>
+            <a:xfrm>
+              <a:off x="4028160" y="199566"/>
+              <a:ext cx="6331064" cy="5663352"/>
+            </a:xfrm>
+            <a:prstGeom prst="rect">
+              <a:avLst/>
+            </a:prstGeom>
+          </p:spPr>
+        </p:pic>
+        <p:sp>
+          <p:nvSpPr>
+            <p:cNvPr id="7" name="Oval 6">
+              <a:extLst>
+                <a:ext uri="{FF2B5EF4-FFF2-40B4-BE49-F238E27FC236}">
+                  <a16:creationId xmlns:a16="http://schemas.microsoft.com/office/drawing/2014/main" id="{673C088E-9B9C-769D-785C-A9D48D331109}"/>
+                </a:ext>
+              </a:extLst>
+            </p:cNvPr>
+            <p:cNvSpPr/>
+            <p:nvPr/>
+          </p:nvSpPr>
+          <p:spPr>
+            <a:xfrm>
+              <a:off x="6648225" y="2217868"/>
+              <a:ext cx="236669" cy="1611853"/>
+            </a:xfrm>
+            <a:prstGeom prst="ellipse">
+              <a:avLst/>
+            </a:prstGeom>
+            <a:noFill/>
+            <a:ln w="28575">
+              <a:solidFill>
+                <a:schemeClr val="accent2">
+                  <a:lumMod val="75000"/>
+                </a:schemeClr>
+              </a:solidFill>
+            </a:ln>
+          </p:spPr>
+          <p:style>
+            <a:lnRef idx="2">
+              <a:schemeClr val="accent1">
+                <a:shade val="50000"/>
+              </a:schemeClr>
+            </a:lnRef>
+            <a:fillRef idx="1">
+              <a:schemeClr val="accent1"/>
+            </a:fillRef>
+            <a:effectRef idx="0">
+              <a:schemeClr val="accent1"/>
+            </a:effectRef>
+            <a:fontRef idx="minor">
+              <a:schemeClr val="lt1"/>
+            </a:fontRef>
+          </p:style>
+          <p:txBody>
+            <a:bodyPr rtlCol="0" anchor="ctr"/>
+            <a:lstStyle/>
+            <a:p>
+              <a:pPr algn="ctr"/>
+              <a:endParaRPr lang="nl-NL">
+                <a:noFill/>
+              </a:endParaRPr>
+            </a:p>
+          </p:txBody>
+        </p:sp>
+        <p:cxnSp>
+          <p:nvCxnSpPr>
+            <p:cNvPr id="9" name="Straight Connector 8">
+              <a:extLst>
+                <a:ext uri="{FF2B5EF4-FFF2-40B4-BE49-F238E27FC236}">
+                  <a16:creationId xmlns:a16="http://schemas.microsoft.com/office/drawing/2014/main" id="{09CCB48B-35CD-B845-315B-F85D8EB00847}"/>
+                </a:ext>
+              </a:extLst>
+            </p:cNvPr>
+            <p:cNvCxnSpPr/>
+            <p:nvPr/>
+          </p:nvCxnSpPr>
+          <p:spPr>
+            <a:xfrm>
+              <a:off x="5325035" y="3722146"/>
+              <a:ext cx="4432151" cy="0"/>
+            </a:xfrm>
+            <a:prstGeom prst="line">
+              <a:avLst/>
+            </a:prstGeom>
+            <a:ln w="28575"/>
+          </p:spPr>
+          <p:style>
+            <a:lnRef idx="1">
+              <a:schemeClr val="accent2"/>
+            </a:lnRef>
+            <a:fillRef idx="0">
+              <a:schemeClr val="accent2"/>
+            </a:fillRef>
+            <a:effectRef idx="0">
+              <a:schemeClr val="accent2"/>
+            </a:effectRef>
+            <a:fontRef idx="minor">
+              <a:schemeClr val="tx1"/>
+            </a:fontRef>
+          </p:style>
+        </p:cxnSp>
+        <p:cxnSp>
+          <p:nvCxnSpPr>
+            <p:cNvPr id="10" name="Straight Connector 9">
+              <a:extLst>
+                <a:ext uri="{FF2B5EF4-FFF2-40B4-BE49-F238E27FC236}">
+                  <a16:creationId xmlns:a16="http://schemas.microsoft.com/office/drawing/2014/main" id="{A1D28956-70AF-6FDF-6649-10B960BCFBA6}"/>
+                </a:ext>
+              </a:extLst>
+            </p:cNvPr>
+            <p:cNvCxnSpPr/>
+            <p:nvPr/>
+          </p:nvCxnSpPr>
+          <p:spPr>
+            <a:xfrm>
+              <a:off x="5325035" y="2217868"/>
+              <a:ext cx="4432151" cy="0"/>
+            </a:xfrm>
+            <a:prstGeom prst="line">
+              <a:avLst/>
+            </a:prstGeom>
+            <a:ln w="28575"/>
+          </p:spPr>
+          <p:style>
+            <a:lnRef idx="1">
+              <a:schemeClr val="accent2"/>
+            </a:lnRef>
+            <a:fillRef idx="0">
+              <a:schemeClr val="accent2"/>
+            </a:fillRef>
+            <a:effectRef idx="0">
+              <a:schemeClr val="accent2"/>
+            </a:effectRef>
+            <a:fontRef idx="minor">
+              <a:schemeClr val="tx1"/>
+            </a:fontRef>
+          </p:style>
+        </p:cxnSp>
+        <p:sp>
+          <p:nvSpPr>
+            <p:cNvPr id="11" name="Oval 10">
+              <a:extLst>
+                <a:ext uri="{FF2B5EF4-FFF2-40B4-BE49-F238E27FC236}">
+                  <a16:creationId xmlns:a16="http://schemas.microsoft.com/office/drawing/2014/main" id="{03786393-1292-0210-ED11-1B52DC38C00C}"/>
+                </a:ext>
+              </a:extLst>
+            </p:cNvPr>
+            <p:cNvSpPr/>
+            <p:nvPr/>
+          </p:nvSpPr>
+          <p:spPr>
+            <a:xfrm>
+              <a:off x="6648225" y="3053876"/>
+              <a:ext cx="236669" cy="571451"/>
+            </a:xfrm>
+            <a:prstGeom prst="ellipse">
+              <a:avLst/>
+            </a:prstGeom>
+            <a:noFill/>
+            <a:ln w="28575">
+              <a:solidFill>
+                <a:srgbClr val="FF0000"/>
+              </a:solidFill>
+            </a:ln>
+          </p:spPr>
+          <p:style>
+            <a:lnRef idx="2">
+              <a:schemeClr val="accent1">
+                <a:shade val="50000"/>
+              </a:schemeClr>
+            </a:lnRef>
+            <a:fillRef idx="1">
+              <a:schemeClr val="accent1"/>
+            </a:fillRef>
+            <a:effectRef idx="0">
+              <a:schemeClr val="accent1"/>
+            </a:effectRef>
+            <a:fontRef idx="minor">
+              <a:schemeClr val="lt1"/>
+            </a:fontRef>
+          </p:style>
+          <p:txBody>
+            <a:bodyPr rtlCol="0" anchor="ctr"/>
+            <a:lstStyle/>
+            <a:p>
+              <a:pPr algn="ctr"/>
+              <a:endParaRPr lang="nl-NL"/>
+            </a:p>
+          </p:txBody>
+        </p:sp>
+        <p:cxnSp>
+          <p:nvCxnSpPr>
+            <p:cNvPr id="12" name="Straight Connector 11">
+              <a:extLst>
+                <a:ext uri="{FF2B5EF4-FFF2-40B4-BE49-F238E27FC236}">
+                  <a16:creationId xmlns:a16="http://schemas.microsoft.com/office/drawing/2014/main" id="{B78239B3-1706-4775-ACB0-45E4573DDB53}"/>
+                </a:ext>
+              </a:extLst>
+            </p:cNvPr>
+            <p:cNvCxnSpPr/>
+            <p:nvPr/>
+          </p:nvCxnSpPr>
+          <p:spPr>
+            <a:xfrm>
+              <a:off x="5325035" y="3530301"/>
+              <a:ext cx="4432151" cy="0"/>
+            </a:xfrm>
+            <a:prstGeom prst="line">
+              <a:avLst/>
+            </a:prstGeom>
+            <a:ln w="28575">
+              <a:solidFill>
+                <a:srgbClr val="FF0000"/>
+              </a:solidFill>
+            </a:ln>
+          </p:spPr>
+          <p:style>
+            <a:lnRef idx="1">
+              <a:schemeClr val="accent2"/>
+            </a:lnRef>
+            <a:fillRef idx="0">
+              <a:schemeClr val="accent2"/>
+            </a:fillRef>
+            <a:effectRef idx="0">
+              <a:schemeClr val="accent2"/>
+            </a:effectRef>
+            <a:fontRef idx="minor">
+              <a:schemeClr val="tx1"/>
+            </a:fontRef>
+          </p:style>
+        </p:cxnSp>
+        <p:cxnSp>
+          <p:nvCxnSpPr>
+            <p:cNvPr id="13" name="Straight Connector 12">
+              <a:extLst>
+                <a:ext uri="{FF2B5EF4-FFF2-40B4-BE49-F238E27FC236}">
+                  <a16:creationId xmlns:a16="http://schemas.microsoft.com/office/drawing/2014/main" id="{153D1E08-6E35-B09F-6629-A0A9B6259245}"/>
+                </a:ext>
+              </a:extLst>
+            </p:cNvPr>
+            <p:cNvCxnSpPr/>
+            <p:nvPr/>
+          </p:nvCxnSpPr>
+          <p:spPr>
+            <a:xfrm>
+              <a:off x="5325035" y="3144819"/>
+              <a:ext cx="4432151" cy="0"/>
+            </a:xfrm>
+            <a:prstGeom prst="line">
+              <a:avLst/>
+            </a:prstGeom>
+            <a:ln w="28575">
+              <a:solidFill>
+                <a:srgbClr val="FF0000"/>
+              </a:solidFill>
+            </a:ln>
+          </p:spPr>
+          <p:style>
+            <a:lnRef idx="1">
+              <a:schemeClr val="accent2"/>
+            </a:lnRef>
+            <a:fillRef idx="0">
+              <a:schemeClr val="accent2"/>
+            </a:fillRef>
+            <a:effectRef idx="0">
+              <a:schemeClr val="accent2"/>
+            </a:effectRef>
+            <a:fontRef idx="minor">
+              <a:schemeClr val="tx1"/>
+            </a:fontRef>
+          </p:style>
+        </p:cxnSp>
+        <p:cxnSp>
+          <p:nvCxnSpPr>
+            <p:cNvPr id="15" name="Straight Arrow Connector 14">
+              <a:extLst>
+                <a:ext uri="{FF2B5EF4-FFF2-40B4-BE49-F238E27FC236}">
+                  <a16:creationId xmlns:a16="http://schemas.microsoft.com/office/drawing/2014/main" id="{8FD7A87F-6C74-AD7B-FF9B-F00FA9EC9C7E}"/>
+                </a:ext>
+              </a:extLst>
+            </p:cNvPr>
+            <p:cNvCxnSpPr>
+              <a:cxnSpLocks/>
+            </p:cNvCxnSpPr>
+            <p:nvPr/>
+          </p:nvCxnSpPr>
+          <p:spPr>
+            <a:xfrm>
+              <a:off x="9897035" y="3144819"/>
+              <a:ext cx="0" cy="385482"/>
+            </a:xfrm>
+            <a:prstGeom prst="straightConnector1">
+              <a:avLst/>
+            </a:prstGeom>
+            <a:ln w="19050">
+              <a:solidFill>
+                <a:srgbClr val="FF0000"/>
+              </a:solidFill>
+              <a:headEnd type="triangle"/>
+              <a:tailEnd type="triangle"/>
+            </a:ln>
+          </p:spPr>
+          <p:style>
+            <a:lnRef idx="1">
+              <a:schemeClr val="accent1"/>
+            </a:lnRef>
+            <a:fillRef idx="0">
+              <a:schemeClr val="accent1"/>
+            </a:fillRef>
+            <a:effectRef idx="0">
+              <a:schemeClr val="accent1"/>
+            </a:effectRef>
+            <a:fontRef idx="minor">
+              <a:schemeClr val="tx1"/>
+            </a:fontRef>
+          </p:style>
+        </p:cxnSp>
+        <p:cxnSp>
+          <p:nvCxnSpPr>
+            <p:cNvPr id="17" name="Straight Arrow Connector 16">
+              <a:extLst>
+                <a:ext uri="{FF2B5EF4-FFF2-40B4-BE49-F238E27FC236}">
+                  <a16:creationId xmlns:a16="http://schemas.microsoft.com/office/drawing/2014/main" id="{B1ECED91-DC23-1885-79F6-693143CEE9FE}"/>
+                </a:ext>
+              </a:extLst>
+            </p:cNvPr>
+            <p:cNvCxnSpPr>
+              <a:cxnSpLocks/>
+            </p:cNvCxnSpPr>
+            <p:nvPr/>
+          </p:nvCxnSpPr>
+          <p:spPr>
+            <a:xfrm>
+              <a:off x="10178527" y="2217868"/>
+              <a:ext cx="0" cy="1504278"/>
+            </a:xfrm>
+            <a:prstGeom prst="straightConnector1">
+              <a:avLst/>
+            </a:prstGeom>
+            <a:ln>
+              <a:headEnd type="triangle"/>
+              <a:tailEnd type="triangle"/>
+            </a:ln>
+          </p:spPr>
+          <p:style>
+            <a:lnRef idx="1">
+              <a:schemeClr val="accent2"/>
+            </a:lnRef>
+            <a:fillRef idx="0">
+              <a:schemeClr val="accent2"/>
+            </a:fillRef>
+            <a:effectRef idx="0">
+              <a:schemeClr val="accent2"/>
+            </a:effectRef>
+            <a:fontRef idx="minor">
+              <a:schemeClr val="tx1"/>
+            </a:fontRef>
+          </p:style>
+        </p:cxnSp>
+        <p:sp>
+          <p:nvSpPr>
+            <p:cNvPr id="19" name="TextBox 18">
+              <a:extLst>
+                <a:ext uri="{FF2B5EF4-FFF2-40B4-BE49-F238E27FC236}">
+                  <a16:creationId xmlns:a16="http://schemas.microsoft.com/office/drawing/2014/main" id="{62121061-FC72-B00D-3874-E61CCE21671F}"/>
+                </a:ext>
+              </a:extLst>
+            </p:cNvPr>
+            <p:cNvSpPr txBox="1"/>
+            <p:nvPr/>
+          </p:nvSpPr>
+          <p:spPr>
+            <a:xfrm>
+              <a:off x="9891657" y="3874520"/>
+              <a:ext cx="1403872" cy="369332"/>
+            </a:xfrm>
+            <a:prstGeom prst="rect">
+              <a:avLst/>
+            </a:prstGeom>
+            <a:noFill/>
+          </p:spPr>
+          <p:txBody>
+            <a:bodyPr wrap="square" rtlCol="0">
+              <a:spAutoFit/>
+            </a:bodyPr>
+            <a:lstStyle/>
+            <a:p>
+              <a:r>
+                <a:rPr lang="nl-NL" dirty="0">
+                  <a:solidFill>
+                    <a:srgbClr val="FF0000"/>
+                  </a:solidFill>
+                </a:rPr>
+                <a:t>0.5 &lt; </a:t>
+              </a:r>
+              <a:r>
+                <a:rPr lang="en-US" sz="1800" dirty="0">
+                  <a:solidFill>
+                    <a:srgbClr val="FF0000"/>
+                  </a:solidFill>
+                  <a:effectLst/>
+                  <a:latin typeface="Calibri" panose="020F0502020204030204" pitchFamily="34" charset="0"/>
+                  <a:ea typeface="Calibri" panose="020F0502020204030204" pitchFamily="34" charset="0"/>
+                  <a:cs typeface="Calibri" panose="020F0502020204030204" pitchFamily="34" charset="0"/>
+                </a:rPr>
+                <a:t>α</a:t>
+              </a:r>
+              <a:r>
+                <a:rPr lang="en-US" sz="1800" baseline="-25000" dirty="0">
+                  <a:solidFill>
+                    <a:srgbClr val="FF0000"/>
+                  </a:solidFill>
+                  <a:effectLst/>
+                  <a:latin typeface="Calibri" panose="020F0502020204030204" pitchFamily="34" charset="0"/>
+                  <a:ea typeface="Calibri" panose="020F0502020204030204" pitchFamily="34" charset="0"/>
+                  <a:cs typeface="Times New Roman" panose="02020603050405020304" pitchFamily="18" charset="0"/>
+                </a:rPr>
+                <a:t>L</a:t>
+              </a:r>
+              <a:r>
+                <a:rPr lang="nl-NL" dirty="0">
+                  <a:solidFill>
+                    <a:srgbClr val="FF0000"/>
+                  </a:solidFill>
+                </a:rPr>
+                <a:t> &lt; 2.0</a:t>
+              </a:r>
+              <a:r>
+                <a:rPr lang="en-US" sz="1800" baseline="-25000" dirty="0">
+                  <a:solidFill>
+                    <a:srgbClr val="FF0000"/>
+                  </a:solidFill>
+                  <a:effectLst/>
+                  <a:latin typeface="Calibri" panose="020F0502020204030204" pitchFamily="34" charset="0"/>
+                  <a:ea typeface="Calibri" panose="020F0502020204030204" pitchFamily="34" charset="0"/>
+                  <a:cs typeface="Times New Roman" panose="02020603050405020304" pitchFamily="18" charset="0"/>
+                </a:rPr>
+                <a:t> </a:t>
+              </a:r>
+              <a:endParaRPr lang="nl-NL" sz="1800" dirty="0">
+                <a:solidFill>
+                  <a:srgbClr val="FF0000"/>
+                </a:solidFill>
+                <a:effectLst/>
+                <a:latin typeface="Calibri" panose="020F0502020204030204" pitchFamily="34" charset="0"/>
+                <a:ea typeface="Calibri" panose="020F0502020204030204" pitchFamily="34" charset="0"/>
+                <a:cs typeface="Times New Roman" panose="02020603050405020304" pitchFamily="18" charset="0"/>
+              </a:endParaRPr>
+            </a:p>
+          </p:txBody>
+        </p:sp>
+        <p:sp>
+          <p:nvSpPr>
+            <p:cNvPr id="21" name="TextBox 20">
+              <a:extLst>
+                <a:ext uri="{FF2B5EF4-FFF2-40B4-BE49-F238E27FC236}">
+                  <a16:creationId xmlns:a16="http://schemas.microsoft.com/office/drawing/2014/main" id="{7F3FB496-5ACF-C38C-6484-256A8C2A4C15}"/>
+                </a:ext>
+              </a:extLst>
+            </p:cNvPr>
+            <p:cNvSpPr txBox="1"/>
+            <p:nvPr/>
+          </p:nvSpPr>
+          <p:spPr>
+            <a:xfrm>
+              <a:off x="10359224" y="2767913"/>
+              <a:ext cx="1403872" cy="369332"/>
+            </a:xfrm>
+            <a:prstGeom prst="rect">
+              <a:avLst/>
+            </a:prstGeom>
+            <a:noFill/>
+          </p:spPr>
+          <p:txBody>
+            <a:bodyPr wrap="square" rtlCol="0">
+              <a:spAutoFit/>
+            </a:bodyPr>
+            <a:lstStyle/>
+            <a:p>
+              <a:r>
+                <a:rPr lang="nl-NL" dirty="0">
+                  <a:solidFill>
+                    <a:schemeClr val="accent2"/>
+                  </a:solidFill>
+                </a:rPr>
+                <a:t>0.2 &lt; </a:t>
+              </a:r>
+              <a:r>
+                <a:rPr lang="en-US" sz="1800" dirty="0">
+                  <a:solidFill>
+                    <a:schemeClr val="accent2"/>
+                  </a:solidFill>
+                  <a:effectLst/>
+                  <a:latin typeface="Calibri" panose="020F0502020204030204" pitchFamily="34" charset="0"/>
+                  <a:ea typeface="Calibri" panose="020F0502020204030204" pitchFamily="34" charset="0"/>
+                  <a:cs typeface="Calibri" panose="020F0502020204030204" pitchFamily="34" charset="0"/>
+                </a:rPr>
+                <a:t>α</a:t>
+              </a:r>
+              <a:r>
+                <a:rPr lang="en-US" sz="1800" baseline="-25000" dirty="0">
+                  <a:solidFill>
+                    <a:schemeClr val="accent2"/>
+                  </a:solidFill>
+                  <a:effectLst/>
+                  <a:latin typeface="Calibri" panose="020F0502020204030204" pitchFamily="34" charset="0"/>
+                  <a:ea typeface="Calibri" panose="020F0502020204030204" pitchFamily="34" charset="0"/>
+                  <a:cs typeface="Times New Roman" panose="02020603050405020304" pitchFamily="18" charset="0"/>
+                </a:rPr>
+                <a:t>L</a:t>
+              </a:r>
+              <a:r>
+                <a:rPr lang="nl-NL" dirty="0">
+                  <a:solidFill>
+                    <a:schemeClr val="accent2"/>
+                  </a:solidFill>
+                </a:rPr>
+                <a:t> &lt; 95</a:t>
+              </a:r>
+              <a:r>
+                <a:rPr lang="en-US" sz="1800" baseline="-25000" dirty="0">
+                  <a:solidFill>
+                    <a:schemeClr val="accent2"/>
+                  </a:solidFill>
+                  <a:effectLst/>
+                  <a:latin typeface="Calibri" panose="020F0502020204030204" pitchFamily="34" charset="0"/>
+                  <a:ea typeface="Calibri" panose="020F0502020204030204" pitchFamily="34" charset="0"/>
+                  <a:cs typeface="Times New Roman" panose="02020603050405020304" pitchFamily="18" charset="0"/>
+                </a:rPr>
+                <a:t> </a:t>
+              </a:r>
+              <a:endParaRPr lang="nl-NL" sz="1800" dirty="0">
+                <a:solidFill>
+                  <a:schemeClr val="accent2"/>
+                </a:solidFill>
+                <a:effectLst/>
+                <a:latin typeface="Calibri" panose="020F0502020204030204" pitchFamily="34" charset="0"/>
+                <a:ea typeface="Calibri" panose="020F0502020204030204" pitchFamily="34" charset="0"/>
+                <a:cs typeface="Times New Roman" panose="02020603050405020304" pitchFamily="18" charset="0"/>
+              </a:endParaRPr>
+            </a:p>
+          </p:txBody>
+        </p:sp>
+      </p:grpSp>
+    </p:spTree>
+    <p:extLst>
+      <p:ext uri="{BB962C8B-B14F-4D97-AF65-F5344CB8AC3E}">
+        <p14:creationId xmlns:p14="http://schemas.microsoft.com/office/powerpoint/2010/main" val="3691574828"/>
+      </p:ext>
+    </p:extLst>
+  </p:cSld>
+  <p:clrMapOvr>
+    <a:masterClrMapping/>
+  </p:clrMapOvr>
+  <mc:AlternateContent xmlns:mc="http://schemas.openxmlformats.org/markup-compatibility/2006" xmlns:p14="http://schemas.microsoft.com/office/powerpoint/2010/main">
+    <mc:Choice Requires="p14">
+      <p:transition spd="med" p14:dur="700">
+        <p:fade/>
+      </p:transition>
+    </mc:Choice>
+    <mc:Fallback xmlns="">
+      <p:transition spd="med" advClick="true">
+        <p:fade/>
+      </p:transition>
+    </mc:Fallback>
+  </mc:AlternateContent>
+</p:sld>
+</file>
+
+<file path=ppt/slides/slide14.xml><?xml version="1.0" encoding="utf-8"?>
+<p:sld xmlns:a="http://schemas.openxmlformats.org/drawingml/2006/main" xmlns:r="http://schemas.openxmlformats.org/officeDocument/2006/relationships" xmlns:p="http://schemas.openxmlformats.org/presentationml/2006/main">
+  <p:cSld>
+    <p:spTree>
+      <p:nvGrpSpPr>
+        <p:cNvPr id="1" name=""/>
+        <p:cNvGrpSpPr/>
+        <p:nvPr/>
+      </p:nvGrpSpPr>
+      <p:grpSpPr>
+        <a:xfrm>
+          <a:off x="0" y="0"/>
+          <a:ext cx="0" cy="0"/>
+          <a:chOff x="0" y="0"/>
+          <a:chExt cx="0" cy="0"/>
+        </a:xfrm>
+      </p:grpSpPr>
+      <p:sp>
+        <p:nvSpPr>
+          <p:cNvPr id="2" name="Title 1">
+            <a:extLst>
+              <a:ext uri="{FF2B5EF4-FFF2-40B4-BE49-F238E27FC236}">
+                <a16:creationId xmlns:a16="http://schemas.microsoft.com/office/drawing/2014/main" id="{B501916C-D4E2-386A-B250-5CEAF46B5F6D}"/>
+              </a:ext>
+            </a:extLst>
+          </p:cNvPr>
+          <p:cNvSpPr>
+            <a:spLocks noGrp="1"/>
+          </p:cNvSpPr>
+          <p:nvPr>
+            <p:ph type="title"/>
+          </p:nvPr>
+        </p:nvSpPr>
+        <p:spPr/>
+        <p:txBody>
+          <a:bodyPr/>
+          <a:lstStyle/>
+          <a:p>
+            <a:pPr algn="l" fontAlgn="b"/>
+            <a:r>
+              <a:rPr lang="en-GB" sz="4400" u="none" strike="noStrike" dirty="0">
+                <a:effectLst/>
+              </a:rPr>
+              <a:t>Design ASR system</a:t>
+            </a:r>
+            <a:endParaRPr lang="en-GB" sz="4400" b="0" i="0" u="none" strike="noStrike" dirty="0">
+              <a:solidFill>
+                <a:srgbClr val="000000"/>
+              </a:solidFill>
+              <a:effectLst/>
+              <a:latin typeface="Calibri" panose="020F0502020204030204" pitchFamily="34" charset="0"/>
+            </a:endParaRPr>
+          </a:p>
+        </p:txBody>
+      </p:sp>
+      <p:sp>
+        <p:nvSpPr>
+          <p:cNvPr id="3" name="Content Placeholder 2">
+            <a:extLst>
+              <a:ext uri="{FF2B5EF4-FFF2-40B4-BE49-F238E27FC236}">
+                <a16:creationId xmlns:a16="http://schemas.microsoft.com/office/drawing/2014/main" id="{09C5E4A4-9126-BB3E-A065-D2362182A902}"/>
+              </a:ext>
+            </a:extLst>
+          </p:cNvPr>
+          <p:cNvSpPr>
+            <a:spLocks noGrp="1"/>
+          </p:cNvSpPr>
+          <p:nvPr>
+            <p:ph idx="1"/>
+          </p:nvPr>
+        </p:nvSpPr>
+        <p:spPr/>
+        <p:txBody>
+          <a:bodyPr/>
+          <a:lstStyle/>
+          <a:p>
+            <a:r>
+              <a:rPr lang="en-GB" dirty="0"/>
+              <a:t>MODFLOW6 model</a:t>
+            </a:r>
+          </a:p>
+          <a:p>
+            <a:pPr lvl="1"/>
+            <a:r>
+              <a:rPr lang="en-GB" dirty="0"/>
+              <a:t>Adjust parameters</a:t>
+            </a:r>
+          </a:p>
+          <a:p>
+            <a:pPr lvl="1"/>
+            <a:r>
+              <a:rPr lang="en-GB" dirty="0"/>
+              <a:t>Background flow?</a:t>
+            </a:r>
+          </a:p>
+          <a:p>
+            <a:r>
+              <a:rPr lang="en-GB" dirty="0"/>
+              <a:t>Optimise model to reduce waste</a:t>
+            </a:r>
+          </a:p>
+          <a:p>
+            <a:r>
+              <a:rPr lang="en-GB" sz="2800" u="none" strike="noStrike" dirty="0">
+                <a:effectLst/>
+              </a:rPr>
+              <a:t>Ensure guidelines for injection pressure and maximum velocity are met</a:t>
+            </a:r>
+          </a:p>
+          <a:p>
+            <a:r>
+              <a:rPr lang="en-GB" sz="2800" u="none" strike="noStrike" dirty="0">
+                <a:effectLst/>
+              </a:rPr>
+              <a:t>Run model for 10 years with a start-up year and less extracted volume</a:t>
+            </a:r>
+            <a:endParaRPr lang="en-GB" sz="2800" b="0" i="0" u="none" strike="noStrike" dirty="0">
+              <a:solidFill>
+                <a:srgbClr val="000000"/>
+              </a:solidFill>
+              <a:effectLst/>
+              <a:latin typeface="Calibri" panose="020F0502020204030204" pitchFamily="34" charset="0"/>
+            </a:endParaRPr>
+          </a:p>
+          <a:p>
+            <a:endParaRPr lang="en-GB" dirty="0"/>
+          </a:p>
+          <a:p>
+            <a:endParaRPr lang="en-GB" dirty="0"/>
+          </a:p>
+          <a:p>
+            <a:pPr lvl="1"/>
+            <a:endParaRPr lang="en-GB" dirty="0"/>
+          </a:p>
+          <a:p>
+            <a:pPr lvl="1"/>
+            <a:endParaRPr lang="en-GB" dirty="0"/>
+          </a:p>
+          <a:p>
+            <a:pPr lvl="1"/>
+            <a:endParaRPr lang="en-NL" dirty="0"/>
+          </a:p>
+        </p:txBody>
+      </p:sp>
+    </p:spTree>
+    <p:extLst>
+      <p:ext uri="{BB962C8B-B14F-4D97-AF65-F5344CB8AC3E}">
+        <p14:creationId xmlns:p14="http://schemas.microsoft.com/office/powerpoint/2010/main" val="8949513"/>
+      </p:ext>
+    </p:extLst>
+  </p:cSld>
+  <p:clrMapOvr>
+    <a:masterClrMapping/>
+  </p:clrMapOvr>
+</p:sld>
+</file>
+
+<file path=ppt/slides/slide15.xml><?xml version="1.0" encoding="utf-8"?>
+<p:sld xmlns:a="http://schemas.openxmlformats.org/drawingml/2006/main" xmlns:r="http://schemas.openxmlformats.org/officeDocument/2006/relationships" xmlns:p="http://schemas.openxmlformats.org/presentationml/2006/main">
+  <p:cSld>
+    <p:spTree>
+      <p:nvGrpSpPr>
+        <p:cNvPr id="1" name=""/>
+        <p:cNvGrpSpPr/>
+        <p:nvPr/>
+      </p:nvGrpSpPr>
+      <p:grpSpPr>
+        <a:xfrm>
+          <a:off x="0" y="0"/>
+          <a:ext cx="0" cy="0"/>
+          <a:chOff x="0" y="0"/>
+          <a:chExt cx="0" cy="0"/>
+        </a:xfrm>
+      </p:grpSpPr>
+      <p:sp>
+        <p:nvSpPr>
+          <p:cNvPr id="2" name="Title 1">
+            <a:extLst>
+              <a:ext uri="{FF2B5EF4-FFF2-40B4-BE49-F238E27FC236}">
+                <a16:creationId xmlns:a16="http://schemas.microsoft.com/office/drawing/2014/main" id="{B501916C-D4E2-386A-B250-5CEAF46B5F6D}"/>
+              </a:ext>
+            </a:extLst>
+          </p:cNvPr>
+          <p:cNvSpPr>
+            <a:spLocks noGrp="1"/>
+          </p:cNvSpPr>
+          <p:nvPr>
+            <p:ph type="title"/>
+          </p:nvPr>
+        </p:nvSpPr>
+        <p:spPr/>
+        <p:txBody>
+          <a:bodyPr/>
+          <a:lstStyle/>
+          <a:p>
+            <a:pPr algn="l" fontAlgn="b"/>
+            <a:r>
+              <a:rPr lang="en-GB" sz="4400" u="none" strike="noStrike" dirty="0">
+                <a:effectLst/>
+              </a:rPr>
+              <a:t>Producing schedule for injection, extraction and storage</a:t>
+            </a:r>
+          </a:p>
+        </p:txBody>
+      </p:sp>
+      <p:sp>
+        <p:nvSpPr>
+          <p:cNvPr id="3" name="Content Placeholder 2">
+            <a:extLst>
+              <a:ext uri="{FF2B5EF4-FFF2-40B4-BE49-F238E27FC236}">
+                <a16:creationId xmlns:a16="http://schemas.microsoft.com/office/drawing/2014/main" id="{09C5E4A4-9126-BB3E-A065-D2362182A902}"/>
+              </a:ext>
+            </a:extLst>
+          </p:cNvPr>
+          <p:cNvSpPr>
+            <a:spLocks noGrp="1"/>
+          </p:cNvSpPr>
+          <p:nvPr>
+            <p:ph idx="1"/>
+          </p:nvPr>
+        </p:nvSpPr>
+        <p:spPr/>
+        <p:txBody>
+          <a:bodyPr/>
+          <a:lstStyle/>
+          <a:p>
+            <a:r>
+              <a:rPr lang="en-GB" dirty="0"/>
+              <a:t>Injection</a:t>
+            </a:r>
+          </a:p>
+          <a:p>
+            <a:pPr lvl="1"/>
+            <a:r>
+              <a:rPr lang="en-GB" strike="sngStrike" dirty="0"/>
+              <a:t>Analysis of when water excess</a:t>
+            </a:r>
+          </a:p>
+          <a:p>
+            <a:r>
+              <a:rPr lang="en-GB" dirty="0"/>
+              <a:t>Extraction</a:t>
+            </a:r>
+          </a:p>
+          <a:p>
+            <a:pPr lvl="1"/>
+            <a:r>
+              <a:rPr lang="en-GB" dirty="0"/>
+              <a:t>Water deficit – July &amp; august:</a:t>
+            </a:r>
+          </a:p>
+          <a:p>
+            <a:pPr lvl="2"/>
+            <a:r>
+              <a:rPr lang="en-GB" dirty="0"/>
+              <a:t>Schedule for 1 year &amp; 10 years </a:t>
+            </a:r>
+          </a:p>
+          <a:p>
+            <a:r>
+              <a:rPr lang="en-GB" strike="sngStrike" dirty="0"/>
+              <a:t>Storage possibly above ground if pumping rate too low</a:t>
+            </a:r>
+          </a:p>
+          <a:p>
+            <a:pPr lvl="1"/>
+            <a:endParaRPr lang="en-GB" dirty="0"/>
+          </a:p>
+          <a:p>
+            <a:pPr lvl="1"/>
+            <a:endParaRPr lang="en-GB" dirty="0"/>
+          </a:p>
+          <a:p>
+            <a:pPr lvl="1"/>
+            <a:endParaRPr lang="en-GB" dirty="0"/>
+          </a:p>
+          <a:p>
+            <a:pPr lvl="1"/>
+            <a:endParaRPr lang="en-NL" dirty="0"/>
+          </a:p>
+        </p:txBody>
+      </p:sp>
+    </p:spTree>
+    <p:extLst>
+      <p:ext uri="{BB962C8B-B14F-4D97-AF65-F5344CB8AC3E}">
+        <p14:creationId xmlns:p14="http://schemas.microsoft.com/office/powerpoint/2010/main" val="2006621054"/>
+      </p:ext>
+    </p:extLst>
+  </p:cSld>
+  <p:clrMapOvr>
+    <a:masterClrMapping/>
+  </p:clrMapOvr>
+</p:sld>
+</file>
+
+<file path=ppt/slides/slide16.xml><?xml version="1.0" encoding="utf-8"?>
+<p:sld xmlns:a="http://schemas.openxmlformats.org/drawingml/2006/main" xmlns:r="http://schemas.openxmlformats.org/officeDocument/2006/relationships" xmlns:p="http://schemas.openxmlformats.org/presentationml/2006/main">
+  <p:cSld>
+    <p:spTree>
+      <p:nvGrpSpPr>
+        <p:cNvPr id="1" name=""/>
+        <p:cNvGrpSpPr/>
+        <p:nvPr/>
+      </p:nvGrpSpPr>
+      <p:grpSpPr>
+        <a:xfrm>
+          <a:off x="0" y="0"/>
+          <a:ext cx="0" cy="0"/>
+          <a:chOff x="0" y="0"/>
+          <a:chExt cx="0" cy="0"/>
+        </a:xfrm>
+      </p:grpSpPr>
+      <p:sp>
+        <p:nvSpPr>
           <p:cNvPr id="2" name="Title 1">
             <a:extLst>
               <a:ext uri="{FF2B5EF4-FFF2-40B4-BE49-F238E27FC236}">
@@ -4961,7 +9089,15 @@
             <a:p>
               <a:r>
                 <a:rPr lang="en-GB" dirty="0"/>
-                <a:t>10&lt;Kh&lt;50 [m/d]</a:t>
+                <a:t>10&lt;</a:t>
+              </a:r>
+              <a:r>
+                <a:rPr lang="en-GB" dirty="0" err="1"/>
+                <a:t>Kh</a:t>
+              </a:r>
+              <a:r>
+                <a:rPr lang="en-GB" dirty="0"/>
+                <a:t>&lt;40 [m/d]</a:t>
               </a:r>
               <a:endParaRPr lang="en-NL" dirty="0"/>
             </a:p>
@@ -5168,6 +9304,108 @@
           </p:style>
         </p:cxnSp>
       </p:grpSp>
+      <p:sp>
+        <p:nvSpPr>
+          <p:cNvPr id="5" name="TextBox 4">
+            <a:extLst>
+              <a:ext uri="{FF2B5EF4-FFF2-40B4-BE49-F238E27FC236}">
+                <a16:creationId xmlns:a16="http://schemas.microsoft.com/office/drawing/2014/main" id="{A228DE73-1FFD-4716-9CEB-BE3F3F499268}"/>
+              </a:ext>
+            </a:extLst>
+          </p:cNvPr>
+          <p:cNvSpPr txBox="1"/>
+          <p:nvPr/>
+        </p:nvSpPr>
+        <p:spPr>
+          <a:xfrm>
+            <a:off x="6404397" y="2810115"/>
+            <a:ext cx="1752277" cy="646331"/>
+          </a:xfrm>
+          <a:prstGeom prst="rect">
+            <a:avLst/>
+          </a:prstGeom>
+          <a:noFill/>
+        </p:spPr>
+        <p:txBody>
+          <a:bodyPr wrap="square" rtlCol="0">
+            <a:spAutoFit/>
+          </a:bodyPr>
+          <a:lstStyle/>
+          <a:p>
+            <a:pPr algn="r"/>
+            <a:r>
+              <a:rPr lang="en-GB" dirty="0">
+                <a:solidFill>
+                  <a:schemeClr val="bg2">
+                    <a:lumMod val="50000"/>
+                  </a:schemeClr>
+                </a:solidFill>
+              </a:rPr>
+              <a:t>0.25 &lt; </a:t>
+            </a:r>
+            <a:r>
+              <a:rPr lang="el-GR" dirty="0">
+                <a:solidFill>
+                  <a:schemeClr val="bg2">
+                    <a:lumMod val="50000"/>
+                  </a:schemeClr>
+                </a:solidFill>
+              </a:rPr>
+              <a:t>φ</a:t>
+            </a:r>
+            <a:r>
+              <a:rPr lang="nl-NL" dirty="0">
+                <a:solidFill>
+                  <a:schemeClr val="bg2">
+                    <a:lumMod val="50000"/>
+                  </a:schemeClr>
+                </a:solidFill>
+              </a:rPr>
+              <a:t> &lt; 0.5 </a:t>
+            </a:r>
+          </a:p>
+          <a:p>
+            <a:pPr algn="r"/>
+            <a:r>
+              <a:rPr lang="nl-NL" dirty="0">
+                <a:solidFill>
+                  <a:schemeClr val="bg2">
+                    <a:lumMod val="50000"/>
+                  </a:schemeClr>
+                </a:solidFill>
+              </a:rPr>
+              <a:t>0.5 &lt; </a:t>
+            </a:r>
+            <a:r>
+              <a:rPr lang="el-GR" dirty="0">
+                <a:solidFill>
+                  <a:schemeClr val="bg2">
+                    <a:lumMod val="50000"/>
+                  </a:schemeClr>
+                </a:solidFill>
+              </a:rPr>
+              <a:t>α</a:t>
+            </a:r>
+            <a:r>
+              <a:rPr lang="nl-NL" dirty="0">
+                <a:solidFill>
+                  <a:schemeClr val="bg2">
+                    <a:lumMod val="50000"/>
+                  </a:schemeClr>
+                </a:solidFill>
+              </a:rPr>
+              <a:t> &lt; 2</a:t>
+            </a:r>
+            <a:endParaRPr lang="en-NL" dirty="0">
+              <a:solidFill>
+                <a:schemeClr val="bg2">
+                  <a:lumMod val="50000"/>
+                </a:schemeClr>
+              </a:solidFill>
+            </a:endParaRPr>
+          </a:p>
+        </p:txBody>
+      </p:sp>
     </p:spTree>
     <p:extLst>
       <p:ext uri="{BB962C8B-B14F-4D97-AF65-F5344CB8AC3E}">
@@ -6274,10 +10512,10 @@
       </p:grpSpPr>
       <p:sp>
         <p:nvSpPr>
-          <p:cNvPr id="2" name="Slide Number Placeholder 1">
+          <p:cNvPr id="2" name="Title 1">
             <a:extLst>
               <a:ext uri="{FF2B5EF4-FFF2-40B4-BE49-F238E27FC236}">
-                <a16:creationId xmlns:a16="http://schemas.microsoft.com/office/drawing/2014/main" id="{652DD745-20B6-D051-7B3B-332B6FCC2511}"/>
+                <a16:creationId xmlns:a16="http://schemas.microsoft.com/office/drawing/2014/main" id="{0BD547D8-9223-28BB-4F2D-34DBFC91C689}"/>
               </a:ext>
             </a:extLst>
           </p:cNvPr>
@@ -6285,7 +10523,7 @@
             <a:spLocks noGrp="1"/>
           </p:cNvSpPr>
           <p:nvPr>
-            <p:ph type="sldNum" sz="quarter" idx="17"/>
+            <p:ph type="ctrTitle"/>
           </p:nvPr>
         </p:nvSpPr>
         <p:spPr/>
@@ -6293,20 +10531,19 @@
           <a:bodyPr/>
           <a:lstStyle/>
           <a:p>
-            <a:fld id="{1336C48C-F87C-4E4B-81EF-5027B17D1F61}" type="slidenum">
-              <a:rPr lang="en-GB" noProof="1" smtClean="0"/>
-              <a:t>5</a:t>
-            </a:fld>
-            <a:endParaRPr lang="en-GB" noProof="1"/>
-          </a:p>
-        </p:txBody>
-      </p:sp>
-      <p:sp>
-        <p:nvSpPr>
-          <p:cNvPr id="4" name="Content Placeholder 3">
+            <a:r>
+              <a:rPr lang="nl-NL" dirty="0"/>
+              <a:t>Comparable systems</a:t>
+            </a:r>
+          </a:p>
+        </p:txBody>
+      </p:sp>
+      <p:sp>
+        <p:nvSpPr>
+          <p:cNvPr id="3" name="Subtitle 2">
             <a:extLst>
               <a:ext uri="{FF2B5EF4-FFF2-40B4-BE49-F238E27FC236}">
-                <a16:creationId xmlns:a16="http://schemas.microsoft.com/office/drawing/2014/main" id="{D8D76D20-D253-2715-603A-7624AC5C6FF1}"/>
+                <a16:creationId xmlns:a16="http://schemas.microsoft.com/office/drawing/2014/main" id="{F7449ADB-FF59-9758-1A1E-1DBA8C5C7F03}"/>
               </a:ext>
             </a:extLst>
           </p:cNvPr>
@@ -6314,1026 +10551,28 @@
             <a:spLocks noGrp="1"/>
           </p:cNvSpPr>
           <p:nvPr>
-            <p:ph sz="quarter" idx="13"/>
+            <p:ph type="subTitle" idx="1"/>
           </p:nvPr>
         </p:nvSpPr>
-        <p:spPr>
-          <a:xfrm>
-            <a:off x="912724" y="2030044"/>
-            <a:ext cx="6695050" cy="3882309"/>
-          </a:xfrm>
-        </p:spPr>
-        <p:txBody>
-          <a:bodyPr>
-            <a:normAutofit fontScale="92500" lnSpcReduction="20000"/>
-          </a:bodyPr>
-          <a:lstStyle/>
-          <a:p>
-            <a:pPr marL="342797" indent="-342797">
-              <a:buFont typeface="Arial" panose="020B0604020202020204" pitchFamily="34" charset="0"/>
-              <a:buChar char="•"/>
-            </a:pPr>
-            <a:r>
-              <a:rPr lang="nl-NL" dirty="0"/>
-              <a:t> Follows </a:t>
-            </a:r>
-            <a:r>
-              <a:rPr lang="nl-NL" dirty="0" err="1"/>
-              <a:t>from</a:t>
-            </a:r>
-            <a:r>
-              <a:rPr lang="nl-NL" dirty="0"/>
-              <a:t> maximum </a:t>
-            </a:r>
-            <a:r>
-              <a:rPr lang="nl-NL" dirty="0" err="1"/>
-              <a:t>infiltration</a:t>
-            </a:r>
-            <a:r>
-              <a:rPr lang="nl-NL" dirty="0"/>
-              <a:t> </a:t>
-            </a:r>
-            <a:r>
-              <a:rPr lang="nl-NL" dirty="0" err="1"/>
-              <a:t>pressure</a:t>
-            </a:r>
-            <a:r>
-              <a:rPr lang="nl-NL" dirty="0"/>
-              <a:t>:</a:t>
-            </a:r>
-          </a:p>
-          <a:p>
-            <a:pPr marL="612824" lvl="5" indent="-342797"/>
-            <a:r>
-              <a:rPr lang="nl-NL" dirty="0"/>
-              <a:t>			                    </a:t>
-            </a:r>
-            <a:br>
-              <a:rPr lang="nl-NL" dirty="0"/>
-            </a:br>
-            <a:r>
-              <a:rPr lang="nl-NL" dirty="0"/>
-              <a:t>			 (De Glee)</a:t>
-            </a:r>
-          </a:p>
-          <a:p>
-            <a:pPr marL="612824" lvl="5" indent="-342797"/>
-            <a:endParaRPr lang="nl-NL" dirty="0"/>
-          </a:p>
-          <a:p>
-            <a:endParaRPr lang="nl-NL" dirty="0"/>
-          </a:p>
-          <a:p>
-            <a:pPr marL="882635" lvl="3" indent="-342797"/>
-            <a:r>
-              <a:rPr lang="nl-NL" sz="1600" i="1" dirty="0"/>
-              <a:t>k</a:t>
-            </a:r>
-            <a:r>
-              <a:rPr lang="nl-NL" sz="1600" dirty="0"/>
-              <a:t> = </a:t>
-            </a:r>
-            <a:r>
-              <a:rPr lang="nl-NL" sz="1600" dirty="0" err="1"/>
-              <a:t>hydraulic</a:t>
-            </a:r>
-            <a:r>
-              <a:rPr lang="nl-NL" sz="1600" dirty="0"/>
-              <a:t> </a:t>
-            </a:r>
-            <a:r>
-              <a:rPr lang="nl-NL" sz="1600" dirty="0" err="1"/>
-              <a:t>conducitivity</a:t>
-            </a:r>
-            <a:r>
-              <a:rPr lang="nl-NL" sz="1600" dirty="0"/>
-              <a:t> of </a:t>
-            </a:r>
-            <a:r>
-              <a:rPr lang="nl-NL" sz="1600" dirty="0" err="1"/>
-              <a:t>aquifer</a:t>
-            </a:r>
-            <a:r>
-              <a:rPr lang="nl-NL" sz="1600" dirty="0"/>
-              <a:t> (m/d)</a:t>
-            </a:r>
-          </a:p>
-          <a:p>
-            <a:pPr marL="882635" lvl="3" indent="-342797"/>
-            <a:r>
-              <a:rPr lang="nl-NL" sz="1600" i="1" dirty="0"/>
-              <a:t>D</a:t>
-            </a:r>
-            <a:r>
-              <a:rPr lang="nl-NL" sz="1600" dirty="0"/>
-              <a:t> = </a:t>
-            </a:r>
-            <a:r>
-              <a:rPr lang="nl-NL" sz="1600" dirty="0" err="1"/>
-              <a:t>thickness</a:t>
-            </a:r>
-            <a:r>
-              <a:rPr lang="nl-NL" sz="1600" dirty="0"/>
-              <a:t> of </a:t>
-            </a:r>
-            <a:r>
-              <a:rPr lang="nl-NL" sz="1600" dirty="0" err="1"/>
-              <a:t>aquifer</a:t>
-            </a:r>
-            <a:r>
-              <a:rPr lang="nl-NL" sz="1600" dirty="0"/>
-              <a:t> (m)</a:t>
-            </a:r>
-          </a:p>
-          <a:p>
-            <a:pPr marL="882635" lvl="3" indent="-342797"/>
-            <a:r>
-              <a:rPr lang="nl-NL" sz="1600" i="1" dirty="0"/>
-              <a:t>c</a:t>
-            </a:r>
-            <a:r>
-              <a:rPr lang="nl-NL" sz="1600" dirty="0"/>
-              <a:t> = </a:t>
-            </a:r>
-            <a:r>
-              <a:rPr lang="nl-NL" sz="1600" dirty="0" err="1"/>
-              <a:t>hydraulic</a:t>
-            </a:r>
-            <a:r>
-              <a:rPr lang="nl-NL" sz="1600" dirty="0"/>
-              <a:t> </a:t>
-            </a:r>
-            <a:r>
-              <a:rPr lang="nl-NL" sz="1600" dirty="0" err="1"/>
-              <a:t>resistance</a:t>
-            </a:r>
-            <a:r>
-              <a:rPr lang="nl-NL" sz="1600" dirty="0"/>
-              <a:t> of </a:t>
-            </a:r>
-            <a:r>
-              <a:rPr lang="nl-NL" sz="1600" dirty="0" err="1"/>
-              <a:t>confining</a:t>
-            </a:r>
-            <a:r>
-              <a:rPr lang="nl-NL" sz="1600" dirty="0"/>
-              <a:t> layer (d)</a:t>
-            </a:r>
-          </a:p>
-          <a:p>
-            <a:pPr marL="882635" lvl="3" indent="-342797"/>
-            <a:r>
-              <a:rPr lang="nl-NL" sz="1600" i="1" dirty="0" err="1"/>
-              <a:t>r</a:t>
-            </a:r>
-            <a:r>
-              <a:rPr lang="nl-NL" sz="1600" i="1" baseline="-25000" dirty="0" err="1"/>
-              <a:t>well</a:t>
-            </a:r>
-            <a:r>
-              <a:rPr lang="nl-NL" sz="1600" dirty="0"/>
-              <a:t> = well radius (m)</a:t>
-            </a:r>
-          </a:p>
-          <a:p>
-            <a:pPr marL="882635" lvl="3" indent="-342797"/>
-            <a:r>
-              <a:rPr lang="nl-NL" sz="1600" i="1" dirty="0" err="1"/>
-              <a:t>h</a:t>
-            </a:r>
-            <a:r>
-              <a:rPr lang="nl-NL" sz="1600" i="1" baseline="-25000" dirty="0" err="1"/>
-              <a:t>in</a:t>
-            </a:r>
-            <a:r>
-              <a:rPr lang="nl-NL" sz="1600" dirty="0"/>
-              <a:t> = </a:t>
-            </a:r>
-            <a:r>
-              <a:rPr lang="nl-NL" sz="1600" dirty="0" err="1"/>
-              <a:t>infiltration</a:t>
-            </a:r>
-            <a:r>
-              <a:rPr lang="nl-NL" sz="1600" dirty="0"/>
-              <a:t> head (m + land </a:t>
-            </a:r>
-            <a:r>
-              <a:rPr lang="nl-NL" sz="1600" dirty="0" err="1"/>
-              <a:t>surface</a:t>
-            </a:r>
-            <a:r>
-              <a:rPr lang="nl-NL" sz="1600" dirty="0"/>
-              <a:t>)</a:t>
-            </a:r>
-          </a:p>
-          <a:p>
-            <a:pPr marL="882635" lvl="3" indent="-342797"/>
-            <a:r>
-              <a:rPr lang="nl-NL" sz="1600" i="1" dirty="0"/>
-              <a:t>h</a:t>
-            </a:r>
-            <a:r>
-              <a:rPr lang="nl-NL" sz="1600" i="1" baseline="-25000" dirty="0"/>
-              <a:t>0</a:t>
-            </a:r>
-            <a:r>
-              <a:rPr lang="nl-NL" sz="1600" dirty="0"/>
-              <a:t> = </a:t>
-            </a:r>
-            <a:r>
-              <a:rPr lang="nl-NL" sz="1600" dirty="0" err="1"/>
-              <a:t>natural</a:t>
-            </a:r>
-            <a:r>
-              <a:rPr lang="nl-NL" sz="1600" dirty="0"/>
-              <a:t> </a:t>
-            </a:r>
-            <a:r>
-              <a:rPr lang="nl-NL" sz="1600" dirty="0" err="1"/>
-              <a:t>hydraulic</a:t>
-            </a:r>
-            <a:r>
-              <a:rPr lang="nl-NL" sz="1600" dirty="0"/>
-              <a:t> head in </a:t>
-            </a:r>
-            <a:r>
-              <a:rPr lang="nl-NL" sz="1600" dirty="0" err="1"/>
-              <a:t>aquifer</a:t>
-            </a:r>
-            <a:r>
-              <a:rPr lang="nl-NL" sz="1600" dirty="0"/>
-              <a:t> (m + land </a:t>
-            </a:r>
-            <a:r>
-              <a:rPr lang="nl-NL" sz="1600" dirty="0" err="1"/>
-              <a:t>surface</a:t>
-            </a:r>
-            <a:r>
-              <a:rPr lang="nl-NL" sz="1600" dirty="0"/>
-              <a:t>)</a:t>
-            </a:r>
-          </a:p>
-          <a:p>
-            <a:pPr lvl="3" indent="0">
-              <a:buNone/>
-            </a:pPr>
-            <a:endParaRPr lang="nl-NL" sz="1600" dirty="0"/>
-          </a:p>
-          <a:p>
-            <a:pPr marL="342797" indent="-342797">
-              <a:buFont typeface="Arial" panose="020B0604020202020204" pitchFamily="34" charset="0"/>
-              <a:buChar char="•"/>
-            </a:pPr>
-            <a:r>
-              <a:rPr lang="nl-NL" dirty="0"/>
-              <a:t>In </a:t>
-            </a:r>
-            <a:r>
-              <a:rPr lang="nl-NL" dirty="0" err="1"/>
-              <a:t>practice</a:t>
-            </a:r>
-            <a:r>
-              <a:rPr lang="nl-NL" dirty="0"/>
-              <a:t>: </a:t>
-            </a:r>
-            <a:r>
-              <a:rPr lang="nl-NL" dirty="0" err="1"/>
-              <a:t>decreases</a:t>
-            </a:r>
-            <a:r>
-              <a:rPr lang="nl-NL" dirty="0"/>
-              <a:t> </a:t>
-            </a:r>
-            <a:r>
-              <a:rPr lang="nl-NL" dirty="0" err="1"/>
-              <a:t>due</a:t>
-            </a:r>
-            <a:r>
-              <a:rPr lang="nl-NL" dirty="0"/>
-              <a:t> </a:t>
-            </a:r>
-            <a:r>
-              <a:rPr lang="nl-NL" dirty="0" err="1"/>
-              <a:t>to</a:t>
-            </a:r>
-            <a:r>
-              <a:rPr lang="nl-NL" dirty="0"/>
-              <a:t> </a:t>
-            </a:r>
-            <a:br>
-              <a:rPr lang="nl-NL" dirty="0"/>
-            </a:br>
-            <a:r>
-              <a:rPr lang="nl-NL" dirty="0" err="1"/>
-              <a:t>gradual</a:t>
-            </a:r>
-            <a:r>
-              <a:rPr lang="nl-NL" dirty="0"/>
-              <a:t> well clogging</a:t>
-            </a:r>
-          </a:p>
-          <a:p>
-            <a:pPr marL="342797" indent="-342797">
-              <a:buFont typeface="Arial" panose="020B0604020202020204" pitchFamily="34" charset="0"/>
-              <a:buChar char="•"/>
-            </a:pPr>
-            <a:endParaRPr lang="nl-NL" dirty="0"/>
-          </a:p>
-          <a:p>
-            <a:pPr marL="342797" indent="-342797">
-              <a:buFont typeface="Arial" panose="020B0604020202020204" pitchFamily="34" charset="0"/>
-              <a:buChar char="•"/>
-            </a:pPr>
-            <a:endParaRPr lang="nl-NL" dirty="0"/>
-          </a:p>
-        </p:txBody>
-      </p:sp>
-      <mc:AlternateContent xmlns:mc="http://schemas.openxmlformats.org/markup-compatibility/2006" xmlns:a14="http://schemas.microsoft.com/office/drawing/2010/main">
-        <mc:Choice Requires="a14">
-          <p:sp>
-            <p:nvSpPr>
-              <p:cNvPr id="7" name="TextBox 6">
-                <a:extLst>
-                  <a:ext uri="{FF2B5EF4-FFF2-40B4-BE49-F238E27FC236}">
-                    <a16:creationId xmlns:a16="http://schemas.microsoft.com/office/drawing/2014/main" id="{5ED0CC0B-7D2D-204D-5A4F-84933D855A46}"/>
-                  </a:ext>
-                </a:extLst>
-              </p:cNvPr>
-              <p:cNvSpPr txBox="1"/>
-              <p:nvPr/>
-            </p:nvSpPr>
-            <p:spPr>
-              <a:xfrm>
-                <a:off x="1274090" y="2560464"/>
-                <a:ext cx="2257979" cy="940525"/>
-              </a:xfrm>
-              <a:prstGeom prst="rect">
-                <a:avLst/>
-              </a:prstGeom>
-              <a:noFill/>
-            </p:spPr>
-            <p:txBody>
-              <a:bodyPr wrap="none" lIns="0" tIns="0" rIns="0" bIns="0" rtlCol="0">
-                <a:spAutoFit/>
-              </a:bodyPr>
-              <a:lstStyle/>
-              <a:p>
-                <a:pPr/>
-                <a14:m>
-                  <m:oMathPara xmlns:m="http://schemas.openxmlformats.org/officeDocument/2006/math">
-                    <m:oMathParaPr>
-                      <m:jc m:val="centerGroup"/>
-                    </m:oMathParaPr>
-                    <m:oMath xmlns:m="http://schemas.openxmlformats.org/officeDocument/2006/math">
-                      <m:sSub>
-                        <m:sSubPr>
-                          <m:ctrlPr>
-                            <a:rPr lang="nl-NL" sz="1799" i="1">
-                              <a:latin typeface="Cambria Math" panose="02040503050406030204" pitchFamily="18" charset="0"/>
-                            </a:rPr>
-                          </m:ctrlPr>
-                        </m:sSubPr>
-                        <m:e>
-                          <m:r>
-                            <a:rPr lang="nl-NL" sz="1799" i="1">
-                              <a:latin typeface="Cambria Math" panose="02040503050406030204" pitchFamily="18" charset="0"/>
-                            </a:rPr>
-                            <m:t>𝑄</m:t>
-                          </m:r>
-                        </m:e>
-                        <m:sub>
-                          <m:r>
-                            <a:rPr lang="nl-NL" sz="1799" i="1">
-                              <a:latin typeface="Cambria Math" panose="02040503050406030204" pitchFamily="18" charset="0"/>
-                            </a:rPr>
-                            <m:t>𝑖𝑛</m:t>
-                          </m:r>
-                        </m:sub>
-                      </m:sSub>
-                      <m:r>
-                        <a:rPr lang="nl-NL" sz="1799" i="1">
-                          <a:latin typeface="Cambria Math" panose="02040503050406030204" pitchFamily="18" charset="0"/>
-                        </a:rPr>
-                        <m:t>=</m:t>
-                      </m:r>
-                      <m:f>
-                        <m:fPr>
-                          <m:ctrlPr>
-                            <a:rPr lang="nl-NL" sz="1799" i="1">
-                              <a:latin typeface="Cambria Math" panose="02040503050406030204" pitchFamily="18" charset="0"/>
-                              <a:ea typeface="Cambria Math" panose="02040503050406030204" pitchFamily="18" charset="0"/>
-                            </a:rPr>
-                          </m:ctrlPr>
-                        </m:fPr>
-                        <m:num>
-                          <m:r>
-                            <a:rPr lang="nl-NL" sz="1799" i="1">
-                              <a:latin typeface="Cambria Math" panose="02040503050406030204" pitchFamily="18" charset="0"/>
-                            </a:rPr>
-                            <m:t>2</m:t>
-                          </m:r>
-                          <m:r>
-                            <a:rPr lang="nl-NL" sz="1799" i="1">
-                              <a:latin typeface="Cambria Math" panose="02040503050406030204" pitchFamily="18" charset="0"/>
-                              <a:ea typeface="Cambria Math" panose="02040503050406030204" pitchFamily="18" charset="0"/>
-                            </a:rPr>
-                            <m:t>𝜋</m:t>
-                          </m:r>
-                          <m:r>
-                            <a:rPr lang="nl-NL" sz="1799" i="1">
-                              <a:latin typeface="Cambria Math" panose="02040503050406030204" pitchFamily="18" charset="0"/>
-                              <a:ea typeface="Cambria Math" panose="02040503050406030204" pitchFamily="18" charset="0"/>
-                            </a:rPr>
-                            <m:t>𝑘𝐷</m:t>
-                          </m:r>
-                          <m:d>
-                            <m:dPr>
-                              <m:ctrlPr>
-                                <a:rPr lang="nl-NL" sz="1799" i="1">
-                                  <a:latin typeface="Cambria Math" panose="02040503050406030204" pitchFamily="18" charset="0"/>
-                                  <a:ea typeface="Cambria Math" panose="02040503050406030204" pitchFamily="18" charset="0"/>
-                                </a:rPr>
-                              </m:ctrlPr>
-                            </m:dPr>
-                            <m:e>
-                              <m:sSub>
-                                <m:sSubPr>
-                                  <m:ctrlPr>
-                                    <a:rPr lang="nl-NL" sz="1799" i="1">
-                                      <a:latin typeface="Cambria Math" panose="02040503050406030204" pitchFamily="18" charset="0"/>
-                                      <a:ea typeface="Cambria Math" panose="02040503050406030204" pitchFamily="18" charset="0"/>
-                                    </a:rPr>
-                                  </m:ctrlPr>
-                                </m:sSubPr>
-                                <m:e>
-                                  <m:r>
-                                    <a:rPr lang="nl-NL" sz="1799" i="1">
-                                      <a:latin typeface="Cambria Math" panose="02040503050406030204" pitchFamily="18" charset="0"/>
-                                      <a:ea typeface="Cambria Math" panose="02040503050406030204" pitchFamily="18" charset="0"/>
-                                    </a:rPr>
-                                    <m:t>h</m:t>
-                                  </m:r>
-                                </m:e>
-                                <m:sub>
-                                  <m:r>
-                                    <a:rPr lang="nl-NL" sz="1799" i="1">
-                                      <a:latin typeface="Cambria Math" panose="02040503050406030204" pitchFamily="18" charset="0"/>
-                                      <a:ea typeface="Cambria Math" panose="02040503050406030204" pitchFamily="18" charset="0"/>
-                                    </a:rPr>
-                                    <m:t>𝑖𝑛</m:t>
-                                  </m:r>
-                                </m:sub>
-                              </m:sSub>
-                              <m:r>
-                                <a:rPr lang="nl-NL" sz="1799" i="1">
-                                  <a:latin typeface="Cambria Math" panose="02040503050406030204" pitchFamily="18" charset="0"/>
-                                  <a:ea typeface="Cambria Math" panose="02040503050406030204" pitchFamily="18" charset="0"/>
-                                </a:rPr>
-                                <m:t>−</m:t>
-                              </m:r>
-                              <m:sSub>
-                                <m:sSubPr>
-                                  <m:ctrlPr>
-                                    <a:rPr lang="nl-NL" sz="1799" i="1">
-                                      <a:latin typeface="Cambria Math" panose="02040503050406030204" pitchFamily="18" charset="0"/>
-                                      <a:ea typeface="Cambria Math" panose="02040503050406030204" pitchFamily="18" charset="0"/>
-                                    </a:rPr>
-                                  </m:ctrlPr>
-                                </m:sSubPr>
-                                <m:e>
-                                  <m:r>
-                                    <a:rPr lang="nl-NL" sz="1799" i="1">
-                                      <a:latin typeface="Cambria Math" panose="02040503050406030204" pitchFamily="18" charset="0"/>
-                                      <a:ea typeface="Cambria Math" panose="02040503050406030204" pitchFamily="18" charset="0"/>
-                                    </a:rPr>
-                                    <m:t>h</m:t>
-                                  </m:r>
-                                </m:e>
-                                <m:sub>
-                                  <m:r>
-                                    <a:rPr lang="nl-NL" sz="1799" i="1">
-                                      <a:latin typeface="Cambria Math" panose="02040503050406030204" pitchFamily="18" charset="0"/>
-                                      <a:ea typeface="Cambria Math" panose="02040503050406030204" pitchFamily="18" charset="0"/>
-                                    </a:rPr>
-                                    <m:t>𝑜</m:t>
-                                  </m:r>
-                                </m:sub>
-                              </m:sSub>
-                            </m:e>
-                          </m:d>
-                        </m:num>
-                        <m:den>
-                          <m:func>
-                            <m:funcPr>
-                              <m:ctrlPr>
-                                <a:rPr lang="nl-NL" sz="1799" i="1">
-                                  <a:latin typeface="Cambria Math" panose="02040503050406030204" pitchFamily="18" charset="0"/>
-                                  <a:ea typeface="Cambria Math" panose="02040503050406030204" pitchFamily="18" charset="0"/>
-                                </a:rPr>
-                              </m:ctrlPr>
-                            </m:funcPr>
-                            <m:fName>
-                              <m:r>
-                                <m:rPr>
-                                  <m:sty m:val="p"/>
-                                </m:rPr>
-                                <a:rPr lang="nl-NL" sz="1799">
-                                  <a:latin typeface="Cambria Math" panose="02040503050406030204" pitchFamily="18" charset="0"/>
-                                  <a:ea typeface="Cambria Math" panose="02040503050406030204" pitchFamily="18" charset="0"/>
-                                </a:rPr>
-                                <m:t>ln</m:t>
-                              </m:r>
-                            </m:fName>
-                            <m:e>
-                              <m:d>
-                                <m:dPr>
-                                  <m:ctrlPr>
-                                    <a:rPr lang="nl-NL" sz="1799" i="1">
-                                      <a:latin typeface="Cambria Math" panose="02040503050406030204" pitchFamily="18" charset="0"/>
-                                      <a:ea typeface="Cambria Math" panose="02040503050406030204" pitchFamily="18" charset="0"/>
-                                    </a:rPr>
-                                  </m:ctrlPr>
-                                </m:dPr>
-                                <m:e>
-                                  <m:f>
-                                    <m:fPr>
-                                      <m:ctrlPr>
-                                        <a:rPr lang="nl-NL" sz="1799" i="1">
-                                          <a:latin typeface="Cambria Math" panose="02040503050406030204" pitchFamily="18" charset="0"/>
-                                          <a:ea typeface="Cambria Math" panose="02040503050406030204" pitchFamily="18" charset="0"/>
-                                        </a:rPr>
-                                      </m:ctrlPr>
-                                    </m:fPr>
-                                    <m:num>
-                                      <m:rad>
-                                        <m:radPr>
-                                          <m:degHide m:val="on"/>
-                                          <m:ctrlPr>
-                                            <a:rPr lang="nl-NL" sz="1799" i="1">
-                                              <a:latin typeface="Cambria Math" panose="02040503050406030204" pitchFamily="18" charset="0"/>
-                                              <a:ea typeface="Cambria Math" panose="02040503050406030204" pitchFamily="18" charset="0"/>
-                                            </a:rPr>
-                                          </m:ctrlPr>
-                                        </m:radPr>
-                                        <m:deg/>
-                                        <m:e>
-                                          <m:r>
-                                            <a:rPr lang="nl-NL" sz="1799" i="1">
-                                              <a:latin typeface="Cambria Math" panose="02040503050406030204" pitchFamily="18" charset="0"/>
-                                              <a:ea typeface="Cambria Math" panose="02040503050406030204" pitchFamily="18" charset="0"/>
-                                            </a:rPr>
-                                            <m:t>𝑘𝐷𝑐</m:t>
-                                          </m:r>
-                                        </m:e>
-                                      </m:rad>
-                                    </m:num>
-                                    <m:den>
-                                      <m:sSub>
-                                        <m:sSubPr>
-                                          <m:ctrlPr>
-                                            <a:rPr lang="nl-NL" sz="1799" i="1">
-                                              <a:latin typeface="Cambria Math" panose="02040503050406030204" pitchFamily="18" charset="0"/>
-                                              <a:ea typeface="Cambria Math" panose="02040503050406030204" pitchFamily="18" charset="0"/>
-                                            </a:rPr>
-                                          </m:ctrlPr>
-                                        </m:sSubPr>
-                                        <m:e>
-                                          <m:r>
-                                            <a:rPr lang="nl-NL" sz="1799" i="1">
-                                              <a:latin typeface="Cambria Math" panose="02040503050406030204" pitchFamily="18" charset="0"/>
-                                              <a:ea typeface="Cambria Math" panose="02040503050406030204" pitchFamily="18" charset="0"/>
-                                            </a:rPr>
-                                            <m:t>𝑟</m:t>
-                                          </m:r>
-                                        </m:e>
-                                        <m:sub>
-                                          <m:r>
-                                            <a:rPr lang="nl-NL" sz="1799" i="1">
-                                              <a:latin typeface="Cambria Math" panose="02040503050406030204" pitchFamily="18" charset="0"/>
-                                              <a:ea typeface="Cambria Math" panose="02040503050406030204" pitchFamily="18" charset="0"/>
-                                            </a:rPr>
-                                            <m:t>𝑤𝑒𝑙𝑙</m:t>
-                                          </m:r>
-                                        </m:sub>
-                                      </m:sSub>
-                                    </m:den>
-                                  </m:f>
-                                </m:e>
-                              </m:d>
-                            </m:e>
-                          </m:func>
-                        </m:den>
-                      </m:f>
-                    </m:oMath>
-                  </m:oMathPara>
-                </a14:m>
-                <a:endParaRPr lang="nl-NL" sz="1799" dirty="0" err="1"/>
-              </a:p>
-            </p:txBody>
-          </p:sp>
-        </mc:Choice>
-        <mc:Fallback xmlns="">
-          <p:sp>
-            <p:nvSpPr>
-              <p:cNvPr id="7" name="TextBox 6">
-                <a:extLst>
-                  <a:ext uri="{FF2B5EF4-FFF2-40B4-BE49-F238E27FC236}">
-                    <a16:creationId xmlns:a16="http://schemas.microsoft.com/office/drawing/2014/main" id="{5ED0CC0B-7D2D-204D-5A4F-84933D855A46}"/>
-                  </a:ext>
-                </a:extLst>
-              </p:cNvPr>
-              <p:cNvSpPr txBox="1">
-                <a:spLocks noRot="1" noChangeAspect="1" noMove="1" noResize="1" noEditPoints="1" noAdjustHandles="1" noChangeArrowheads="1" noChangeShapeType="1" noTextEdit="1"/>
-              </p:cNvSpPr>
-              <p:nvPr/>
-            </p:nvSpPr>
-            <p:spPr>
-              <a:xfrm>
-                <a:off x="1274090" y="2560464"/>
-                <a:ext cx="2257979" cy="940525"/>
-              </a:xfrm>
-              <a:prstGeom prst="rect">
-                <a:avLst/>
-              </a:prstGeom>
-              <a:blipFill>
-                <a:blip r:embed="rId2"/>
-                <a:stretch>
-                  <a:fillRect/>
-                </a:stretch>
-              </a:blipFill>
-            </p:spPr>
-            <p:txBody>
-              <a:bodyPr/>
-              <a:lstStyle/>
-              <a:p>
-                <a:r>
-                  <a:rPr lang="nl-NL">
-                    <a:noFill/>
-                  </a:rPr>
-                  <a:t> </a:t>
-                </a:r>
-              </a:p>
-            </p:txBody>
-          </p:sp>
-        </mc:Fallback>
-      </mc:AlternateContent>
-      <p:sp>
-        <p:nvSpPr>
-          <p:cNvPr id="11" name="Title 4">
-            <a:extLst>
-              <a:ext uri="{FF2B5EF4-FFF2-40B4-BE49-F238E27FC236}">
-                <a16:creationId xmlns:a16="http://schemas.microsoft.com/office/drawing/2014/main" id="{7F6E615B-D1A7-D154-A930-BE69CE42B1FA}"/>
-              </a:ext>
-            </a:extLst>
-          </p:cNvPr>
-          <p:cNvSpPr>
-            <a:spLocks noGrp="1"/>
-          </p:cNvSpPr>
-          <p:nvPr>
-            <p:ph type="title"/>
-          </p:nvPr>
-        </p:nvSpPr>
-        <p:spPr>
-          <a:xfrm>
-            <a:off x="893690" y="899411"/>
-            <a:ext cx="9465535" cy="981820"/>
-          </a:xfrm>
-        </p:spPr>
+        <p:spPr/>
         <p:txBody>
           <a:bodyPr/>
           <a:lstStyle/>
           <a:p>
-            <a:r>
-              <a:rPr lang="nl-NL" dirty="0"/>
-              <a:t>Maximum </a:t>
-            </a:r>
-            <a:r>
-              <a:rPr lang="nl-NL" dirty="0" err="1"/>
-              <a:t>infiltration</a:t>
-            </a:r>
-            <a:r>
-              <a:rPr lang="nl-NL" dirty="0"/>
-              <a:t> rate</a:t>
-            </a:r>
-          </a:p>
-        </p:txBody>
-      </p:sp>
-      <p:sp>
-        <p:nvSpPr>
-          <p:cNvPr id="3" name="TextBox 2">
-            <a:extLst>
-              <a:ext uri="{FF2B5EF4-FFF2-40B4-BE49-F238E27FC236}">
-                <a16:creationId xmlns:a16="http://schemas.microsoft.com/office/drawing/2014/main" id="{7731E82B-C089-7696-886A-292931978E82}"/>
-              </a:ext>
-            </a:extLst>
-          </p:cNvPr>
-          <p:cNvSpPr txBox="1"/>
-          <p:nvPr/>
-        </p:nvSpPr>
-        <p:spPr>
-          <a:xfrm>
-            <a:off x="0" y="893"/>
-            <a:ext cx="6095967" cy="369108"/>
-          </a:xfrm>
-          <a:prstGeom prst="rect">
-            <a:avLst/>
-          </a:prstGeom>
-          <a:noFill/>
-        </p:spPr>
-        <p:txBody>
-          <a:bodyPr wrap="square">
-            <a:spAutoFit/>
-          </a:bodyPr>
-          <a:lstStyle/>
-          <a:p>
-            <a:r>
-              <a:rPr lang="en-GB" sz="1799" dirty="0"/>
-              <a:t>Infiltration</a:t>
-            </a:r>
-            <a:endParaRPr lang="nl-NL" sz="1799" dirty="0"/>
-          </a:p>
-        </p:txBody>
-      </p:sp>
-      <p:pic>
-        <p:nvPicPr>
-          <p:cNvPr id="8" name="Picture 7">
-            <a:extLst>
-              <a:ext uri="{FF2B5EF4-FFF2-40B4-BE49-F238E27FC236}">
-                <a16:creationId xmlns:a16="http://schemas.microsoft.com/office/drawing/2014/main" id="{E51C010B-E745-59F4-5CFC-BADC9A11FD81}"/>
-              </a:ext>
-            </a:extLst>
-          </p:cNvPr>
-          <p:cNvPicPr>
-            <a:picLocks noChangeAspect="1"/>
-          </p:cNvPicPr>
-          <p:nvPr/>
-        </p:nvPicPr>
-        <p:blipFill rotWithShape="1">
-          <a:blip r:embed="rId3"/>
-          <a:srcRect l="4632" b="50000"/>
-          <a:stretch/>
-        </p:blipFill>
-        <p:spPr>
-          <a:xfrm>
-            <a:off x="6311968" y="2853087"/>
-            <a:ext cx="5880033" cy="3716063"/>
-          </a:xfrm>
-          <a:prstGeom prst="rect">
-            <a:avLst/>
-          </a:prstGeom>
-        </p:spPr>
-      </p:pic>
-      <p:sp>
-        <p:nvSpPr>
-          <p:cNvPr id="10" name="TextBox 9">
-            <a:extLst>
-              <a:ext uri="{FF2B5EF4-FFF2-40B4-BE49-F238E27FC236}">
-                <a16:creationId xmlns:a16="http://schemas.microsoft.com/office/drawing/2014/main" id="{396EF978-BC9D-CBEE-9CA3-9A00B67FB182}"/>
-              </a:ext>
-            </a:extLst>
-          </p:cNvPr>
-          <p:cNvSpPr txBox="1"/>
-          <p:nvPr/>
-        </p:nvSpPr>
-        <p:spPr>
-          <a:xfrm>
-            <a:off x="6311968" y="6474029"/>
-            <a:ext cx="5676310" cy="246157"/>
-          </a:xfrm>
-          <a:prstGeom prst="rect">
-            <a:avLst/>
-          </a:prstGeom>
-          <a:noFill/>
-        </p:spPr>
-        <p:txBody>
-          <a:bodyPr wrap="square">
-            <a:spAutoFit/>
-          </a:bodyPr>
-          <a:lstStyle/>
-          <a:p>
-            <a:pPr algn="r"/>
-            <a:r>
-              <a:rPr lang="nl-NL" sz="1000" dirty="0"/>
-              <a:t>Van Dooren et al. (2020): </a:t>
-            </a:r>
-            <a:r>
-              <a:rPr lang="nl-NL" sz="1000" dirty="0">
-                <a:hlinkClick r:id="rId4"/>
-              </a:rPr>
-              <a:t>https://library.kwrwater.nl/publication/61802381/</a:t>
-            </a:r>
-            <a:r>
-              <a:rPr lang="nl-NL" sz="1000" dirty="0"/>
-              <a:t> </a:t>
-            </a:r>
-          </a:p>
-        </p:txBody>
-      </p:sp>
-      <p:sp>
-        <p:nvSpPr>
-          <p:cNvPr id="5" name="TextBox 4">
-            <a:extLst>
-              <a:ext uri="{FF2B5EF4-FFF2-40B4-BE49-F238E27FC236}">
-                <a16:creationId xmlns:a16="http://schemas.microsoft.com/office/drawing/2014/main" id="{C5F16109-5057-7A0C-4CFD-540E7E0226A9}"/>
-              </a:ext>
-            </a:extLst>
-          </p:cNvPr>
-          <p:cNvSpPr txBox="1"/>
-          <p:nvPr/>
-        </p:nvSpPr>
-        <p:spPr>
-          <a:xfrm>
-            <a:off x="6239946" y="3285601"/>
-            <a:ext cx="287990" cy="215388"/>
-          </a:xfrm>
-          <a:prstGeom prst="rect">
-            <a:avLst/>
-          </a:prstGeom>
-          <a:solidFill>
-            <a:schemeClr val="bg2"/>
-          </a:solidFill>
-        </p:spPr>
-        <p:txBody>
-          <a:bodyPr wrap="square" lIns="0" tIns="0" rIns="0" bIns="0" rtlCol="0">
-            <a:spAutoFit/>
-          </a:bodyPr>
-          <a:lstStyle/>
-          <a:p>
-            <a:pPr algn="r"/>
-            <a:r>
-              <a:rPr lang="nl-NL" sz="1400" dirty="0" err="1">
-                <a:latin typeface="Times New Roman" panose="02020603050405020304" pitchFamily="18" charset="0"/>
-                <a:cs typeface="Times New Roman" panose="02020603050405020304" pitchFamily="18" charset="0"/>
-              </a:rPr>
-              <a:t>h</a:t>
-            </a:r>
-            <a:r>
-              <a:rPr lang="nl-NL" sz="1400" baseline="-25000" dirty="0" err="1">
-                <a:latin typeface="Times New Roman" panose="02020603050405020304" pitchFamily="18" charset="0"/>
-                <a:cs typeface="Times New Roman" panose="02020603050405020304" pitchFamily="18" charset="0"/>
-              </a:rPr>
-              <a:t>in</a:t>
-            </a:r>
-            <a:endParaRPr lang="nl-NL" sz="1400" dirty="0">
-              <a:latin typeface="Times New Roman" panose="02020603050405020304" pitchFamily="18" charset="0"/>
-              <a:cs typeface="Times New Roman" panose="02020603050405020304" pitchFamily="18" charset="0"/>
-            </a:endParaRPr>
-          </a:p>
-        </p:txBody>
-      </p:sp>
-      <p:sp>
-        <p:nvSpPr>
-          <p:cNvPr id="6" name="TextBox 5">
-            <a:extLst>
-              <a:ext uri="{FF2B5EF4-FFF2-40B4-BE49-F238E27FC236}">
-                <a16:creationId xmlns:a16="http://schemas.microsoft.com/office/drawing/2014/main" id="{107D95C2-13EE-D794-8778-E9CB8959CA0B}"/>
-              </a:ext>
-            </a:extLst>
-          </p:cNvPr>
-          <p:cNvSpPr txBox="1"/>
-          <p:nvPr/>
-        </p:nvSpPr>
-        <p:spPr>
-          <a:xfrm>
-            <a:off x="6239946" y="4077483"/>
-            <a:ext cx="287990" cy="215388"/>
-          </a:xfrm>
-          <a:prstGeom prst="rect">
-            <a:avLst/>
-          </a:prstGeom>
-          <a:solidFill>
-            <a:schemeClr val="bg2"/>
-          </a:solidFill>
-        </p:spPr>
-        <p:txBody>
-          <a:bodyPr wrap="square" lIns="0" tIns="0" rIns="0" bIns="0" rtlCol="0">
-            <a:spAutoFit/>
-          </a:bodyPr>
-          <a:lstStyle/>
-          <a:p>
-            <a:pPr algn="r"/>
-            <a:r>
-              <a:rPr lang="nl-NL" sz="1400" dirty="0">
-                <a:latin typeface="Times New Roman" panose="02020603050405020304" pitchFamily="18" charset="0"/>
-                <a:cs typeface="Times New Roman" panose="02020603050405020304" pitchFamily="18" charset="0"/>
-              </a:rPr>
-              <a:t>h</a:t>
-            </a:r>
-            <a:r>
-              <a:rPr lang="nl-NL" sz="1400" baseline="-25000" dirty="0">
-                <a:latin typeface="Times New Roman" panose="02020603050405020304" pitchFamily="18" charset="0"/>
-                <a:cs typeface="Times New Roman" panose="02020603050405020304" pitchFamily="18" charset="0"/>
-              </a:rPr>
-              <a:t>0</a:t>
-            </a:r>
-            <a:endParaRPr lang="nl-NL" sz="1400" dirty="0">
-              <a:latin typeface="Times New Roman" panose="02020603050405020304" pitchFamily="18" charset="0"/>
-              <a:cs typeface="Times New Roman" panose="02020603050405020304" pitchFamily="18" charset="0"/>
-            </a:endParaRPr>
+            <a:endParaRPr lang="nl-NL"/>
           </a:p>
         </p:txBody>
       </p:sp>
     </p:spTree>
     <p:extLst>
       <p:ext uri="{BB962C8B-B14F-4D97-AF65-F5344CB8AC3E}">
-        <p14:creationId xmlns:p14="http://schemas.microsoft.com/office/powerpoint/2010/main" val="3113899964"/>
+        <p14:creationId xmlns:p14="http://schemas.microsoft.com/office/powerpoint/2010/main" val="3371072453"/>
       </p:ext>
     </p:extLst>
   </p:cSld>
   <p:clrMapOvr>
     <a:masterClrMapping/>
   </p:clrMapOvr>
-  <mc:AlternateContent xmlns:mc="http://schemas.openxmlformats.org/markup-compatibility/2006" xmlns:p14="http://schemas.microsoft.com/office/powerpoint/2010/main">
-    <mc:Choice Requires="p14">
-      <p:transition spd="med" p14:dur="700">
-        <p:fade/>
-      </p:transition>
-    </mc:Choice>
-    <mc:Fallback xmlns="">
-      <p:transition spd="med" advClick="true">
-        <p:fade/>
-      </p:transition>
-    </mc:Fallback>
-  </mc:AlternateContent>
-  <p:timing>
-    <p:tnLst>
-      <p:par>
-        <p:cTn id="1" dur="indefinite" restart="never" nodeType="tmRoot">
-          <p:childTnLst>
-            <p:seq concurrent="1" nextAc="seek">
-              <p:cTn id="2" dur="indefinite" nodeType="mainSeq">
-                <p:childTnLst>
-                  <p:par>
-                    <p:cTn id="3" fill="hold">
-                      <p:stCondLst>
-                        <p:cond delay="indefinite"/>
-                      </p:stCondLst>
-                      <p:childTnLst>
-                        <p:par>
-                          <p:cTn id="4" fill="hold">
-                            <p:stCondLst>
-                              <p:cond delay="0"/>
-                            </p:stCondLst>
-                            <p:childTnLst>
-                              <p:par>
-                                <p:cTn id="5" presetID="1" presetClass="entr" presetSubtype="0" fill="hold" nodeType="clickEffect">
-                                  <p:stCondLst>
-                                    <p:cond delay="0"/>
-                                  </p:stCondLst>
-                                  <p:childTnLst>
-                                    <p:set>
-                                      <p:cBhvr>
-                                        <p:cTn id="6" dur="1" fill="hold">
-                                          <p:stCondLst>
-                                            <p:cond delay="0"/>
-                                          </p:stCondLst>
-                                        </p:cTn>
-                                        <p:tgtEl>
-                                          <p:spTgt spid="4">
-                                            <p:txEl>
-                                              <p:pRg st="11" end="11"/>
-                                            </p:txEl>
-                                          </p:spTgt>
-                                        </p:tgtEl>
-                                        <p:attrNameLst>
-                                          <p:attrName>style.visibility</p:attrName>
-                                        </p:attrNameLst>
-                                      </p:cBhvr>
-                                      <p:to>
-                                        <p:strVal val="visible"/>
-                                      </p:to>
-                                    </p:set>
-                                  </p:childTnLst>
-                                </p:cTn>
-                              </p:par>
-                            </p:childTnLst>
-                          </p:cTn>
-                        </p:par>
-                      </p:childTnLst>
-                    </p:cTn>
-                  </p:par>
-                </p:childTnLst>
-              </p:cTn>
-              <p:prevCondLst>
-                <p:cond evt="onPrev" delay="0">
-                  <p:tgtEl>
-                    <p:sldTgt/>
-                  </p:tgtEl>
-                </p:cond>
-              </p:prevCondLst>
-              <p:nextCondLst>
-                <p:cond evt="onNext" delay="0">
-                  <p:tgtEl>
-                    <p:sldTgt/>
-                  </p:tgtEl>
-                </p:cond>
-              </p:nextCondLst>
-            </p:seq>
-          </p:childTnLst>
-        </p:cTn>
-      </p:par>
-    </p:tnLst>
-  </p:timing>
 </p:sld>
 </file>
 
@@ -7356,526 +10595,10 @@
       </p:grpSpPr>
       <p:sp>
         <p:nvSpPr>
-          <p:cNvPr id="2" name="Slide Number Placeholder 1">
+          <p:cNvPr id="2" name="Title 1">
             <a:extLst>
               <a:ext uri="{FF2B5EF4-FFF2-40B4-BE49-F238E27FC236}">
-                <a16:creationId xmlns:a16="http://schemas.microsoft.com/office/drawing/2014/main" id="{A8EC5DFB-736C-BD23-7FCF-6384872C0FF4}"/>
-              </a:ext>
-            </a:extLst>
-          </p:cNvPr>
-          <p:cNvSpPr>
-            <a:spLocks noGrp="1"/>
-          </p:cNvSpPr>
-          <p:nvPr>
-            <p:ph type="sldNum" sz="quarter" idx="17"/>
-          </p:nvPr>
-        </p:nvSpPr>
-        <p:spPr/>
-        <p:txBody>
-          <a:bodyPr/>
-          <a:lstStyle/>
-          <a:p>
-            <a:fld id="{1336C48C-F87C-4E4B-81EF-5027B17D1F61}" type="slidenum">
-              <a:rPr lang="en-GB" noProof="1" smtClean="0"/>
-              <a:t>6</a:t>
-            </a:fld>
-            <a:endParaRPr lang="en-GB" noProof="1"/>
-          </a:p>
-        </p:txBody>
-      </p:sp>
-      <mc:AlternateContent xmlns:mc="http://schemas.openxmlformats.org/markup-compatibility/2006" xmlns:a14="http://schemas.microsoft.com/office/drawing/2010/main">
-        <mc:Choice Requires="a14">
-          <p:sp>
-            <p:nvSpPr>
-              <p:cNvPr id="4" name="Content Placeholder 3">
-                <a:extLst>
-                  <a:ext uri="{FF2B5EF4-FFF2-40B4-BE49-F238E27FC236}">
-                    <a16:creationId xmlns:a16="http://schemas.microsoft.com/office/drawing/2014/main" id="{8640B7B5-C3D9-8994-5B24-E30F5BB6795E}"/>
-                  </a:ext>
-                </a:extLst>
-              </p:cNvPr>
-              <p:cNvSpPr>
-                <a:spLocks noGrp="1"/>
-              </p:cNvSpPr>
-              <p:nvPr>
-                <p:ph sz="quarter" idx="13"/>
-              </p:nvPr>
-            </p:nvSpPr>
-            <p:spPr>
-              <a:xfrm>
-                <a:off x="912724" y="2030044"/>
-                <a:ext cx="8422793" cy="3882309"/>
-              </a:xfrm>
-            </p:spPr>
-            <p:txBody>
-              <a:bodyPr>
-                <a:normAutofit fontScale="92500" lnSpcReduction="20000"/>
-              </a:bodyPr>
-              <a:lstStyle/>
-              <a:p>
-                <a:pPr marL="342797" indent="-342797">
-                  <a:buFont typeface="Arial" panose="020B0604020202020204" pitchFamily="34" charset="0"/>
-                  <a:buChar char="•"/>
-                </a:pPr>
-                <a:endParaRPr lang="nl-NL" dirty="0">
-                  <a:latin typeface="Cambria Math" panose="02040503050406030204" pitchFamily="18" charset="0"/>
-                </a:endParaRPr>
-              </a:p>
-              <a:p>
-                <a:pPr marL="342797" indent="-342797">
-                  <a:buFont typeface="Arial" panose="020B0604020202020204" pitchFamily="34" charset="0"/>
-                  <a:buChar char="•"/>
-                </a:pPr>
-                <a:r>
-                  <a:rPr lang="nl-NL" dirty="0">
-                    <a:latin typeface="Cambria Math" panose="02040503050406030204" pitchFamily="18" charset="0"/>
-                  </a:rPr>
-                  <a:t>Maximum </a:t>
-                </a:r>
-                <a:r>
-                  <a:rPr lang="nl-NL" dirty="0" err="1">
-                    <a:latin typeface="Cambria Math" panose="02040503050406030204" pitchFamily="18" charset="0"/>
-                  </a:rPr>
-                  <a:t>allowed</a:t>
-                </a:r>
-                <a:r>
-                  <a:rPr lang="nl-NL" dirty="0">
-                    <a:latin typeface="Cambria Math" panose="02040503050406030204" pitchFamily="18" charset="0"/>
-                  </a:rPr>
-                  <a:t> </a:t>
-                </a:r>
-                <a:r>
-                  <a:rPr lang="nl-NL" dirty="0" err="1">
-                    <a:latin typeface="Cambria Math" panose="02040503050406030204" pitchFamily="18" charset="0"/>
-                  </a:rPr>
-                  <a:t>specific</a:t>
-                </a:r>
-                <a:r>
-                  <a:rPr lang="nl-NL" dirty="0">
-                    <a:latin typeface="Cambria Math" panose="02040503050406030204" pitchFamily="18" charset="0"/>
-                  </a:rPr>
-                  <a:t> discharge on the </a:t>
-                </a:r>
-                <a:r>
-                  <a:rPr lang="nl-NL" dirty="0" err="1">
-                    <a:latin typeface="Cambria Math" panose="02040503050406030204" pitchFamily="18" charset="0"/>
-                  </a:rPr>
-                  <a:t>borehole</a:t>
-                </a:r>
-                <a:r>
-                  <a:rPr lang="nl-NL" dirty="0">
-                    <a:latin typeface="Cambria Math" panose="02040503050406030204" pitchFamily="18" charset="0"/>
-                  </a:rPr>
-                  <a:t> (</a:t>
-                </a:r>
-                <a:r>
-                  <a:rPr lang="nl-NL" dirty="0" err="1">
-                    <a:latin typeface="Cambria Math" panose="02040503050406030204" pitchFamily="18" charset="0"/>
-                  </a:rPr>
-                  <a:t>q</a:t>
-                </a:r>
-                <a:r>
-                  <a:rPr lang="nl-NL" baseline="-25000" dirty="0" err="1">
-                    <a:latin typeface="Cambria Math" panose="02040503050406030204" pitchFamily="18" charset="0"/>
-                  </a:rPr>
-                  <a:t>max</a:t>
-                </a:r>
-                <a:r>
-                  <a:rPr lang="nl-NL" dirty="0">
-                    <a:latin typeface="Cambria Math" panose="02040503050406030204" pitchFamily="18" charset="0"/>
-                  </a:rPr>
-                  <a:t> in </a:t>
-                </a:r>
-                <a:r>
-                  <a:rPr lang="nl-NL" b="1" u="sng" dirty="0">
-                    <a:latin typeface="Cambria Math" panose="02040503050406030204" pitchFamily="18" charset="0"/>
-                  </a:rPr>
-                  <a:t>m/s</a:t>
-                </a:r>
-                <a:r>
-                  <a:rPr lang="nl-NL" dirty="0">
-                    <a:latin typeface="Cambria Math" panose="02040503050406030204" pitchFamily="18" charset="0"/>
-                  </a:rPr>
-                  <a:t>)</a:t>
-                </a:r>
-              </a:p>
-              <a:p>
-                <a:pPr marL="342797" indent="-342797">
-                  <a:buFont typeface="Arial" panose="020B0604020202020204" pitchFamily="34" charset="0"/>
-                  <a:buChar char="•"/>
-                </a:pPr>
-                <a14:m>
-                  <m:oMath xmlns:m="http://schemas.openxmlformats.org/officeDocument/2006/math">
-                    <m:r>
-                      <a:rPr lang="nl-NL" b="0" i="1" dirty="0" smtClean="0">
-                        <a:latin typeface="Cambria Math" panose="02040503050406030204" pitchFamily="18" charset="0"/>
-                      </a:rPr>
-                      <m:t>𝑞</m:t>
-                    </m:r>
-                    <m:r>
-                      <a:rPr lang="nl-NL" i="1" baseline="-25000" dirty="0" err="1" smtClean="0">
-                        <a:latin typeface="Cambria Math" panose="02040503050406030204" pitchFamily="18" charset="0"/>
-                      </a:rPr>
-                      <m:t>𝑚𝑎𝑥</m:t>
-                    </m:r>
-                    <m:r>
-                      <a:rPr lang="nl-NL" i="1" dirty="0" smtClean="0">
-                        <a:latin typeface="Cambria Math" panose="02040503050406030204" pitchFamily="18" charset="0"/>
-                      </a:rPr>
-                      <m:t> =</m:t>
-                    </m:r>
-                    <m:f>
-                      <m:fPr>
-                        <m:ctrlPr>
-                          <a:rPr lang="nl-NL" b="0" i="1" dirty="0" smtClean="0">
-                            <a:latin typeface="Cambria Math" panose="02040503050406030204" pitchFamily="18" charset="0"/>
-                          </a:rPr>
-                        </m:ctrlPr>
-                      </m:fPr>
-                      <m:num>
-                        <m:rad>
-                          <m:radPr>
-                            <m:degHide m:val="on"/>
-                            <m:ctrlPr>
-                              <a:rPr lang="nl-NL" i="1" dirty="0" smtClean="0">
-                                <a:latin typeface="Cambria Math" panose="02040503050406030204" pitchFamily="18" charset="0"/>
-                              </a:rPr>
-                            </m:ctrlPr>
-                          </m:radPr>
-                          <m:deg/>
-                          <m:e>
-                            <m:r>
-                              <a:rPr lang="nl-NL" b="0" i="1" dirty="0" smtClean="0">
-                                <a:latin typeface="Cambria Math" panose="02040503050406030204" pitchFamily="18" charset="0"/>
-                              </a:rPr>
-                              <m:t>𝑘</m:t>
-                            </m:r>
-                          </m:e>
-                        </m:rad>
-                      </m:num>
-                      <m:den>
-                        <m:r>
-                          <a:rPr lang="nl-NL" b="0" i="1" dirty="0" smtClean="0">
-                            <a:latin typeface="Cambria Math" panose="02040503050406030204" pitchFamily="18" charset="0"/>
-                          </a:rPr>
-                          <m:t>30</m:t>
-                        </m:r>
-                      </m:den>
-                    </m:f>
-                    <m:r>
-                      <a:rPr lang="nl-NL" i="1" dirty="0" smtClean="0">
-                        <a:latin typeface="Cambria Math" panose="02040503050406030204" pitchFamily="18" charset="0"/>
-                      </a:rPr>
-                      <m:t> </m:t>
-                    </m:r>
-                  </m:oMath>
-                </a14:m>
-                <a:r>
-                  <a:rPr lang="nl-NL" dirty="0"/>
-                  <a:t>	(Huisman, </a:t>
-                </a:r>
-                <a:r>
-                  <a:rPr lang="nl-NL" dirty="0" err="1"/>
-                  <a:t>empirical</a:t>
-                </a:r>
-                <a:r>
-                  <a:rPr lang="nl-NL" dirty="0"/>
-                  <a:t>)</a:t>
-                </a:r>
-              </a:p>
-              <a:p>
-                <a:pPr marL="342797" indent="-342797">
-                  <a:buFont typeface="Arial" panose="020B0604020202020204" pitchFamily="34" charset="0"/>
-                  <a:buChar char="•"/>
-                </a:pPr>
-                <a14:m>
-                  <m:oMath xmlns:m="http://schemas.openxmlformats.org/officeDocument/2006/math">
-                    <m:sSub>
-                      <m:sSubPr>
-                        <m:ctrlPr>
-                          <a:rPr lang="nl-NL" b="0" i="1" smtClean="0">
-                            <a:latin typeface="Cambria Math" panose="02040503050406030204" pitchFamily="18" charset="0"/>
-                          </a:rPr>
-                        </m:ctrlPr>
-                      </m:sSubPr>
-                      <m:e>
-                        <m:r>
-                          <a:rPr lang="nl-NL" b="0" i="1" smtClean="0">
-                            <a:latin typeface="Cambria Math" panose="02040503050406030204" pitchFamily="18" charset="0"/>
-                          </a:rPr>
-                          <m:t>𝑄</m:t>
-                        </m:r>
-                      </m:e>
-                      <m:sub>
-                        <m:r>
-                          <a:rPr lang="nl-NL" b="0" i="1" smtClean="0">
-                            <a:latin typeface="Cambria Math" panose="02040503050406030204" pitchFamily="18" charset="0"/>
-                          </a:rPr>
-                          <m:t>𝑚𝑎𝑥</m:t>
-                        </m:r>
-                      </m:sub>
-                    </m:sSub>
-                    <m:r>
-                      <a:rPr lang="nl-NL" b="0" i="1" smtClean="0">
-                        <a:latin typeface="Cambria Math" panose="02040503050406030204" pitchFamily="18" charset="0"/>
-                      </a:rPr>
-                      <m:t>=</m:t>
-                    </m:r>
-                    <m:sSub>
-                      <m:sSubPr>
-                        <m:ctrlPr>
-                          <a:rPr lang="nl-NL" b="0" i="1" smtClean="0">
-                            <a:latin typeface="Cambria Math" panose="02040503050406030204" pitchFamily="18" charset="0"/>
-                          </a:rPr>
-                        </m:ctrlPr>
-                      </m:sSubPr>
-                      <m:e>
-                        <m:r>
-                          <a:rPr lang="nl-NL" b="0" i="1" smtClean="0">
-                            <a:latin typeface="Cambria Math" panose="02040503050406030204" pitchFamily="18" charset="0"/>
-                          </a:rPr>
-                          <m:t>𝑞</m:t>
-                        </m:r>
-                      </m:e>
-                      <m:sub>
-                        <m:r>
-                          <a:rPr lang="nl-NL" b="0" i="1" smtClean="0">
-                            <a:latin typeface="Cambria Math" panose="02040503050406030204" pitchFamily="18" charset="0"/>
-                          </a:rPr>
-                          <m:t>𝑚𝑎𝑥</m:t>
-                        </m:r>
-                      </m:sub>
-                    </m:sSub>
-                    <m:r>
-                      <a:rPr lang="nl-NL" b="0" i="1" smtClean="0">
-                        <a:latin typeface="Cambria Math" panose="02040503050406030204" pitchFamily="18" charset="0"/>
-                      </a:rPr>
-                      <m:t>∗2</m:t>
-                    </m:r>
-                    <m:r>
-                      <a:rPr lang="nl-NL" b="0" i="1" smtClean="0">
-                        <a:latin typeface="Cambria Math" panose="02040503050406030204" pitchFamily="18" charset="0"/>
-                      </a:rPr>
-                      <m:t>𝐿</m:t>
-                    </m:r>
-                    <m:r>
-                      <a:rPr lang="nl-NL" b="0" i="1" smtClean="0">
-                        <a:latin typeface="Cambria Math" panose="02040503050406030204" pitchFamily="18" charset="0"/>
-                        <a:ea typeface="Cambria Math" panose="02040503050406030204" pitchFamily="18" charset="0"/>
-                      </a:rPr>
-                      <m:t>𝜋</m:t>
-                    </m:r>
-                    <m:sSub>
-                      <m:sSubPr>
-                        <m:ctrlPr>
-                          <a:rPr lang="nl-NL" b="0" i="1" smtClean="0">
-                            <a:latin typeface="Cambria Math" panose="02040503050406030204" pitchFamily="18" charset="0"/>
-                            <a:ea typeface="Cambria Math" panose="02040503050406030204" pitchFamily="18" charset="0"/>
-                          </a:rPr>
-                        </m:ctrlPr>
-                      </m:sSubPr>
-                      <m:e>
-                        <m:r>
-                          <a:rPr lang="nl-NL" b="0" i="1" smtClean="0">
-                            <a:latin typeface="Cambria Math" panose="02040503050406030204" pitchFamily="18" charset="0"/>
-                            <a:ea typeface="Cambria Math" panose="02040503050406030204" pitchFamily="18" charset="0"/>
-                          </a:rPr>
-                          <m:t>𝑟</m:t>
-                        </m:r>
-                      </m:e>
-                      <m:sub>
-                        <m:r>
-                          <a:rPr lang="nl-NL" b="0" i="1" smtClean="0">
-                            <a:latin typeface="Cambria Math" panose="02040503050406030204" pitchFamily="18" charset="0"/>
-                            <a:ea typeface="Cambria Math" panose="02040503050406030204" pitchFamily="18" charset="0"/>
-                          </a:rPr>
-                          <m:t>𝑤𝑒𝑙𝑙</m:t>
-                        </m:r>
-                      </m:sub>
-                    </m:sSub>
-                  </m:oMath>
-                </a14:m>
-                <a:endParaRPr lang="nl-NL" dirty="0"/>
-              </a:p>
-              <a:p>
-                <a:pPr marL="882635" lvl="3" indent="-342797"/>
-                <a:r>
-                  <a:rPr lang="nl-NL" sz="1799" i="1" dirty="0"/>
-                  <a:t>L</a:t>
-                </a:r>
-                <a:r>
-                  <a:rPr lang="nl-NL" sz="1799" dirty="0"/>
-                  <a:t> = screen </a:t>
-                </a:r>
-                <a:r>
-                  <a:rPr lang="nl-NL" sz="1799" dirty="0" err="1"/>
-                  <a:t>length</a:t>
-                </a:r>
-                <a:r>
-                  <a:rPr lang="nl-NL" sz="1799" dirty="0"/>
-                  <a:t> (m)</a:t>
-                </a:r>
-              </a:p>
-              <a:p>
-                <a:pPr marL="882635" lvl="3" indent="-342797"/>
-                <a:r>
-                  <a:rPr lang="nl-NL" sz="1799" i="1" dirty="0" err="1"/>
-                  <a:t>r</a:t>
-                </a:r>
-                <a:r>
-                  <a:rPr lang="nl-NL" sz="1799" i="1" baseline="-25000" dirty="0" err="1"/>
-                  <a:t>well</a:t>
-                </a:r>
-                <a:r>
-                  <a:rPr lang="nl-NL" sz="1799" i="1" dirty="0"/>
-                  <a:t> </a:t>
-                </a:r>
-                <a:r>
-                  <a:rPr lang="nl-NL" sz="1799" dirty="0"/>
-                  <a:t>= well radius (m)</a:t>
-                </a:r>
-              </a:p>
-              <a:p>
-                <a:pPr marL="882635" lvl="3" indent="-342797"/>
-                <a:r>
-                  <a:rPr lang="nl-NL" sz="1799" i="1" dirty="0"/>
-                  <a:t>k</a:t>
-                </a:r>
-                <a:r>
-                  <a:rPr lang="nl-NL" sz="1799" dirty="0"/>
-                  <a:t> = </a:t>
-                </a:r>
-                <a:r>
-                  <a:rPr lang="nl-NL" sz="1799" dirty="0" err="1"/>
-                  <a:t>hydraulic</a:t>
-                </a:r>
-                <a:r>
-                  <a:rPr lang="nl-NL" sz="1799" dirty="0"/>
-                  <a:t> </a:t>
-                </a:r>
-                <a:r>
-                  <a:rPr lang="nl-NL" sz="1799" dirty="0" err="1"/>
-                  <a:t>conductivity</a:t>
-                </a:r>
-                <a:r>
-                  <a:rPr lang="nl-NL" sz="1799" dirty="0"/>
-                  <a:t> (in </a:t>
-                </a:r>
-                <a:r>
-                  <a:rPr lang="nl-NL" sz="1799" b="1" u="sng" dirty="0"/>
-                  <a:t>m/s</a:t>
-                </a:r>
-                <a:r>
-                  <a:rPr lang="nl-NL" sz="1799" dirty="0"/>
-                  <a:t>)</a:t>
-                </a:r>
-              </a:p>
-              <a:p>
-                <a:pPr lvl="3" indent="0">
-                  <a:buNone/>
-                </a:pPr>
-                <a:endParaRPr lang="nl-NL" sz="1000" dirty="0"/>
-              </a:p>
-              <a:p>
-                <a:pPr lvl="3" indent="0">
-                  <a:buNone/>
-                </a:pPr>
-                <a:endParaRPr lang="nl-NL" sz="1000" dirty="0"/>
-              </a:p>
-              <a:p>
-                <a:pPr lvl="3" indent="0">
-                  <a:buNone/>
-                </a:pPr>
-                <a:r>
-                  <a:rPr lang="nl-NL" sz="1000" dirty="0"/>
-                  <a:t>Van der Schans &amp; Meerkerk (2019): </a:t>
-                </a:r>
-                <a:r>
-                  <a:rPr lang="nl-NL" sz="1000" dirty="0">
-                    <a:hlinkClick r:id="rId3"/>
-                  </a:rPr>
-                  <a:t>https://library.kwrwater.nl/publication/60518580/</a:t>
-                </a:r>
-                <a:r>
-                  <a:rPr lang="nl-NL" sz="1000" dirty="0"/>
-                  <a:t> </a:t>
-                </a:r>
-              </a:p>
-              <a:p>
-                <a:pPr lvl="3" indent="0">
-                  <a:buNone/>
-                </a:pPr>
-                <a:r>
-                  <a:rPr lang="nl-NL" sz="1000" dirty="0"/>
-                  <a:t>Olsthoorn (1976): </a:t>
-                </a:r>
-                <a:r>
-                  <a:rPr lang="nl-NL" sz="1000" dirty="0">
-                    <a:hlinkClick r:id="rId4"/>
-                  </a:rPr>
-                  <a:t>https://edepot.wur.nl/403280</a:t>
-                </a:r>
-                <a:r>
-                  <a:rPr lang="nl-NL" sz="1000" dirty="0"/>
-                  <a:t> </a:t>
-                </a:r>
-              </a:p>
-              <a:p>
-                <a:endParaRPr lang="nl-NL" dirty="0"/>
-              </a:p>
-            </p:txBody>
-          </p:sp>
-        </mc:Choice>
-        <mc:Fallback xmlns="">
-          <p:sp>
-            <p:nvSpPr>
-              <p:cNvPr id="4" name="Content Placeholder 3">
-                <a:extLst>
-                  <a:ext uri="{FF2B5EF4-FFF2-40B4-BE49-F238E27FC236}">
-                    <a16:creationId xmlns:a16="http://schemas.microsoft.com/office/drawing/2014/main" id="{8640B7B5-C3D9-8994-5B24-E30F5BB6795E}"/>
-                  </a:ext>
-                </a:extLst>
-              </p:cNvPr>
-              <p:cNvSpPr>
-                <a:spLocks noGrp="1" noRot="1" noChangeAspect="1" noMove="1" noResize="1" noEditPoints="1" noAdjustHandles="1" noChangeArrowheads="1" noChangeShapeType="1" noTextEdit="1"/>
-              </p:cNvSpPr>
-              <p:nvPr>
-                <p:ph sz="quarter" idx="13"/>
-              </p:nvPr>
-            </p:nvSpPr>
-            <p:spPr>
-              <a:xfrm>
-                <a:off x="912724" y="2030044"/>
-                <a:ext cx="8422793" cy="3882309"/>
-              </a:xfrm>
-              <a:blipFill>
-                <a:blip r:embed="rId5"/>
-                <a:stretch>
-                  <a:fillRect l="-1159"/>
-                </a:stretch>
-              </a:blipFill>
-            </p:spPr>
-            <p:txBody>
-              <a:bodyPr/>
-              <a:lstStyle/>
-              <a:p>
-                <a:r>
-                  <a:rPr lang="nl-NL">
-                    <a:noFill/>
-                  </a:rPr>
-                  <a:t> </a:t>
-                </a:r>
-              </a:p>
-            </p:txBody>
-          </p:sp>
-        </mc:Fallback>
-      </mc:AlternateContent>
-      <p:sp>
-        <p:nvSpPr>
-          <p:cNvPr id="5" name="Title 4">
-            <a:extLst>
-              <a:ext uri="{FF2B5EF4-FFF2-40B4-BE49-F238E27FC236}">
-                <a16:creationId xmlns:a16="http://schemas.microsoft.com/office/drawing/2014/main" id="{69629E6F-6985-67FE-B3C7-AA9F191AA25A}"/>
+                <a16:creationId xmlns:a16="http://schemas.microsoft.com/office/drawing/2014/main" id="{C81E23CE-791D-C1ED-A5F2-59F4EC15DB41}"/>
               </a:ext>
             </a:extLst>
           </p:cNvPr>
@@ -7892,79 +10615,110 @@
           <a:lstStyle/>
           <a:p>
             <a:r>
-              <a:rPr lang="nl-NL" dirty="0" err="1"/>
-              <a:t>Particle</a:t>
-            </a:r>
-            <a:r>
               <a:rPr lang="nl-NL" dirty="0"/>
-              <a:t> </a:t>
-            </a:r>
-            <a:r>
-              <a:rPr lang="nl-NL" dirty="0" err="1"/>
-              <a:t>mobilization</a:t>
-            </a:r>
-            <a:endParaRPr lang="nl-NL" dirty="0"/>
-          </a:p>
-        </p:txBody>
-      </p:sp>
-      <p:sp>
-        <p:nvSpPr>
-          <p:cNvPr id="3" name="TextBox 2">
+              <a:t>Nootdorp</a:t>
+            </a:r>
+          </a:p>
+        </p:txBody>
+      </p:sp>
+      <p:sp>
+        <p:nvSpPr>
+          <p:cNvPr id="3" name="Content Placeholder 2">
             <a:extLst>
               <a:ext uri="{FF2B5EF4-FFF2-40B4-BE49-F238E27FC236}">
-                <a16:creationId xmlns:a16="http://schemas.microsoft.com/office/drawing/2014/main" id="{63F208D2-72FA-99D0-30BA-52248633D4A0}"/>
+                <a16:creationId xmlns:a16="http://schemas.microsoft.com/office/drawing/2014/main" id="{3B69AC9B-F321-6B03-6CE6-7052E2E73D7F}"/>
               </a:ext>
             </a:extLst>
           </p:cNvPr>
-          <p:cNvSpPr txBox="1"/>
+          <p:cNvSpPr>
+            <a:spLocks noGrp="1"/>
+          </p:cNvSpPr>
+          <p:nvPr>
+            <p:ph idx="1"/>
+          </p:nvPr>
+        </p:nvSpPr>
+        <p:spPr/>
+        <p:txBody>
+          <a:bodyPr/>
+          <a:lstStyle/>
+          <a:p>
+            <a:pPr marL="0" indent="0">
+              <a:buNone/>
+            </a:pPr>
+            <a:endParaRPr lang="nl-NL" dirty="0"/>
+          </a:p>
+        </p:txBody>
+      </p:sp>
+      <p:pic>
+        <p:nvPicPr>
+          <p:cNvPr id="5" name="Picture 4">
+            <a:extLst>
+              <a:ext uri="{FF2B5EF4-FFF2-40B4-BE49-F238E27FC236}">
+                <a16:creationId xmlns:a16="http://schemas.microsoft.com/office/drawing/2014/main" id="{71EC0792-6521-3B8A-A775-6E02089ED7D0}"/>
+              </a:ext>
+            </a:extLst>
+          </p:cNvPr>
+          <p:cNvPicPr>
+            <a:picLocks noChangeAspect="1"/>
+          </p:cNvPicPr>
           <p:nvPr/>
-        </p:nvSpPr>
+        </p:nvPicPr>
+        <p:blipFill>
+          <a:blip r:embed="rId2"/>
+          <a:stretch>
+            <a:fillRect/>
+          </a:stretch>
+        </p:blipFill>
         <p:spPr>
           <a:xfrm>
-            <a:off x="0" y="893"/>
-            <a:ext cx="6095967" cy="369108"/>
+            <a:off x="838199" y="1825625"/>
+            <a:ext cx="4530213" cy="4405726"/>
           </a:xfrm>
           <a:prstGeom prst="rect">
             <a:avLst/>
           </a:prstGeom>
-          <a:noFill/>
         </p:spPr>
-        <p:txBody>
-          <a:bodyPr wrap="square">
-            <a:spAutoFit/>
-          </a:bodyPr>
-          <a:lstStyle/>
-          <a:p>
-            <a:r>
-              <a:rPr lang="en-GB" sz="1799" dirty="0"/>
-              <a:t>Extraction</a:t>
-            </a:r>
-            <a:endParaRPr lang="nl-NL" sz="1799" dirty="0"/>
-          </a:p>
-        </p:txBody>
-      </p:sp>
+      </p:pic>
+      <p:pic>
+        <p:nvPicPr>
+          <p:cNvPr id="7" name="Picture 6">
+            <a:extLst>
+              <a:ext uri="{FF2B5EF4-FFF2-40B4-BE49-F238E27FC236}">
+                <a16:creationId xmlns:a16="http://schemas.microsoft.com/office/drawing/2014/main" id="{DE5EDCAF-7B2A-4741-030E-BB266A6EACEB}"/>
+              </a:ext>
+            </a:extLst>
+          </p:cNvPr>
+          <p:cNvPicPr>
+            <a:picLocks noChangeAspect="1"/>
+          </p:cNvPicPr>
+          <p:nvPr/>
+        </p:nvPicPr>
+        <p:blipFill>
+          <a:blip r:embed="rId3"/>
+          <a:stretch>
+            <a:fillRect/>
+          </a:stretch>
+        </p:blipFill>
+        <p:spPr>
+          <a:xfrm>
+            <a:off x="5869857" y="1825625"/>
+            <a:ext cx="4247536" cy="4556240"/>
+          </a:xfrm>
+          <a:prstGeom prst="rect">
+            <a:avLst/>
+          </a:prstGeom>
+        </p:spPr>
+      </p:pic>
     </p:spTree>
     <p:extLst>
       <p:ext uri="{BB962C8B-B14F-4D97-AF65-F5344CB8AC3E}">
-        <p14:creationId xmlns:p14="http://schemas.microsoft.com/office/powerpoint/2010/main" val="3432440035"/>
+        <p14:creationId xmlns:p14="http://schemas.microsoft.com/office/powerpoint/2010/main" val="481027446"/>
       </p:ext>
     </p:extLst>
   </p:cSld>
   <p:clrMapOvr>
     <a:masterClrMapping/>
   </p:clrMapOvr>
-  <mc:AlternateContent xmlns:mc="http://schemas.openxmlformats.org/markup-compatibility/2006" xmlns:p14="http://schemas.microsoft.com/office/powerpoint/2010/main">
-    <mc:Choice Requires="p14">
-      <p:transition spd="med" p14:dur="700">
-        <p:fade/>
-      </p:transition>
-    </mc:Choice>
-    <mc:Fallback xmlns="">
-      <p:transition spd="med" advClick="true">
-        <p:fade/>
-      </p:transition>
-    </mc:Fallback>
-  </mc:AlternateContent>
 </p:sld>
 </file>
 
@@ -7987,798 +10741,10 @@
       </p:grpSpPr>
       <p:sp>
         <p:nvSpPr>
-          <p:cNvPr id="2" name="Slide Number Placeholder 1">
+          <p:cNvPr id="2" name="Title 1">
             <a:extLst>
               <a:ext uri="{FF2B5EF4-FFF2-40B4-BE49-F238E27FC236}">
-                <a16:creationId xmlns:a16="http://schemas.microsoft.com/office/drawing/2014/main" id="{A8EC5DFB-736C-BD23-7FCF-6384872C0FF4}"/>
-              </a:ext>
-            </a:extLst>
-          </p:cNvPr>
-          <p:cNvSpPr>
-            <a:spLocks noGrp="1"/>
-          </p:cNvSpPr>
-          <p:nvPr>
-            <p:ph type="sldNum" sz="quarter" idx="17"/>
-          </p:nvPr>
-        </p:nvSpPr>
-        <p:spPr/>
-        <p:txBody>
-          <a:bodyPr/>
-          <a:lstStyle/>
-          <a:p>
-            <a:fld id="{1336C48C-F87C-4E4B-81EF-5027B17D1F61}" type="slidenum">
-              <a:rPr lang="en-GB" noProof="1" smtClean="0"/>
-              <a:t>7</a:t>
-            </a:fld>
-            <a:endParaRPr lang="en-GB" noProof="1"/>
-          </a:p>
-        </p:txBody>
-      </p:sp>
-      <mc:AlternateContent xmlns:mc="http://schemas.openxmlformats.org/markup-compatibility/2006" xmlns:a14="http://schemas.microsoft.com/office/drawing/2010/main">
-        <mc:Choice Requires="a14">
-          <p:sp>
-            <p:nvSpPr>
-              <p:cNvPr id="4" name="Content Placeholder 3">
-                <a:extLst>
-                  <a:ext uri="{FF2B5EF4-FFF2-40B4-BE49-F238E27FC236}">
-                    <a16:creationId xmlns:a16="http://schemas.microsoft.com/office/drawing/2014/main" id="{8640B7B5-C3D9-8994-5B24-E30F5BB6795E}"/>
-                  </a:ext>
-                </a:extLst>
-              </p:cNvPr>
-              <p:cNvSpPr>
-                <a:spLocks noGrp="1"/>
-              </p:cNvSpPr>
-              <p:nvPr>
-                <p:ph sz="quarter" idx="13"/>
-              </p:nvPr>
-            </p:nvSpPr>
-            <p:spPr>
-              <a:xfrm>
-                <a:off x="912724" y="2030044"/>
-                <a:ext cx="5687851" cy="3882309"/>
-              </a:xfrm>
-            </p:spPr>
-            <p:txBody>
-              <a:bodyPr>
-                <a:normAutofit fontScale="85000" lnSpcReduction="10000"/>
-              </a:bodyPr>
-              <a:lstStyle/>
-              <a:p>
-                <a:pPr marL="342797" indent="-342797">
-                  <a:buFont typeface="Arial" panose="020B0604020202020204" pitchFamily="34" charset="0"/>
-                  <a:buChar char="•"/>
-                </a:pPr>
-                <a:r>
-                  <a:rPr lang="nl-NL" dirty="0">
-                    <a:latin typeface="Cambria Math" panose="02040503050406030204" pitchFamily="18" charset="0"/>
-                  </a:rPr>
-                  <a:t>Drawdown = </a:t>
-                </a:r>
-                <a:r>
-                  <a:rPr lang="nl-NL" dirty="0" err="1">
-                    <a:latin typeface="Cambria Math" panose="02040503050406030204" pitchFamily="18" charset="0"/>
-                  </a:rPr>
-                  <a:t>lowering</a:t>
-                </a:r>
-                <a:r>
-                  <a:rPr lang="nl-NL" dirty="0">
-                    <a:latin typeface="Cambria Math" panose="02040503050406030204" pitchFamily="18" charset="0"/>
-                  </a:rPr>
-                  <a:t> of </a:t>
-                </a:r>
-                <a:r>
-                  <a:rPr lang="nl-NL" dirty="0" err="1">
-                    <a:latin typeface="Cambria Math" panose="02040503050406030204" pitchFamily="18" charset="0"/>
-                  </a:rPr>
-                  <a:t>pore</a:t>
-                </a:r>
-                <a:r>
-                  <a:rPr lang="nl-NL" dirty="0">
-                    <a:latin typeface="Cambria Math" panose="02040503050406030204" pitchFamily="18" charset="0"/>
-                  </a:rPr>
-                  <a:t> </a:t>
-                </a:r>
-                <a:r>
-                  <a:rPr lang="nl-NL" dirty="0" err="1">
-                    <a:latin typeface="Cambria Math" panose="02040503050406030204" pitchFamily="18" charset="0"/>
-                  </a:rPr>
-                  <a:t>pressure</a:t>
-                </a:r>
-                <a:endParaRPr lang="nl-NL" dirty="0">
-                  <a:latin typeface="Cambria Math" panose="02040503050406030204" pitchFamily="18" charset="0"/>
-                </a:endParaRPr>
-              </a:p>
-              <a:p>
-                <a:pPr marL="342797" indent="-342797">
-                  <a:buFont typeface="Arial" panose="020B0604020202020204" pitchFamily="34" charset="0"/>
-                  <a:buChar char="•"/>
-                </a:pPr>
-                <a:r>
-                  <a:rPr lang="nl-NL" b="0" dirty="0"/>
-                  <a:t>Koppejan: </a:t>
-                </a:r>
-                <a14:m>
-                  <m:oMath xmlns:m="http://schemas.openxmlformats.org/officeDocument/2006/math">
-                    <m:r>
-                      <a:rPr lang="nl-NL" b="0" i="1" smtClean="0">
-                        <a:latin typeface="Cambria Math" panose="02040503050406030204" pitchFamily="18" charset="0"/>
-                      </a:rPr>
-                      <m:t>𝑍</m:t>
-                    </m:r>
-                    <m:r>
-                      <a:rPr lang="nl-NL" b="0" i="1" smtClean="0">
-                        <a:latin typeface="Cambria Math" panose="02040503050406030204" pitchFamily="18" charset="0"/>
-                      </a:rPr>
-                      <m:t>=</m:t>
-                    </m:r>
-                    <m:r>
-                      <a:rPr lang="nl-NL" b="0" i="1" smtClean="0">
-                        <a:latin typeface="Cambria Math" panose="02040503050406030204" pitchFamily="18" charset="0"/>
-                      </a:rPr>
-                      <m:t>𝑑</m:t>
-                    </m:r>
-                    <m:d>
-                      <m:dPr>
-                        <m:ctrlPr>
-                          <a:rPr lang="nl-NL" b="0" i="1" smtClean="0">
-                            <a:latin typeface="Cambria Math" panose="02040503050406030204" pitchFamily="18" charset="0"/>
-                          </a:rPr>
-                        </m:ctrlPr>
-                      </m:dPr>
-                      <m:e>
-                        <m:f>
-                          <m:fPr>
-                            <m:ctrlPr>
-                              <a:rPr lang="nl-NL" b="0" i="1" smtClean="0">
-                                <a:latin typeface="Cambria Math" panose="02040503050406030204" pitchFamily="18" charset="0"/>
-                              </a:rPr>
-                            </m:ctrlPr>
-                          </m:fPr>
-                          <m:num>
-                            <m:r>
-                              <a:rPr lang="nl-NL" b="0" i="1" smtClean="0">
-                                <a:latin typeface="Cambria Math" panose="02040503050406030204" pitchFamily="18" charset="0"/>
-                              </a:rPr>
-                              <m:t>1</m:t>
-                            </m:r>
-                          </m:num>
-                          <m:den>
-                            <m:sSub>
-                              <m:sSubPr>
-                                <m:ctrlPr>
-                                  <a:rPr lang="nl-NL" b="0" i="1" smtClean="0">
-                                    <a:latin typeface="Cambria Math" panose="02040503050406030204" pitchFamily="18" charset="0"/>
-                                  </a:rPr>
-                                </m:ctrlPr>
-                              </m:sSubPr>
-                              <m:e>
-                                <m:r>
-                                  <a:rPr lang="nl-NL" b="0" i="1" smtClean="0">
-                                    <a:latin typeface="Cambria Math" panose="02040503050406030204" pitchFamily="18" charset="0"/>
-                                  </a:rPr>
-                                  <m:t>𝐶</m:t>
-                                </m:r>
-                              </m:e>
-                              <m:sub>
-                                <m:r>
-                                  <a:rPr lang="nl-NL" b="0" i="1" smtClean="0">
-                                    <a:latin typeface="Cambria Math" panose="02040503050406030204" pitchFamily="18" charset="0"/>
-                                  </a:rPr>
-                                  <m:t>𝑝</m:t>
-                                </m:r>
-                              </m:sub>
-                            </m:sSub>
-                          </m:den>
-                        </m:f>
-                        <m:r>
-                          <a:rPr lang="nl-NL" b="0" i="1" smtClean="0">
-                            <a:latin typeface="Cambria Math" panose="02040503050406030204" pitchFamily="18" charset="0"/>
-                          </a:rPr>
-                          <m:t>+</m:t>
-                        </m:r>
-                        <m:f>
-                          <m:fPr>
-                            <m:ctrlPr>
-                              <a:rPr lang="nl-NL" b="0" i="1" smtClean="0">
-                                <a:latin typeface="Cambria Math" panose="02040503050406030204" pitchFamily="18" charset="0"/>
-                              </a:rPr>
-                            </m:ctrlPr>
-                          </m:fPr>
-                          <m:num>
-                            <m:r>
-                              <m:rPr>
-                                <m:sty m:val="p"/>
-                              </m:rPr>
-                              <a:rPr lang="nl-NL" b="0" i="0" smtClean="0">
-                                <a:latin typeface="Cambria Math" panose="02040503050406030204" pitchFamily="18" charset="0"/>
-                              </a:rPr>
-                              <m:t>log</m:t>
-                            </m:r>
-                            <m:d>
-                              <m:dPr>
-                                <m:ctrlPr>
-                                  <a:rPr lang="nl-NL" b="0" i="1" smtClean="0">
-                                    <a:latin typeface="Cambria Math" panose="02040503050406030204" pitchFamily="18" charset="0"/>
-                                  </a:rPr>
-                                </m:ctrlPr>
-                              </m:dPr>
-                              <m:e>
-                                <m:r>
-                                  <m:rPr>
-                                    <m:sty m:val="p"/>
-                                  </m:rPr>
-                                  <a:rPr lang="nl-NL" b="0" i="0" smtClean="0">
-                                    <a:latin typeface="Cambria Math" panose="02040503050406030204" pitchFamily="18" charset="0"/>
-                                  </a:rPr>
-                                  <m:t>t</m:t>
-                                </m:r>
-                              </m:e>
-                            </m:d>
-                          </m:num>
-                          <m:den>
-                            <m:sSub>
-                              <m:sSubPr>
-                                <m:ctrlPr>
-                                  <a:rPr lang="nl-NL" b="0" i="1" smtClean="0">
-                                    <a:latin typeface="Cambria Math" panose="02040503050406030204" pitchFamily="18" charset="0"/>
-                                  </a:rPr>
-                                </m:ctrlPr>
-                              </m:sSubPr>
-                              <m:e>
-                                <m:r>
-                                  <m:rPr>
-                                    <m:sty m:val="p"/>
-                                  </m:rPr>
-                                  <a:rPr lang="nl-NL" b="0" i="0" smtClean="0">
-                                    <a:latin typeface="Cambria Math" panose="02040503050406030204" pitchFamily="18" charset="0"/>
-                                  </a:rPr>
-                                  <m:t>C</m:t>
-                                </m:r>
-                              </m:e>
-                              <m:sub>
-                                <m:r>
-                                  <m:rPr>
-                                    <m:sty m:val="p"/>
-                                  </m:rPr>
-                                  <a:rPr lang="nl-NL" b="0" i="0" smtClean="0">
-                                    <a:latin typeface="Cambria Math" panose="02040503050406030204" pitchFamily="18" charset="0"/>
-                                  </a:rPr>
-                                  <m:t>s</m:t>
-                                </m:r>
-                              </m:sub>
-                            </m:sSub>
-                          </m:den>
-                        </m:f>
-                      </m:e>
-                    </m:d>
-                    <m:r>
-                      <m:rPr>
-                        <m:sty m:val="p"/>
-                      </m:rPr>
-                      <a:rPr lang="nl-NL" b="0" i="0" smtClean="0">
-                        <a:latin typeface="Cambria Math" panose="02040503050406030204" pitchFamily="18" charset="0"/>
-                      </a:rPr>
-                      <m:t>ln</m:t>
-                    </m:r>
-                    <m:d>
-                      <m:dPr>
-                        <m:ctrlPr>
-                          <a:rPr lang="nl-NL" b="0" i="1" smtClean="0">
-                            <a:latin typeface="Cambria Math" panose="02040503050406030204" pitchFamily="18" charset="0"/>
-                          </a:rPr>
-                        </m:ctrlPr>
-                      </m:dPr>
-                      <m:e>
-                        <m:f>
-                          <m:fPr>
-                            <m:ctrlPr>
-                              <a:rPr lang="nl-NL" b="0" i="1" smtClean="0">
-                                <a:latin typeface="Cambria Math" panose="02040503050406030204" pitchFamily="18" charset="0"/>
-                                <a:ea typeface="Cambria Math" panose="02040503050406030204" pitchFamily="18" charset="0"/>
-                              </a:rPr>
-                            </m:ctrlPr>
-                          </m:fPr>
-                          <m:num>
-                            <m:r>
-                              <m:rPr>
-                                <m:sty m:val="p"/>
-                              </m:rPr>
-                              <a:rPr lang="el-GR" b="0" i="1" smtClean="0">
-                                <a:latin typeface="Cambria Math" panose="02040503050406030204" pitchFamily="18" charset="0"/>
-                                <a:ea typeface="Cambria Math" panose="02040503050406030204" pitchFamily="18" charset="0"/>
-                              </a:rPr>
-                              <m:t>φ</m:t>
-                            </m:r>
-                            <m:r>
-                              <a:rPr lang="nl-NL" b="0" i="1" smtClean="0">
-                                <a:latin typeface="Cambria Math" panose="02040503050406030204" pitchFamily="18" charset="0"/>
-                                <a:ea typeface="Cambria Math" panose="02040503050406030204" pitchFamily="18" charset="0"/>
-                              </a:rPr>
-                              <m:t>+</m:t>
-                            </m:r>
-                            <m:f>
-                              <m:fPr>
-                                <m:ctrlPr>
-                                  <a:rPr lang="nl-NL" b="0" i="1" smtClean="0">
-                                    <a:latin typeface="Cambria Math" panose="02040503050406030204" pitchFamily="18" charset="0"/>
-                                    <a:ea typeface="Cambria Math" panose="02040503050406030204" pitchFamily="18" charset="0"/>
-                                  </a:rPr>
-                                </m:ctrlPr>
-                              </m:fPr>
-                              <m:num>
-                                <m:r>
-                                  <a:rPr lang="nl-NL" b="0" i="1" smtClean="0">
-                                    <a:latin typeface="Cambria Math" panose="02040503050406030204" pitchFamily="18" charset="0"/>
-                                    <a:ea typeface="Cambria Math" panose="02040503050406030204" pitchFamily="18" charset="0"/>
-                                  </a:rPr>
-                                  <m:t>1</m:t>
-                                </m:r>
-                              </m:num>
-                              <m:den>
-                                <m:r>
-                                  <a:rPr lang="nl-NL" b="0" i="1" smtClean="0">
-                                    <a:latin typeface="Cambria Math" panose="02040503050406030204" pitchFamily="18" charset="0"/>
-                                    <a:ea typeface="Cambria Math" panose="02040503050406030204" pitchFamily="18" charset="0"/>
-                                  </a:rPr>
-                                  <m:t>2</m:t>
-                                </m:r>
-                              </m:den>
-                            </m:f>
-                            <m:r>
-                              <a:rPr lang="nl-NL" b="0" i="1" smtClean="0">
-                                <a:latin typeface="Cambria Math" panose="02040503050406030204" pitchFamily="18" charset="0"/>
-                                <a:ea typeface="Cambria Math" panose="02040503050406030204" pitchFamily="18" charset="0"/>
-                              </a:rPr>
-                              <m:t>𝑑</m:t>
-                            </m:r>
-                            <m:r>
-                              <a:rPr lang="nl-NL" b="0" i="1" smtClean="0">
-                                <a:latin typeface="Cambria Math" panose="02040503050406030204" pitchFamily="18" charset="0"/>
-                                <a:ea typeface="Cambria Math" panose="02040503050406030204" pitchFamily="18" charset="0"/>
-                              </a:rPr>
-                              <m:t>𝜑</m:t>
-                            </m:r>
-                          </m:num>
-                          <m:den>
-                            <m:r>
-                              <a:rPr lang="nl-NL" b="0" i="1" smtClean="0">
-                                <a:latin typeface="Cambria Math" panose="02040503050406030204" pitchFamily="18" charset="0"/>
-                                <a:ea typeface="Cambria Math" panose="02040503050406030204" pitchFamily="18" charset="0"/>
-                              </a:rPr>
-                              <m:t>𝜑</m:t>
-                            </m:r>
-                          </m:den>
-                        </m:f>
-                      </m:e>
-                    </m:d>
-                  </m:oMath>
-                </a14:m>
-                <a:endParaRPr lang="nl-NL" dirty="0">
-                  <a:latin typeface="Cambria Math" panose="02040503050406030204" pitchFamily="18" charset="0"/>
-                </a:endParaRPr>
-              </a:p>
-              <a:p>
-                <a:pPr marL="882635" lvl="3" indent="-342797"/>
-                <a:r>
-                  <a:rPr lang="nl-NL" sz="1799" i="1" dirty="0">
-                    <a:latin typeface="Cambria Math" panose="02040503050406030204" pitchFamily="18" charset="0"/>
-                  </a:rPr>
-                  <a:t>Z</a:t>
-                </a:r>
-                <a:r>
-                  <a:rPr lang="nl-NL" sz="1799" dirty="0">
-                    <a:latin typeface="Cambria Math" panose="02040503050406030204" pitchFamily="18" charset="0"/>
-                  </a:rPr>
-                  <a:t> = </a:t>
-                </a:r>
-                <a:r>
-                  <a:rPr lang="nl-NL" sz="1799" dirty="0" err="1">
-                    <a:latin typeface="Cambria Math" panose="02040503050406030204" pitchFamily="18" charset="0"/>
-                  </a:rPr>
-                  <a:t>soil</a:t>
-                </a:r>
-                <a:r>
-                  <a:rPr lang="nl-NL" sz="1799" dirty="0">
-                    <a:latin typeface="Cambria Math" panose="02040503050406030204" pitchFamily="18" charset="0"/>
-                  </a:rPr>
-                  <a:t> </a:t>
-                </a:r>
-                <a:r>
-                  <a:rPr lang="nl-NL" sz="1799" dirty="0" err="1">
-                    <a:latin typeface="Cambria Math" panose="02040503050406030204" pitchFamily="18" charset="0"/>
-                  </a:rPr>
-                  <a:t>compaction</a:t>
-                </a:r>
-                <a:r>
-                  <a:rPr lang="nl-NL" sz="1799" dirty="0">
-                    <a:latin typeface="Cambria Math" panose="02040503050406030204" pitchFamily="18" charset="0"/>
-                  </a:rPr>
-                  <a:t> (m)</a:t>
-                </a:r>
-              </a:p>
-              <a:p>
-                <a:pPr marL="882635" lvl="3" indent="-342797"/>
-                <a:r>
-                  <a:rPr lang="nl-NL" sz="1799" i="1" dirty="0">
-                    <a:latin typeface="Cambria Math" panose="02040503050406030204" pitchFamily="18" charset="0"/>
-                  </a:rPr>
-                  <a:t>d</a:t>
-                </a:r>
-                <a:r>
-                  <a:rPr lang="nl-NL" sz="1799" dirty="0">
-                    <a:latin typeface="Cambria Math" panose="02040503050406030204" pitchFamily="18" charset="0"/>
-                  </a:rPr>
-                  <a:t> = </a:t>
-                </a:r>
-                <a:r>
-                  <a:rPr lang="nl-NL" sz="1799" dirty="0" err="1">
-                    <a:latin typeface="Cambria Math" panose="02040503050406030204" pitchFamily="18" charset="0"/>
-                  </a:rPr>
-                  <a:t>thickness</a:t>
-                </a:r>
-                <a:r>
-                  <a:rPr lang="nl-NL" sz="1799" dirty="0">
-                    <a:latin typeface="Cambria Math" panose="02040503050406030204" pitchFamily="18" charset="0"/>
-                  </a:rPr>
-                  <a:t> of </a:t>
-                </a:r>
-                <a:r>
-                  <a:rPr lang="nl-NL" sz="1799" dirty="0" err="1">
-                    <a:latin typeface="Cambria Math" panose="02040503050406030204" pitchFamily="18" charset="0"/>
-                  </a:rPr>
-                  <a:t>confining</a:t>
-                </a:r>
-                <a:r>
-                  <a:rPr lang="nl-NL" sz="1799" dirty="0">
-                    <a:latin typeface="Cambria Math" panose="02040503050406030204" pitchFamily="18" charset="0"/>
-                  </a:rPr>
-                  <a:t> layer (m)</a:t>
-                </a:r>
-              </a:p>
-              <a:p>
-                <a:pPr marL="882635" lvl="3" indent="-342797"/>
-                <a:r>
-                  <a:rPr lang="nl-NL" sz="1799" i="1" dirty="0" err="1">
-                    <a:latin typeface="Cambria Math" panose="02040503050406030204" pitchFamily="18" charset="0"/>
-                  </a:rPr>
-                  <a:t>C</a:t>
-                </a:r>
-                <a:r>
-                  <a:rPr lang="nl-NL" sz="1799" i="1" baseline="-25000" dirty="0" err="1">
-                    <a:latin typeface="Cambria Math" panose="02040503050406030204" pitchFamily="18" charset="0"/>
-                  </a:rPr>
-                  <a:t>p</a:t>
-                </a:r>
-                <a:r>
-                  <a:rPr lang="nl-NL" sz="1799" dirty="0">
-                    <a:latin typeface="Cambria Math" panose="02040503050406030204" pitchFamily="18" charset="0"/>
-                  </a:rPr>
-                  <a:t> = </a:t>
-                </a:r>
-                <a:r>
-                  <a:rPr lang="nl-NL" sz="1799" dirty="0" err="1">
-                    <a:latin typeface="Cambria Math" panose="02040503050406030204" pitchFamily="18" charset="0"/>
-                  </a:rPr>
-                  <a:t>primary</a:t>
-                </a:r>
-                <a:r>
-                  <a:rPr lang="nl-NL" sz="1799" dirty="0">
-                    <a:latin typeface="Cambria Math" panose="02040503050406030204" pitchFamily="18" charset="0"/>
-                  </a:rPr>
-                  <a:t> </a:t>
-                </a:r>
-                <a:r>
-                  <a:rPr lang="nl-NL" sz="1799" dirty="0" err="1">
-                    <a:latin typeface="Cambria Math" panose="02040503050406030204" pitchFamily="18" charset="0"/>
-                  </a:rPr>
-                  <a:t>compaction</a:t>
-                </a:r>
-                <a:r>
-                  <a:rPr lang="nl-NL" sz="1799" dirty="0">
-                    <a:latin typeface="Cambria Math" panose="02040503050406030204" pitchFamily="18" charset="0"/>
-                  </a:rPr>
-                  <a:t> constant (-)</a:t>
-                </a:r>
-              </a:p>
-              <a:p>
-                <a:pPr marL="882635" lvl="3" indent="-342797"/>
-                <a:r>
-                  <a:rPr lang="nl-NL" sz="1799" i="1" dirty="0">
-                    <a:latin typeface="Cambria Math" panose="02040503050406030204" pitchFamily="18" charset="0"/>
-                  </a:rPr>
-                  <a:t>C</a:t>
-                </a:r>
-                <a:r>
-                  <a:rPr lang="nl-NL" sz="1799" i="1" baseline="-25000" dirty="0">
-                    <a:latin typeface="Cambria Math" panose="02040503050406030204" pitchFamily="18" charset="0"/>
-                  </a:rPr>
-                  <a:t>s</a:t>
-                </a:r>
-                <a:r>
-                  <a:rPr lang="nl-NL" sz="1799" dirty="0">
-                    <a:latin typeface="Cambria Math" panose="02040503050406030204" pitchFamily="18" charset="0"/>
-                  </a:rPr>
-                  <a:t> = </a:t>
-                </a:r>
-                <a:r>
-                  <a:rPr lang="nl-NL" sz="1799" dirty="0" err="1">
-                    <a:latin typeface="Cambria Math" panose="02040503050406030204" pitchFamily="18" charset="0"/>
-                  </a:rPr>
-                  <a:t>secular</a:t>
-                </a:r>
-                <a:r>
-                  <a:rPr lang="nl-NL" sz="1799" dirty="0">
-                    <a:latin typeface="Cambria Math" panose="02040503050406030204" pitchFamily="18" charset="0"/>
-                  </a:rPr>
-                  <a:t> </a:t>
-                </a:r>
-                <a:r>
-                  <a:rPr lang="nl-NL" sz="1799" dirty="0" err="1">
-                    <a:latin typeface="Cambria Math" panose="02040503050406030204" pitchFamily="18" charset="0"/>
-                  </a:rPr>
-                  <a:t>compaction</a:t>
-                </a:r>
-                <a:r>
-                  <a:rPr lang="nl-NL" sz="1799" dirty="0">
-                    <a:latin typeface="Cambria Math" panose="02040503050406030204" pitchFamily="18" charset="0"/>
-                  </a:rPr>
-                  <a:t> constant (-)</a:t>
-                </a:r>
-              </a:p>
-              <a:p>
-                <a:pPr marL="882635" lvl="3" indent="-342797"/>
-                <a:r>
-                  <a:rPr lang="el-GR" sz="1799" i="1" dirty="0">
-                    <a:latin typeface="Cambria Math" panose="02040503050406030204" pitchFamily="18" charset="0"/>
-                  </a:rPr>
-                  <a:t>Φ</a:t>
-                </a:r>
-                <a:r>
-                  <a:rPr lang="nl-NL" sz="1799" dirty="0">
-                    <a:latin typeface="Cambria Math" panose="02040503050406030204" pitchFamily="18" charset="0"/>
-                  </a:rPr>
-                  <a:t> = </a:t>
-                </a:r>
-                <a:r>
-                  <a:rPr lang="nl-NL" sz="1799" dirty="0" err="1">
-                    <a:latin typeface="Cambria Math" panose="02040503050406030204" pitchFamily="18" charset="0"/>
-                  </a:rPr>
-                  <a:t>pore</a:t>
-                </a:r>
-                <a:r>
-                  <a:rPr lang="nl-NL" sz="1799" dirty="0">
-                    <a:latin typeface="Cambria Math" panose="02040503050406030204" pitchFamily="18" charset="0"/>
-                  </a:rPr>
-                  <a:t> </a:t>
-                </a:r>
-                <a:r>
-                  <a:rPr lang="nl-NL" sz="1799" dirty="0" err="1">
-                    <a:latin typeface="Cambria Math" panose="02040503050406030204" pitchFamily="18" charset="0"/>
-                  </a:rPr>
-                  <a:t>pressure</a:t>
-                </a:r>
-                <a:r>
-                  <a:rPr lang="nl-NL" sz="1799" dirty="0">
-                    <a:latin typeface="Cambria Math" panose="02040503050406030204" pitchFamily="18" charset="0"/>
-                  </a:rPr>
-                  <a:t> (</a:t>
-                </a:r>
-                <a:r>
-                  <a:rPr lang="nl-NL" sz="1799" dirty="0" err="1">
-                    <a:latin typeface="Cambria Math" panose="02040503050406030204" pitchFamily="18" charset="0"/>
-                  </a:rPr>
-                  <a:t>kN</a:t>
-                </a:r>
-                <a:r>
-                  <a:rPr lang="nl-NL" sz="1799" dirty="0">
-                    <a:latin typeface="Cambria Math" panose="02040503050406030204" pitchFamily="18" charset="0"/>
-                  </a:rPr>
-                  <a:t>/m</a:t>
-                </a:r>
-                <a:r>
-                  <a:rPr lang="nl-NL" sz="1799" baseline="30000" dirty="0">
-                    <a:latin typeface="Cambria Math" panose="02040503050406030204" pitchFamily="18" charset="0"/>
-                  </a:rPr>
-                  <a:t>2</a:t>
-                </a:r>
-                <a:r>
-                  <a:rPr lang="nl-NL" sz="1799" dirty="0">
-                    <a:latin typeface="Cambria Math" panose="02040503050406030204" pitchFamily="18" charset="0"/>
-                  </a:rPr>
-                  <a:t>)</a:t>
-                </a:r>
-              </a:p>
-              <a:p>
-                <a:pPr marL="882635" lvl="3" indent="-342797"/>
-                <a:r>
-                  <a:rPr lang="nl-NL" sz="1799" i="1" dirty="0">
-                    <a:latin typeface="Cambria Math" panose="02040503050406030204" pitchFamily="18" charset="0"/>
-                  </a:rPr>
-                  <a:t>d</a:t>
-                </a:r>
-                <a:r>
-                  <a:rPr lang="el-GR" sz="1799" i="1" dirty="0">
-                    <a:latin typeface="Cambria Math" panose="02040503050406030204" pitchFamily="18" charset="0"/>
-                  </a:rPr>
-                  <a:t>Φ</a:t>
-                </a:r>
-                <a:r>
-                  <a:rPr lang="nl-NL" sz="1799" i="1" dirty="0">
-                    <a:latin typeface="Cambria Math" panose="02040503050406030204" pitchFamily="18" charset="0"/>
-                  </a:rPr>
-                  <a:t> </a:t>
-                </a:r>
-                <a:r>
-                  <a:rPr lang="nl-NL" sz="1799" dirty="0">
-                    <a:latin typeface="Cambria Math" panose="02040503050406030204" pitchFamily="18" charset="0"/>
-                  </a:rPr>
-                  <a:t>= change of </a:t>
-                </a:r>
-                <a:r>
-                  <a:rPr lang="nl-NL" sz="1799" dirty="0" err="1">
-                    <a:latin typeface="Cambria Math" panose="02040503050406030204" pitchFamily="18" charset="0"/>
-                  </a:rPr>
-                  <a:t>pore</a:t>
-                </a:r>
-                <a:r>
-                  <a:rPr lang="nl-NL" sz="1799" dirty="0">
-                    <a:latin typeface="Cambria Math" panose="02040503050406030204" pitchFamily="18" charset="0"/>
-                  </a:rPr>
-                  <a:t> </a:t>
-                </a:r>
-                <a:r>
-                  <a:rPr lang="nl-NL" sz="1799" dirty="0" err="1">
-                    <a:latin typeface="Cambria Math" panose="02040503050406030204" pitchFamily="18" charset="0"/>
-                  </a:rPr>
-                  <a:t>pressure</a:t>
-                </a:r>
-                <a:r>
-                  <a:rPr lang="nl-NL" sz="1799" dirty="0">
-                    <a:latin typeface="Cambria Math" panose="02040503050406030204" pitchFamily="18" charset="0"/>
-                  </a:rPr>
-                  <a:t> (</a:t>
-                </a:r>
-                <a:r>
-                  <a:rPr lang="nl-NL" sz="1799" dirty="0" err="1">
-                    <a:latin typeface="Cambria Math" panose="02040503050406030204" pitchFamily="18" charset="0"/>
-                  </a:rPr>
-                  <a:t>kN</a:t>
-                </a:r>
-                <a:r>
-                  <a:rPr lang="nl-NL" sz="1799" dirty="0">
-                    <a:latin typeface="Cambria Math" panose="02040503050406030204" pitchFamily="18" charset="0"/>
-                  </a:rPr>
-                  <a:t>/m</a:t>
-                </a:r>
-                <a:r>
-                  <a:rPr lang="nl-NL" sz="1799" baseline="30000" dirty="0">
-                    <a:latin typeface="Cambria Math" panose="02040503050406030204" pitchFamily="18" charset="0"/>
-                  </a:rPr>
-                  <a:t>2</a:t>
-                </a:r>
-                <a:r>
-                  <a:rPr lang="nl-NL" sz="1799" dirty="0">
-                    <a:latin typeface="Cambria Math" panose="02040503050406030204" pitchFamily="18" charset="0"/>
-                  </a:rPr>
-                  <a:t>)</a:t>
-                </a:r>
-              </a:p>
-              <a:p>
-                <a:pPr marL="882635" lvl="3" indent="-342797"/>
-                <a:r>
-                  <a:rPr lang="nl-NL" sz="1799" i="1" dirty="0">
-                    <a:latin typeface="Cambria Math" panose="02040503050406030204" pitchFamily="18" charset="0"/>
-                  </a:rPr>
-                  <a:t>t </a:t>
-                </a:r>
-                <a:r>
-                  <a:rPr lang="nl-NL" sz="1799" dirty="0">
-                    <a:latin typeface="Cambria Math" panose="02040503050406030204" pitchFamily="18" charset="0"/>
-                  </a:rPr>
-                  <a:t>= time (</a:t>
-                </a:r>
-                <a:r>
-                  <a:rPr lang="nl-NL" sz="1799" dirty="0" err="1">
-                    <a:latin typeface="Cambria Math" panose="02040503050406030204" pitchFamily="18" charset="0"/>
-                  </a:rPr>
-                  <a:t>days</a:t>
-                </a:r>
-                <a:r>
-                  <a:rPr lang="nl-NL" sz="1799" dirty="0">
-                    <a:latin typeface="Cambria Math" panose="02040503050406030204" pitchFamily="18" charset="0"/>
-                  </a:rPr>
-                  <a:t>)</a:t>
-                </a:r>
-              </a:p>
-              <a:p>
-                <a:endParaRPr lang="nl-NL" dirty="0">
-                  <a:latin typeface="Cambria Math" panose="02040503050406030204" pitchFamily="18" charset="0"/>
-                </a:endParaRPr>
-              </a:p>
-              <a:p>
-                <a:pPr marL="342797" indent="-342797">
-                  <a:buFont typeface="Arial" panose="020B0604020202020204" pitchFamily="34" charset="0"/>
-                  <a:buChar char="•"/>
-                </a:pPr>
-                <a:endParaRPr lang="nl-NL" dirty="0">
-                  <a:latin typeface="Cambria Math" panose="02040503050406030204" pitchFamily="18" charset="0"/>
-                </a:endParaRPr>
-              </a:p>
-              <a:p>
-                <a:endParaRPr lang="nl-NL" dirty="0">
-                  <a:latin typeface="Cambria Math" panose="02040503050406030204" pitchFamily="18" charset="0"/>
-                </a:endParaRPr>
-              </a:p>
-              <a:p>
-                <a:pPr marL="342797" indent="-342797">
-                  <a:buFont typeface="Arial" panose="020B0604020202020204" pitchFamily="34" charset="0"/>
-                  <a:buChar char="•"/>
-                </a:pPr>
-                <a:endParaRPr lang="nl-NL" dirty="0">
-                  <a:latin typeface="Cambria Math" panose="02040503050406030204" pitchFamily="18" charset="0"/>
-                </a:endParaRPr>
-              </a:p>
-              <a:p>
-                <a:endParaRPr lang="nl-NL" dirty="0">
-                  <a:latin typeface="Cambria Math" panose="02040503050406030204" pitchFamily="18" charset="0"/>
-                </a:endParaRPr>
-              </a:p>
-              <a:p>
-                <a:endParaRPr lang="nl-NL" dirty="0"/>
-              </a:p>
-            </p:txBody>
-          </p:sp>
-        </mc:Choice>
-        <mc:Fallback xmlns="">
-          <p:sp>
-            <p:nvSpPr>
-              <p:cNvPr id="4" name="Content Placeholder 3">
-                <a:extLst>
-                  <a:ext uri="{FF2B5EF4-FFF2-40B4-BE49-F238E27FC236}">
-                    <a16:creationId xmlns:a16="http://schemas.microsoft.com/office/drawing/2014/main" id="{8640B7B5-C3D9-8994-5B24-E30F5BB6795E}"/>
-                  </a:ext>
-                </a:extLst>
-              </p:cNvPr>
-              <p:cNvSpPr>
-                <a:spLocks noGrp="1" noRot="1" noChangeAspect="1" noMove="1" noResize="1" noEditPoints="1" noAdjustHandles="1" noChangeArrowheads="1" noChangeShapeType="1" noTextEdit="1"/>
-              </p:cNvSpPr>
-              <p:nvPr>
-                <p:ph sz="quarter" idx="13"/>
-              </p:nvPr>
-            </p:nvSpPr>
-            <p:spPr>
-              <a:xfrm>
-                <a:off x="912724" y="2030044"/>
-                <a:ext cx="5687851" cy="3882309"/>
-              </a:xfrm>
-              <a:blipFill>
-                <a:blip r:embed="rId2"/>
-                <a:stretch>
-                  <a:fillRect l="-1501" t="-1413" r="-1179"/>
-                </a:stretch>
-              </a:blipFill>
-            </p:spPr>
-            <p:txBody>
-              <a:bodyPr/>
-              <a:lstStyle/>
-              <a:p>
-                <a:r>
-                  <a:rPr lang="nl-NL">
-                    <a:noFill/>
-                  </a:rPr>
-                  <a:t> </a:t>
-                </a:r>
-              </a:p>
-            </p:txBody>
-          </p:sp>
-        </mc:Fallback>
-      </mc:AlternateContent>
-      <p:sp>
-        <p:nvSpPr>
-          <p:cNvPr id="5" name="Title 4">
-            <a:extLst>
-              <a:ext uri="{FF2B5EF4-FFF2-40B4-BE49-F238E27FC236}">
-                <a16:creationId xmlns:a16="http://schemas.microsoft.com/office/drawing/2014/main" id="{69629E6F-6985-67FE-B3C7-AA9F191AA25A}"/>
+                <a16:creationId xmlns:a16="http://schemas.microsoft.com/office/drawing/2014/main" id="{C81E23CE-791D-C1ED-A5F2-59F4EC15DB41}"/>
               </a:ext>
             </a:extLst>
           </p:cNvPr>
@@ -8795,69 +10761,47 @@
           <a:lstStyle/>
           <a:p>
             <a:r>
-              <a:rPr lang="nl-NL" dirty="0" err="1"/>
-              <a:t>Soil</a:t>
-            </a:r>
-            <a:r>
               <a:rPr lang="nl-NL" dirty="0"/>
-              <a:t> </a:t>
-            </a:r>
-            <a:r>
-              <a:rPr lang="nl-NL" dirty="0" err="1"/>
-              <a:t>compaction</a:t>
-            </a:r>
-            <a:br>
-              <a:rPr lang="nl-NL" dirty="0"/>
-            </a:br>
-            <a:r>
-              <a:rPr lang="nl-NL" sz="1999" dirty="0"/>
-              <a:t>‘zetting’ (in Dutch)</a:t>
-            </a:r>
-          </a:p>
-        </p:txBody>
-      </p:sp>
-      <p:sp>
-        <p:nvSpPr>
-          <p:cNvPr id="3" name="TextBox 2">
+              <a:t>Nootdorp</a:t>
+            </a:r>
+          </a:p>
+        </p:txBody>
+      </p:sp>
+      <p:pic>
+        <p:nvPicPr>
+          <p:cNvPr id="6" name="Content Placeholder 5">
             <a:extLst>
               <a:ext uri="{FF2B5EF4-FFF2-40B4-BE49-F238E27FC236}">
-                <a16:creationId xmlns:a16="http://schemas.microsoft.com/office/drawing/2014/main" id="{6FBBBCA7-082B-CC30-52E4-E30B4FA6A987}"/>
+                <a16:creationId xmlns:a16="http://schemas.microsoft.com/office/drawing/2014/main" id="{E303F6B6-7315-2EED-95E9-3519A8AEA666}"/>
               </a:ext>
             </a:extLst>
           </p:cNvPr>
-          <p:cNvSpPr txBox="1"/>
-          <p:nvPr/>
-        </p:nvSpPr>
+          <p:cNvPicPr>
+            <a:picLocks noGrp="1" noChangeAspect="1"/>
+          </p:cNvPicPr>
+          <p:nvPr>
+            <p:ph idx="1"/>
+          </p:nvPr>
+        </p:nvPicPr>
+        <p:blipFill>
+          <a:blip r:embed="rId2"/>
+          <a:stretch>
+            <a:fillRect/>
+          </a:stretch>
+        </p:blipFill>
         <p:spPr>
           <a:xfrm>
-            <a:off x="0" y="893"/>
-            <a:ext cx="6095967" cy="369108"/>
+            <a:off x="838200" y="1814287"/>
+            <a:ext cx="6582694" cy="3229426"/>
           </a:xfrm>
-          <a:prstGeom prst="rect">
-            <a:avLst/>
-          </a:prstGeom>
-          <a:noFill/>
         </p:spPr>
-        <p:txBody>
-          <a:bodyPr wrap="square">
-            <a:spAutoFit/>
-          </a:bodyPr>
-          <a:lstStyle/>
-          <a:p>
-            <a:r>
-              <a:rPr lang="en-GB" sz="1799" dirty="0"/>
-              <a:t>Extraction</a:t>
-            </a:r>
-            <a:endParaRPr lang="nl-NL" sz="1799" dirty="0"/>
-          </a:p>
-        </p:txBody>
-      </p:sp>
+      </p:pic>
       <p:pic>
         <p:nvPicPr>
-          <p:cNvPr id="6" name="Picture 5">
+          <p:cNvPr id="9" name="Picture 8">
             <a:extLst>
               <a:ext uri="{FF2B5EF4-FFF2-40B4-BE49-F238E27FC236}">
-                <a16:creationId xmlns:a16="http://schemas.microsoft.com/office/drawing/2014/main" id="{CDAA10FC-3989-043A-D0C2-9C9FDA2259F7}"/>
+                <a16:creationId xmlns:a16="http://schemas.microsoft.com/office/drawing/2014/main" id="{AEB3E579-A515-65EA-96E5-20565EF5515B}"/>
               </a:ext>
             </a:extLst>
           </p:cNvPr>
@@ -8874,125 +10818,8 @@
         </p:blipFill>
         <p:spPr>
           <a:xfrm>
-            <a:off x="6806490" y="189483"/>
-            <a:ext cx="5192630" cy="3867682"/>
-          </a:xfrm>
-          <a:prstGeom prst="rect">
-            <a:avLst/>
-          </a:prstGeom>
-        </p:spPr>
-      </p:pic>
-      <p:sp>
-        <p:nvSpPr>
-          <p:cNvPr id="8" name="TextBox 7">
-            <a:extLst>
-              <a:ext uri="{FF2B5EF4-FFF2-40B4-BE49-F238E27FC236}">
-                <a16:creationId xmlns:a16="http://schemas.microsoft.com/office/drawing/2014/main" id="{C61E9757-9950-786F-6F50-F25B82551DE2}"/>
-              </a:ext>
-            </a:extLst>
-          </p:cNvPr>
-          <p:cNvSpPr txBox="1"/>
-          <p:nvPr/>
-        </p:nvSpPr>
-        <p:spPr>
-          <a:xfrm>
-            <a:off x="912724" y="5635427"/>
-            <a:ext cx="6133279" cy="246157"/>
-          </a:xfrm>
-          <a:prstGeom prst="rect">
-            <a:avLst/>
-          </a:prstGeom>
-          <a:noFill/>
-        </p:spPr>
-        <p:txBody>
-          <a:bodyPr wrap="square">
-            <a:spAutoFit/>
-          </a:bodyPr>
-          <a:lstStyle/>
-          <a:p>
-            <a:r>
-              <a:rPr lang="nl-NL" sz="1000" dirty="0"/>
-              <a:t>Drijver (2002): </a:t>
-            </a:r>
-            <a:r>
-              <a:rPr lang="nl-NL" sz="1000" dirty="0">
-                <a:hlinkClick r:id="rId4"/>
-              </a:rPr>
-              <a:t>https://edepot.wur.nl/358642</a:t>
-            </a:r>
-            <a:r>
-              <a:rPr lang="nl-NL" sz="1000" dirty="0"/>
-              <a:t>  </a:t>
-            </a:r>
-          </a:p>
-        </p:txBody>
-      </p:sp>
-      <p:sp>
-        <p:nvSpPr>
-          <p:cNvPr id="10" name="TextBox 9">
-            <a:extLst>
-              <a:ext uri="{FF2B5EF4-FFF2-40B4-BE49-F238E27FC236}">
-                <a16:creationId xmlns:a16="http://schemas.microsoft.com/office/drawing/2014/main" id="{9BCCD33D-0922-00BC-3944-49268B91346F}"/>
-              </a:ext>
-            </a:extLst>
-          </p:cNvPr>
-          <p:cNvSpPr txBox="1"/>
-          <p:nvPr/>
-        </p:nvSpPr>
-        <p:spPr>
-          <a:xfrm>
-            <a:off x="6573689" y="3974725"/>
-            <a:ext cx="5425430" cy="246157"/>
-          </a:xfrm>
-          <a:prstGeom prst="rect">
-            <a:avLst/>
-          </a:prstGeom>
-          <a:noFill/>
-        </p:spPr>
-        <p:txBody>
-          <a:bodyPr wrap="square">
-            <a:spAutoFit/>
-          </a:bodyPr>
-          <a:lstStyle/>
-          <a:p>
-            <a:pPr algn="r"/>
-            <a:r>
-              <a:rPr lang="nl-NL" sz="1000" dirty="0">
-                <a:hlinkClick r:id="rId5"/>
-              </a:rPr>
-              <a:t>http://www.grondwaterformules.nl/index.php/formules/onttrekking/deklaag-zonder-rand-de-glee</a:t>
-            </a:r>
-            <a:r>
-              <a:rPr lang="nl-NL" sz="1000" dirty="0"/>
-              <a:t> </a:t>
-            </a:r>
-          </a:p>
-        </p:txBody>
-      </p:sp>
-      <p:pic>
-        <p:nvPicPr>
-          <p:cNvPr id="12" name="Picture 11">
-            <a:extLst>
-              <a:ext uri="{FF2B5EF4-FFF2-40B4-BE49-F238E27FC236}">
-                <a16:creationId xmlns:a16="http://schemas.microsoft.com/office/drawing/2014/main" id="{F7A0F43E-171B-12F3-7A75-64E02A6B5704}"/>
-              </a:ext>
-            </a:extLst>
-          </p:cNvPr>
-          <p:cNvPicPr>
-            <a:picLocks noChangeAspect="1"/>
-          </p:cNvPicPr>
-          <p:nvPr/>
-        </p:nvPicPr>
-        <p:blipFill>
-          <a:blip r:embed="rId6"/>
-          <a:stretch>
-            <a:fillRect/>
-          </a:stretch>
-        </p:blipFill>
-        <p:spPr>
-          <a:xfrm>
-            <a:off x="6073920" y="4364861"/>
-            <a:ext cx="5777105" cy="2189926"/>
+            <a:off x="7968679" y="1814287"/>
+            <a:ext cx="3038899" cy="3019846"/>
           </a:xfrm>
           <a:prstGeom prst="rect">
             <a:avLst/>
@@ -9002,396 +10829,13 @@
     </p:spTree>
     <p:extLst>
       <p:ext uri="{BB962C8B-B14F-4D97-AF65-F5344CB8AC3E}">
-        <p14:creationId xmlns:p14="http://schemas.microsoft.com/office/powerpoint/2010/main" val="240330693"/>
+        <p14:creationId xmlns:p14="http://schemas.microsoft.com/office/powerpoint/2010/main" val="368471975"/>
       </p:ext>
     </p:extLst>
   </p:cSld>
   <p:clrMapOvr>
     <a:masterClrMapping/>
   </p:clrMapOvr>
-  <mc:AlternateContent xmlns:mc="http://schemas.openxmlformats.org/markup-compatibility/2006" xmlns:p14="http://schemas.microsoft.com/office/powerpoint/2010/main">
-    <mc:Choice Requires="p14">
-      <p:transition spd="med" p14:dur="700">
-        <p:fade/>
-      </p:transition>
-    </mc:Choice>
-    <mc:Fallback xmlns="">
-      <p:transition spd="med" advClick="true">
-        <p:fade/>
-      </p:transition>
-    </mc:Fallback>
-  </mc:AlternateContent>
-  <p:timing>
-    <p:tnLst>
-      <p:par>
-        <p:cTn id="1" dur="indefinite" restart="never" nodeType="tmRoot">
-          <p:childTnLst>
-            <p:seq concurrent="1" nextAc="seek">
-              <p:cTn id="2" dur="indefinite" nodeType="mainSeq">
-                <p:childTnLst>
-                  <p:par>
-                    <p:cTn id="3" fill="hold">
-                      <p:stCondLst>
-                        <p:cond delay="indefinite"/>
-                      </p:stCondLst>
-                      <p:childTnLst>
-                        <p:par>
-                          <p:cTn id="4" fill="hold">
-                            <p:stCondLst>
-                              <p:cond delay="0"/>
-                            </p:stCondLst>
-                            <p:childTnLst>
-                              <p:par>
-                                <p:cTn id="5" presetID="1" presetClass="entr" presetSubtype="0" fill="hold" nodeType="clickEffect">
-                                  <p:stCondLst>
-                                    <p:cond delay="0"/>
-                                  </p:stCondLst>
-                                  <p:childTnLst>
-                                    <p:set>
-                                      <p:cBhvr>
-                                        <p:cTn id="6" dur="1" fill="hold">
-                                          <p:stCondLst>
-                                            <p:cond delay="0"/>
-                                          </p:stCondLst>
-                                        </p:cTn>
-                                        <p:tgtEl>
-                                          <p:spTgt spid="4">
-                                            <p:txEl>
-                                              <p:pRg st="1" end="1"/>
-                                            </p:txEl>
-                                          </p:spTgt>
-                                        </p:tgtEl>
-                                        <p:attrNameLst>
-                                          <p:attrName>style.visibility</p:attrName>
-                                        </p:attrNameLst>
-                                      </p:cBhvr>
-                                      <p:to>
-                                        <p:strVal val="visible"/>
-                                      </p:to>
-                                    </p:set>
-                                  </p:childTnLst>
-                                </p:cTn>
-                              </p:par>
-                              <p:par>
-                                <p:cTn id="7" presetID="1" presetClass="entr" presetSubtype="0" fill="hold" nodeType="withEffect">
-                                  <p:stCondLst>
-                                    <p:cond delay="0"/>
-                                  </p:stCondLst>
-                                  <p:childTnLst>
-                                    <p:set>
-                                      <p:cBhvr>
-                                        <p:cTn id="8" dur="1" fill="hold">
-                                          <p:stCondLst>
-                                            <p:cond delay="0"/>
-                                          </p:stCondLst>
-                                        </p:cTn>
-                                        <p:tgtEl>
-                                          <p:spTgt spid="4">
-                                            <p:txEl>
-                                              <p:pRg st="2" end="2"/>
-                                            </p:txEl>
-                                          </p:spTgt>
-                                        </p:tgtEl>
-                                        <p:attrNameLst>
-                                          <p:attrName>style.visibility</p:attrName>
-                                        </p:attrNameLst>
-                                      </p:cBhvr>
-                                      <p:to>
-                                        <p:strVal val="visible"/>
-                                      </p:to>
-                                    </p:set>
-                                  </p:childTnLst>
-                                </p:cTn>
-                              </p:par>
-                              <p:par>
-                                <p:cTn id="9" presetID="1" presetClass="entr" presetSubtype="0" fill="hold" nodeType="withEffect">
-                                  <p:stCondLst>
-                                    <p:cond delay="0"/>
-                                  </p:stCondLst>
-                                  <p:childTnLst>
-                                    <p:set>
-                                      <p:cBhvr>
-                                        <p:cTn id="10" dur="1" fill="hold">
-                                          <p:stCondLst>
-                                            <p:cond delay="0"/>
-                                          </p:stCondLst>
-                                        </p:cTn>
-                                        <p:tgtEl>
-                                          <p:spTgt spid="4">
-                                            <p:txEl>
-                                              <p:pRg st="3" end="3"/>
-                                            </p:txEl>
-                                          </p:spTgt>
-                                        </p:tgtEl>
-                                        <p:attrNameLst>
-                                          <p:attrName>style.visibility</p:attrName>
-                                        </p:attrNameLst>
-                                      </p:cBhvr>
-                                      <p:to>
-                                        <p:strVal val="visible"/>
-                                      </p:to>
-                                    </p:set>
-                                  </p:childTnLst>
-                                </p:cTn>
-                              </p:par>
-                              <p:par>
-                                <p:cTn id="11" presetID="1" presetClass="entr" presetSubtype="0" fill="hold" nodeType="withEffect">
-                                  <p:stCondLst>
-                                    <p:cond delay="0"/>
-                                  </p:stCondLst>
-                                  <p:childTnLst>
-                                    <p:set>
-                                      <p:cBhvr>
-                                        <p:cTn id="12" dur="1" fill="hold">
-                                          <p:stCondLst>
-                                            <p:cond delay="0"/>
-                                          </p:stCondLst>
-                                        </p:cTn>
-                                        <p:tgtEl>
-                                          <p:spTgt spid="4">
-                                            <p:txEl>
-                                              <p:pRg st="4" end="4"/>
-                                            </p:txEl>
-                                          </p:spTgt>
-                                        </p:tgtEl>
-                                        <p:attrNameLst>
-                                          <p:attrName>style.visibility</p:attrName>
-                                        </p:attrNameLst>
-                                      </p:cBhvr>
-                                      <p:to>
-                                        <p:strVal val="visible"/>
-                                      </p:to>
-                                    </p:set>
-                                  </p:childTnLst>
-                                </p:cTn>
-                              </p:par>
-                              <p:par>
-                                <p:cTn id="13" presetID="1" presetClass="entr" presetSubtype="0" fill="hold" nodeType="withEffect">
-                                  <p:stCondLst>
-                                    <p:cond delay="0"/>
-                                  </p:stCondLst>
-                                  <p:childTnLst>
-                                    <p:set>
-                                      <p:cBhvr>
-                                        <p:cTn id="14" dur="1" fill="hold">
-                                          <p:stCondLst>
-                                            <p:cond delay="0"/>
-                                          </p:stCondLst>
-                                        </p:cTn>
-                                        <p:tgtEl>
-                                          <p:spTgt spid="4">
-                                            <p:txEl>
-                                              <p:pRg st="5" end="5"/>
-                                            </p:txEl>
-                                          </p:spTgt>
-                                        </p:tgtEl>
-                                        <p:attrNameLst>
-                                          <p:attrName>style.visibility</p:attrName>
-                                        </p:attrNameLst>
-                                      </p:cBhvr>
-                                      <p:to>
-                                        <p:strVal val="visible"/>
-                                      </p:to>
-                                    </p:set>
-                                  </p:childTnLst>
-                                </p:cTn>
-                              </p:par>
-                              <p:par>
-                                <p:cTn id="15" presetID="1" presetClass="entr" presetSubtype="0" fill="hold" nodeType="withEffect">
-                                  <p:stCondLst>
-                                    <p:cond delay="0"/>
-                                  </p:stCondLst>
-                                  <p:childTnLst>
-                                    <p:set>
-                                      <p:cBhvr>
-                                        <p:cTn id="16" dur="1" fill="hold">
-                                          <p:stCondLst>
-                                            <p:cond delay="0"/>
-                                          </p:stCondLst>
-                                        </p:cTn>
-                                        <p:tgtEl>
-                                          <p:spTgt spid="4">
-                                            <p:txEl>
-                                              <p:pRg st="6" end="6"/>
-                                            </p:txEl>
-                                          </p:spTgt>
-                                        </p:tgtEl>
-                                        <p:attrNameLst>
-                                          <p:attrName>style.visibility</p:attrName>
-                                        </p:attrNameLst>
-                                      </p:cBhvr>
-                                      <p:to>
-                                        <p:strVal val="visible"/>
-                                      </p:to>
-                                    </p:set>
-                                  </p:childTnLst>
-                                </p:cTn>
-                              </p:par>
-                              <p:par>
-                                <p:cTn id="17" presetID="1" presetClass="entr" presetSubtype="0" fill="hold" nodeType="withEffect">
-                                  <p:stCondLst>
-                                    <p:cond delay="0"/>
-                                  </p:stCondLst>
-                                  <p:childTnLst>
-                                    <p:set>
-                                      <p:cBhvr>
-                                        <p:cTn id="18" dur="1" fill="hold">
-                                          <p:stCondLst>
-                                            <p:cond delay="0"/>
-                                          </p:stCondLst>
-                                        </p:cTn>
-                                        <p:tgtEl>
-                                          <p:spTgt spid="4">
-                                            <p:txEl>
-                                              <p:pRg st="7" end="7"/>
-                                            </p:txEl>
-                                          </p:spTgt>
-                                        </p:tgtEl>
-                                        <p:attrNameLst>
-                                          <p:attrName>style.visibility</p:attrName>
-                                        </p:attrNameLst>
-                                      </p:cBhvr>
-                                      <p:to>
-                                        <p:strVal val="visible"/>
-                                      </p:to>
-                                    </p:set>
-                                  </p:childTnLst>
-                                </p:cTn>
-                              </p:par>
-                              <p:par>
-                                <p:cTn id="19" presetID="1" presetClass="entr" presetSubtype="0" fill="hold" nodeType="withEffect">
-                                  <p:stCondLst>
-                                    <p:cond delay="0"/>
-                                  </p:stCondLst>
-                                  <p:childTnLst>
-                                    <p:set>
-                                      <p:cBhvr>
-                                        <p:cTn id="20" dur="1" fill="hold">
-                                          <p:stCondLst>
-                                            <p:cond delay="0"/>
-                                          </p:stCondLst>
-                                        </p:cTn>
-                                        <p:tgtEl>
-                                          <p:spTgt spid="4">
-                                            <p:txEl>
-                                              <p:pRg st="8" end="8"/>
-                                            </p:txEl>
-                                          </p:spTgt>
-                                        </p:tgtEl>
-                                        <p:attrNameLst>
-                                          <p:attrName>style.visibility</p:attrName>
-                                        </p:attrNameLst>
-                                      </p:cBhvr>
-                                      <p:to>
-                                        <p:strVal val="visible"/>
-                                      </p:to>
-                                    </p:set>
-                                  </p:childTnLst>
-                                </p:cTn>
-                              </p:par>
-                              <p:par>
-                                <p:cTn id="21" presetID="1" presetClass="entr" presetSubtype="0" fill="hold" grpId="0" nodeType="withEffect">
-                                  <p:stCondLst>
-                                    <p:cond delay="0"/>
-                                  </p:stCondLst>
-                                  <p:childTnLst>
-                                    <p:set>
-                                      <p:cBhvr>
-                                        <p:cTn id="22" dur="1" fill="hold">
-                                          <p:stCondLst>
-                                            <p:cond delay="0"/>
-                                          </p:stCondLst>
-                                        </p:cTn>
-                                        <p:tgtEl>
-                                          <p:spTgt spid="8"/>
-                                        </p:tgtEl>
-                                        <p:attrNameLst>
-                                          <p:attrName>style.visibility</p:attrName>
-                                        </p:attrNameLst>
-                                      </p:cBhvr>
-                                      <p:to>
-                                        <p:strVal val="visible"/>
-                                      </p:to>
-                                    </p:set>
-                                  </p:childTnLst>
-                                </p:cTn>
-                              </p:par>
-                            </p:childTnLst>
-                          </p:cTn>
-                        </p:par>
-                      </p:childTnLst>
-                    </p:cTn>
-                  </p:par>
-                  <p:par>
-                    <p:cTn id="23" fill="hold">
-                      <p:stCondLst>
-                        <p:cond delay="indefinite"/>
-                      </p:stCondLst>
-                      <p:childTnLst>
-                        <p:par>
-                          <p:cTn id="24" fill="hold">
-                            <p:stCondLst>
-                              <p:cond delay="0"/>
-                            </p:stCondLst>
-                            <p:childTnLst>
-                              <p:par>
-                                <p:cTn id="25" presetID="1" presetClass="entr" presetSubtype="0" fill="hold" nodeType="clickEffect">
-                                  <p:stCondLst>
-                                    <p:cond delay="0"/>
-                                  </p:stCondLst>
-                                  <p:childTnLst>
-                                    <p:set>
-                                      <p:cBhvr>
-                                        <p:cTn id="26" dur="1" fill="hold">
-                                          <p:stCondLst>
-                                            <p:cond delay="0"/>
-                                          </p:stCondLst>
-                                        </p:cTn>
-                                        <p:tgtEl>
-                                          <p:spTgt spid="12"/>
-                                        </p:tgtEl>
-                                        <p:attrNameLst>
-                                          <p:attrName>style.visibility</p:attrName>
-                                        </p:attrNameLst>
-                                      </p:cBhvr>
-                                      <p:to>
-                                        <p:strVal val="visible"/>
-                                      </p:to>
-                                    </p:set>
-                                  </p:childTnLst>
-                                </p:cTn>
-                              </p:par>
-                            </p:childTnLst>
-                          </p:cTn>
-                        </p:par>
-                      </p:childTnLst>
-                    </p:cTn>
-                  </p:par>
-                </p:childTnLst>
-              </p:cTn>
-              <p:prevCondLst>
-                <p:cond evt="onPrev" delay="0">
-                  <p:tgtEl>
-                    <p:sldTgt/>
-                  </p:tgtEl>
-                </p:cond>
-              </p:prevCondLst>
-              <p:nextCondLst>
-                <p:cond evt="onNext" delay="0">
-                  <p:tgtEl>
-                    <p:sldTgt/>
-                  </p:tgtEl>
-                </p:cond>
-              </p:nextCondLst>
-            </p:seq>
-          </p:childTnLst>
-        </p:cTn>
-      </p:par>
-    </p:tnLst>
-    <p:bldLst>
-      <p:bldP spid="8" grpId="0"/>
-    </p:bldLst>
-  </p:timing>
 </p:sld>
 </file>
 
@@ -9417,7 +10861,7 @@
           <p:cNvPr id="2" name="Title 1">
             <a:extLst>
               <a:ext uri="{FF2B5EF4-FFF2-40B4-BE49-F238E27FC236}">
-                <a16:creationId xmlns:a16="http://schemas.microsoft.com/office/drawing/2014/main" id="{B501916C-D4E2-386A-B250-5CEAF46B5F6D}"/>
+                <a16:creationId xmlns:a16="http://schemas.microsoft.com/office/drawing/2014/main" id="{C052EE07-4503-08B7-A996-5F8368AF634D}"/>
               </a:ext>
             </a:extLst>
           </p:cNvPr>
@@ -9433,116 +10877,109 @@
           <a:bodyPr/>
           <a:lstStyle/>
           <a:p>
-            <a:pPr algn="l" fontAlgn="b"/>
-            <a:r>
-              <a:rPr lang="en-GB" sz="4400" u="none" strike="noStrike" dirty="0">
-                <a:effectLst/>
-              </a:rPr>
-              <a:t>Design ASR system</a:t>
-            </a:r>
-            <a:endParaRPr lang="en-GB" sz="4400" b="0" i="0" u="none" strike="noStrike" dirty="0">
-              <a:solidFill>
-                <a:srgbClr val="000000"/>
-              </a:solidFill>
-              <a:effectLst/>
-              <a:latin typeface="Calibri" panose="020F0502020204030204" pitchFamily="34" charset="0"/>
-            </a:endParaRPr>
-          </a:p>
-        </p:txBody>
-      </p:sp>
-      <p:sp>
-        <p:nvSpPr>
-          <p:cNvPr id="3" name="Content Placeholder 2">
+            <a:r>
+              <a:rPr lang="nl-NL" dirty="0"/>
+              <a:t>Florida</a:t>
+            </a:r>
+          </a:p>
+        </p:txBody>
+      </p:sp>
+      <p:pic>
+        <p:nvPicPr>
+          <p:cNvPr id="4" name="Main graphic">
             <a:extLst>
               <a:ext uri="{FF2B5EF4-FFF2-40B4-BE49-F238E27FC236}">
-                <a16:creationId xmlns:a16="http://schemas.microsoft.com/office/drawing/2014/main" id="{09C5E4A4-9126-BB3E-A065-D2362182A902}"/>
+                <a16:creationId xmlns:a16="http://schemas.microsoft.com/office/drawing/2014/main" id="{E3152507-C1A6-7D0D-9432-579B96EE8CE1}"/>
               </a:ext>
             </a:extLst>
           </p:cNvPr>
-          <p:cNvSpPr>
-            <a:spLocks noGrp="1"/>
-          </p:cNvSpPr>
+          <p:cNvPicPr>
+            <a:picLocks noGrp="1"/>
+          </p:cNvPicPr>
           <p:nvPr>
             <p:ph idx="1"/>
           </p:nvPr>
-        </p:nvSpPr>
-        <p:spPr/>
-        <p:txBody>
-          <a:bodyPr/>
-          <a:lstStyle/>
-          <a:p>
-            <a:r>
-              <a:rPr lang="en-GB" dirty="0"/>
-              <a:t>MODFLOW6 model</a:t>
-            </a:r>
-          </a:p>
-          <a:p>
-            <a:pPr lvl="1"/>
-            <a:r>
-              <a:rPr lang="en-GB" dirty="0"/>
-              <a:t>Adjust parameters</a:t>
-            </a:r>
-          </a:p>
-          <a:p>
-            <a:pPr lvl="1"/>
-            <a:r>
-              <a:rPr lang="en-GB" dirty="0"/>
-              <a:t>Background flow?</a:t>
-            </a:r>
-          </a:p>
-          <a:p>
-            <a:r>
-              <a:rPr lang="en-GB" dirty="0"/>
-              <a:t>Optimise model to reduce waste</a:t>
-            </a:r>
-          </a:p>
-          <a:p>
-            <a:r>
-              <a:rPr lang="en-GB" sz="2800" u="none" strike="noStrike" dirty="0">
-                <a:effectLst/>
-              </a:rPr>
-              <a:t>Ensure guidelines for injection pressure and maximum velocity are met</a:t>
-            </a:r>
-          </a:p>
-          <a:p>
-            <a:r>
-              <a:rPr lang="en-GB" sz="2800" u="none" strike="noStrike" dirty="0">
-                <a:effectLst/>
-              </a:rPr>
-              <a:t>Run model for 10 years with a start-up year and less extracted volume</a:t>
-            </a:r>
-            <a:endParaRPr lang="en-GB" sz="2800" b="0" i="0" u="none" strike="noStrike" dirty="0">
-              <a:solidFill>
-                <a:srgbClr val="000000"/>
-              </a:solidFill>
-              <a:effectLst/>
-              <a:latin typeface="Calibri" panose="020F0502020204030204" pitchFamily="34" charset="0"/>
-            </a:endParaRPr>
-          </a:p>
-          <a:p>
-            <a:endParaRPr lang="en-GB" dirty="0"/>
-          </a:p>
-          <a:p>
-            <a:endParaRPr lang="en-GB" dirty="0"/>
-          </a:p>
-          <a:p>
-            <a:pPr lvl="1"/>
-            <a:endParaRPr lang="en-GB" dirty="0"/>
-          </a:p>
-          <a:p>
-            <a:pPr lvl="1"/>
-            <a:endParaRPr lang="en-GB" dirty="0"/>
-          </a:p>
-          <a:p>
-            <a:pPr lvl="1"/>
-            <a:endParaRPr lang="en-NL" dirty="0"/>
-          </a:p>
-        </p:txBody>
-      </p:sp>
+        </p:nvPicPr>
+        <p:blipFill>
+          <a:blip r:embed="rId2"/>
+          <a:stretch/>
+        </p:blipFill>
+        <p:spPr>
+          <a:xfrm>
+            <a:off x="838200" y="1690688"/>
+            <a:ext cx="1853605" cy="4351338"/>
+          </a:xfrm>
+          <a:prstGeom prst="rect">
+            <a:avLst/>
+          </a:prstGeom>
+          <a:ln>
+            <a:noFill/>
+          </a:ln>
+        </p:spPr>
+      </p:pic>
+      <p:pic>
+        <p:nvPicPr>
+          <p:cNvPr id="6" name="Picture 5">
+            <a:extLst>
+              <a:ext uri="{FF2B5EF4-FFF2-40B4-BE49-F238E27FC236}">
+                <a16:creationId xmlns:a16="http://schemas.microsoft.com/office/drawing/2014/main" id="{FF9106A8-D0AC-B4F3-EC99-99C7D256AC05}"/>
+              </a:ext>
+            </a:extLst>
+          </p:cNvPr>
+          <p:cNvPicPr>
+            <a:picLocks noChangeAspect="1"/>
+          </p:cNvPicPr>
+          <p:nvPr/>
+        </p:nvPicPr>
+        <p:blipFill>
+          <a:blip r:embed="rId3"/>
+          <a:stretch>
+            <a:fillRect/>
+          </a:stretch>
+        </p:blipFill>
+        <p:spPr>
+          <a:xfrm>
+            <a:off x="3019740" y="1943407"/>
+            <a:ext cx="4257292" cy="3845899"/>
+          </a:xfrm>
+          <a:prstGeom prst="rect">
+            <a:avLst/>
+          </a:prstGeom>
+        </p:spPr>
+      </p:pic>
+      <p:pic>
+        <p:nvPicPr>
+          <p:cNvPr id="7" name="Main graphic">
+            <a:extLst>
+              <a:ext uri="{FF2B5EF4-FFF2-40B4-BE49-F238E27FC236}">
+                <a16:creationId xmlns:a16="http://schemas.microsoft.com/office/drawing/2014/main" id="{83881E8A-C202-DA1A-C52B-8CB4FE1F0D4E}"/>
+              </a:ext>
+            </a:extLst>
+          </p:cNvPr>
+          <p:cNvPicPr/>
+          <p:nvPr/>
+        </p:nvPicPr>
+        <p:blipFill>
+          <a:blip r:embed="rId4"/>
+          <a:stretch/>
+        </p:blipFill>
+        <p:spPr>
+          <a:xfrm>
+            <a:off x="7604967" y="2298222"/>
+            <a:ext cx="3976204" cy="3136268"/>
+          </a:xfrm>
+          <a:prstGeom prst="rect">
+            <a:avLst/>
+          </a:prstGeom>
+          <a:ln>
+            <a:noFill/>
+          </a:ln>
+        </p:spPr>
+      </p:pic>
     </p:spTree>
     <p:extLst>
       <p:ext uri="{BB962C8B-B14F-4D97-AF65-F5344CB8AC3E}">
-        <p14:creationId xmlns:p14="http://schemas.microsoft.com/office/powerpoint/2010/main" val="8949513"/>
+        <p14:creationId xmlns:p14="http://schemas.microsoft.com/office/powerpoint/2010/main" val="3620618955"/>
       </p:ext>
     </p:extLst>
   </p:cSld>
@@ -9574,7 +11011,7 @@
           <p:cNvPr id="2" name="Title 1">
             <a:extLst>
               <a:ext uri="{FF2B5EF4-FFF2-40B4-BE49-F238E27FC236}">
-                <a16:creationId xmlns:a16="http://schemas.microsoft.com/office/drawing/2014/main" id="{B501916C-D4E2-386A-B250-5CEAF46B5F6D}"/>
+                <a16:creationId xmlns:a16="http://schemas.microsoft.com/office/drawing/2014/main" id="{5A72EB20-C59B-C06B-E8AD-413C0FAFCB77}"/>
               </a:ext>
             </a:extLst>
           </p:cNvPr>
@@ -9590,97 +11027,76 @@
           <a:bodyPr/>
           <a:lstStyle/>
           <a:p>
-            <a:pPr algn="l" fontAlgn="b"/>
-            <a:r>
-              <a:rPr lang="en-GB" sz="4400" u="none" strike="noStrike" dirty="0">
-                <a:effectLst/>
-              </a:rPr>
-              <a:t>Producing schedule for injection, extraction and storage</a:t>
-            </a:r>
-          </a:p>
-        </p:txBody>
-      </p:sp>
-      <p:sp>
-        <p:nvSpPr>
-          <p:cNvPr id="3" name="Content Placeholder 2">
+            <a:r>
+              <a:rPr lang="nl-NL" dirty="0"/>
+              <a:t>Several</a:t>
+            </a:r>
+          </a:p>
+        </p:txBody>
+      </p:sp>
+      <p:pic>
+        <p:nvPicPr>
+          <p:cNvPr id="5" name="Content Placeholder 4">
             <a:extLst>
               <a:ext uri="{FF2B5EF4-FFF2-40B4-BE49-F238E27FC236}">
-                <a16:creationId xmlns:a16="http://schemas.microsoft.com/office/drawing/2014/main" id="{09C5E4A4-9126-BB3E-A065-D2362182A902}"/>
+                <a16:creationId xmlns:a16="http://schemas.microsoft.com/office/drawing/2014/main" id="{20FD1B02-C18F-D798-3774-103680A85D2D}"/>
               </a:ext>
             </a:extLst>
           </p:cNvPr>
-          <p:cNvSpPr>
-            <a:spLocks noGrp="1"/>
-          </p:cNvSpPr>
+          <p:cNvPicPr>
+            <a:picLocks noGrp="1" noChangeAspect="1"/>
+          </p:cNvPicPr>
           <p:nvPr>
             <p:ph idx="1"/>
           </p:nvPr>
-        </p:nvSpPr>
-        <p:spPr/>
-        <p:txBody>
-          <a:bodyPr/>
-          <a:lstStyle/>
-          <a:p>
-            <a:r>
-              <a:rPr lang="en-GB" dirty="0"/>
-              <a:t>Injection</a:t>
-            </a:r>
-          </a:p>
-          <a:p>
-            <a:pPr lvl="1"/>
-            <a:r>
-              <a:rPr lang="en-GB" strike="sngStrike" dirty="0"/>
-              <a:t>Analysis of when water excess</a:t>
-            </a:r>
-          </a:p>
-          <a:p>
-            <a:r>
-              <a:rPr lang="en-GB" dirty="0"/>
-              <a:t>Extraction</a:t>
-            </a:r>
-          </a:p>
-          <a:p>
-            <a:pPr lvl="1"/>
-            <a:r>
-              <a:rPr lang="en-GB" dirty="0"/>
-              <a:t>Water deficit – July &amp; august:</a:t>
-            </a:r>
-          </a:p>
-          <a:p>
-            <a:pPr lvl="2"/>
-            <a:r>
-              <a:rPr lang="en-GB" dirty="0"/>
-              <a:t>Schedule for 1 year &amp; 10 years </a:t>
-            </a:r>
-          </a:p>
-          <a:p>
-            <a:r>
-              <a:rPr lang="en-GB" strike="sngStrike" dirty="0"/>
-              <a:t>Storage possibly above ground if pumping rate too low</a:t>
-            </a:r>
-          </a:p>
-          <a:p>
-            <a:pPr lvl="1"/>
-            <a:endParaRPr lang="en-GB" dirty="0"/>
-          </a:p>
-          <a:p>
-            <a:pPr lvl="1"/>
-            <a:endParaRPr lang="en-GB" dirty="0"/>
-          </a:p>
-          <a:p>
-            <a:pPr lvl="1"/>
-            <a:endParaRPr lang="en-GB" dirty="0"/>
-          </a:p>
-          <a:p>
-            <a:pPr lvl="1"/>
-            <a:endParaRPr lang="en-NL" dirty="0"/>
-          </a:p>
-        </p:txBody>
-      </p:sp>
+        </p:nvPicPr>
+        <p:blipFill>
+          <a:blip r:embed="rId2"/>
+          <a:stretch>
+            <a:fillRect/>
+          </a:stretch>
+        </p:blipFill>
+        <p:spPr>
+          <a:xfrm>
+            <a:off x="980749" y="1944158"/>
+            <a:ext cx="2949167" cy="4351338"/>
+          </a:xfrm>
+        </p:spPr>
+      </p:pic>
+      <p:pic>
+        <p:nvPicPr>
+          <p:cNvPr id="7" name="Picture 6">
+            <a:extLst>
+              <a:ext uri="{FF2B5EF4-FFF2-40B4-BE49-F238E27FC236}">
+                <a16:creationId xmlns:a16="http://schemas.microsoft.com/office/drawing/2014/main" id="{585E4ED7-4C0D-BC3A-C89D-9037476513A6}"/>
+              </a:ext>
+            </a:extLst>
+          </p:cNvPr>
+          <p:cNvPicPr>
+            <a:picLocks noChangeAspect="1"/>
+          </p:cNvPicPr>
+          <p:nvPr/>
+        </p:nvPicPr>
+        <p:blipFill>
+          <a:blip r:embed="rId3"/>
+          <a:stretch>
+            <a:fillRect/>
+          </a:stretch>
+        </p:blipFill>
+        <p:spPr>
+          <a:xfrm>
+            <a:off x="4051448" y="1690688"/>
+            <a:ext cx="8421275" cy="4410691"/>
+          </a:xfrm>
+          <a:prstGeom prst="rect">
+            <a:avLst/>
+          </a:prstGeom>
+        </p:spPr>
+      </p:pic>
     </p:spTree>
     <p:extLst>
       <p:ext uri="{BB962C8B-B14F-4D97-AF65-F5344CB8AC3E}">
-        <p14:creationId xmlns:p14="http://schemas.microsoft.com/office/powerpoint/2010/main" val="2006621054"/>
+        <p14:creationId xmlns:p14="http://schemas.microsoft.com/office/powerpoint/2010/main" val="2451974890"/>
       </p:ext>
     </p:extLst>
   </p:cSld>

--- a/Workplan for project/schets situatie.pptx
+++ b/Workplan for project/schets situatie.pptx
@@ -481,6 +481,90 @@
 </file>
 
 <file path=ppt/notesSlides/notesSlide1.xml><?xml version="1.0" encoding="utf-8"?>
+<p:notes xmlns:a="http://schemas.openxmlformats.org/drawingml/2006/main" xmlns:r="http://schemas.openxmlformats.org/officeDocument/2006/relationships" xmlns:p="http://schemas.openxmlformats.org/presentationml/2006/main">
+  <p:cSld>
+    <p:spTree>
+      <p:nvGrpSpPr>
+        <p:cNvPr id="1" name=""/>
+        <p:cNvGrpSpPr/>
+        <p:nvPr/>
+      </p:nvGrpSpPr>
+      <p:grpSpPr>
+        <a:xfrm>
+          <a:off x="0" y="0"/>
+          <a:ext cx="0" cy="0"/>
+          <a:chOff x="0" y="0"/>
+          <a:chExt cx="0" cy="0"/>
+        </a:xfrm>
+      </p:grpSpPr>
+      <p:sp>
+        <p:nvSpPr>
+          <p:cNvPr id="2" name="Slide Image Placeholder 1"/>
+          <p:cNvSpPr>
+            <a:spLocks noGrp="1" noRot="1" noChangeAspect="1"/>
+          </p:cNvSpPr>
+          <p:nvPr>
+            <p:ph type="sldImg"/>
+          </p:nvPr>
+        </p:nvSpPr>
+        <p:spPr/>
+      </p:sp>
+      <p:sp>
+        <p:nvSpPr>
+          <p:cNvPr id="3" name="Notes Placeholder 2"/>
+          <p:cNvSpPr>
+            <a:spLocks noGrp="1"/>
+          </p:cNvSpPr>
+          <p:nvPr>
+            <p:ph type="body" idx="1"/>
+          </p:nvPr>
+        </p:nvSpPr>
+        <p:spPr/>
+        <p:txBody>
+          <a:bodyPr/>
+          <a:lstStyle/>
+          <a:p>
+            <a:endParaRPr lang="nl-NL" dirty="0"/>
+          </a:p>
+        </p:txBody>
+      </p:sp>
+      <p:sp>
+        <p:nvSpPr>
+          <p:cNvPr id="4" name="Slide Number Placeholder 3"/>
+          <p:cNvSpPr>
+            <a:spLocks noGrp="1"/>
+          </p:cNvSpPr>
+          <p:nvPr>
+            <p:ph type="sldNum" sz="quarter" idx="5"/>
+          </p:nvPr>
+        </p:nvSpPr>
+        <p:spPr/>
+        <p:txBody>
+          <a:bodyPr/>
+          <a:lstStyle/>
+          <a:p>
+            <a:fld id="{C28101FB-427A-49CD-9AED-368896EE5BDA}" type="slidenum">
+              <a:rPr lang="nl-NL" smtClean="0"/>
+              <a:t>9</a:t>
+            </a:fld>
+            <a:endParaRPr lang="nl-NL"/>
+          </a:p>
+        </p:txBody>
+      </p:sp>
+    </p:spTree>
+    <p:extLst>
+      <p:ext uri="{BB962C8B-B14F-4D97-AF65-F5344CB8AC3E}">
+        <p14:creationId xmlns:p14="http://schemas.microsoft.com/office/powerpoint/2010/main" val="2562170425"/>
+      </p:ext>
+    </p:extLst>
+  </p:cSld>
+  <p:clrMapOvr>
+    <a:masterClrMapping/>
+  </p:clrMapOvr>
+</p:notes>
+</file>
+
+<file path=ppt/notesSlides/notesSlide2.xml><?xml version="1.0" encoding="utf-8"?>
 <p:notes xmlns:a="http://schemas.openxmlformats.org/drawingml/2006/main" xmlns:r="http://schemas.openxmlformats.org/officeDocument/2006/relationships" xmlns:p="http://schemas.openxmlformats.org/presentationml/2006/main">
   <p:cSld>
     <p:spTree>
@@ -8905,10 +8989,10 @@
       </p:sp>
       <p:grpSp>
         <p:nvGrpSpPr>
-          <p:cNvPr id="3" name="Group 2">
+          <p:cNvPr id="10" name="Group 9">
             <a:extLst>
               <a:ext uri="{FF2B5EF4-FFF2-40B4-BE49-F238E27FC236}">
-                <a16:creationId xmlns:a16="http://schemas.microsoft.com/office/drawing/2014/main" id="{B438AEEB-8AC4-4086-1E38-B6BCC7533C02}"/>
+                <a16:creationId xmlns:a16="http://schemas.microsoft.com/office/drawing/2014/main" id="{2521838F-6405-8D4C-219F-07F9120A9854}"/>
               </a:ext>
             </a:extLst>
           </p:cNvPr>
@@ -8917,118 +9001,411 @@
         </p:nvGrpSpPr>
         <p:grpSpPr>
           <a:xfrm>
-            <a:off x="1381539" y="1690688"/>
+            <a:off x="1037294" y="1324928"/>
             <a:ext cx="7369169" cy="3795712"/>
             <a:chOff x="1381539" y="1690688"/>
             <a:chExt cx="7369169" cy="3795712"/>
           </a:xfrm>
         </p:grpSpPr>
-        <p:sp>
-          <p:nvSpPr>
-            <p:cNvPr id="4" name="Rectangle 3">
+        <p:grpSp>
+          <p:nvGrpSpPr>
+            <p:cNvPr id="3" name="Group 2">
               <a:extLst>
                 <a:ext uri="{FF2B5EF4-FFF2-40B4-BE49-F238E27FC236}">
-                  <a16:creationId xmlns:a16="http://schemas.microsoft.com/office/drawing/2014/main" id="{B4F89F7D-0339-3305-A7A6-FD0775E43380}"/>
+                  <a16:creationId xmlns:a16="http://schemas.microsoft.com/office/drawing/2014/main" id="{B438AEEB-8AC4-4086-1E38-B6BCC7533C02}"/>
                 </a:ext>
               </a:extLst>
             </p:cNvPr>
-            <p:cNvSpPr/>
+            <p:cNvGrpSpPr/>
             <p:nvPr/>
-          </p:nvSpPr>
-          <p:spPr>
+          </p:nvGrpSpPr>
+          <p:grpSpPr>
             <a:xfrm>
-              <a:off x="2477729" y="2674374"/>
-              <a:ext cx="5761703" cy="2753032"/>
+              <a:off x="1381539" y="1690688"/>
+              <a:ext cx="7369169" cy="3795712"/>
+              <a:chOff x="1381539" y="1690688"/>
+              <a:chExt cx="7369169" cy="3795712"/>
             </a:xfrm>
-            <a:prstGeom prst="rect">
-              <a:avLst/>
-            </a:prstGeom>
-            <a:solidFill>
-              <a:schemeClr val="accent4">
-                <a:lumMod val="20000"/>
-                <a:lumOff val="80000"/>
-              </a:schemeClr>
-            </a:solidFill>
-            <a:ln w="76200">
+          </p:grpSpPr>
+          <p:sp>
+            <p:nvSpPr>
+              <p:cNvPr id="4" name="Rectangle 3">
+                <a:extLst>
+                  <a:ext uri="{FF2B5EF4-FFF2-40B4-BE49-F238E27FC236}">
+                    <a16:creationId xmlns:a16="http://schemas.microsoft.com/office/drawing/2014/main" id="{B4F89F7D-0339-3305-A7A6-FD0775E43380}"/>
+                  </a:ext>
+                </a:extLst>
+              </p:cNvPr>
+              <p:cNvSpPr/>
+              <p:nvPr/>
+            </p:nvSpPr>
+            <p:spPr>
+              <a:xfrm>
+                <a:off x="2477729" y="2674374"/>
+                <a:ext cx="5761703" cy="2753032"/>
+              </a:xfrm>
+              <a:prstGeom prst="rect">
+                <a:avLst/>
+              </a:prstGeom>
               <a:solidFill>
+                <a:schemeClr val="accent4">
+                  <a:lumMod val="20000"/>
+                  <a:lumOff val="80000"/>
+                </a:schemeClr>
+              </a:solidFill>
+              <a:ln w="76200">
+                <a:solidFill>
+                  <a:schemeClr val="tx1"/>
+                </a:solidFill>
+              </a:ln>
+            </p:spPr>
+            <p:style>
+              <a:lnRef idx="2">
+                <a:schemeClr val="accent1">
+                  <a:shade val="15000"/>
+                </a:schemeClr>
+              </a:lnRef>
+              <a:fillRef idx="1">
+                <a:schemeClr val="accent1"/>
+              </a:fillRef>
+              <a:effectRef idx="0">
+                <a:schemeClr val="accent1"/>
+              </a:effectRef>
+              <a:fontRef idx="minor">
+                <a:schemeClr val="lt1"/>
+              </a:fontRef>
+            </p:style>
+            <p:txBody>
+              <a:bodyPr rtlCol="0" anchor="ctr"/>
+              <a:lstStyle/>
+              <a:p>
+                <a:pPr algn="ctr"/>
+                <a:endParaRPr lang="en-NL"/>
+              </a:p>
+            </p:txBody>
+          </p:sp>
+          <p:cxnSp>
+            <p:nvCxnSpPr>
+              <p:cNvPr id="6" name="Straight Arrow Connector 5">
+                <a:extLst>
+                  <a:ext uri="{FF2B5EF4-FFF2-40B4-BE49-F238E27FC236}">
+                    <a16:creationId xmlns:a16="http://schemas.microsoft.com/office/drawing/2014/main" id="{3293D4C4-3C2E-6D8A-86CE-E1BFD0C30D19}"/>
+                  </a:ext>
+                </a:extLst>
+              </p:cNvPr>
+              <p:cNvCxnSpPr/>
+              <p:nvPr/>
+            </p:nvCxnSpPr>
+            <p:spPr>
+              <a:xfrm>
+                <a:off x="1966452" y="2644877"/>
+                <a:ext cx="0" cy="2841523"/>
+              </a:xfrm>
+              <a:prstGeom prst="straightConnector1">
+                <a:avLst/>
+              </a:prstGeom>
+              <a:ln w="28575">
+                <a:solidFill>
+                  <a:schemeClr val="tx1"/>
+                </a:solidFill>
+                <a:headEnd type="arrow" w="med" len="med"/>
+                <a:tailEnd type="arrow" w="med" len="med"/>
+              </a:ln>
+            </p:spPr>
+            <p:style>
+              <a:lnRef idx="1">
+                <a:schemeClr val="accent1"/>
+              </a:lnRef>
+              <a:fillRef idx="0">
+                <a:schemeClr val="accent1"/>
+              </a:fillRef>
+              <a:effectRef idx="0">
+                <a:schemeClr val="accent1"/>
+              </a:effectRef>
+              <a:fontRef idx="minor">
                 <a:schemeClr val="tx1"/>
-              </a:solidFill>
-            </a:ln>
-          </p:spPr>
-          <p:style>
-            <a:lnRef idx="2">
-              <a:schemeClr val="accent1">
-                <a:shade val="15000"/>
-              </a:schemeClr>
-            </a:lnRef>
-            <a:fillRef idx="1">
-              <a:schemeClr val="accent1"/>
-            </a:fillRef>
-            <a:effectRef idx="0">
-              <a:schemeClr val="accent1"/>
-            </a:effectRef>
-            <a:fontRef idx="minor">
-              <a:schemeClr val="lt1"/>
-            </a:fontRef>
-          </p:style>
-          <p:txBody>
-            <a:bodyPr rtlCol="0" anchor="ctr"/>
-            <a:lstStyle/>
-            <a:p>
-              <a:pPr algn="ctr"/>
-              <a:endParaRPr lang="en-NL"/>
-            </a:p>
-          </p:txBody>
-        </p:sp>
-        <p:cxnSp>
-          <p:nvCxnSpPr>
-            <p:cNvPr id="6" name="Straight Arrow Connector 5">
+              </a:fontRef>
+            </p:style>
+          </p:cxnSp>
+          <p:sp>
+            <p:nvSpPr>
+              <p:cNvPr id="7" name="TextBox 6">
+                <a:extLst>
+                  <a:ext uri="{FF2B5EF4-FFF2-40B4-BE49-F238E27FC236}">
+                    <a16:creationId xmlns:a16="http://schemas.microsoft.com/office/drawing/2014/main" id="{FE194AFF-C017-2A76-04EA-9C57F6FFDE7D}"/>
+                  </a:ext>
+                </a:extLst>
+              </p:cNvPr>
+              <p:cNvSpPr txBox="1"/>
+              <p:nvPr/>
+            </p:nvSpPr>
+            <p:spPr>
+              <a:xfrm>
+                <a:off x="1381539" y="3677478"/>
+                <a:ext cx="765313" cy="369332"/>
+              </a:xfrm>
+              <a:prstGeom prst="rect">
+                <a:avLst/>
+              </a:prstGeom>
+              <a:noFill/>
+            </p:spPr>
+            <p:txBody>
+              <a:bodyPr wrap="square" rtlCol="0">
+                <a:spAutoFit/>
+              </a:bodyPr>
+              <a:lstStyle/>
+              <a:p>
+                <a:r>
+                  <a:rPr lang="en-GB" dirty="0"/>
+                  <a:t>20m</a:t>
+                </a:r>
+                <a:endParaRPr lang="en-NL" dirty="0"/>
+              </a:p>
+            </p:txBody>
+          </p:sp>
+          <p:sp>
+            <p:nvSpPr>
+              <p:cNvPr id="8" name="TextBox 7">
+                <a:extLst>
+                  <a:ext uri="{FF2B5EF4-FFF2-40B4-BE49-F238E27FC236}">
+                    <a16:creationId xmlns:a16="http://schemas.microsoft.com/office/drawing/2014/main" id="{052C526C-18C8-D609-CCA7-12121FC4E827}"/>
+                  </a:ext>
+                </a:extLst>
+              </p:cNvPr>
+              <p:cNvSpPr txBox="1"/>
+              <p:nvPr/>
+            </p:nvSpPr>
+            <p:spPr>
+              <a:xfrm>
+                <a:off x="2551366" y="2773017"/>
+                <a:ext cx="2011311" cy="369332"/>
+              </a:xfrm>
+              <a:prstGeom prst="rect">
+                <a:avLst/>
+              </a:prstGeom>
+              <a:noFill/>
+            </p:spPr>
+            <p:txBody>
+              <a:bodyPr wrap="square" rtlCol="0">
+                <a:spAutoFit/>
+              </a:bodyPr>
+              <a:lstStyle/>
+              <a:p>
+                <a:r>
+                  <a:rPr lang="en-GB" dirty="0"/>
+                  <a:t>10 &lt; k &lt; 40 [m/d]</a:t>
+                </a:r>
+                <a:endParaRPr lang="en-NL" dirty="0"/>
+              </a:p>
+            </p:txBody>
+          </p:sp>
+          <p:sp>
+            <p:nvSpPr>
+              <p:cNvPr id="9" name="TextBox 8">
+                <a:extLst>
+                  <a:ext uri="{FF2B5EF4-FFF2-40B4-BE49-F238E27FC236}">
+                    <a16:creationId xmlns:a16="http://schemas.microsoft.com/office/drawing/2014/main" id="{44047FF3-7810-D1C7-CBE5-CF715F628776}"/>
+                  </a:ext>
+                </a:extLst>
+              </p:cNvPr>
+              <p:cNvSpPr txBox="1"/>
+              <p:nvPr/>
+            </p:nvSpPr>
+            <p:spPr>
+              <a:xfrm>
+                <a:off x="2551365" y="4978561"/>
+                <a:ext cx="1752277" cy="369332"/>
+              </a:xfrm>
+              <a:prstGeom prst="rect">
+                <a:avLst/>
+              </a:prstGeom>
+              <a:noFill/>
+            </p:spPr>
+            <p:txBody>
+              <a:bodyPr wrap="square" rtlCol="0">
+                <a:spAutoFit/>
+              </a:bodyPr>
+              <a:lstStyle/>
+              <a:p>
+                <a:r>
+                  <a:rPr lang="en-GB" dirty="0"/>
+                  <a:t>Salt = 30g/l</a:t>
+                </a:r>
+                <a:endParaRPr lang="en-NL" dirty="0"/>
+              </a:p>
+            </p:txBody>
+          </p:sp>
+          <p:cxnSp>
+            <p:nvCxnSpPr>
+              <p:cNvPr id="12" name="Straight Arrow Connector 11">
+                <a:extLst>
+                  <a:ext uri="{FF2B5EF4-FFF2-40B4-BE49-F238E27FC236}">
+                    <a16:creationId xmlns:a16="http://schemas.microsoft.com/office/drawing/2014/main" id="{1D0CEA7E-2336-DAC3-E7BB-5FE725D47EE7}"/>
+                  </a:ext>
+                </a:extLst>
+              </p:cNvPr>
+              <p:cNvCxnSpPr>
+                <a:cxnSpLocks/>
+                <a:stCxn id="4" idx="0"/>
+              </p:cNvCxnSpPr>
+              <p:nvPr/>
+            </p:nvCxnSpPr>
+            <p:spPr>
+              <a:xfrm flipV="1">
+                <a:off x="5358581" y="1690688"/>
+                <a:ext cx="0" cy="983686"/>
+              </a:xfrm>
+              <a:prstGeom prst="straightConnector1">
+                <a:avLst/>
+              </a:prstGeom>
+              <a:ln w="76200">
+                <a:tailEnd type="triangle"/>
+              </a:ln>
+            </p:spPr>
+            <p:style>
+              <a:lnRef idx="1">
+                <a:schemeClr val="accent1"/>
+              </a:lnRef>
+              <a:fillRef idx="0">
+                <a:schemeClr val="accent1"/>
+              </a:fillRef>
+              <a:effectRef idx="0">
+                <a:schemeClr val="accent1"/>
+              </a:effectRef>
+              <a:fontRef idx="minor">
+                <a:schemeClr val="tx1"/>
+              </a:fontRef>
+            </p:style>
+          </p:cxnSp>
+          <p:sp>
+            <p:nvSpPr>
+              <p:cNvPr id="14" name="TextBox 13">
+                <a:extLst>
+                  <a:ext uri="{FF2B5EF4-FFF2-40B4-BE49-F238E27FC236}">
+                    <a16:creationId xmlns:a16="http://schemas.microsoft.com/office/drawing/2014/main" id="{B055E607-326E-5E72-8235-F03C3D3AE58D}"/>
+                  </a:ext>
+                </a:extLst>
+              </p:cNvPr>
+              <p:cNvSpPr txBox="1"/>
+              <p:nvPr/>
+            </p:nvSpPr>
+            <p:spPr>
+              <a:xfrm>
+                <a:off x="5486399" y="1798450"/>
+                <a:ext cx="3264309" cy="369332"/>
+              </a:xfrm>
+              <a:prstGeom prst="rect">
+                <a:avLst/>
+              </a:prstGeom>
+              <a:noFill/>
+            </p:spPr>
+            <p:txBody>
+              <a:bodyPr wrap="square" rtlCol="0">
+                <a:spAutoFit/>
+              </a:bodyPr>
+              <a:lstStyle/>
+              <a:p>
+                <a:r>
+                  <a:rPr lang="en-GB" dirty="0"/>
+                  <a:t>40 000 m^3 in August &amp; July</a:t>
+                </a:r>
+                <a:endParaRPr lang="en-NL" dirty="0"/>
+              </a:p>
+            </p:txBody>
+          </p:sp>
+          <p:cxnSp>
+            <p:nvCxnSpPr>
+              <p:cNvPr id="18" name="Straight Arrow Connector 17">
+                <a:extLst>
+                  <a:ext uri="{FF2B5EF4-FFF2-40B4-BE49-F238E27FC236}">
+                    <a16:creationId xmlns:a16="http://schemas.microsoft.com/office/drawing/2014/main" id="{2C30E245-7D8F-DF5C-79FB-C6E8AFA3C7FF}"/>
+                  </a:ext>
+                </a:extLst>
+              </p:cNvPr>
+              <p:cNvCxnSpPr/>
+              <p:nvPr/>
+            </p:nvCxnSpPr>
+            <p:spPr>
+              <a:xfrm>
+                <a:off x="5172639" y="2032041"/>
+                <a:ext cx="0" cy="2841523"/>
+              </a:xfrm>
+              <a:prstGeom prst="straightConnector1">
+                <a:avLst/>
+              </a:prstGeom>
+              <a:ln w="28575">
+                <a:solidFill>
+                  <a:schemeClr val="tx1"/>
+                </a:solidFill>
+                <a:headEnd type="none" w="med" len="med"/>
+                <a:tailEnd type="none" w="med" len="med"/>
+              </a:ln>
+            </p:spPr>
+            <p:style>
+              <a:lnRef idx="1">
+                <a:schemeClr val="accent1"/>
+              </a:lnRef>
+              <a:fillRef idx="0">
+                <a:schemeClr val="accent1"/>
+              </a:fillRef>
+              <a:effectRef idx="0">
+                <a:schemeClr val="accent1"/>
+              </a:effectRef>
+              <a:fontRef idx="minor">
+                <a:schemeClr val="tx1"/>
+              </a:fontRef>
+            </p:style>
+          </p:cxnSp>
+          <p:cxnSp>
+            <p:nvCxnSpPr>
+              <p:cNvPr id="19" name="Straight Arrow Connector 18">
+                <a:extLst>
+                  <a:ext uri="{FF2B5EF4-FFF2-40B4-BE49-F238E27FC236}">
+                    <a16:creationId xmlns:a16="http://schemas.microsoft.com/office/drawing/2014/main" id="{BB009CB9-465B-386A-1807-9135B4E7DE68}"/>
+                  </a:ext>
+                </a:extLst>
+              </p:cNvPr>
+              <p:cNvCxnSpPr/>
+              <p:nvPr/>
+            </p:nvCxnSpPr>
+            <p:spPr>
+              <a:xfrm>
+                <a:off x="5508304" y="2008238"/>
+                <a:ext cx="0" cy="2841523"/>
+              </a:xfrm>
+              <a:prstGeom prst="straightConnector1">
+                <a:avLst/>
+              </a:prstGeom>
+              <a:ln w="28575">
+                <a:solidFill>
+                  <a:schemeClr val="tx1"/>
+                </a:solidFill>
+                <a:headEnd type="none" w="med" len="med"/>
+                <a:tailEnd type="none" w="med" len="med"/>
+              </a:ln>
+            </p:spPr>
+            <p:style>
+              <a:lnRef idx="1">
+                <a:schemeClr val="accent1"/>
+              </a:lnRef>
+              <a:fillRef idx="0">
+                <a:schemeClr val="accent1"/>
+              </a:fillRef>
+              <a:effectRef idx="0">
+                <a:schemeClr val="accent1"/>
+              </a:effectRef>
+              <a:fontRef idx="minor">
+                <a:schemeClr val="tx1"/>
+              </a:fontRef>
+            </p:style>
+          </p:cxnSp>
+        </p:grpSp>
+        <p:sp>
+          <p:nvSpPr>
+            <p:cNvPr id="5" name="TextBox 4">
               <a:extLst>
                 <a:ext uri="{FF2B5EF4-FFF2-40B4-BE49-F238E27FC236}">
-                  <a16:creationId xmlns:a16="http://schemas.microsoft.com/office/drawing/2014/main" id="{3293D4C4-3C2E-6D8A-86CE-E1BFD0C30D19}"/>
-                </a:ext>
-              </a:extLst>
-            </p:cNvPr>
-            <p:cNvCxnSpPr/>
-            <p:nvPr/>
-          </p:nvCxnSpPr>
-          <p:spPr>
-            <a:xfrm>
-              <a:off x="1966452" y="2644877"/>
-              <a:ext cx="0" cy="2841523"/>
-            </a:xfrm>
-            <a:prstGeom prst="straightConnector1">
-              <a:avLst/>
-            </a:prstGeom>
-            <a:ln w="28575">
-              <a:solidFill>
-                <a:schemeClr val="tx1"/>
-              </a:solidFill>
-              <a:headEnd type="arrow" w="med" len="med"/>
-              <a:tailEnd type="arrow" w="med" len="med"/>
-            </a:ln>
-          </p:spPr>
-          <p:style>
-            <a:lnRef idx="1">
-              <a:schemeClr val="accent1"/>
-            </a:lnRef>
-            <a:fillRef idx="0">
-              <a:schemeClr val="accent1"/>
-            </a:fillRef>
-            <a:effectRef idx="0">
-              <a:schemeClr val="accent1"/>
-            </a:effectRef>
-            <a:fontRef idx="minor">
-              <a:schemeClr val="tx1"/>
-            </a:fontRef>
-          </p:style>
-        </p:cxnSp>
-        <p:sp>
-          <p:nvSpPr>
-            <p:cNvPr id="7" name="TextBox 6">
-              <a:extLst>
-                <a:ext uri="{FF2B5EF4-FFF2-40B4-BE49-F238E27FC236}">
-                  <a16:creationId xmlns:a16="http://schemas.microsoft.com/office/drawing/2014/main" id="{FE194AFF-C017-2A76-04EA-9C57F6FFDE7D}"/>
+                  <a16:creationId xmlns:a16="http://schemas.microsoft.com/office/drawing/2014/main" id="{A228DE73-1FFD-4716-9CEB-BE3F3F499268}"/>
                 </a:ext>
               </a:extLst>
             </p:cNvPr>
@@ -9037,8 +9414,8 @@
           </p:nvSpPr>
           <p:spPr>
             <a:xfrm>
-              <a:off x="1381539" y="3677478"/>
-              <a:ext cx="765313" cy="369332"/>
+              <a:off x="6404397" y="2810115"/>
+              <a:ext cx="1752277" cy="646331"/>
             </a:xfrm>
             <a:prstGeom prst="rect">
               <a:avLst/>
@@ -9051,361 +9428,81 @@
             </a:bodyPr>
             <a:lstStyle/>
             <a:p>
+              <a:pPr algn="r"/>
               <a:r>
-                <a:rPr lang="en-GB" dirty="0"/>
-                <a:t>20m</a:t>
-              </a:r>
-              <a:endParaRPr lang="en-NL" dirty="0"/>
-            </a:p>
-          </p:txBody>
-        </p:sp>
-        <p:sp>
-          <p:nvSpPr>
-            <p:cNvPr id="8" name="TextBox 7">
-              <a:extLst>
-                <a:ext uri="{FF2B5EF4-FFF2-40B4-BE49-F238E27FC236}">
-                  <a16:creationId xmlns:a16="http://schemas.microsoft.com/office/drawing/2014/main" id="{052C526C-18C8-D609-CCA7-12121FC4E827}"/>
-                </a:ext>
-              </a:extLst>
-            </p:cNvPr>
-            <p:cNvSpPr txBox="1"/>
-            <p:nvPr/>
-          </p:nvSpPr>
-          <p:spPr>
-            <a:xfrm>
-              <a:off x="2551366" y="2773017"/>
-              <a:ext cx="1752277" cy="369332"/>
-            </a:xfrm>
-            <a:prstGeom prst="rect">
-              <a:avLst/>
-            </a:prstGeom>
-            <a:noFill/>
-          </p:spPr>
-          <p:txBody>
-            <a:bodyPr wrap="square" rtlCol="0">
-              <a:spAutoFit/>
-            </a:bodyPr>
-            <a:lstStyle/>
-            <a:p>
-              <a:r>
-                <a:rPr lang="en-GB" dirty="0"/>
-                <a:t>10&lt;</a:t>
+                <a:rPr lang="en-GB" dirty="0">
+                  <a:solidFill>
+                    <a:schemeClr val="bg2">
+                      <a:lumMod val="50000"/>
+                    </a:schemeClr>
+                  </a:solidFill>
+                </a:rPr>
+                <a:t>0.25 &lt; </a:t>
               </a:r>
               <a:r>
-                <a:rPr lang="en-GB" dirty="0" err="1"/>
-                <a:t>Kh</a:t>
+                <a:rPr lang="el-GR" dirty="0">
+                  <a:solidFill>
+                    <a:schemeClr val="bg2">
+                      <a:lumMod val="50000"/>
+                    </a:schemeClr>
+                  </a:solidFill>
+                </a:rPr>
+                <a:t>φ</a:t>
               </a:r>
               <a:r>
-                <a:rPr lang="en-GB" dirty="0"/>
-                <a:t>&lt;40 [m/d]</a:t>
+                <a:rPr lang="nl-NL" dirty="0">
+                  <a:solidFill>
+                    <a:schemeClr val="bg2">
+                      <a:lumMod val="50000"/>
+                    </a:schemeClr>
+                  </a:solidFill>
+                </a:rPr>
+                <a:t> &lt; 0.5 [-] </a:t>
               </a:r>
-              <a:endParaRPr lang="en-NL" dirty="0"/>
             </a:p>
-          </p:txBody>
-        </p:sp>
-        <p:sp>
-          <p:nvSpPr>
-            <p:cNvPr id="9" name="TextBox 8">
-              <a:extLst>
-                <a:ext uri="{FF2B5EF4-FFF2-40B4-BE49-F238E27FC236}">
-                  <a16:creationId xmlns:a16="http://schemas.microsoft.com/office/drawing/2014/main" id="{44047FF3-7810-D1C7-CBE5-CF715F628776}"/>
-                </a:ext>
-              </a:extLst>
-            </p:cNvPr>
-            <p:cNvSpPr txBox="1"/>
-            <p:nvPr/>
-          </p:nvSpPr>
-          <p:spPr>
-            <a:xfrm>
-              <a:off x="2551365" y="4978561"/>
-              <a:ext cx="1752277" cy="369332"/>
-            </a:xfrm>
-            <a:prstGeom prst="rect">
-              <a:avLst/>
-            </a:prstGeom>
-            <a:noFill/>
-          </p:spPr>
-          <p:txBody>
-            <a:bodyPr wrap="square" rtlCol="0">
-              <a:spAutoFit/>
-            </a:bodyPr>
-            <a:lstStyle/>
             <a:p>
+              <a:pPr algn="r"/>
               <a:r>
-                <a:rPr lang="en-GB" dirty="0"/>
-                <a:t>Salt = 30g/l</a:t>
+                <a:rPr lang="nl-NL" dirty="0">
+                  <a:solidFill>
+                    <a:schemeClr val="bg2">
+                      <a:lumMod val="50000"/>
+                    </a:schemeClr>
+                  </a:solidFill>
+                </a:rPr>
+                <a:t>0.5 &lt; </a:t>
               </a:r>
-              <a:endParaRPr lang="en-NL" dirty="0"/>
-            </a:p>
-          </p:txBody>
-        </p:sp>
-        <p:cxnSp>
-          <p:nvCxnSpPr>
-            <p:cNvPr id="12" name="Straight Arrow Connector 11">
-              <a:extLst>
-                <a:ext uri="{FF2B5EF4-FFF2-40B4-BE49-F238E27FC236}">
-                  <a16:creationId xmlns:a16="http://schemas.microsoft.com/office/drawing/2014/main" id="{1D0CEA7E-2336-DAC3-E7BB-5FE725D47EE7}"/>
-                </a:ext>
-              </a:extLst>
-            </p:cNvPr>
-            <p:cNvCxnSpPr>
-              <a:cxnSpLocks/>
-              <a:stCxn id="4" idx="0"/>
-            </p:cNvCxnSpPr>
-            <p:nvPr/>
-          </p:nvCxnSpPr>
-          <p:spPr>
-            <a:xfrm flipV="1">
-              <a:off x="5358581" y="1690688"/>
-              <a:ext cx="0" cy="983686"/>
-            </a:xfrm>
-            <a:prstGeom prst="straightConnector1">
-              <a:avLst/>
-            </a:prstGeom>
-            <a:ln w="76200">
-              <a:tailEnd type="triangle"/>
-            </a:ln>
-          </p:spPr>
-          <p:style>
-            <a:lnRef idx="1">
-              <a:schemeClr val="accent1"/>
-            </a:lnRef>
-            <a:fillRef idx="0">
-              <a:schemeClr val="accent1"/>
-            </a:fillRef>
-            <a:effectRef idx="0">
-              <a:schemeClr val="accent1"/>
-            </a:effectRef>
-            <a:fontRef idx="minor">
-              <a:schemeClr val="tx1"/>
-            </a:fontRef>
-          </p:style>
-        </p:cxnSp>
-        <p:sp>
-          <p:nvSpPr>
-            <p:cNvPr id="14" name="TextBox 13">
-              <a:extLst>
-                <a:ext uri="{FF2B5EF4-FFF2-40B4-BE49-F238E27FC236}">
-                  <a16:creationId xmlns:a16="http://schemas.microsoft.com/office/drawing/2014/main" id="{B055E607-326E-5E72-8235-F03C3D3AE58D}"/>
-                </a:ext>
-              </a:extLst>
-            </p:cNvPr>
-            <p:cNvSpPr txBox="1"/>
-            <p:nvPr/>
-          </p:nvSpPr>
-          <p:spPr>
-            <a:xfrm>
-              <a:off x="5486399" y="1798450"/>
-              <a:ext cx="3264309" cy="369332"/>
-            </a:xfrm>
-            <a:prstGeom prst="rect">
-              <a:avLst/>
-            </a:prstGeom>
-            <a:noFill/>
-          </p:spPr>
-          <p:txBody>
-            <a:bodyPr wrap="square" rtlCol="0">
-              <a:spAutoFit/>
-            </a:bodyPr>
-            <a:lstStyle/>
-            <a:p>
               <a:r>
-                <a:rPr lang="en-GB" dirty="0"/>
-                <a:t>40 000 m^3 in August &amp; July</a:t>
+                <a:rPr lang="el-GR" dirty="0">
+                  <a:solidFill>
+                    <a:schemeClr val="bg2">
+                      <a:lumMod val="50000"/>
+                    </a:schemeClr>
+                  </a:solidFill>
+                </a:rPr>
+                <a:t>α</a:t>
               </a:r>
-              <a:endParaRPr lang="en-NL" dirty="0"/>
-            </a:p>
-          </p:txBody>
-        </p:sp>
-        <p:cxnSp>
-          <p:nvCxnSpPr>
-            <p:cNvPr id="18" name="Straight Arrow Connector 17">
-              <a:extLst>
-                <a:ext uri="{FF2B5EF4-FFF2-40B4-BE49-F238E27FC236}">
-                  <a16:creationId xmlns:a16="http://schemas.microsoft.com/office/drawing/2014/main" id="{2C30E245-7D8F-DF5C-79FB-C6E8AFA3C7FF}"/>
-                </a:ext>
-              </a:extLst>
-            </p:cNvPr>
-            <p:cNvCxnSpPr/>
-            <p:nvPr/>
-          </p:nvCxnSpPr>
-          <p:spPr>
-            <a:xfrm>
-              <a:off x="5172639" y="2032041"/>
-              <a:ext cx="0" cy="2841523"/>
-            </a:xfrm>
-            <a:prstGeom prst="straightConnector1">
-              <a:avLst/>
-            </a:prstGeom>
-            <a:ln w="28575">
-              <a:solidFill>
-                <a:schemeClr val="tx1"/>
-              </a:solidFill>
-              <a:headEnd type="none" w="med" len="med"/>
-              <a:tailEnd type="none" w="med" len="med"/>
-            </a:ln>
-          </p:spPr>
-          <p:style>
-            <a:lnRef idx="1">
-              <a:schemeClr val="accent1"/>
-            </a:lnRef>
-            <a:fillRef idx="0">
-              <a:schemeClr val="accent1"/>
-            </a:fillRef>
-            <a:effectRef idx="0">
-              <a:schemeClr val="accent1"/>
-            </a:effectRef>
-            <a:fontRef idx="minor">
-              <a:schemeClr val="tx1"/>
-            </a:fontRef>
-          </p:style>
-        </p:cxnSp>
-        <p:cxnSp>
-          <p:nvCxnSpPr>
-            <p:cNvPr id="19" name="Straight Arrow Connector 18">
-              <a:extLst>
-                <a:ext uri="{FF2B5EF4-FFF2-40B4-BE49-F238E27FC236}">
-                  <a16:creationId xmlns:a16="http://schemas.microsoft.com/office/drawing/2014/main" id="{BB009CB9-465B-386A-1807-9135B4E7DE68}"/>
-                </a:ext>
-              </a:extLst>
-            </p:cNvPr>
-            <p:cNvCxnSpPr/>
-            <p:nvPr/>
-          </p:nvCxnSpPr>
-          <p:spPr>
-            <a:xfrm>
-              <a:off x="5508304" y="2008238"/>
-              <a:ext cx="0" cy="2841523"/>
-            </a:xfrm>
-            <a:prstGeom prst="straightConnector1">
-              <a:avLst/>
-            </a:prstGeom>
-            <a:ln w="28575">
-              <a:solidFill>
-                <a:schemeClr val="tx1"/>
-              </a:solidFill>
-              <a:headEnd type="none" w="med" len="med"/>
-              <a:tailEnd type="none" w="med" len="med"/>
-            </a:ln>
-          </p:spPr>
-          <p:style>
-            <a:lnRef idx="1">
-              <a:schemeClr val="accent1"/>
-            </a:lnRef>
-            <a:fillRef idx="0">
-              <a:schemeClr val="accent1"/>
-            </a:fillRef>
-            <a:effectRef idx="0">
-              <a:schemeClr val="accent1"/>
-            </a:effectRef>
-            <a:fontRef idx="minor">
-              <a:schemeClr val="tx1"/>
-            </a:fontRef>
-          </p:style>
-        </p:cxnSp>
-      </p:grpSp>
-      <p:sp>
-        <p:nvSpPr>
-          <p:cNvPr id="5" name="TextBox 4">
-            <a:extLst>
-              <a:ext uri="{FF2B5EF4-FFF2-40B4-BE49-F238E27FC236}">
-                <a16:creationId xmlns:a16="http://schemas.microsoft.com/office/drawing/2014/main" id="{A228DE73-1FFD-4716-9CEB-BE3F3F499268}"/>
-              </a:ext>
-            </a:extLst>
-          </p:cNvPr>
-          <p:cNvSpPr txBox="1"/>
-          <p:nvPr/>
-        </p:nvSpPr>
-        <p:spPr>
-          <a:xfrm>
-            <a:off x="6404397" y="2810115"/>
-            <a:ext cx="1752277" cy="646331"/>
-          </a:xfrm>
-          <a:prstGeom prst="rect">
-            <a:avLst/>
-          </a:prstGeom>
-          <a:noFill/>
-        </p:spPr>
-        <p:txBody>
-          <a:bodyPr wrap="square" rtlCol="0">
-            <a:spAutoFit/>
-          </a:bodyPr>
-          <a:lstStyle/>
-          <a:p>
-            <a:pPr algn="r"/>
-            <a:r>
-              <a:rPr lang="en-GB" dirty="0">
+              <a:r>
+                <a:rPr lang="nl-NL" dirty="0">
+                  <a:solidFill>
+                    <a:schemeClr val="bg2">
+                      <a:lumMod val="50000"/>
+                    </a:schemeClr>
+                  </a:solidFill>
+                </a:rPr>
+                <a:t> &lt; 2 [m]</a:t>
+              </a:r>
+              <a:endParaRPr lang="en-NL" dirty="0">
                 <a:solidFill>
                   <a:schemeClr val="bg2">
                     <a:lumMod val="50000"/>
                   </a:schemeClr>
                 </a:solidFill>
-              </a:rPr>
-              <a:t>0.25 &lt; </a:t>
-            </a:r>
-            <a:r>
-              <a:rPr lang="el-GR" dirty="0">
-                <a:solidFill>
-                  <a:schemeClr val="bg2">
-                    <a:lumMod val="50000"/>
-                  </a:schemeClr>
-                </a:solidFill>
-              </a:rPr>
-              <a:t>φ</a:t>
-            </a:r>
-            <a:r>
-              <a:rPr lang="nl-NL" dirty="0">
-                <a:solidFill>
-                  <a:schemeClr val="bg2">
-                    <a:lumMod val="50000"/>
-                  </a:schemeClr>
-                </a:solidFill>
-              </a:rPr>
-              <a:t> &lt; 0.5 </a:t>
-            </a:r>
-          </a:p>
-          <a:p>
-            <a:pPr algn="r"/>
-            <a:r>
-              <a:rPr lang="nl-NL" dirty="0">
-                <a:solidFill>
-                  <a:schemeClr val="bg2">
-                    <a:lumMod val="50000"/>
-                  </a:schemeClr>
-                </a:solidFill>
-              </a:rPr>
-              <a:t>0.5 &lt; </a:t>
-            </a:r>
-            <a:r>
-              <a:rPr lang="el-GR" dirty="0">
-                <a:solidFill>
-                  <a:schemeClr val="bg2">
-                    <a:lumMod val="50000"/>
-                  </a:schemeClr>
-                </a:solidFill>
-              </a:rPr>
-              <a:t>α</a:t>
-            </a:r>
-            <a:r>
-              <a:rPr lang="nl-NL" dirty="0">
-                <a:solidFill>
-                  <a:schemeClr val="bg2">
-                    <a:lumMod val="50000"/>
-                  </a:schemeClr>
-                </a:solidFill>
-              </a:rPr>
-              <a:t> &lt; 2</a:t>
-            </a:r>
-            <a:endParaRPr lang="en-NL" dirty="0">
-              <a:solidFill>
-                <a:schemeClr val="bg2">
-                  <a:lumMod val="50000"/>
-                </a:schemeClr>
-              </a:solidFill>
-            </a:endParaRPr>
-          </a:p>
-        </p:txBody>
-      </p:sp>
+              </a:endParaRPr>
+            </a:p>
+          </p:txBody>
+        </p:sp>
+      </p:grpSp>
     </p:spTree>
     <p:extLst>
       <p:ext uri="{BB962C8B-B14F-4D97-AF65-F5344CB8AC3E}">
@@ -11051,7 +11148,7 @@
           </p:nvPr>
         </p:nvPicPr>
         <p:blipFill>
-          <a:blip r:embed="rId2"/>
+          <a:blip r:embed="rId3"/>
           <a:stretch>
             <a:fillRect/>
           </a:stretch>
@@ -11078,7 +11175,7 @@
           <p:nvPr/>
         </p:nvPicPr>
         <p:blipFill>
-          <a:blip r:embed="rId3"/>
+          <a:blip r:embed="rId4"/>
           <a:stretch>
             <a:fillRect/>
           </a:stretch>
